--- a/Courses/Software-Sciences/Module-2-DS-and-Algo/06.1-String-Processing-Basics/06.1-String-Processing-Basics.pptx
+++ b/Courses/Software-Sciences/Module-2-DS-and-Algo/06.1-String-Processing-Basics/06.1-String-Processing-Basics.pptx
@@ -145,13 +145,13 @@
   <p:extLst>
     <p:ext uri="{521415D9-36F7-43E2-AB2F-B90AF26B5E84}">
       <p14:sectionLst xmlns:p14="http://schemas.microsoft.com/office/powerpoint/2010/main">
-        <p14:section name="Intro" id="{75B910F1-82FA-4065-A8BF-8985173224E1}">
+        <p14:section name="Въведение" id="{75B910F1-82FA-4065-A8BF-8985173224E1}">
           <p14:sldIdLst>
             <p14:sldId id="494"/>
             <p14:sldId id="495"/>
           </p14:sldIdLst>
         </p14:section>
-        <p14:section name="Strings" id="{CCDC0104-1DDC-4FF9-8AC4-B5CDDDAC7D41}">
+        <p14:section name="Низове" id="{CCDC0104-1DDC-4FF9-8AC4-B5CDDDAC7D41}">
           <p14:sldIdLst>
             <p14:sldId id="641"/>
             <p14:sldId id="499"/>
@@ -159,7 +159,7 @@
             <p14:sldId id="501"/>
           </p14:sldIdLst>
         </p14:section>
-        <p14:section name="Manipulating Strings" id="{C9897B5E-0F9A-48AF-BB9C-C7F69D35E3D5}">
+        <p14:section name="Манипулиране на низ" id="{C9897B5E-0F9A-48AF-BB9C-C7F69D35E3D5}">
           <p14:sldIdLst>
             <p14:sldId id="642"/>
             <p14:sldId id="638"/>
@@ -179,7 +179,7 @@
             <p14:sldId id="624"/>
           </p14:sldIdLst>
         </p14:section>
-        <p14:section name="Building and Modifying Strings" id="{B75DB639-F27D-490A-8310-A0BF70CC032F}">
+        <p14:section name="Изграждане и модификация на низ" id="{B75DB639-F27D-490A-8310-A0BF70CC032F}">
           <p14:sldIdLst>
             <p14:sldId id="643"/>
             <p14:sldId id="516"/>
@@ -191,7 +191,7 @@
             <p14:sldId id="521"/>
           </p14:sldIdLst>
         </p14:section>
-        <p14:section name="Conclusion" id="{82734893-F642-403C-B68D-241CAD569015}">
+        <p14:section name="Обобщение" id="{82734893-F642-403C-B68D-241CAD569015}">
           <p14:sldIdLst>
             <p14:sldId id="349"/>
             <p14:sldId id="644"/>
@@ -324,7 +324,7 @@
           <a:p>
             <a:fld id="{4E087215-0C8F-4762-A664-737A353EC9A4}" type="datetimeFigureOut">
               <a:rPr lang="bg-BG" smtClean="0"/>
-              <a:t>6.7.2023 г.</a:t>
+              <a:t>19.08.23 г.</a:t>
             </a:fld>
             <a:endParaRPr lang="bg-BG" dirty="0"/>
           </a:p>
@@ -515,7 +515,7 @@
           <a:p>
             <a:fld id="{72D84649-876A-46C9-8472-14CB09C070D8}" type="datetimeFigureOut">
               <a:rPr lang="en-US" smtClean="0"/>
-              <a:t>7/6/2023</a:t>
+              <a:t>8/19/23</a:t>
             </a:fld>
             <a:endParaRPr lang="en-US" dirty="0"/>
           </a:p>
@@ -8042,22 +8042,33 @@
         </p:spPr>
         <p:txBody>
           <a:bodyPr>
-            <a:normAutofit lnSpcReduction="10000"/>
+            <a:normAutofit/>
           </a:bodyPr>
           <a:lstStyle/>
           <a:p>
             <a:r>
+              <a:rPr lang="bg-BG" sz="3550" dirty="0"/>
+              <a:t>Манипулиране </a:t>
+            </a:r>
+            <a:r>
               <a:rPr lang="en-US" sz="3550" dirty="0"/>
-              <a:t>Маниполиране на низ</a:t>
-            </a:r>
-            <a:endParaRPr lang="bg-BG" sz="3550" dirty="0">
-              <a:cs typeface="Calibri"/>
-            </a:endParaRPr>
-          </a:p>
-          <a:p>
+              <a:t>на низ</a:t>
+            </a:r>
+            <a:r>
+              <a:rPr lang="bg-BG" sz="3550" dirty="0"/>
+              <a:t> </a:t>
+            </a:r>
             <a:r>
               <a:rPr lang="en-US" sz="3550" dirty="0"/>
-              <a:t>чрез класа.NET String</a:t>
+              <a:t>чрез класа</a:t>
+            </a:r>
+            <a:r>
+              <a:rPr lang="bg-BG" sz="3550" dirty="0"/>
+              <a:t> </a:t>
+            </a:r>
+            <a:r>
+              <a:rPr lang="en-US" sz="3550" dirty="0"/>
+              <a:t>.NET String</a:t>
             </a:r>
             <a:endParaRPr lang="bg-BG" sz="3550" dirty="0">
               <a:cs typeface="Calibri"/>
@@ -8094,10 +8105,9 @@
           <a:lstStyle/>
           <a:p>
             <a:r>
-              <a:rPr lang="en-US" sz="5350" dirty="0"/>
-              <a:t>Низ и текстови операции</a:t>
-            </a:r>
-            <a:endParaRPr lang="bg-BG" sz="5350" dirty="0"/>
+              <a:rPr lang="bg-BG" sz="5350" dirty="0"/>
+              <a:t>Стрингообработка</a:t>
+            </a:r>
           </a:p>
         </p:txBody>
       </p:sp>
@@ -9033,11 +9043,18 @@
               <a:t>Решение: </a:t>
             </a:r>
             <a:r>
+              <a:rPr lang="bg-BG" sz="3950" dirty="0">
+                <a:ea typeface="+mj-lt"/>
+                <a:cs typeface="+mj-lt"/>
+              </a:rPr>
+              <a:t>Повторение</a:t>
+            </a:r>
+            <a:r>
               <a:rPr lang="en-US" sz="3950" dirty="0">
                 <a:ea typeface="+mj-lt"/>
                 <a:cs typeface="+mj-lt"/>
               </a:rPr>
-              <a:t>Повтаряне на низове</a:t>
+              <a:t> на низове</a:t>
             </a:r>
             <a:endParaRPr lang="en-US" sz="3950" dirty="0"/>
           </a:p>
@@ -9305,7 +9322,7 @@
             <a:pPr algn="ctr"/>
             <a:r>
               <a:rPr lang="bg-BG" sz="1999" dirty="0"/>
-              <a:t>Проверете решението тук</a:t>
+              <a:t>Проверете решението си тук</a:t>
             </a:r>
             <a:r>
               <a:rPr lang="en-US" sz="1999" dirty="0"/>
@@ -9821,20 +9838,32 @@
               <a:t>()</a:t>
             </a:r>
             <a:r>
+              <a:rPr lang="en-US" sz="3600" dirty="0">
+                <a:solidFill>
+                  <a:schemeClr val="bg1"/>
+                </a:solidFill>
+              </a:rPr>
+              <a:t> </a:t>
+            </a:r>
+            <a:r>
               <a:rPr lang="en-US" sz="3600" dirty="0"/>
-              <a:t> – </a:t>
-            </a:r>
-            <a:r>
-              <a:rPr lang="en-US" sz="3600" noProof="1"/>
-              <a:t>връща </a:t>
-            </a:r>
-            <a:r>
-              <a:rPr lang="en-US" sz="3600" b="1" noProof="1">
-                <a:solidFill>
-                  <a:schemeClr val="accent1"/>
-                </a:solidFill>
-              </a:rPr>
-              <a:t>първия индекс </a:t>
+              <a:t>–</a:t>
+            </a:r>
+            <a:r>
+              <a:rPr lang="bg-BG" sz="3600" dirty="0"/>
+              <a:t> връща </a:t>
+            </a:r>
+            <a:r>
+              <a:rPr lang="bg-BG" sz="3600" b="1" dirty="0">
+                <a:solidFill>
+                  <a:schemeClr val="bg1"/>
+                </a:solidFill>
+              </a:rPr>
+              <a:t>индекса</a:t>
+            </a:r>
+            <a:r>
+              <a:rPr lang="bg-BG" sz="3600" dirty="0"/>
+              <a:t>, на който се намира елементът, </a:t>
             </a:r>
             <a:r>
               <a:rPr lang="en-US" sz="3600" noProof="1"/>
@@ -9850,21 +9879,9 @@
             </a:r>
             <a:r>
               <a:rPr lang="bg-BG" sz="3600" noProof="1"/>
-              <a:t>, ако елементът не е намерен</a:t>
-            </a:r>
-            <a:r>
-              <a:rPr lang="bg-BG" sz="3600" noProof="1">
-                <a:solidFill>
-                  <a:schemeClr val="bg1"/>
-                </a:solidFill>
-              </a:rPr>
-              <a:t> </a:t>
-            </a:r>
-            <a:endParaRPr lang="bg-BG" sz="3600" dirty="0">
-              <a:solidFill>
-                <a:schemeClr val="bg1"/>
-              </a:solidFill>
-            </a:endParaRPr>
+              <a:t>, ако елементът не е намерен:</a:t>
+            </a:r>
+            <a:endParaRPr lang="bg-BG" sz="3600" dirty="0"/>
           </a:p>
           <a:p>
             <a:pPr marL="0" indent="0">
@@ -10281,9 +10298,7 @@
             <a:r>
               <a:rPr lang="en-US" sz="2800" b="1" noProof="1">
                 <a:solidFill>
-                  <a:schemeClr val="accent2">
-                    <a:lumMod val="75000"/>
-                  </a:schemeClr>
+                  <a:schemeClr val="accent2"/>
                 </a:solidFill>
                 <a:latin typeface="Consolas" panose="020B0609020204030204" pitchFamily="49" charset="0"/>
                 <a:cs typeface="Consolas" panose="020B0609020204030204" pitchFamily="49" charset="0"/>
@@ -10291,6 +10306,9 @@
               <a:t>// 0</a:t>
             </a:r>
             <a:endParaRPr lang="en-BG" sz="2800" b="1" dirty="0">
+              <a:solidFill>
+                <a:schemeClr val="accent2"/>
+              </a:solidFill>
               <a:latin typeface="Consolas" panose="020B0609020204030204" pitchFamily="49" charset="0"/>
               <a:cs typeface="Consolas" panose="020B0609020204030204" pitchFamily="49" charset="0"/>
             </a:endParaRPr>
@@ -10343,9 +10361,7 @@
             <a:r>
               <a:rPr lang="en-US" sz="2800" b="1" noProof="1">
                 <a:solidFill>
-                  <a:schemeClr val="accent2">
-                    <a:lumMod val="75000"/>
-                  </a:schemeClr>
+                  <a:schemeClr val="accent2"/>
                 </a:solidFill>
                 <a:latin typeface="Consolas" panose="020B0609020204030204" pitchFamily="49" charset="0"/>
                 <a:cs typeface="Consolas" panose="020B0609020204030204" pitchFamily="49" charset="0"/>
@@ -10355,9 +10371,7 @@
             <a:r>
               <a:rPr lang="bg-BG" sz="2800" b="1" noProof="1">
                 <a:solidFill>
-                  <a:schemeClr val="accent2">
-                    <a:lumMod val="75000"/>
-                  </a:schemeClr>
+                  <a:schemeClr val="accent2"/>
                 </a:solidFill>
                 <a:latin typeface="Consolas" panose="020B0609020204030204" pitchFamily="49" charset="0"/>
                 <a:cs typeface="Consolas" panose="020B0609020204030204" pitchFamily="49" charset="0"/>
@@ -10365,6 +10379,9 @@
               <a:t>1</a:t>
             </a:r>
             <a:endParaRPr lang="en-BG" sz="2800" b="1" dirty="0">
+              <a:solidFill>
+                <a:schemeClr val="accent2"/>
+              </a:solidFill>
               <a:latin typeface="Consolas" panose="020B0609020204030204" pitchFamily="49" charset="0"/>
               <a:cs typeface="Consolas" panose="020B0609020204030204" pitchFamily="49" charset="0"/>
             </a:endParaRPr>
@@ -10417,9 +10434,7 @@
             <a:r>
               <a:rPr lang="en-US" sz="2800" b="1" noProof="1">
                 <a:solidFill>
-                  <a:schemeClr val="accent2">
-                    <a:lumMod val="75000"/>
-                  </a:schemeClr>
+                  <a:schemeClr val="accent2"/>
                 </a:solidFill>
                 <a:latin typeface="Consolas" panose="020B0609020204030204" pitchFamily="49" charset="0"/>
                 <a:cs typeface="Consolas" panose="020B0609020204030204" pitchFamily="49" charset="0"/>
@@ -10429,9 +10444,7 @@
             <a:r>
               <a:rPr lang="bg-BG" sz="2800" b="1" noProof="1">
                 <a:solidFill>
-                  <a:schemeClr val="accent2">
-                    <a:lumMod val="75000"/>
-                  </a:schemeClr>
+                  <a:schemeClr val="accent2"/>
                 </a:solidFill>
                 <a:latin typeface="Consolas" panose="020B0609020204030204" pitchFamily="49" charset="0"/>
                 <a:cs typeface="Consolas" panose="020B0609020204030204" pitchFamily="49" charset="0"/>
@@ -10439,6 +10452,9 @@
               <a:t>-1</a:t>
             </a:r>
             <a:endParaRPr lang="en-BG" sz="2800" b="1" dirty="0">
+              <a:solidFill>
+                <a:schemeClr val="accent2"/>
+              </a:solidFill>
               <a:latin typeface="Consolas" panose="020B0609020204030204" pitchFamily="49" charset="0"/>
               <a:cs typeface="Consolas" panose="020B0609020204030204" pitchFamily="49" charset="0"/>
             </a:endParaRPr>
@@ -10888,8 +10904,16 @@
               <a:t>()</a:t>
             </a:r>
             <a:r>
+              <a:rPr lang="en-US" sz="3600" dirty="0">
+                <a:solidFill>
+                  <a:schemeClr val="bg1"/>
+                </a:solidFill>
+              </a:rPr>
+              <a:t> </a:t>
+            </a:r>
+            <a:r>
               <a:rPr lang="en-US" sz="3600" dirty="0"/>
-              <a:t> – </a:t>
+              <a:t>– </a:t>
             </a:r>
             <a:r>
               <a:rPr lang="en-US" sz="3600" dirty="0">
@@ -10901,34 +10925,26 @@
             <a:r>
               <a:rPr lang="en-US" sz="3600" b="1" dirty="0">
                 <a:solidFill>
-                  <a:schemeClr val="accent1"/>
+                  <a:schemeClr val="bg1"/>
                 </a:solidFill>
               </a:rPr>
               <a:t>последния индекс</a:t>
             </a:r>
             <a:r>
+              <a:rPr lang="bg-BG" sz="3600" dirty="0"/>
+              <a:t>, на който се намира дадения елемент, или </a:t>
+            </a:r>
+            <a:r>
               <a:rPr lang="bg-BG" sz="3600" b="1" dirty="0">
                 <a:solidFill>
-                  <a:schemeClr val="accent1"/>
-                </a:solidFill>
-              </a:rPr>
-              <a:t> </a:t>
+                  <a:schemeClr val="bg1"/>
+                </a:solidFill>
+              </a:rPr>
+              <a:t>-1</a:t>
             </a:r>
             <a:r>
               <a:rPr lang="bg-BG" sz="3600" dirty="0"/>
-              <a:t>или </a:t>
-            </a:r>
-            <a:r>
-              <a:rPr lang="bg-BG" sz="3600" b="1" dirty="0">
-                <a:solidFill>
-                  <a:schemeClr val="accent1"/>
-                </a:solidFill>
-              </a:rPr>
-              <a:t>-1</a:t>
-            </a:r>
-            <a:r>
-              <a:rPr lang="bg-BG" sz="3600" dirty="0"/>
-              <a:t>, ако елементът не е намерен</a:t>
+              <a:t>, ако не е намерен</a:t>
             </a:r>
             <a:endParaRPr lang="en-US" sz="3600" dirty="0">
               <a:cs typeface="Calibri"/>
@@ -11258,9 +11274,7 @@
             <a:r>
               <a:rPr lang="en-US" sz="2800" b="1" noProof="1">
                 <a:solidFill>
-                  <a:schemeClr val="accent2">
-                    <a:lumMod val="75000"/>
-                  </a:schemeClr>
+                  <a:schemeClr val="accent2"/>
                 </a:solidFill>
                 <a:latin typeface="Consolas" panose="020B0609020204030204" pitchFamily="49" charset="0"/>
                 <a:cs typeface="Consolas" panose="020B0609020204030204" pitchFamily="49" charset="0"/>
@@ -11268,6 +11282,9 @@
               <a:t>// 21</a:t>
             </a:r>
             <a:endParaRPr lang="en-BG" sz="2800" b="1" dirty="0">
+              <a:solidFill>
+                <a:schemeClr val="accent2"/>
+              </a:solidFill>
               <a:latin typeface="Consolas" panose="020B0609020204030204" pitchFamily="49" charset="0"/>
               <a:cs typeface="Consolas" panose="020B0609020204030204" pitchFamily="49" charset="0"/>
             </a:endParaRPr>
@@ -11320,9 +11337,7 @@
             <a:r>
               <a:rPr lang="en-US" sz="2800" b="1" noProof="1">
                 <a:solidFill>
-                  <a:schemeClr val="accent2">
-                    <a:lumMod val="75000"/>
-                  </a:schemeClr>
+                  <a:schemeClr val="accent2"/>
                 </a:solidFill>
                 <a:latin typeface="Consolas" panose="020B0609020204030204" pitchFamily="49" charset="0"/>
                 <a:cs typeface="Consolas" panose="020B0609020204030204" pitchFamily="49" charset="0"/>
@@ -11330,6 +11345,9 @@
               <a:t>// 29</a:t>
             </a:r>
             <a:endParaRPr lang="en-BG" sz="2800" b="1" dirty="0">
+              <a:solidFill>
+                <a:schemeClr val="accent2"/>
+              </a:solidFill>
               <a:latin typeface="Consolas" panose="020B0609020204030204" pitchFamily="49" charset="0"/>
               <a:cs typeface="Consolas" panose="020B0609020204030204" pitchFamily="49" charset="0"/>
             </a:endParaRPr>
@@ -11382,9 +11400,7 @@
             <a:r>
               <a:rPr lang="en-US" sz="2800" b="1" noProof="1">
                 <a:solidFill>
-                  <a:schemeClr val="accent2">
-                    <a:lumMod val="75000"/>
-                  </a:schemeClr>
+                  <a:schemeClr val="accent2"/>
                 </a:solidFill>
                 <a:latin typeface="Consolas" panose="020B0609020204030204" pitchFamily="49" charset="0"/>
                 <a:cs typeface="Consolas" panose="020B0609020204030204" pitchFamily="49" charset="0"/>
@@ -11394,9 +11410,7 @@
             <a:r>
               <a:rPr lang="bg-BG" sz="2800" b="1" noProof="1">
                 <a:solidFill>
-                  <a:schemeClr val="accent2">
-                    <a:lumMod val="75000"/>
-                  </a:schemeClr>
+                  <a:schemeClr val="accent2"/>
                 </a:solidFill>
                 <a:latin typeface="Consolas" panose="020B0609020204030204" pitchFamily="49" charset="0"/>
                 <a:cs typeface="Consolas" panose="020B0609020204030204" pitchFamily="49" charset="0"/>
@@ -11404,6 +11418,9 @@
               <a:t>-1</a:t>
             </a:r>
             <a:endParaRPr lang="en-BG" sz="2800" b="1" dirty="0">
+              <a:solidFill>
+                <a:schemeClr val="accent2"/>
+              </a:solidFill>
               <a:latin typeface="Consolas" panose="020B0609020204030204" pitchFamily="49" charset="0"/>
               <a:cs typeface="Consolas" panose="020B0609020204030204" pitchFamily="49" charset="0"/>
             </a:endParaRPr>
@@ -11809,13 +11826,32 @@
             </a:r>
             <a:r>
               <a:rPr lang="en-US" sz="3600" dirty="0"/>
-              <a:t> – проверява дали</a:t>
+              <a:t> – </a:t>
             </a:r>
             <a:r>
               <a:rPr lang="bg-BG" sz="3600" dirty="0"/>
-              <a:t> низа съдържа даден подниз</a:t>
-            </a:r>
-            <a:endParaRPr lang="en-US" sz="3600" dirty="0">
+              <a:t>проверява</a:t>
+            </a:r>
+            <a:r>
+              <a:rPr lang="en-US" sz="3600" dirty="0"/>
+              <a:t> </a:t>
+            </a:r>
+            <a:r>
+              <a:rPr lang="bg-BG" sz="3600" dirty="0"/>
+              <a:t>дали низът съдържа даден </a:t>
+            </a:r>
+            <a:r>
+              <a:rPr lang="bg-BG" sz="3600" b="1" dirty="0">
+                <a:solidFill>
+                  <a:schemeClr val="bg1"/>
+                </a:solidFill>
+              </a:rPr>
+              <a:t>подниз</a:t>
+            </a:r>
+            <a:endParaRPr lang="en-US" sz="3600" b="1" dirty="0">
+              <a:solidFill>
+                <a:schemeClr val="bg1"/>
+              </a:solidFill>
               <a:cs typeface="Calibri"/>
             </a:endParaRPr>
           </a:p>
@@ -12278,9 +12314,7 @@
             <a:r>
               <a:rPr lang="en-US" sz="2800" b="1" noProof="1">
                 <a:solidFill>
-                  <a:schemeClr val="accent2">
-                    <a:lumMod val="75000"/>
-                  </a:schemeClr>
+                  <a:schemeClr val="accent2"/>
                 </a:solidFill>
                 <a:latin typeface="Consolas" panose="020B0609020204030204" pitchFamily="49" charset="0"/>
                 <a:cs typeface="Consolas" panose="020B0609020204030204" pitchFamily="49" charset="0"/>
@@ -12288,6 +12322,9 @@
               <a:t>// True</a:t>
             </a:r>
             <a:endParaRPr lang="en-BG" sz="2800" b="1" dirty="0">
+              <a:solidFill>
+                <a:schemeClr val="accent2"/>
+              </a:solidFill>
               <a:latin typeface="Consolas" panose="020B0609020204030204" pitchFamily="49" charset="0"/>
               <a:cs typeface="Consolas" panose="020B0609020204030204" pitchFamily="49" charset="0"/>
             </a:endParaRPr>
@@ -12340,9 +12377,7 @@
             <a:r>
               <a:rPr lang="en-US" sz="2800" b="1" noProof="1">
                 <a:solidFill>
-                  <a:schemeClr val="accent2">
-                    <a:lumMod val="75000"/>
-                  </a:schemeClr>
+                  <a:schemeClr val="accent2"/>
                 </a:solidFill>
                 <a:latin typeface="Consolas" panose="020B0609020204030204" pitchFamily="49" charset="0"/>
                 <a:cs typeface="Consolas" panose="020B0609020204030204" pitchFamily="49" charset="0"/>
@@ -12350,6 +12385,9 @@
               <a:t>// False</a:t>
             </a:r>
             <a:endParaRPr lang="en-BG" sz="2800" b="1" dirty="0">
+              <a:solidFill>
+                <a:schemeClr val="accent2"/>
+              </a:solidFill>
               <a:latin typeface="Consolas" panose="020B0609020204030204" pitchFamily="49" charset="0"/>
               <a:cs typeface="Consolas" panose="020B0609020204030204" pitchFamily="49" charset="0"/>
             </a:endParaRPr>
@@ -12402,9 +12440,7 @@
             <a:r>
               <a:rPr lang="en-US" sz="2800" b="1" noProof="1">
                 <a:solidFill>
-                  <a:schemeClr val="accent2">
-                    <a:lumMod val="75000"/>
-                  </a:schemeClr>
+                  <a:schemeClr val="accent2"/>
                 </a:solidFill>
                 <a:latin typeface="Consolas" panose="020B0609020204030204" pitchFamily="49" charset="0"/>
                 <a:cs typeface="Consolas" panose="020B0609020204030204" pitchFamily="49" charset="0"/>
@@ -12412,6 +12448,9 @@
               <a:t>// False</a:t>
             </a:r>
             <a:endParaRPr lang="en-BG" sz="2800" b="1" dirty="0">
+              <a:solidFill>
+                <a:schemeClr val="accent2"/>
+              </a:solidFill>
               <a:latin typeface="Consolas" panose="020B0609020204030204" pitchFamily="49" charset="0"/>
               <a:cs typeface="Consolas" panose="020B0609020204030204" pitchFamily="49" charset="0"/>
             </a:endParaRPr>
@@ -13622,7 +13661,7 @@
         </p:nvSpPr>
         <p:spPr>
           <a:xfrm>
-            <a:off x="6096000" y="3055534"/>
+            <a:off x="5961000" y="3055534"/>
             <a:ext cx="1335000" cy="665924"/>
           </a:xfrm>
           <a:prstGeom prst="rect">
@@ -13654,9 +13693,7 @@
             <a:r>
               <a:rPr lang="en-US" sz="2800" b="1" noProof="1">
                 <a:solidFill>
-                  <a:schemeClr val="accent2">
-                    <a:lumMod val="75000"/>
-                  </a:schemeClr>
+                  <a:schemeClr val="accent2"/>
                 </a:solidFill>
                 <a:latin typeface="Consolas" panose="020B0609020204030204" pitchFamily="49" charset="0"/>
                 <a:cs typeface="Consolas" panose="020B0609020204030204" pitchFamily="49" charset="0"/>
@@ -13664,6 +13701,9 @@
               <a:t>// 10</a:t>
             </a:r>
             <a:endParaRPr lang="en-BG" sz="2800" b="1" dirty="0">
+              <a:solidFill>
+                <a:schemeClr val="accent2"/>
+              </a:solidFill>
               <a:latin typeface="Consolas" panose="020B0609020204030204" pitchFamily="49" charset="0"/>
               <a:cs typeface="Consolas" panose="020B0609020204030204" pitchFamily="49" charset="0"/>
             </a:endParaRPr>
@@ -13684,8 +13724,8 @@
         </p:nvSpPr>
         <p:spPr>
           <a:xfrm>
-            <a:off x="6951000" y="5715404"/>
-            <a:ext cx="2340000" cy="665924"/>
+            <a:off x="7086000" y="5715404"/>
+            <a:ext cx="1710000" cy="665924"/>
           </a:xfrm>
           <a:prstGeom prst="rect">
             <a:avLst/>
@@ -13716,9 +13756,7 @@
             <a:r>
               <a:rPr lang="en-US" sz="2800" b="1" noProof="1">
                 <a:solidFill>
-                  <a:schemeClr val="accent2">
-                    <a:lumMod val="75000"/>
-                  </a:schemeClr>
+                  <a:schemeClr val="accent2"/>
                 </a:solidFill>
                 <a:latin typeface="Consolas" panose="020B0609020204030204" pitchFamily="49" charset="0"/>
                 <a:cs typeface="Consolas" panose="020B0609020204030204" pitchFamily="49" charset="0"/>
@@ -13726,6 +13764,9 @@
               <a:t>// John</a:t>
             </a:r>
             <a:endParaRPr lang="en-BG" sz="2800" b="1" dirty="0">
+              <a:solidFill>
+                <a:schemeClr val="accent2"/>
+              </a:solidFill>
               <a:latin typeface="Consolas" panose="020B0609020204030204" pitchFamily="49" charset="0"/>
               <a:cs typeface="Consolas" panose="020B0609020204030204" pitchFamily="49" charset="0"/>
             </a:endParaRPr>
@@ -13785,84 +13826,6 @@
                                         </p:cTn>
                                         <p:tgtEl>
                                           <p:spTgt spid="7">
-                                            <p:bg/>
-                                          </p:spTgt>
-                                        </p:tgtEl>
-                                        <p:attrNameLst>
-                                          <p:attrName>style.visibility</p:attrName>
-                                        </p:attrNameLst>
-                                      </p:cBhvr>
-                                      <p:to>
-                                        <p:strVal val="visible"/>
-                                      </p:to>
-                                    </p:set>
-                                  </p:childTnLst>
-                                </p:cTn>
-                              </p:par>
-                              <p:par>
-                                <p:cTn id="7" presetID="1" presetClass="entr" presetSubtype="0" fill="hold" nodeType="withEffect">
-                                  <p:stCondLst>
-                                    <p:cond delay="0"/>
-                                  </p:stCondLst>
-                                  <p:childTnLst>
-                                    <p:set>
-                                      <p:cBhvr>
-                                        <p:cTn id="8" dur="1" fill="hold">
-                                          <p:stCondLst>
-                                            <p:cond delay="0"/>
-                                          </p:stCondLst>
-                                        </p:cTn>
-                                        <p:tgtEl>
-                                          <p:spTgt spid="7">
-                                            <p:txEl>
-                                              <p:pRg st="0" end="0"/>
-                                            </p:txEl>
-                                          </p:spTgt>
-                                        </p:tgtEl>
-                                        <p:attrNameLst>
-                                          <p:attrName>style.visibility</p:attrName>
-                                        </p:attrNameLst>
-                                      </p:cBhvr>
-                                      <p:to>
-                                        <p:strVal val="visible"/>
-                                      </p:to>
-                                    </p:set>
-                                  </p:childTnLst>
-                                </p:cTn>
-                              </p:par>
-                            </p:childTnLst>
-                          </p:cTn>
-                        </p:par>
-                      </p:childTnLst>
-                    </p:cTn>
-                  </p:par>
-                  <p:par>
-                    <p:cTn id="9" fill="hold">
-                      <p:stCondLst>
-                        <p:cond delay="indefinite"/>
-                      </p:stCondLst>
-                      <p:childTnLst>
-                        <p:par>
-                          <p:cTn id="10" fill="hold">
-                            <p:stCondLst>
-                              <p:cond delay="0"/>
-                            </p:stCondLst>
-                            <p:childTnLst>
-                              <p:par>
-                                <p:cTn id="11" presetID="1" presetClass="entr" presetSubtype="0" fill="hold" grpId="0" nodeType="clickEffect">
-                                  <p:stCondLst>
-                                    <p:cond delay="0"/>
-                                  </p:stCondLst>
-                                  <p:childTnLst>
-                                    <p:set>
-                                      <p:cBhvr>
-                                        <p:cTn id="12" dur="1" fill="hold">
-                                          <p:stCondLst>
-                                            <p:cond delay="0"/>
-                                          </p:stCondLst>
-                                        </p:cTn>
-                                        <p:tgtEl>
-                                          <p:spTgt spid="7">
                                             <p:txEl>
                                               <p:pRg st="1" end="1"/>
                                             </p:txEl>
@@ -13886,26 +13849,26 @@
                     </p:cTn>
                   </p:par>
                   <p:par>
-                    <p:cTn id="13" fill="hold">
+                    <p:cTn id="7" fill="hold">
                       <p:stCondLst>
                         <p:cond delay="indefinite"/>
                       </p:stCondLst>
                       <p:childTnLst>
                         <p:par>
-                          <p:cTn id="14" fill="hold">
+                          <p:cTn id="8" fill="hold">
                             <p:stCondLst>
                               <p:cond delay="0"/>
                             </p:stCondLst>
                             <p:childTnLst>
                               <p:par>
-                                <p:cTn id="15" presetID="1" presetClass="entr" presetSubtype="0" fill="hold" grpId="0" nodeType="clickEffect">
+                                <p:cTn id="9" presetID="1" presetClass="entr" presetSubtype="0" fill="hold" grpId="0" nodeType="clickEffect">
                                   <p:stCondLst>
                                     <p:cond delay="0"/>
                                   </p:stCondLst>
                                   <p:childTnLst>
                                     <p:set>
                                       <p:cBhvr>
-                                        <p:cTn id="16" dur="1" fill="hold">
+                                        <p:cTn id="10" dur="1" fill="hold">
                                           <p:stCondLst>
                                             <p:cond delay="0"/>
                                           </p:stCondLst>
@@ -13935,26 +13898,26 @@
                     </p:cTn>
                   </p:par>
                   <p:par>
-                    <p:cTn id="17" fill="hold">
+                    <p:cTn id="11" fill="hold">
                       <p:stCondLst>
                         <p:cond delay="indefinite"/>
                       </p:stCondLst>
                       <p:childTnLst>
                         <p:par>
-                          <p:cTn id="18" fill="hold">
+                          <p:cTn id="12" fill="hold">
                             <p:stCondLst>
                               <p:cond delay="0"/>
                             </p:stCondLst>
                             <p:childTnLst>
                               <p:par>
-                                <p:cTn id="19" presetID="1" presetClass="entr" presetSubtype="0" fill="hold" grpId="1" nodeType="clickEffect">
+                                <p:cTn id="13" presetID="1" presetClass="entr" presetSubtype="0" fill="hold" grpId="1" nodeType="clickEffect">
                                   <p:stCondLst>
                                     <p:cond delay="0"/>
                                   </p:stCondLst>
                                   <p:childTnLst>
                                     <p:set>
                                       <p:cBhvr>
-                                        <p:cTn id="20" dur="1" fill="hold">
+                                        <p:cTn id="14" dur="1" fill="hold">
                                           <p:stCondLst>
                                             <p:cond delay="0"/>
                                           </p:stCondLst>
@@ -13980,26 +13943,26 @@
                     </p:cTn>
                   </p:par>
                   <p:par>
-                    <p:cTn id="21" fill="hold">
+                    <p:cTn id="15" fill="hold">
                       <p:stCondLst>
                         <p:cond delay="indefinite"/>
                       </p:stCondLst>
                       <p:childTnLst>
                         <p:par>
-                          <p:cTn id="22" fill="hold">
+                          <p:cTn id="16" fill="hold">
                             <p:stCondLst>
                               <p:cond delay="0"/>
                             </p:stCondLst>
                             <p:childTnLst>
                               <p:par>
-                                <p:cTn id="23" presetID="1" presetClass="entr" presetSubtype="0" fill="hold" nodeType="clickEffect">
+                                <p:cTn id="17" presetID="1" presetClass="entr" presetSubtype="0" fill="hold" nodeType="clickEffect">
                                   <p:stCondLst>
                                     <p:cond delay="0"/>
                                   </p:stCondLst>
                                   <p:childTnLst>
                                     <p:set>
                                       <p:cBhvr>
-                                        <p:cTn id="24" dur="1" fill="hold">
+                                        <p:cTn id="18" dur="1" fill="hold">
                                           <p:stCondLst>
                                             <p:cond delay="0"/>
                                           </p:stCondLst>
@@ -14022,33 +13985,15 @@
                                   </p:childTnLst>
                                 </p:cTn>
                               </p:par>
-                            </p:childTnLst>
-                          </p:cTn>
-                        </p:par>
-                      </p:childTnLst>
-                    </p:cTn>
-                  </p:par>
-                  <p:par>
-                    <p:cTn id="25" fill="hold">
-                      <p:stCondLst>
-                        <p:cond delay="indefinite"/>
-                      </p:stCondLst>
-                      <p:childTnLst>
-                        <p:par>
-                          <p:cTn id="26" fill="hold">
-                            <p:stCondLst>
-                              <p:cond delay="0"/>
-                            </p:stCondLst>
-                            <p:childTnLst>
                               <p:par>
-                                <p:cTn id="27" presetID="1" presetClass="entr" presetSubtype="0" fill="hold" grpId="0" nodeType="clickEffect">
+                                <p:cTn id="19" presetID="1" presetClass="entr" presetSubtype="0" fill="hold" grpId="0" nodeType="withEffect">
                                   <p:stCondLst>
                                     <p:cond delay="0"/>
                                   </p:stCondLst>
                                   <p:childTnLst>
                                     <p:set>
                                       <p:cBhvr>
-                                        <p:cTn id="28" dur="1" fill="hold">
+                                        <p:cTn id="20" dur="1" fill="hold">
                                           <p:stCondLst>
                                             <p:cond delay="0"/>
                                           </p:stCondLst>
@@ -14068,7 +14013,105 @@
                                 </p:cTn>
                               </p:par>
                               <p:par>
-                                <p:cTn id="29" presetID="1" presetClass="entr" presetSubtype="0" fill="hold" nodeType="withEffect">
+                                <p:cTn id="21" presetID="1" presetClass="entr" presetSubtype="0" fill="hold" nodeType="withEffect">
+                                  <p:stCondLst>
+                                    <p:cond delay="0"/>
+                                  </p:stCondLst>
+                                  <p:childTnLst>
+                                    <p:set>
+                                      <p:cBhvr>
+                                        <p:cTn id="22" dur="1" fill="hold">
+                                          <p:stCondLst>
+                                            <p:cond delay="0"/>
+                                          </p:stCondLst>
+                                        </p:cTn>
+                                        <p:tgtEl>
+                                          <p:spTgt spid="8">
+                                            <p:txEl>
+                                              <p:pRg st="0" end="0"/>
+                                            </p:txEl>
+                                          </p:spTgt>
+                                        </p:tgtEl>
+                                        <p:attrNameLst>
+                                          <p:attrName>style.visibility</p:attrName>
+                                        </p:attrNameLst>
+                                      </p:cBhvr>
+                                      <p:to>
+                                        <p:strVal val="visible"/>
+                                      </p:to>
+                                    </p:set>
+                                  </p:childTnLst>
+                                </p:cTn>
+                              </p:par>
+                            </p:childTnLst>
+                          </p:cTn>
+                        </p:par>
+                      </p:childTnLst>
+                    </p:cTn>
+                  </p:par>
+                  <p:par>
+                    <p:cTn id="23" fill="hold">
+                      <p:stCondLst>
+                        <p:cond delay="indefinite"/>
+                      </p:stCondLst>
+                      <p:childTnLst>
+                        <p:par>
+                          <p:cTn id="24" fill="hold">
+                            <p:stCondLst>
+                              <p:cond delay="0"/>
+                            </p:stCondLst>
+                            <p:childTnLst>
+                              <p:par>
+                                <p:cTn id="25" presetID="1" presetClass="entr" presetSubtype="0" fill="hold" nodeType="clickEffect">
+                                  <p:stCondLst>
+                                    <p:cond delay="0"/>
+                                  </p:stCondLst>
+                                  <p:childTnLst>
+                                    <p:set>
+                                      <p:cBhvr>
+                                        <p:cTn id="26" dur="1" fill="hold">
+                                          <p:stCondLst>
+                                            <p:cond delay="0"/>
+                                          </p:stCondLst>
+                                        </p:cTn>
+                                        <p:tgtEl>
+                                          <p:spTgt spid="8">
+                                            <p:txEl>
+                                              <p:pRg st="1" end="1"/>
+                                            </p:txEl>
+                                          </p:spTgt>
+                                        </p:tgtEl>
+                                        <p:attrNameLst>
+                                          <p:attrName>style.visibility</p:attrName>
+                                        </p:attrNameLst>
+                                      </p:cBhvr>
+                                      <p:to>
+                                        <p:strVal val="visible"/>
+                                      </p:to>
+                                    </p:set>
+                                  </p:childTnLst>
+                                </p:cTn>
+                              </p:par>
+                            </p:childTnLst>
+                          </p:cTn>
+                        </p:par>
+                      </p:childTnLst>
+                    </p:cTn>
+                  </p:par>
+                  <p:par>
+                    <p:cTn id="27" fill="hold">
+                      <p:stCondLst>
+                        <p:cond delay="indefinite"/>
+                      </p:stCondLst>
+                      <p:childTnLst>
+                        <p:par>
+                          <p:cTn id="28" fill="hold">
+                            <p:stCondLst>
+                              <p:cond delay="0"/>
+                            </p:stCondLst>
+                            <p:childTnLst>
+                              <p:par>
+                                <p:cTn id="29" presetID="1" presetClass="entr" presetSubtype="0" fill="hold" nodeType="clickEffect">
                                   <p:stCondLst>
                                     <p:cond delay="0"/>
                                   </p:stCondLst>
@@ -14083,7 +14126,7 @@
                                         <p:tgtEl>
                                           <p:spTgt spid="8">
                                             <p:txEl>
-                                              <p:pRg st="0" end="0"/>
+                                              <p:pRg st="2" end="2"/>
                                             </p:txEl>
                                           </p:spTgt>
                                         </p:tgtEl>
@@ -14117,7 +14160,7 @@
                             </p:stCondLst>
                             <p:childTnLst>
                               <p:par>
-                                <p:cTn id="33" presetID="1" presetClass="entr" presetSubtype="0" fill="hold" nodeType="clickEffect">
+                                <p:cTn id="33" presetID="1" presetClass="entr" presetSubtype="0" fill="hold" grpId="1" nodeType="clickEffect">
                                   <p:stCondLst>
                                     <p:cond delay="0"/>
                                   </p:stCondLst>
@@ -14125,104 +14168,6 @@
                                     <p:set>
                                       <p:cBhvr>
                                         <p:cTn id="34" dur="1" fill="hold">
-                                          <p:stCondLst>
-                                            <p:cond delay="0"/>
-                                          </p:stCondLst>
-                                        </p:cTn>
-                                        <p:tgtEl>
-                                          <p:spTgt spid="8">
-                                            <p:txEl>
-                                              <p:pRg st="1" end="1"/>
-                                            </p:txEl>
-                                          </p:spTgt>
-                                        </p:tgtEl>
-                                        <p:attrNameLst>
-                                          <p:attrName>style.visibility</p:attrName>
-                                        </p:attrNameLst>
-                                      </p:cBhvr>
-                                      <p:to>
-                                        <p:strVal val="visible"/>
-                                      </p:to>
-                                    </p:set>
-                                  </p:childTnLst>
-                                </p:cTn>
-                              </p:par>
-                            </p:childTnLst>
-                          </p:cTn>
-                        </p:par>
-                      </p:childTnLst>
-                    </p:cTn>
-                  </p:par>
-                  <p:par>
-                    <p:cTn id="35" fill="hold">
-                      <p:stCondLst>
-                        <p:cond delay="indefinite"/>
-                      </p:stCondLst>
-                      <p:childTnLst>
-                        <p:par>
-                          <p:cTn id="36" fill="hold">
-                            <p:stCondLst>
-                              <p:cond delay="0"/>
-                            </p:stCondLst>
-                            <p:childTnLst>
-                              <p:par>
-                                <p:cTn id="37" presetID="1" presetClass="entr" presetSubtype="0" fill="hold" nodeType="clickEffect">
-                                  <p:stCondLst>
-                                    <p:cond delay="0"/>
-                                  </p:stCondLst>
-                                  <p:childTnLst>
-                                    <p:set>
-                                      <p:cBhvr>
-                                        <p:cTn id="38" dur="1" fill="hold">
-                                          <p:stCondLst>
-                                            <p:cond delay="0"/>
-                                          </p:stCondLst>
-                                        </p:cTn>
-                                        <p:tgtEl>
-                                          <p:spTgt spid="8">
-                                            <p:txEl>
-                                              <p:pRg st="2" end="2"/>
-                                            </p:txEl>
-                                          </p:spTgt>
-                                        </p:tgtEl>
-                                        <p:attrNameLst>
-                                          <p:attrName>style.visibility</p:attrName>
-                                        </p:attrNameLst>
-                                      </p:cBhvr>
-                                      <p:to>
-                                        <p:strVal val="visible"/>
-                                      </p:to>
-                                    </p:set>
-                                  </p:childTnLst>
-                                </p:cTn>
-                              </p:par>
-                            </p:childTnLst>
-                          </p:cTn>
-                        </p:par>
-                      </p:childTnLst>
-                    </p:cTn>
-                  </p:par>
-                  <p:par>
-                    <p:cTn id="39" fill="hold">
-                      <p:stCondLst>
-                        <p:cond delay="indefinite"/>
-                      </p:stCondLst>
-                      <p:childTnLst>
-                        <p:par>
-                          <p:cTn id="40" fill="hold">
-                            <p:stCondLst>
-                              <p:cond delay="0"/>
-                            </p:stCondLst>
-                            <p:childTnLst>
-                              <p:par>
-                                <p:cTn id="41" presetID="1" presetClass="entr" presetSubtype="0" fill="hold" grpId="1" nodeType="clickEffect">
-                                  <p:stCondLst>
-                                    <p:cond delay="0"/>
-                                  </p:stCondLst>
-                                  <p:childTnLst>
-                                    <p:set>
-                                      <p:cBhvr>
-                                        <p:cTn id="42" dur="1" fill="hold">
                                           <p:stCondLst>
                                             <p:cond delay="0"/>
                                           </p:stCondLst>
@@ -14269,7 +14214,7 @@
       </p:par>
     </p:tnLst>
     <p:bldLst>
-      <p:bldP spid="7" grpId="0" uiExpand="1" build="p" animBg="1"/>
+      <p:bldP spid="7" grpId="0" uiExpand="1" build="p"/>
       <p:bldP spid="8" grpId="0" animBg="1"/>
       <p:bldP spid="2" grpId="1"/>
       <p:bldP spid="10" grpId="1"/>
@@ -14526,21 +14471,33 @@
               <a:rPr lang="en-US" sz="3600" dirty="0">
                 <a:cs typeface="Calibri"/>
               </a:rPr>
-              <a:t>Даден ви е </a:t>
-            </a:r>
-            <a:r>
-              <a:rPr lang="en-US" sz="3600" b="1" dirty="0">
-                <a:solidFill>
-                  <a:schemeClr val="bg1"/>
-                </a:solidFill>
+              <a:t>Даден</a:t>
+            </a:r>
+            <a:r>
+              <a:rPr lang="bg-BG" sz="3600" dirty="0">
                 <a:cs typeface="Calibri"/>
               </a:rPr>
-              <a:t>текст</a:t>
+              <a:t>и са</a:t>
             </a:r>
             <a:r>
               <a:rPr lang="en-US" sz="3600" dirty="0">
                 <a:cs typeface="Calibri"/>
               </a:rPr>
+              <a:t> ви </a:t>
+            </a:r>
+            <a:r>
+              <a:rPr lang="en-US" sz="3600" b="1" dirty="0">
+                <a:solidFill>
+                  <a:schemeClr val="bg1"/>
+                </a:solidFill>
+                <a:cs typeface="Calibri"/>
+              </a:rPr>
+              <a:t>текст</a:t>
+            </a:r>
+            <a:r>
+              <a:rPr lang="en-US" sz="3600" dirty="0">
+                <a:cs typeface="Calibri"/>
+              </a:rPr>
               <a:t> и </a:t>
             </a:r>
             <a:r>
@@ -14589,7 +14546,13 @@
                 </a:solidFill>
                 <a:cs typeface="Calibri"/>
               </a:rPr>
-              <a:t>еднакви с</a:t>
+              <a:t>еднакви </a:t>
+            </a:r>
+            <a:r>
+              <a:rPr lang="en-US" sz="3600" dirty="0">
+                <a:cs typeface="Calibri"/>
+              </a:rPr>
+              <a:t>с</a:t>
             </a:r>
             <a:br>
               <a:rPr lang="en-US" sz="3600" b="1" dirty="0">
@@ -14686,7 +14649,7 @@
         </p:nvSpPr>
         <p:spPr>
           <a:xfrm>
-            <a:off x="3674260" y="3793847"/>
+            <a:off x="3677397" y="3793847"/>
             <a:ext cx="536637" cy="422049"/>
           </a:xfrm>
           <a:prstGeom prst="rightArrow">
@@ -14877,7 +14840,7 @@
         </p:nvSpPr>
         <p:spPr>
           <a:xfrm>
-            <a:off x="3674260" y="5269541"/>
+            <a:off x="3644180" y="5269541"/>
             <a:ext cx="536637" cy="422049"/>
           </a:xfrm>
           <a:prstGeom prst="rightArrow">
@@ -15068,7 +15031,7 @@
         </p:nvSpPr>
         <p:spPr>
           <a:xfrm>
-            <a:off x="9654266" y="3789286"/>
+            <a:off x="9713498" y="3789286"/>
             <a:ext cx="536637" cy="422049"/>
           </a:xfrm>
           <a:prstGeom prst="rightArrow">
@@ -15259,7 +15222,7 @@
         </p:nvSpPr>
         <p:spPr>
           <a:xfrm>
-            <a:off x="9782154" y="5273213"/>
+            <a:off x="9731096" y="5273213"/>
             <a:ext cx="536637" cy="422049"/>
           </a:xfrm>
           <a:prstGeom prst="rightArrow">
@@ -15585,35 +15548,26 @@
                                   </p:childTnLst>
                                 </p:cTn>
                               </p:par>
+                            </p:childTnLst>
+                          </p:cTn>
+                        </p:par>
+                      </p:childTnLst>
+                    </p:cTn>
+                  </p:par>
+                  <p:par>
+                    <p:cTn id="15" fill="hold">
+                      <p:stCondLst>
+                        <p:cond delay="indefinite"/>
+                      </p:stCondLst>
+                      <p:childTnLst>
+                        <p:par>
+                          <p:cTn id="16" fill="hold">
+                            <p:stCondLst>
+                              <p:cond delay="0"/>
+                            </p:stCondLst>
+                            <p:childTnLst>
                               <p:par>
-                                <p:cTn id="15" presetID="1" presetClass="entr" presetSubtype="0" fill="hold" grpId="0" nodeType="withEffect">
-                                  <p:stCondLst>
-                                    <p:cond delay="0"/>
-                                  </p:stCondLst>
-                                  <p:childTnLst>
-                                    <p:set>
-                                      <p:cBhvr>
-                                        <p:cTn id="16" dur="1" fill="hold">
-                                          <p:stCondLst>
-                                            <p:cond delay="0"/>
-                                          </p:stCondLst>
-                                        </p:cTn>
-                                        <p:tgtEl>
-                                          <p:spTgt spid="10"/>
-                                        </p:tgtEl>
-                                        <p:attrNameLst>
-                                          <p:attrName>style.visibility</p:attrName>
-                                        </p:attrNameLst>
-                                      </p:cBhvr>
-                                      <p:to>
-                                        <p:strVal val="visible"/>
-                                      </p:to>
-                                    </p:set>
-                                  </p:childTnLst>
-                                </p:cTn>
-                              </p:par>
-                              <p:par>
-                                <p:cTn id="17" presetID="1" presetClass="entr" presetSubtype="0" fill="hold" grpId="0" nodeType="withEffect">
+                                <p:cTn id="17" presetID="1" presetClass="entr" presetSubtype="0" fill="hold" grpId="0" nodeType="clickEffect">
                                   <p:stCondLst>
                                     <p:cond delay="0"/>
                                   </p:stCondLst>
@@ -15626,7 +15580,7 @@
                                           </p:stCondLst>
                                         </p:cTn>
                                         <p:tgtEl>
-                                          <p:spTgt spid="11"/>
+                                          <p:spTgt spid="10"/>
                                         </p:tgtEl>
                                         <p:attrNameLst>
                                           <p:attrName>style.visibility</p:attrName>
@@ -15653,7 +15607,7 @@
                                           </p:stCondLst>
                                         </p:cTn>
                                         <p:tgtEl>
-                                          <p:spTgt spid="12"/>
+                                          <p:spTgt spid="11"/>
                                         </p:tgtEl>
                                         <p:attrNameLst>
                                           <p:attrName>style.visibility</p:attrName>
@@ -15680,7 +15634,7 @@
                                           </p:stCondLst>
                                         </p:cTn>
                                         <p:tgtEl>
-                                          <p:spTgt spid="34"/>
+                                          <p:spTgt spid="12"/>
                                         </p:tgtEl>
                                         <p:attrNameLst>
                                           <p:attrName>style.visibility</p:attrName>
@@ -15693,35 +15647,26 @@
                                   </p:childTnLst>
                                 </p:cTn>
                               </p:par>
+                            </p:childTnLst>
+                          </p:cTn>
+                        </p:par>
+                      </p:childTnLst>
+                    </p:cTn>
+                  </p:par>
+                  <p:par>
+                    <p:cTn id="23" fill="hold">
+                      <p:stCondLst>
+                        <p:cond delay="indefinite"/>
+                      </p:stCondLst>
+                      <p:childTnLst>
+                        <p:par>
+                          <p:cTn id="24" fill="hold">
+                            <p:stCondLst>
+                              <p:cond delay="0"/>
+                            </p:stCondLst>
+                            <p:childTnLst>
                               <p:par>
-                                <p:cTn id="23" presetID="1" presetClass="entr" presetSubtype="0" fill="hold" grpId="0" nodeType="withEffect">
-                                  <p:stCondLst>
-                                    <p:cond delay="0"/>
-                                  </p:stCondLst>
-                                  <p:childTnLst>
-                                    <p:set>
-                                      <p:cBhvr>
-                                        <p:cTn id="24" dur="1" fill="hold">
-                                          <p:stCondLst>
-                                            <p:cond delay="0"/>
-                                          </p:stCondLst>
-                                        </p:cTn>
-                                        <p:tgtEl>
-                                          <p:spTgt spid="37"/>
-                                        </p:tgtEl>
-                                        <p:attrNameLst>
-                                          <p:attrName>style.visibility</p:attrName>
-                                        </p:attrNameLst>
-                                      </p:cBhvr>
-                                      <p:to>
-                                        <p:strVal val="visible"/>
-                                      </p:to>
-                                    </p:set>
-                                  </p:childTnLst>
-                                </p:cTn>
-                              </p:par>
-                              <p:par>
-                                <p:cTn id="25" presetID="1" presetClass="entr" presetSubtype="0" fill="hold" grpId="0" nodeType="withEffect">
+                                <p:cTn id="25" presetID="1" presetClass="entr" presetSubtype="0" fill="hold" grpId="0" nodeType="clickEffect">
                                   <p:stCondLst>
                                     <p:cond delay="0"/>
                                   </p:stCondLst>
@@ -15734,7 +15679,7 @@
                                           </p:stCondLst>
                                         </p:cTn>
                                         <p:tgtEl>
-                                          <p:spTgt spid="38"/>
+                                          <p:spTgt spid="34"/>
                                         </p:tgtEl>
                                         <p:attrNameLst>
                                           <p:attrName>style.visibility</p:attrName>
@@ -15801,15 +15746,87 @@
                                   </p:childTnLst>
                                 </p:cTn>
                               </p:par>
+                            </p:childTnLst>
+                          </p:cTn>
+                        </p:par>
+                      </p:childTnLst>
+                    </p:cTn>
+                  </p:par>
+                  <p:par>
+                    <p:cTn id="31" fill="hold">
+                      <p:stCondLst>
+                        <p:cond delay="indefinite"/>
+                      </p:stCondLst>
+                      <p:childTnLst>
+                        <p:par>
+                          <p:cTn id="32" fill="hold">
+                            <p:stCondLst>
+                              <p:cond delay="0"/>
+                            </p:stCondLst>
+                            <p:childTnLst>
                               <p:par>
-                                <p:cTn id="31" presetID="1" presetClass="entr" presetSubtype="0" fill="hold" grpId="0" nodeType="withEffect">
+                                <p:cTn id="33" presetID="1" presetClass="entr" presetSubtype="0" fill="hold" grpId="0" nodeType="clickEffect">
                                   <p:stCondLst>
                                     <p:cond delay="0"/>
                                   </p:stCondLst>
                                   <p:childTnLst>
                                     <p:set>
                                       <p:cBhvr>
-                                        <p:cTn id="32" dur="1" fill="hold">
+                                        <p:cTn id="34" dur="1" fill="hold">
+                                          <p:stCondLst>
+                                            <p:cond delay="0"/>
+                                          </p:stCondLst>
+                                        </p:cTn>
+                                        <p:tgtEl>
+                                          <p:spTgt spid="37"/>
+                                        </p:tgtEl>
+                                        <p:attrNameLst>
+                                          <p:attrName>style.visibility</p:attrName>
+                                        </p:attrNameLst>
+                                      </p:cBhvr>
+                                      <p:to>
+                                        <p:strVal val="visible"/>
+                                      </p:to>
+                                    </p:set>
+                                  </p:childTnLst>
+                                </p:cTn>
+                              </p:par>
+                              <p:par>
+                                <p:cTn id="35" presetID="1" presetClass="entr" presetSubtype="0" fill="hold" grpId="0" nodeType="withEffect">
+                                  <p:stCondLst>
+                                    <p:cond delay="0"/>
+                                  </p:stCondLst>
+                                  <p:childTnLst>
+                                    <p:set>
+                                      <p:cBhvr>
+                                        <p:cTn id="36" dur="1" fill="hold">
+                                          <p:stCondLst>
+                                            <p:cond delay="0"/>
+                                          </p:stCondLst>
+                                        </p:cTn>
+                                        <p:tgtEl>
+                                          <p:spTgt spid="38"/>
+                                        </p:tgtEl>
+                                        <p:attrNameLst>
+                                          <p:attrName>style.visibility</p:attrName>
+                                        </p:attrNameLst>
+                                      </p:cBhvr>
+                                      <p:to>
+                                        <p:strVal val="visible"/>
+                                      </p:to>
+                                    </p:set>
+                                  </p:childTnLst>
+                                </p:cTn>
+                              </p:par>
+                              <p:par>
+                                <p:cTn id="37" presetID="1" presetClass="entr" presetSubtype="0" fill="hold" grpId="0" nodeType="withEffect">
+                                  <p:stCondLst>
+                                    <p:cond delay="0"/>
+                                  </p:stCondLst>
+                                  <p:childTnLst>
+                                    <p:set>
+                                      <p:cBhvr>
+                                        <p:cTn id="38" dur="1" fill="hold">
                                           <p:stCondLst>
                                             <p:cond delay="0"/>
                                           </p:stCondLst>
@@ -16291,7 +16308,7 @@
             <a:pPr algn="ctr"/>
             <a:r>
               <a:rPr lang="bg-BG" sz="1999" dirty="0"/>
-              <a:t>Проверете решението тук</a:t>
+              <a:t>Проверете решението си тук</a:t>
             </a:r>
             <a:r>
               <a:rPr lang="en-US" sz="1999" dirty="0"/>
@@ -16751,8 +16768,12 @@
               </a:buClr>
             </a:pPr>
             <a:r>
+              <a:rPr lang="bg-BG" sz="3600" dirty="0"/>
+              <a:t>Методът</a:t>
+            </a:r>
+            <a:r>
               <a:rPr lang="en-US" sz="3600" dirty="0"/>
-              <a:t>Командата </a:t>
+              <a:t> </a:t>
             </a:r>
             <a:r>
               <a:rPr lang="en-US" sz="3600" b="1" dirty="0">
@@ -17637,6 +17658,8 @@
                 <a:solidFill>
                   <a:schemeClr val="bg1"/>
                 </a:solidFill>
+                <a:latin typeface="Consolas" panose="020B0609020204030204" pitchFamily="49" charset="0"/>
+                <a:cs typeface="Consolas" panose="020B0609020204030204" pitchFamily="49" charset="0"/>
               </a:rPr>
               <a:t>Split</a:t>
             </a:r>
@@ -17645,6 +17668,8 @@
                 <a:solidFill>
                   <a:schemeClr val="bg1"/>
                 </a:solidFill>
+                <a:latin typeface="Consolas" panose="020B0609020204030204" pitchFamily="49" charset="0"/>
+                <a:cs typeface="Consolas" panose="020B0609020204030204" pitchFamily="49" charset="0"/>
               </a:rPr>
               <a:t>()</a:t>
             </a:r>
@@ -18494,8 +18519,12 @@
           <a:lstStyle/>
           <a:p>
             <a:r>
+              <a:rPr lang="bg-BG" dirty="0"/>
+              <a:t>Разделяне</a:t>
+            </a:r>
+            <a:r>
               <a:rPr lang="en-GB" dirty="0"/>
-              <a:t>Splitting (3)</a:t>
+              <a:t> (3)</a:t>
             </a:r>
             <a:endParaRPr lang="bg-BG" dirty="0"/>
           </a:p>
@@ -19278,12 +19307,20 @@
               </a:buClr>
             </a:pPr>
             <a:r>
-              <a:rPr lang="en-GB" b="1" dirty="0">
+              <a:rPr lang="bg-BG" dirty="0">
                 <a:solidFill>
                   <a:schemeClr val="bg1"/>
                 </a:solidFill>
               </a:rPr>
-              <a:t>Маниполация</a:t>
+              <a:t>͏</a:t>
+            </a:r>
+            <a:r>
+              <a:rPr lang="bg-BG" b="1" dirty="0">
+                <a:solidFill>
+                  <a:schemeClr val="bg1"/>
+                </a:solidFill>
+              </a:rPr>
+              <a:t>Манипулация</a:t>
             </a:r>
             <a:r>
               <a:rPr lang="en-GB" dirty="0"/>
@@ -19296,22 +19333,18 @@
             </a:endParaRPr>
           </a:p>
           <a:p>
-            <a:pPr>
-              <a:buClr>
-                <a:schemeClr val="tx1"/>
-              </a:buClr>
-            </a:pPr>
-            <a:r>
-              <a:rPr lang="en-GB" b="1" dirty="0">
-                <a:solidFill>
-                  <a:schemeClr val="bg1"/>
-                </a:solidFill>
-              </a:rPr>
-              <a:t>Маниполация</a:t>
-            </a:r>
+            <a:pPr lvl="1" indent="-360045"/>
             <a:r>
               <a:rPr lang="en-GB" dirty="0"/>
-              <a:t> на низ</a:t>
+              <a:t>Търсене</a:t>
+            </a:r>
+            <a:r>
+              <a:rPr lang="bg-BG" dirty="0"/>
+              <a:t> на</a:t>
+            </a:r>
+            <a:r>
+              <a:rPr lang="en-GB" dirty="0"/>
+              <a:t> подниз</a:t>
             </a:r>
             <a:endParaRPr lang="en-GB" dirty="0">
               <a:cs typeface="Calibri"/>
@@ -19321,17 +19354,15 @@
             <a:pPr lvl="1" indent="-360045"/>
             <a:r>
               <a:rPr lang="en-GB" dirty="0"/>
-              <a:t>Търсене, подниз</a:t>
-            </a:r>
-            <a:endParaRPr lang="en-GB" dirty="0">
-              <a:cs typeface="Calibri"/>
-            </a:endParaRPr>
+              <a:t>Разделяне</a:t>
+            </a:r>
+            <a:endParaRPr lang="bg-BG" dirty="0"/>
           </a:p>
           <a:p>
             <a:pPr lvl="1" indent="-360045"/>
             <a:r>
-              <a:rPr lang="en-GB" dirty="0"/>
-              <a:t>Разделяне, заместване</a:t>
+              <a:rPr lang="bg-BG" dirty="0"/>
+              <a:t>Заместване в низ</a:t>
             </a:r>
             <a:endParaRPr lang="en-GB" dirty="0">
               <a:cs typeface="Calibri"/>
@@ -19344,6 +19375,14 @@
               </a:buClr>
             </a:pPr>
             <a:r>
+              <a:rPr lang="bg-BG" dirty="0">
+                <a:solidFill>
+                  <a:schemeClr val="bg1"/>
+                </a:solidFill>
+              </a:rPr>
+              <a:t>͏</a:t>
+            </a:r>
+            <a:r>
               <a:rPr lang="en-GB" b="1" dirty="0">
                 <a:solidFill>
                   <a:schemeClr val="bg1"/>
@@ -19382,22 +19421,16 @@
           <a:p>
             <a:pPr lvl="1" indent="-360045"/>
             <a:r>
-              <a:rPr lang="en-GB" dirty="0"/>
-              <a:t>Чрез класа</a:t>
-            </a:r>
-            <a:r>
-              <a:rPr lang="en-GB" dirty="0">
-                <a:solidFill>
-                  <a:srgbClr val="234465"/>
-                </a:solidFill>
-              </a:rPr>
-              <a:t> </a:t>
+              <a:rPr lang="bg-BG" dirty="0"/>
+              <a:t>Класът </a:t>
             </a:r>
             <a:r>
               <a:rPr lang="en-GB" b="1" noProof="1">
                 <a:solidFill>
                   <a:schemeClr val="bg1"/>
                 </a:solidFill>
+                <a:latin typeface="Consolas" panose="020B0609020204030204" pitchFamily="49" charset="0"/>
+                <a:cs typeface="Consolas" panose="020B0609020204030204" pitchFamily="49" charset="0"/>
               </a:rPr>
               <a:t>StringBuilder</a:t>
             </a:r>
@@ -19405,7 +19438,8 @@
               <a:solidFill>
                 <a:schemeClr val="bg1"/>
               </a:solidFill>
-              <a:cs typeface="Calibri"/>
+              <a:latin typeface="Consolas" panose="020B0609020204030204" pitchFamily="49" charset="0"/>
+              <a:cs typeface="Consolas" panose="020B0609020204030204" pitchFamily="49" charset="0"/>
             </a:endParaRPr>
           </a:p>
           <a:p>
@@ -19446,13 +19480,13 @@
           <a:lstStyle/>
           <a:p>
             <a:r>
-              <a:rPr lang="en-GB" sz="3950" dirty="0">
+              <a:rPr lang="en-GB" sz="4000" dirty="0">
                 <a:ea typeface="+mj-lt"/>
                 <a:cs typeface="+mj-lt"/>
               </a:rPr>
               <a:t>Съдържание</a:t>
             </a:r>
-            <a:endParaRPr lang="bg-BG" dirty="0"/>
+            <a:endParaRPr lang="bg-BG" sz="4000" dirty="0"/>
           </a:p>
         </p:txBody>
       </p:sp>
@@ -19616,9 +19650,6 @@
                     <p:cTn id="3" fill="hold">
                       <p:stCondLst>
                         <p:cond delay="indefinite"/>
-                        <p:cond evt="onBegin" delay="0">
-                          <p:tn val="2"/>
-                        </p:cond>
                       </p:stCondLst>
                       <p:childTnLst>
                         <p:par>
@@ -19628,7 +19659,7 @@
                             </p:stCondLst>
                             <p:childTnLst>
                               <p:par>
-                                <p:cTn id="5" presetID="1" presetClass="entr" presetSubtype="0" fill="hold" nodeType="withEffect">
+                                <p:cTn id="5" presetID="1" presetClass="entr" presetSubtype="0" fill="hold" nodeType="clickEffect">
                                   <p:stCondLst>
                                     <p:cond delay="0"/>
                                   </p:stCondLst>
@@ -19636,6 +19667,86 @@
                                     <p:set>
                                       <p:cBhvr>
                                         <p:cTn id="6" dur="1" fill="hold">
+                                          <p:stCondLst>
+                                            <p:cond delay="0"/>
+                                          </p:stCondLst>
+                                        </p:cTn>
+                                        <p:tgtEl>
+                                          <p:spTgt spid="3">
+                                            <p:txEl>
+                                              <p:pRg st="1" end="1"/>
+                                            </p:txEl>
+                                          </p:spTgt>
+                                        </p:tgtEl>
+                                        <p:attrNameLst>
+                                          <p:attrName>style.visibility</p:attrName>
+                                        </p:attrNameLst>
+                                      </p:cBhvr>
+                                      <p:to>
+                                        <p:strVal val="visible"/>
+                                      </p:to>
+                                    </p:set>
+                                  </p:childTnLst>
+                                </p:cTn>
+                              </p:par>
+                              <p:par>
+                                <p:cTn id="7" presetID="1" presetClass="entr" presetSubtype="0" fill="hold" nodeType="withEffect">
+                                  <p:stCondLst>
+                                    <p:cond delay="0"/>
+                                  </p:stCondLst>
+                                  <p:childTnLst>
+                                    <p:set>
+                                      <p:cBhvr>
+                                        <p:cTn id="8" dur="1" fill="hold">
+                                          <p:stCondLst>
+                                            <p:cond delay="0"/>
+                                          </p:stCondLst>
+                                        </p:cTn>
+                                        <p:tgtEl>
+                                          <p:spTgt spid="3">
+                                            <p:txEl>
+                                              <p:pRg st="2" end="2"/>
+                                            </p:txEl>
+                                          </p:spTgt>
+                                        </p:tgtEl>
+                                        <p:attrNameLst>
+                                          <p:attrName>style.visibility</p:attrName>
+                                        </p:attrNameLst>
+                                      </p:cBhvr>
+                                      <p:to>
+                                        <p:strVal val="visible"/>
+                                      </p:to>
+                                    </p:set>
+                                  </p:childTnLst>
+                                </p:cTn>
+                              </p:par>
+                            </p:childTnLst>
+                          </p:cTn>
+                        </p:par>
+                      </p:childTnLst>
+                    </p:cTn>
+                  </p:par>
+                  <p:par>
+                    <p:cTn id="9" fill="hold">
+                      <p:stCondLst>
+                        <p:cond delay="indefinite"/>
+                      </p:stCondLst>
+                      <p:childTnLst>
+                        <p:par>
+                          <p:cTn id="10" fill="hold">
+                            <p:stCondLst>
+                              <p:cond delay="0"/>
+                            </p:stCondLst>
+                            <p:childTnLst>
+                              <p:par>
+                                <p:cTn id="11" presetID="1" presetClass="entr" presetSubtype="0" fill="hold" nodeType="clickEffect">
+                                  <p:stCondLst>
+                                    <p:cond delay="0"/>
+                                  </p:stCondLst>
+                                  <p:childTnLst>
+                                    <p:set>
+                                      <p:cBhvr>
+                                        <p:cTn id="12" dur="1" fill="hold">
                                           <p:stCondLst>
                                             <p:cond delay="0"/>
                                           </p:stCondLst>
@@ -19665,26 +19776,26 @@
                     </p:cTn>
                   </p:par>
                   <p:par>
-                    <p:cTn id="7" fill="hold">
+                    <p:cTn id="13" fill="hold">
                       <p:stCondLst>
                         <p:cond delay="indefinite"/>
                       </p:stCondLst>
                       <p:childTnLst>
                         <p:par>
-                          <p:cTn id="8" fill="hold">
+                          <p:cTn id="14" fill="hold">
                             <p:stCondLst>
                               <p:cond delay="0"/>
                             </p:stCondLst>
                             <p:childTnLst>
                               <p:par>
-                                <p:cTn id="9" presetID="1" presetClass="entr" presetSubtype="0" fill="hold" nodeType="clickEffect">
+                                <p:cTn id="15" presetID="1" presetClass="entr" presetSubtype="0" fill="hold" nodeType="clickEffect">
                                   <p:stCondLst>
                                     <p:cond delay="0"/>
                                   </p:stCondLst>
                                   <p:childTnLst>
                                     <p:set>
                                       <p:cBhvr>
-                                        <p:cTn id="10" dur="1" fill="hold">
+                                        <p:cTn id="16" dur="1" fill="hold">
                                           <p:stCondLst>
                                             <p:cond delay="0"/>
                                           </p:stCondLst>
@@ -19714,26 +19825,26 @@
                     </p:cTn>
                   </p:par>
                   <p:par>
-                    <p:cTn id="11" fill="hold">
+                    <p:cTn id="17" fill="hold">
                       <p:stCondLst>
                         <p:cond delay="indefinite"/>
                       </p:stCondLst>
                       <p:childTnLst>
                         <p:par>
-                          <p:cTn id="12" fill="hold">
+                          <p:cTn id="18" fill="hold">
                             <p:stCondLst>
                               <p:cond delay="0"/>
                             </p:stCondLst>
                             <p:childTnLst>
                               <p:par>
-                                <p:cTn id="13" presetID="1" presetClass="entr" presetSubtype="0" fill="hold" nodeType="clickEffect">
+                                <p:cTn id="19" presetID="1" presetClass="entr" presetSubtype="0" fill="hold" nodeType="clickEffect">
                                   <p:stCondLst>
                                     <p:cond delay="0"/>
                                   </p:stCondLst>
                                   <p:childTnLst>
                                     <p:set>
                                       <p:cBhvr>
-                                        <p:cTn id="14" dur="1" fill="hold">
+                                        <p:cTn id="20" dur="1" fill="hold">
                                           <p:stCondLst>
                                             <p:cond delay="0"/>
                                           </p:stCondLst>
@@ -19757,14 +19868,14 @@
                                 </p:cTn>
                               </p:par>
                               <p:par>
-                                <p:cTn id="15" presetID="1" presetClass="entr" presetSubtype="0" fill="hold" nodeType="withEffect">
+                                <p:cTn id="21" presetID="1" presetClass="entr" presetSubtype="0" fill="hold" nodeType="withEffect">
                                   <p:stCondLst>
                                     <p:cond delay="0"/>
                                   </p:stCondLst>
                                   <p:childTnLst>
                                     <p:set>
                                       <p:cBhvr>
-                                        <p:cTn id="16" dur="1" fill="hold">
+                                        <p:cTn id="22" dur="1" fill="hold">
                                           <p:stCondLst>
                                             <p:cond delay="0"/>
                                           </p:stCondLst>
@@ -19864,7 +19975,7 @@
               </a:buClr>
             </a:pPr>
             <a:r>
-              <a:rPr lang="en-US" sz="3350" b="1" dirty="0">
+              <a:rPr lang="en-US" sz="3400" b="1" dirty="0">
                 <a:solidFill>
                   <a:schemeClr val="bg1"/>
                 </a:solidFill>
@@ -19873,13 +19984,13 @@
               <a:t>Replace</a:t>
             </a:r>
             <a:r>
-              <a:rPr lang="en-US" sz="3350" dirty="0">
+              <a:rPr lang="en-US" sz="3400" dirty="0">
                 <a:latin typeface="Consolas"/>
               </a:rPr>
               <a:t>(</a:t>
             </a:r>
             <a:r>
-              <a:rPr lang="en-US" sz="3350" b="1" dirty="0">
+              <a:rPr lang="en-US" sz="3400" b="1" dirty="0">
                 <a:solidFill>
                   <a:schemeClr val="bg1"/>
                 </a:solidFill>
@@ -19888,7 +19999,7 @@
               <a:t>стара стойност, нова стойност</a:t>
             </a:r>
             <a:r>
-              <a:rPr lang="en-US" sz="3350" dirty="0">
+              <a:rPr lang="en-US" sz="3400" dirty="0">
                 <a:solidFill>
                   <a:srgbClr val="234465"/>
                 </a:solidFill>
@@ -19897,7 +20008,7 @@
               <a:t>)</a:t>
             </a:r>
             <a:r>
-              <a:rPr lang="en-US" sz="3350" b="1" dirty="0">
+              <a:rPr lang="en-US" sz="3400" b="1" dirty="0">
                 <a:solidFill>
                   <a:schemeClr val="bg1"/>
                 </a:solidFill>
@@ -19905,18 +20016,17 @@
               <a:t> </a:t>
             </a:r>
             <a:r>
-              <a:rPr lang="en-US" sz="3350" dirty="0"/>
+              <a:rPr lang="en-US" sz="3400" dirty="0"/>
               <a:t>–</a:t>
             </a:r>
             <a:r>
-              <a:rPr lang="bg-BG" sz="3350" dirty="0"/>
+              <a:rPr lang="bg-BG" sz="3400" dirty="0"/>
               <a:t> </a:t>
             </a:r>
             <a:r>
-              <a:rPr lang="en-US" sz="3350" dirty="0"/>
+              <a:rPr lang="en-US" sz="3400" dirty="0"/>
               <a:t>заменя всички стари стойности с нова стойност</a:t>
             </a:r>
-            <a:endParaRPr lang="en-US" dirty="0"/>
           </a:p>
           <a:p>
             <a:pPr marL="1066165" lvl="1" indent="-457200">
@@ -19925,18 +20035,34 @@
               </a:buClr>
             </a:pPr>
             <a:r>
-              <a:rPr lang="en-US" sz="3150" dirty="0"/>
-              <a:t>Резултатът връща нов </a:t>
-            </a:r>
-            <a:r>
-              <a:rPr lang="en-US" sz="3150" b="1" dirty="0">
+              <a:rPr lang="bg-BG" sz="3200" dirty="0"/>
+              <a:t>Връща</a:t>
+            </a:r>
+            <a:r>
+              <a:rPr lang="en-US" sz="3200" dirty="0"/>
+              <a:t> </a:t>
+            </a:r>
+            <a:r>
+              <a:rPr lang="en-US" sz="3200" b="1" dirty="0">
                 <a:solidFill>
                   <a:schemeClr val="bg1"/>
                 </a:solidFill>
               </a:rPr>
+              <a:t>нов</a:t>
+            </a:r>
+            <a:r>
+              <a:rPr lang="en-US" sz="3200" dirty="0"/>
+              <a:t> </a:t>
+            </a:r>
+            <a:r>
+              <a:rPr lang="en-US" sz="3200" b="1" dirty="0">
+                <a:solidFill>
+                  <a:schemeClr val="bg1"/>
+                </a:solidFill>
+              </a:rPr>
               <a:t>низ</a:t>
             </a:r>
-            <a:endParaRPr lang="en-US" sz="3150" b="1" dirty="0">
+            <a:endParaRPr lang="en-US" sz="3200" b="1" dirty="0">
               <a:solidFill>
                 <a:schemeClr val="bg1"/>
               </a:solidFill>
@@ -20914,34 +21040,49 @@
           <a:p>
             <a:pPr marL="456565" indent="-456565"/>
             <a:r>
-              <a:rPr lang="en-US" sz="3350" dirty="0">
+              <a:rPr lang="en-US" sz="3400" dirty="0">
                 <a:cs typeface="Calibri"/>
               </a:rPr>
               <a:t>Даден ви е </a:t>
             </a:r>
             <a:r>
-              <a:rPr lang="en-US" sz="3350" b="1" dirty="0">
+              <a:rPr lang="bg-BG" sz="3400" b="1" dirty="0">
                 <a:solidFill>
                   <a:schemeClr val="bg1"/>
                 </a:solidFill>
                 <a:cs typeface="Calibri"/>
               </a:rPr>
-              <a:t>тескст </a:t>
-            </a:r>
-            <a:r>
-              <a:rPr lang="en-US" sz="3350" dirty="0">
+              <a:t>текст</a:t>
+            </a:r>
+            <a:r>
+              <a:rPr lang="en-US" sz="3400" b="1" dirty="0">
+                <a:solidFill>
+                  <a:schemeClr val="bg1"/>
+                </a:solidFill>
                 <a:cs typeface="Calibri"/>
               </a:rPr>
-              <a:t>и </a:t>
-            </a:r>
-            <a:r>
-              <a:rPr lang="en-US" sz="3350" b="1" dirty="0">
+              <a:t> </a:t>
+            </a:r>
+            <a:r>
+              <a:rPr lang="en-US" sz="3400" dirty="0">
+                <a:cs typeface="Calibri"/>
+              </a:rPr>
+              <a:t>и низ със</a:t>
+            </a:r>
+            <a:r>
+              <a:rPr lang="en-US" sz="3400" b="1" dirty="0">
+                <a:cs typeface="Calibri"/>
+              </a:rPr>
+              <a:t> </a:t>
+            </a:r>
+            <a:r>
+              <a:rPr lang="en-US" sz="3400" b="1" dirty="0">
                 <a:solidFill>
                   <a:schemeClr val="bg1"/>
                 </a:solidFill>
                 <a:cs typeface="Calibri"/>
               </a:rPr>
-              <a:t>низ със забранени думи</a:t>
+              <a:t>забранени думи</a:t>
             </a:r>
           </a:p>
           <a:p>
@@ -20951,7 +21092,7 @@
               </a:buClr>
             </a:pPr>
             <a:r>
-              <a:rPr lang="en-US" sz="3150" b="1" dirty="0">
+              <a:rPr lang="en-US" sz="3200" b="1" dirty="0">
                 <a:solidFill>
                   <a:schemeClr val="bg1"/>
                 </a:solidFill>
@@ -20960,7 +21101,7 @@
               <a:t>Заменет</a:t>
             </a:r>
             <a:r>
-              <a:rPr lang="bg-BG" sz="3150" b="1" dirty="0">
+              <a:rPr lang="bg-BG" sz="3200" b="1" dirty="0">
                 <a:solidFill>
                   <a:schemeClr val="bg1"/>
                 </a:solidFill>
@@ -20969,7 +21110,7 @@
               <a:t>е</a:t>
             </a:r>
             <a:r>
-              <a:rPr lang="en-US" sz="3150" dirty="0">
+              <a:rPr lang="en-US" sz="3200" dirty="0">
                 <a:solidFill>
                   <a:schemeClr val="bg1"/>
                 </a:solidFill>
@@ -20978,19 +21119,34 @@
               <a:t> </a:t>
             </a:r>
             <a:r>
-              <a:rPr lang="en-US" sz="3150" dirty="0">
+              <a:rPr lang="en-US" sz="3200" dirty="0">
                 <a:cs typeface="Calibri"/>
               </a:rPr>
               <a:t>всички </a:t>
             </a:r>
             <a:r>
-              <a:rPr lang="en-US" sz="3150" b="1" dirty="0">
+              <a:rPr lang="en-US" sz="3200" b="1" dirty="0">
                 <a:solidFill>
                   <a:schemeClr val="bg1"/>
                 </a:solidFill>
                 <a:cs typeface="Calibri"/>
               </a:rPr>
-              <a:t>забранени думи със звезди</a:t>
+              <a:t>забранени думи </a:t>
+            </a:r>
+            <a:r>
+              <a:rPr lang="en-US" sz="3200" dirty="0">
+                <a:cs typeface="Calibri"/>
+              </a:rPr>
+              <a:t>със</a:t>
+            </a:r>
+            <a:r>
+              <a:rPr lang="en-US" sz="3200" b="1" dirty="0">
+                <a:solidFill>
+                  <a:schemeClr val="bg1"/>
+                </a:solidFill>
+                <a:cs typeface="Calibri"/>
+              </a:rPr>
+              <a:t> звезди</a:t>
             </a:r>
           </a:p>
           <a:p>
@@ -21020,7 +21176,7 @@
         </p:nvSpPr>
         <p:spPr bwMode="auto">
           <a:xfrm>
-            <a:off x="1141047" y="3024000"/>
+            <a:off x="1141047" y="3005335"/>
             <a:ext cx="9909905" cy="1200016"/>
           </a:xfrm>
           <a:prstGeom prst="rect">
@@ -21088,7 +21244,7 @@
         </p:nvSpPr>
         <p:spPr>
           <a:xfrm rot="5400000">
-            <a:off x="5784372" y="4488821"/>
+            <a:off x="5784372" y="4470156"/>
             <a:ext cx="536637" cy="422049"/>
           </a:xfrm>
           <a:prstGeom prst="rightArrow">
@@ -21166,7 +21322,7 @@
         </p:nvSpPr>
         <p:spPr bwMode="auto">
           <a:xfrm>
-            <a:off x="1137093" y="5148806"/>
+            <a:off x="1137093" y="5130141"/>
             <a:ext cx="9903420" cy="953859"/>
           </a:xfrm>
           <a:prstGeom prst="rect">
@@ -21608,7 +21764,7 @@
                 <a:latin typeface="Consolas" pitchFamily="49" charset="0"/>
                 <a:cs typeface="Consolas" pitchFamily="49" charset="0"/>
               </a:rPr>
-              <a:t>добавете разделители</a:t>
+              <a:t>Добавете разделители</a:t>
             </a:r>
             <a:endParaRPr lang="en-US" sz="2399" b="1" i="1" noProof="1">
               <a:solidFill>
@@ -21883,13 +22039,13 @@
         </p:nvSpPr>
         <p:spPr bwMode="auto">
           <a:xfrm>
-            <a:off x="8269453" y="2349000"/>
-            <a:ext cx="3721547" cy="1895997"/>
+            <a:off x="7806001" y="2349000"/>
+            <a:ext cx="4185000" cy="1574999"/>
           </a:xfrm>
           <a:prstGeom prst="wedgeRoundRectCallout">
             <a:avLst>
-              <a:gd name="adj1" fmla="val -78341"/>
-              <a:gd name="adj2" fmla="val 7282"/>
+              <a:gd name="adj1" fmla="val -75144"/>
+              <a:gd name="adj2" fmla="val 15070"/>
               <a:gd name="adj3" fmla="val 16667"/>
             </a:avLst>
           </a:prstGeom>
@@ -21935,7 +22091,7 @@
           <a:p>
             <a:pPr algn="ctr"/>
             <a:r>
-              <a:rPr lang="en-US" sz="2750" b="1" noProof="1">
+              <a:rPr lang="en-US" sz="2800" b="1" noProof="1">
                 <a:solidFill>
                   <a:schemeClr val="bg1">
                     <a:lumMod val="60000"/>
@@ -21947,7 +22103,7 @@
               <a:t>Contains(…)</a:t>
             </a:r>
             <a:r>
-              <a:rPr lang="en-US" sz="2750" b="1" noProof="1">
+              <a:rPr lang="en-US" sz="2800" b="1" noProof="1">
                 <a:solidFill>
                   <a:schemeClr val="bg1">
                     <a:lumMod val="60000"/>
@@ -21958,7 +22114,7 @@
               <a:t> </a:t>
             </a:r>
             <a:r>
-              <a:rPr lang="en-US" sz="2750" b="1" noProof="1">
+              <a:rPr lang="en-US" sz="2800" b="1" noProof="1">
                 <a:solidFill>
                   <a:schemeClr val="bg2"/>
                 </a:solidFill>
@@ -21966,18 +22122,34 @@
               <a:t>проверява </a:t>
             </a:r>
             <a:r>
-              <a:rPr lang="en-US" sz="2750" b="1" noProof="1">
+              <a:rPr lang="en-US" sz="2800" b="1" noProof="1">
                 <a:solidFill>
                   <a:schemeClr val="bg2"/>
                 </a:solidFill>
                 <a:ea typeface="+mn-lt"/>
                 <a:cs typeface="+mn-lt"/>
               </a:rPr>
-              <a:t>дали в текста има забранена дума</a:t>
-            </a:r>
-            <a:endParaRPr lang="en-US" sz="2750" b="1" dirty="0">
+              <a:t>дали в текста има </a:t>
+            </a:r>
+            <a:r>
+              <a:rPr lang="en-US" sz="2800" b="1" noProof="1">
+                <a:solidFill>
+                  <a:schemeClr val="bg1">
+                    <a:lumMod val="60000"/>
+                    <a:lumOff val="40000"/>
+                  </a:schemeClr>
+                </a:solidFill>
+                <a:ea typeface="+mn-lt"/>
+                <a:cs typeface="+mn-lt"/>
+              </a:rPr>
+              <a:t>забранена дума</a:t>
+            </a:r>
+            <a:endParaRPr lang="en-US" sz="2800" b="1" dirty="0">
               <a:solidFill>
-                <a:schemeClr val="bg2"/>
+                <a:schemeClr val="bg1">
+                  <a:lumMod val="60000"/>
+                  <a:lumOff val="40000"/>
+                </a:schemeClr>
               </a:solidFill>
               <a:ea typeface="+mn-lt"/>
               <a:cs typeface="+mn-lt"/>
@@ -22053,7 +22225,7 @@
           <a:p>
             <a:pPr algn="ctr"/>
             <a:r>
-              <a:rPr lang="en-US" sz="2750" b="1" dirty="0">
+              <a:rPr lang="en-US" sz="2800" b="1" dirty="0">
                 <a:solidFill>
                   <a:schemeClr val="bg1">
                     <a:lumMod val="60000"/>
@@ -22064,16 +22236,30 @@
               <a:t>Заменя</a:t>
             </a:r>
             <a:r>
-              <a:rPr lang="en-US" sz="2750" b="1" dirty="0">
+              <a:rPr lang="en-US" sz="2800" b="1" dirty="0">
                 <a:solidFill>
                   <a:schemeClr val="bg2"/>
                 </a:solidFill>
               </a:rPr>
-              <a:t> думата със звезди</a:t>
-            </a:r>
-            <a:endParaRPr lang="en-US" sz="2750" b="1" dirty="0">
+              <a:t> думата със </a:t>
+            </a:r>
+            <a:r>
+              <a:rPr lang="en-US" sz="2800" b="1" dirty="0">
+                <a:solidFill>
+                  <a:schemeClr val="bg1">
+                    <a:lumMod val="60000"/>
+                    <a:lumOff val="40000"/>
+                  </a:schemeClr>
+                </a:solidFill>
+              </a:rPr>
+              <a:t>звезди</a:t>
+            </a:r>
+            <a:endParaRPr lang="en-US" sz="2800" b="1" dirty="0">
               <a:solidFill>
-                <a:schemeClr val="bg2"/>
+                <a:schemeClr val="bg1">
+                  <a:lumMod val="60000"/>
+                  <a:lumOff val="40000"/>
+                </a:schemeClr>
               </a:solidFill>
               <a:cs typeface="Calibri"/>
             </a:endParaRPr>
@@ -22111,7 +22297,7 @@
             <a:pPr algn="ctr"/>
             <a:r>
               <a:rPr lang="bg-BG" sz="1999" dirty="0"/>
-              <a:t>Проверете решението тук</a:t>
+              <a:t>Проверете решението си тук</a:t>
             </a:r>
             <a:r>
               <a:rPr lang="en-US" sz="1999" dirty="0"/>
@@ -22782,19 +22968,39 @@
             <p:ph type="title" sz="quarter" idx="10"/>
           </p:nvPr>
         </p:nvSpPr>
-        <p:spPr/>
+        <p:spPr>
+          <a:xfrm>
+            <a:off x="273054" y="4712640"/>
+            <a:ext cx="11645892" cy="768084"/>
+          </a:xfrm>
+        </p:spPr>
         <p:txBody>
           <a:bodyPr/>
           <a:lstStyle/>
           <a:p>
             <a:r>
-              <a:rPr lang="en-GB" sz="5350" dirty="0">
+              <a:rPr lang="bg-BG" sz="5400" dirty="0">
                 <a:ea typeface="+mj-lt"/>
                 <a:cs typeface="+mj-lt"/>
               </a:rPr>
-              <a:t>Използване на класа StringBuilder </a:t>
-            </a:r>
-            <a:endParaRPr lang="bg-BG" sz="5350" b="0" dirty="0">
+              <a:t>Класът </a:t>
+            </a:r>
+            <a:r>
+              <a:rPr lang="en-GB" sz="5400" dirty="0">
+                <a:latin typeface="Consolas" panose="020B0609020204030204" pitchFamily="49" charset="0"/>
+                <a:ea typeface="+mj-lt"/>
+                <a:cs typeface="Consolas" panose="020B0609020204030204" pitchFamily="49" charset="0"/>
+              </a:rPr>
+              <a:t>StringBuilder</a:t>
+            </a:r>
+            <a:r>
+              <a:rPr lang="en-GB" sz="5400" dirty="0">
+                <a:ea typeface="+mj-lt"/>
+                <a:cs typeface="+mj-lt"/>
+              </a:rPr>
+              <a:t> </a:t>
+            </a:r>
+            <a:endParaRPr lang="bg-BG" sz="5400" b="0" dirty="0">
               <a:ea typeface="+mj-lt"/>
               <a:cs typeface="+mj-lt"/>
             </a:endParaRPr>
@@ -22881,7 +23087,7 @@
         </p:nvSpPr>
         <p:spPr>
           <a:xfrm>
-            <a:off x="1753732" y="1121745"/>
+            <a:off x="1698306" y="1164206"/>
             <a:ext cx="10238431" cy="5274674"/>
           </a:xfrm>
         </p:spPr>
@@ -22891,43 +23097,13 @@
           </a:bodyPr>
           <a:lstStyle/>
           <a:p>
-            <a:pPr marL="360045" indent="-360045"/>
-            <a:endParaRPr lang="en-US" sz="3199" dirty="0">
-              <a:cs typeface="Calibri"/>
-            </a:endParaRPr>
-          </a:p>
-          <a:p>
-            <a:pPr marL="360045" indent="-360045"/>
-            <a:endParaRPr lang="en-US" sz="3199" dirty="0">
-              <a:cs typeface="Calibri"/>
-            </a:endParaRPr>
-          </a:p>
-          <a:p>
-            <a:pPr marL="360045" indent="-360045"/>
-            <a:endParaRPr lang="en-US" sz="3199" dirty="0">
-              <a:cs typeface="Calibri"/>
-            </a:endParaRPr>
-          </a:p>
-          <a:p>
-            <a:pPr marL="360045" indent="-360045"/>
-            <a:endParaRPr lang="en-US" sz="3199" dirty="0">
-              <a:cs typeface="Calibri"/>
-            </a:endParaRPr>
-          </a:p>
-          <a:p>
-            <a:pPr marL="360045" indent="-360045"/>
-            <a:endParaRPr lang="en-US" sz="3199" dirty="0">
-              <a:cs typeface="Calibri"/>
-            </a:endParaRPr>
-          </a:p>
-          <a:p>
             <a:pPr marL="360045" indent="-360045">
               <a:buClr>
                 <a:schemeClr val="tx1"/>
               </a:buClr>
             </a:pPr>
             <a:r>
-              <a:rPr lang="en-US" sz="3250" b="1" noProof="1">
+              <a:rPr lang="en-US" sz="3400" b="1" noProof="1">
                 <a:solidFill>
                   <a:schemeClr val="bg1"/>
                 </a:solidFill>
@@ -22935,30 +23111,58 @@
               <a:t>StringBuilder</a:t>
             </a:r>
             <a:r>
-              <a:rPr lang="en-US" sz="3250" dirty="0"/>
-              <a:t> използва буферно пространство, което е разпределено предварително</a:t>
-            </a:r>
-            <a:endParaRPr lang="en-US" sz="3250" dirty="0">
+              <a:rPr lang="en-US" sz="3400" dirty="0"/>
+              <a:t> </a:t>
+            </a:r>
+            <a:r>
+              <a:rPr lang="bg-BG" sz="3400" dirty="0"/>
+              <a:t>използва </a:t>
+            </a:r>
+            <a:r>
+              <a:rPr lang="bg-BG" sz="3400" b="1" dirty="0">
+                <a:solidFill>
+                  <a:schemeClr val="bg1"/>
+                </a:solidFill>
+              </a:rPr>
+              <a:t>буферно пространство</a:t>
+            </a:r>
+            <a:r>
+              <a:rPr lang="bg-BG" sz="3400" dirty="0"/>
+              <a:t>, което е разпределено предварително</a:t>
+            </a:r>
+            <a:endParaRPr lang="bg-BG" sz="3400" dirty="0">
               <a:cs typeface="Calibri"/>
             </a:endParaRPr>
           </a:p>
           <a:p>
-            <a:pPr lvl="1" indent="-360045"/>
-            <a:r>
-              <a:rPr lang="en-US" sz="3150" dirty="0"/>
-              <a:t>Не заделя памет за повечето операции </a:t>
-            </a:r>
-            <a:r>
-              <a:rPr lang="en-US" sz="3150" dirty="0">
+            <a:pPr lvl="1" indent="-360045">
+              <a:buClr>
+                <a:schemeClr val="tx1"/>
+              </a:buClr>
+            </a:pPr>
+            <a:r>
+              <a:rPr lang="bg-BG" sz="3200" b="1" dirty="0">
+                <a:solidFill>
+                  <a:schemeClr val="bg1"/>
+                </a:solidFill>
+              </a:rPr>
+              <a:t>Не заделя памет </a:t>
+            </a:r>
+            <a:r>
+              <a:rPr lang="bg-BG" sz="3200" dirty="0"/>
+              <a:t>за повечето операции </a:t>
+            </a:r>
+            <a:r>
+              <a:rPr lang="bg-BG" sz="3200" dirty="0">
                 <a:sym typeface="Wingdings" panose="05000000000000000000" pitchFamily="2" charset="2"/>
               </a:rPr>
               <a:t></a:t>
             </a:r>
             <a:r>
-              <a:rPr lang="en-US" sz="3150" dirty="0"/>
+              <a:rPr lang="bg-BG" sz="3200" dirty="0"/>
               <a:t> добра производителност</a:t>
             </a:r>
-            <a:endParaRPr lang="en-US" sz="3150" dirty="0">
+            <a:endParaRPr lang="bg-BG" sz="3200" dirty="0">
               <a:cs typeface="Calibri"/>
             </a:endParaRPr>
           </a:p>
@@ -23014,13 +23218,13 @@
           <p:nvPr>
             <p:extLst>
               <p:ext uri="{D42A27DB-BD31-4B8C-83A1-F6EECF244321}">
-                <p14:modId xmlns:p14="http://schemas.microsoft.com/office/powerpoint/2010/main" val="3349433356"/>
+                <p14:modId xmlns:p14="http://schemas.microsoft.com/office/powerpoint/2010/main" val="2009615771"/>
               </p:ext>
             </p:extLst>
           </p:nvPr>
         </p:nvGraphicFramePr>
         <p:xfrm>
-          <a:off x="5757317" y="2100055"/>
+          <a:off x="5757317" y="4242477"/>
           <a:ext cx="5524648" cy="431688"/>
         </p:xfrm>
         <a:graphic>
@@ -24847,7 +25051,7 @@
         </p:nvSpPr>
         <p:spPr bwMode="auto">
           <a:xfrm rot="16200000">
-            <a:off x="7157158" y="1180011"/>
+            <a:off x="7157158" y="3322433"/>
             <a:ext cx="460255" cy="3244059"/>
           </a:xfrm>
           <a:prstGeom prst="leftBrace">
@@ -24891,7 +25095,7 @@
         </p:nvSpPr>
         <p:spPr bwMode="auto">
           <a:xfrm rot="16200000">
-            <a:off x="9948844" y="1724499"/>
+            <a:off x="9948844" y="3866921"/>
             <a:ext cx="460255" cy="2186951"/>
           </a:xfrm>
           <a:prstGeom prst="leftBrace">
@@ -24935,7 +25139,7 @@
         </p:nvSpPr>
         <p:spPr bwMode="auto">
           <a:xfrm rot="5400000" flipV="1">
-            <a:off x="8349827" y="-873351"/>
+            <a:off x="8349827" y="1269071"/>
             <a:ext cx="331701" cy="5500842"/>
           </a:xfrm>
           <a:prstGeom prst="leftBrace">
@@ -24977,7 +25181,7 @@
         </p:nvSpPr>
         <p:spPr>
           <a:xfrm>
-            <a:off x="2439354" y="1988386"/>
+            <a:off x="2439354" y="4130808"/>
             <a:ext cx="3278537" cy="1564045"/>
           </a:xfrm>
           <a:prstGeom prst="rect">
@@ -25047,7 +25251,7 @@
         </p:nvSpPr>
         <p:spPr>
           <a:xfrm>
-            <a:off x="7790431" y="1143595"/>
+            <a:off x="7790431" y="3286017"/>
             <a:ext cx="1766125" cy="515526"/>
           </a:xfrm>
           <a:prstGeom prst="rect">
@@ -25077,7 +25281,7 @@
         </p:nvSpPr>
         <p:spPr>
           <a:xfrm>
-            <a:off x="6428421" y="3064229"/>
+            <a:off x="6428421" y="5206651"/>
             <a:ext cx="2001022" cy="1372349"/>
           </a:xfrm>
           <a:prstGeom prst="rect">
@@ -25107,7 +25311,7 @@
         </p:nvSpPr>
         <p:spPr>
           <a:xfrm>
-            <a:off x="9417168" y="3068514"/>
+            <a:off x="9417168" y="5210936"/>
             <a:ext cx="2296041" cy="938719"/>
           </a:xfrm>
           <a:prstGeom prst="rect">
@@ -25546,104 +25750,6 @@
                       </p:childTnLst>
                     </p:cTn>
                   </p:par>
-                  <p:par>
-                    <p:cTn id="23" fill="hold">
-                      <p:stCondLst>
-                        <p:cond delay="indefinite"/>
-                      </p:stCondLst>
-                      <p:childTnLst>
-                        <p:par>
-                          <p:cTn id="24" fill="hold">
-                            <p:stCondLst>
-                              <p:cond delay="0"/>
-                            </p:stCondLst>
-                            <p:childTnLst>
-                              <p:par>
-                                <p:cTn id="25" presetID="1" presetClass="entr" presetSubtype="0" fill="hold" nodeType="clickEffect">
-                                  <p:stCondLst>
-                                    <p:cond delay="0"/>
-                                  </p:stCondLst>
-                                  <p:childTnLst>
-                                    <p:set>
-                                      <p:cBhvr>
-                                        <p:cTn id="26" dur="1" fill="hold">
-                                          <p:stCondLst>
-                                            <p:cond delay="0"/>
-                                          </p:stCondLst>
-                                        </p:cTn>
-                                        <p:tgtEl>
-                                          <p:spTgt spid="5">
-                                            <p:txEl>
-                                              <p:pRg st="5" end="5"/>
-                                            </p:txEl>
-                                          </p:spTgt>
-                                        </p:tgtEl>
-                                        <p:attrNameLst>
-                                          <p:attrName>style.visibility</p:attrName>
-                                        </p:attrNameLst>
-                                      </p:cBhvr>
-                                      <p:to>
-                                        <p:strVal val="visible"/>
-                                      </p:to>
-                                    </p:set>
-                                  </p:childTnLst>
-                                </p:cTn>
-                              </p:par>
-                            </p:childTnLst>
-                          </p:cTn>
-                        </p:par>
-                      </p:childTnLst>
-                    </p:cTn>
-                  </p:par>
-                  <p:par>
-                    <p:cTn id="27" fill="hold">
-                      <p:stCondLst>
-                        <p:cond delay="indefinite"/>
-                      </p:stCondLst>
-                      <p:childTnLst>
-                        <p:par>
-                          <p:cTn id="28" fill="hold">
-                            <p:stCondLst>
-                              <p:cond delay="0"/>
-                            </p:stCondLst>
-                            <p:childTnLst>
-                              <p:par>
-                                <p:cTn id="29" presetID="1" presetClass="entr" presetSubtype="0" fill="hold" nodeType="clickEffect">
-                                  <p:stCondLst>
-                                    <p:cond delay="0"/>
-                                  </p:stCondLst>
-                                  <p:childTnLst>
-                                    <p:set>
-                                      <p:cBhvr>
-                                        <p:cTn id="30" dur="1" fill="hold">
-                                          <p:stCondLst>
-                                            <p:cond delay="0"/>
-                                          </p:stCondLst>
-                                        </p:cTn>
-                                        <p:tgtEl>
-                                          <p:spTgt spid="5">
-                                            <p:txEl>
-                                              <p:pRg st="6" end="6"/>
-                                            </p:txEl>
-                                          </p:spTgt>
-                                        </p:tgtEl>
-                                        <p:attrNameLst>
-                                          <p:attrName>style.visibility</p:attrName>
-                                        </p:attrNameLst>
-                                      </p:cBhvr>
-                                      <p:to>
-                                        <p:strVal val="visible"/>
-                                      </p:to>
-                                    </p:set>
-                                  </p:childTnLst>
-                                </p:cTn>
-                              </p:par>
-                            </p:childTnLst>
-                          </p:cTn>
-                        </p:par>
-                      </p:childTnLst>
-                    </p:cTn>
-                  </p:par>
                 </p:childTnLst>
               </p:cTn>
               <p:prevCondLst>
@@ -26059,8 +26165,12 @@
           <a:p>
             <a:pPr marL="360045" indent="-360045"/>
             <a:r>
+              <a:rPr lang="bg-BG" sz="3600" dirty="0"/>
+              <a:t>Използваме</a:t>
+            </a:r>
+            <a:r>
               <a:rPr lang="en-US" sz="3600" dirty="0"/>
-              <a:t>Използвайте </a:t>
+              <a:t> </a:t>
             </a:r>
             <a:r>
               <a:rPr lang="en-US" sz="3600" b="1" noProof="1">
@@ -26073,20 +26183,37 @@
             </a:r>
             <a:r>
               <a:rPr lang="en-US" sz="3600" noProof="1"/>
-              <a:t> з</a:t>
+              <a:t>, </a:t>
+            </a:r>
+            <a:r>
+              <a:rPr lang="bg-BG" sz="3600" noProof="1"/>
+              <a:t>за</a:t>
             </a:r>
             <a:r>
               <a:rPr lang="en-US" sz="3600" dirty="0"/>
-              <a:t>а да</a:t>
-            </a:r>
-            <a:br>
-              <a:rPr lang="en-US" sz="3600" dirty="0">
+              <a:t> да</a:t>
+            </a:r>
+            <a:r>
+              <a:rPr lang="bg-BG" sz="3600" dirty="0">
                 <a:cs typeface="Calibri"/>
               </a:rPr>
-            </a:br>
+              <a:t> </a:t>
+            </a:r>
+            <a:r>
+              <a:rPr lang="bg-BG" sz="3600" dirty="0"/>
+              <a:t>създаваме </a:t>
+            </a:r>
             <a:r>
               <a:rPr lang="en-US" sz="3600" dirty="0"/>
-              <a:t>създавате / модефицирате  низ</a:t>
+              <a:t>/ </a:t>
+            </a:r>
+            <a:r>
+              <a:rPr lang="bg-BG" sz="3600" dirty="0"/>
+              <a:t>модифицираме</a:t>
+            </a:r>
+            <a:r>
+              <a:rPr lang="en-US" sz="3600" dirty="0"/>
+              <a:t> низ</a:t>
             </a:r>
             <a:endParaRPr lang="bg-BG" sz="3600" dirty="0">
               <a:cs typeface="Calibri"/>
@@ -26122,11 +26249,15 @@
               <a:t>Употреба на класа </a:t>
             </a:r>
             <a:r>
-              <a:rPr lang="en-GB" sz="3950" noProof="1"/>
+              <a:rPr lang="en-GB" sz="3950" noProof="1">
+                <a:latin typeface="Consolas" panose="020B0609020204030204" pitchFamily="49" charset="0"/>
+                <a:cs typeface="Consolas" panose="020B0609020204030204" pitchFamily="49" charset="0"/>
+              </a:rPr>
               <a:t>StringBuilder</a:t>
             </a:r>
             <a:endParaRPr lang="en-GB" sz="3950" dirty="0">
-              <a:cs typeface="Calibri"/>
+              <a:latin typeface="Consolas" panose="020B0609020204030204" pitchFamily="49" charset="0"/>
+              <a:cs typeface="Consolas" panose="020B0609020204030204" pitchFamily="49" charset="0"/>
             </a:endParaRPr>
           </a:p>
         </p:txBody>
@@ -26836,18 +26967,21 @@
           <a:lstStyle/>
           <a:p>
             <a:r>
-              <a:rPr lang="en-GB" sz="3950" dirty="0"/>
+              <a:rPr lang="en-GB" sz="4000" dirty="0"/>
               <a:t>Конкатенация и </a:t>
             </a:r>
             <a:r>
-              <a:rPr lang="en-GB" sz="3950" noProof="1"/>
+              <a:rPr lang="en-GB" sz="4000" noProof="1">
+                <a:latin typeface="Consolas" panose="020B0609020204030204" pitchFamily="49" charset="0"/>
+                <a:cs typeface="Consolas" panose="020B0609020204030204" pitchFamily="49" charset="0"/>
+              </a:rPr>
               <a:t>StringBuilder</a:t>
             </a:r>
             <a:r>
-              <a:rPr lang="bg-BG" sz="3950" noProof="1"/>
+              <a:rPr lang="bg-BG" sz="4000" noProof="1"/>
               <a:t> (1)</a:t>
             </a:r>
-            <a:endParaRPr lang="en-GB" sz="3950" noProof="1"/>
+            <a:endParaRPr lang="en-GB" sz="4000" noProof="1"/>
           </a:p>
         </p:txBody>
       </p:sp>
@@ -27774,7 +27908,7 @@
           <a:p>
             <a:pPr marL="360045" indent="-360045"/>
             <a:r>
-              <a:rPr lang="en-US" sz="3350" dirty="0">
+              <a:rPr lang="en-US" sz="3400" dirty="0">
                 <a:solidFill>
                   <a:srgbClr val="234465"/>
                 </a:solidFill>
@@ -27784,7 +27918,7 @@
               <a:t>Използване на </a:t>
             </a:r>
             <a:r>
-              <a:rPr lang="en-US" sz="3350" b="1" noProof="1">
+              <a:rPr lang="en-US" sz="3400" b="1" noProof="1">
                 <a:solidFill>
                   <a:schemeClr val="bg1"/>
                 </a:solidFill>
@@ -27793,11 +27927,16 @@
               </a:rPr>
               <a:t>StringBuilder</a:t>
             </a:r>
-            <a:endParaRPr lang="bg-BG" b="1" noProof="1">
-              <a:solidFill>
-                <a:schemeClr val="bg1"/>
-              </a:solidFill>
-              <a:latin typeface="Consolas" panose="020B0609020204030204" pitchFamily="49" charset="0"/>
+            <a:r>
+              <a:rPr lang="en-US" sz="3400" noProof="1">
+                <a:latin typeface="Calibri" panose="020F0502020204030204" pitchFamily="34" charset="0"/>
+                <a:cs typeface="Calibri" panose="020F0502020204030204" pitchFamily="34" charset="0"/>
+              </a:rPr>
+              <a:t>:</a:t>
+            </a:r>
+            <a:endParaRPr lang="bg-BG" sz="3400" noProof="1">
+              <a:latin typeface="Calibri" panose="020F0502020204030204" pitchFamily="34" charset="0"/>
+              <a:cs typeface="Calibri" panose="020F0502020204030204" pitchFamily="34" charset="0"/>
             </a:endParaRPr>
           </a:p>
           <a:p>
@@ -27831,18 +27970,21 @@
           <a:lstStyle/>
           <a:p>
             <a:r>
-              <a:rPr lang="en-GB" sz="3950" dirty="0"/>
+              <a:rPr lang="en-GB" sz="4000" dirty="0"/>
               <a:t>Конкатенация и </a:t>
             </a:r>
             <a:r>
-              <a:rPr lang="en-GB" sz="3950" noProof="1"/>
+              <a:rPr lang="en-GB" sz="4000" noProof="1">
+                <a:latin typeface="Consolas" panose="020B0609020204030204" pitchFamily="49" charset="0"/>
+                <a:cs typeface="Consolas" panose="020B0609020204030204" pitchFamily="49" charset="0"/>
+              </a:rPr>
               <a:t>StringBuilder</a:t>
             </a:r>
             <a:r>
-              <a:rPr lang="bg-BG" sz="3950" noProof="1"/>
+              <a:rPr lang="bg-BG" sz="4000" noProof="1"/>
               <a:t> (2)</a:t>
             </a:r>
-            <a:endParaRPr lang="en-GB" sz="3950" noProof="1"/>
+            <a:endParaRPr lang="en-GB" sz="4000" noProof="1"/>
           </a:p>
         </p:txBody>
       </p:sp>
@@ -28374,84 +28516,6 @@
                                         </p:cTn>
                                         <p:tgtEl>
                                           <p:spTgt spid="11">
-                                            <p:bg/>
-                                          </p:spTgt>
-                                        </p:tgtEl>
-                                        <p:attrNameLst>
-                                          <p:attrName>style.visibility</p:attrName>
-                                        </p:attrNameLst>
-                                      </p:cBhvr>
-                                      <p:to>
-                                        <p:strVal val="visible"/>
-                                      </p:to>
-                                    </p:set>
-                                  </p:childTnLst>
-                                </p:cTn>
-                              </p:par>
-                              <p:par>
-                                <p:cTn id="7" presetID="1" presetClass="entr" presetSubtype="0" fill="hold" grpId="0" nodeType="withEffect">
-                                  <p:stCondLst>
-                                    <p:cond delay="0"/>
-                                  </p:stCondLst>
-                                  <p:childTnLst>
-                                    <p:set>
-                                      <p:cBhvr>
-                                        <p:cTn id="8" dur="1" fill="hold">
-                                          <p:stCondLst>
-                                            <p:cond delay="0"/>
-                                          </p:stCondLst>
-                                        </p:cTn>
-                                        <p:tgtEl>
-                                          <p:spTgt spid="11">
-                                            <p:txEl>
-                                              <p:pRg st="0" end="0"/>
-                                            </p:txEl>
-                                          </p:spTgt>
-                                        </p:tgtEl>
-                                        <p:attrNameLst>
-                                          <p:attrName>style.visibility</p:attrName>
-                                        </p:attrNameLst>
-                                      </p:cBhvr>
-                                      <p:to>
-                                        <p:strVal val="visible"/>
-                                      </p:to>
-                                    </p:set>
-                                  </p:childTnLst>
-                                </p:cTn>
-                              </p:par>
-                            </p:childTnLst>
-                          </p:cTn>
-                        </p:par>
-                      </p:childTnLst>
-                    </p:cTn>
-                  </p:par>
-                  <p:par>
-                    <p:cTn id="9" fill="hold">
-                      <p:stCondLst>
-                        <p:cond delay="indefinite"/>
-                      </p:stCondLst>
-                      <p:childTnLst>
-                        <p:par>
-                          <p:cTn id="10" fill="hold">
-                            <p:stCondLst>
-                              <p:cond delay="0"/>
-                            </p:stCondLst>
-                            <p:childTnLst>
-                              <p:par>
-                                <p:cTn id="11" presetID="1" presetClass="entr" presetSubtype="0" fill="hold" grpId="0" nodeType="clickEffect">
-                                  <p:stCondLst>
-                                    <p:cond delay="0"/>
-                                  </p:stCondLst>
-                                  <p:childTnLst>
-                                    <p:set>
-                                      <p:cBhvr>
-                                        <p:cTn id="12" dur="1" fill="hold">
-                                          <p:stCondLst>
-                                            <p:cond delay="0"/>
-                                          </p:stCondLst>
-                                        </p:cTn>
-                                        <p:tgtEl>
-                                          <p:spTgt spid="11">
                                             <p:txEl>
                                               <p:pRg st="1" end="1"/>
                                             </p:txEl>
@@ -28475,26 +28539,26 @@
                     </p:cTn>
                   </p:par>
                   <p:par>
-                    <p:cTn id="13" fill="hold">
+                    <p:cTn id="7" fill="hold">
                       <p:stCondLst>
                         <p:cond delay="indefinite"/>
                       </p:stCondLst>
                       <p:childTnLst>
                         <p:par>
-                          <p:cTn id="14" fill="hold">
+                          <p:cTn id="8" fill="hold">
                             <p:stCondLst>
                               <p:cond delay="0"/>
                             </p:stCondLst>
                             <p:childTnLst>
                               <p:par>
-                                <p:cTn id="15" presetID="1" presetClass="entr" presetSubtype="0" fill="hold" grpId="0" nodeType="clickEffect">
+                                <p:cTn id="9" presetID="1" presetClass="entr" presetSubtype="0" fill="hold" grpId="0" nodeType="clickEffect">
                                   <p:stCondLst>
                                     <p:cond delay="0"/>
                                   </p:stCondLst>
                                   <p:childTnLst>
                                     <p:set>
                                       <p:cBhvr>
-                                        <p:cTn id="16" dur="1" fill="hold">
+                                        <p:cTn id="10" dur="1" fill="hold">
                                           <p:stCondLst>
                                             <p:cond delay="0"/>
                                           </p:stCondLst>
@@ -28524,26 +28588,26 @@
                     </p:cTn>
                   </p:par>
                   <p:par>
-                    <p:cTn id="17" fill="hold">
+                    <p:cTn id="11" fill="hold">
                       <p:stCondLst>
                         <p:cond delay="indefinite"/>
                       </p:stCondLst>
                       <p:childTnLst>
                         <p:par>
-                          <p:cTn id="18" fill="hold">
+                          <p:cTn id="12" fill="hold">
                             <p:stCondLst>
                               <p:cond delay="0"/>
                             </p:stCondLst>
                             <p:childTnLst>
                               <p:par>
-                                <p:cTn id="19" presetID="1" presetClass="entr" presetSubtype="0" fill="hold" grpId="0" nodeType="clickEffect">
+                                <p:cTn id="13" presetID="1" presetClass="entr" presetSubtype="0" fill="hold" grpId="0" nodeType="clickEffect">
                                   <p:stCondLst>
                                     <p:cond delay="0"/>
                                   </p:stCondLst>
                                   <p:childTnLst>
                                     <p:set>
                                       <p:cBhvr>
-                                        <p:cTn id="20" dur="1" fill="hold">
+                                        <p:cTn id="14" dur="1" fill="hold">
                                           <p:stCondLst>
                                             <p:cond delay="0"/>
                                           </p:stCondLst>
@@ -28573,26 +28637,26 @@
                     </p:cTn>
                   </p:par>
                   <p:par>
-                    <p:cTn id="21" fill="hold">
+                    <p:cTn id="15" fill="hold">
                       <p:stCondLst>
                         <p:cond delay="indefinite"/>
                       </p:stCondLst>
                       <p:childTnLst>
                         <p:par>
-                          <p:cTn id="22" fill="hold">
+                          <p:cTn id="16" fill="hold">
                             <p:stCondLst>
                               <p:cond delay="0"/>
                             </p:stCondLst>
                             <p:childTnLst>
                               <p:par>
-                                <p:cTn id="23" presetID="1" presetClass="entr" presetSubtype="0" fill="hold" grpId="0" nodeType="clickEffect">
+                                <p:cTn id="17" presetID="1" presetClass="entr" presetSubtype="0" fill="hold" grpId="0" nodeType="clickEffect">
                                   <p:stCondLst>
                                     <p:cond delay="0"/>
                                   </p:stCondLst>
                                   <p:childTnLst>
                                     <p:set>
                                       <p:cBhvr>
-                                        <p:cTn id="24" dur="1" fill="hold">
+                                        <p:cTn id="18" dur="1" fill="hold">
                                           <p:stCondLst>
                                             <p:cond delay="0"/>
                                           </p:stCondLst>
@@ -28622,26 +28686,26 @@
                     </p:cTn>
                   </p:par>
                   <p:par>
-                    <p:cTn id="25" fill="hold">
+                    <p:cTn id="19" fill="hold">
                       <p:stCondLst>
                         <p:cond delay="indefinite"/>
                       </p:stCondLst>
                       <p:childTnLst>
                         <p:par>
-                          <p:cTn id="26" fill="hold">
+                          <p:cTn id="20" fill="hold">
                             <p:stCondLst>
                               <p:cond delay="0"/>
                             </p:stCondLst>
                             <p:childTnLst>
                               <p:par>
-                                <p:cTn id="27" presetID="1" presetClass="entr" presetSubtype="0" fill="hold" grpId="0" nodeType="clickEffect">
+                                <p:cTn id="21" presetID="1" presetClass="entr" presetSubtype="0" fill="hold" grpId="0" nodeType="clickEffect">
                                   <p:stCondLst>
                                     <p:cond delay="0"/>
                                   </p:stCondLst>
                                   <p:childTnLst>
                                     <p:set>
                                       <p:cBhvr>
-                                        <p:cTn id="28" dur="1" fill="hold">
+                                        <p:cTn id="22" dur="1" fill="hold">
                                           <p:stCondLst>
                                             <p:cond delay="0"/>
                                           </p:stCondLst>
@@ -28671,26 +28735,26 @@
                     </p:cTn>
                   </p:par>
                   <p:par>
-                    <p:cTn id="29" fill="hold">
+                    <p:cTn id="23" fill="hold">
                       <p:stCondLst>
                         <p:cond delay="indefinite"/>
                       </p:stCondLst>
                       <p:childTnLst>
                         <p:par>
-                          <p:cTn id="30" fill="hold">
+                          <p:cTn id="24" fill="hold">
                             <p:stCondLst>
                               <p:cond delay="0"/>
                             </p:stCondLst>
                             <p:childTnLst>
                               <p:par>
-                                <p:cTn id="31" presetID="1" presetClass="entr" presetSubtype="0" fill="hold" grpId="0" nodeType="clickEffect">
+                                <p:cTn id="25" presetID="1" presetClass="entr" presetSubtype="0" fill="hold" grpId="0" nodeType="clickEffect">
                                   <p:stCondLst>
                                     <p:cond delay="0"/>
                                   </p:stCondLst>
                                   <p:childTnLst>
                                     <p:set>
                                       <p:cBhvr>
-                                        <p:cTn id="32" dur="1" fill="hold">
+                                        <p:cTn id="26" dur="1" fill="hold">
                                           <p:stCondLst>
                                             <p:cond delay="0"/>
                                           </p:stCondLst>
@@ -28741,7 +28805,7 @@
       </p:par>
     </p:tnLst>
     <p:bldLst>
-      <p:bldP spid="11" grpId="0" uiExpand="1" build="p" animBg="1"/>
+      <p:bldP spid="11" grpId="0" uiExpand="1" build="p"/>
     </p:bldLst>
   </p:timing>
 </p:sld>
@@ -28795,7 +28859,7 @@
               </a:buClr>
             </a:pPr>
             <a:r>
-              <a:rPr lang="en-GB" sz="3350" b="1" dirty="0">
+              <a:rPr lang="en-GB" sz="3400" b="1" dirty="0">
                 <a:solidFill>
                   <a:schemeClr val="bg1"/>
                 </a:solidFill>
@@ -28804,13 +28868,13 @@
               <a:t>Append</a:t>
             </a:r>
             <a:r>
-              <a:rPr lang="en-GB" sz="3350" dirty="0">
+              <a:rPr lang="en-GB" sz="3400" dirty="0">
                 <a:latin typeface="Consolas"/>
               </a:rPr>
               <a:t>(</a:t>
             </a:r>
             <a:r>
-              <a:rPr lang="en-GB" sz="3350" b="1" dirty="0">
+              <a:rPr lang="en-GB" sz="3400" b="1" dirty="0">
                 <a:solidFill>
                   <a:schemeClr val="bg1"/>
                 </a:solidFill>
@@ -28819,20 +28883,20 @@
               <a:t>…</a:t>
             </a:r>
             <a:r>
-              <a:rPr lang="en-GB" sz="3350" dirty="0">
+              <a:rPr lang="en-GB" sz="3400" dirty="0">
                 <a:latin typeface="Consolas"/>
               </a:rPr>
               <a:t>)</a:t>
             </a:r>
             <a:r>
-              <a:rPr lang="en-GB" sz="3350" dirty="0"/>
+              <a:rPr lang="en-GB" sz="3400" dirty="0"/>
               <a:t> – добавя текст в края на низ</a:t>
             </a:r>
             <a:r>
-              <a:rPr lang="en-US" sz="3350" dirty="0"/>
+              <a:rPr lang="en-US" sz="3400" dirty="0"/>
               <a:t>a</a:t>
             </a:r>
-            <a:endParaRPr lang="bg-BG" sz="3350" dirty="0"/>
+            <a:endParaRPr lang="bg-BG" sz="3400" dirty="0"/>
           </a:p>
           <a:p>
             <a:pPr marL="0" indent="0">
@@ -28875,7 +28939,7 @@
               </a:buClr>
             </a:pPr>
             <a:r>
-              <a:rPr lang="en-GB" sz="3350" b="1" dirty="0">
+              <a:rPr lang="en-GB" sz="3400" b="1" dirty="0">
                 <a:solidFill>
                   <a:schemeClr val="bg1"/>
                 </a:solidFill>
@@ -28884,10 +28948,10 @@
               <a:t>Length</a:t>
             </a:r>
             <a:r>
-              <a:rPr lang="en-GB" sz="3350" dirty="0"/>
+              <a:rPr lang="en-GB" sz="3400" dirty="0"/>
               <a:t> – пази дължината на низа в буфера</a:t>
             </a:r>
-            <a:endParaRPr lang="en-US" sz="3350" dirty="0">
+            <a:endParaRPr lang="en-US" sz="3400" dirty="0">
               <a:cs typeface="Calibri"/>
             </a:endParaRPr>
           </a:p>
@@ -28934,7 +28998,7 @@
               </a:buClr>
             </a:pPr>
             <a:r>
-              <a:rPr lang="en-GB" sz="3350" b="1" dirty="0">
+              <a:rPr lang="en-GB" sz="3400" b="1" dirty="0">
                 <a:solidFill>
                   <a:schemeClr val="bg1"/>
                 </a:solidFill>
@@ -28943,13 +29007,13 @@
               <a:t>Clear</a:t>
             </a:r>
             <a:r>
-              <a:rPr lang="en-GB" sz="3350" dirty="0">
+              <a:rPr lang="en-GB" sz="3400" dirty="0">
                 <a:latin typeface="Consolas"/>
               </a:rPr>
               <a:t>(</a:t>
             </a:r>
             <a:r>
-              <a:rPr lang="en-GB" sz="3350" b="1" dirty="0">
+              <a:rPr lang="en-GB" sz="3400" b="1" dirty="0">
                 <a:solidFill>
                   <a:schemeClr val="bg1"/>
                 </a:solidFill>
@@ -28958,20 +29022,20 @@
               <a:t>…</a:t>
             </a:r>
             <a:r>
-              <a:rPr lang="en-GB" sz="3350" dirty="0">
+              <a:rPr lang="en-GB" sz="3400" dirty="0">
                 <a:latin typeface="Consolas"/>
               </a:rPr>
               <a:t>)</a:t>
             </a:r>
             <a:r>
-              <a:rPr lang="en-GB" sz="3350" b="1" dirty="0"/>
+              <a:rPr lang="en-GB" sz="3400" b="1" dirty="0"/>
               <a:t> </a:t>
             </a:r>
             <a:r>
-              <a:rPr lang="en-GB" sz="3350" dirty="0"/>
+              <a:rPr lang="en-GB" sz="3400" dirty="0"/>
               <a:t>– премахва всички символи</a:t>
             </a:r>
-            <a:endParaRPr lang="en-GB" b="1" dirty="0">
+            <a:endParaRPr lang="en-GB" sz="3400" b="1" dirty="0">
               <a:solidFill>
                 <a:schemeClr val="bg1"/>
               </a:solidFill>
@@ -28992,18 +29056,31 @@
         </p:nvSpPr>
         <p:spPr/>
         <p:txBody>
-          <a:bodyPr/>
+          <a:bodyPr>
+            <a:normAutofit/>
+          </a:bodyPr>
           <a:lstStyle/>
           <a:p>
             <a:r>
-              <a:rPr lang="en-GB" sz="3950" noProof="1"/>
-              <a:t>Методи за StringBuilder </a:t>
-            </a:r>
-            <a:r>
-              <a:rPr lang="en-GB" sz="3950" dirty="0"/>
+              <a:rPr lang="en-GB" sz="4000" noProof="1"/>
+              <a:t>Методи за </a:t>
+            </a:r>
+            <a:r>
+              <a:rPr lang="en-GB" sz="4000" noProof="1">
+                <a:latin typeface="Consolas" panose="020B0609020204030204" pitchFamily="49" charset="0"/>
+                <a:cs typeface="Consolas" panose="020B0609020204030204" pitchFamily="49" charset="0"/>
+              </a:rPr>
+              <a:t>StringBuilder</a:t>
+            </a:r>
+            <a:r>
+              <a:rPr lang="en-GB" sz="4000" noProof="1"/>
+              <a:t> </a:t>
+            </a:r>
+            <a:r>
+              <a:rPr lang="en-GB" sz="4000" dirty="0"/>
               <a:t>(1)</a:t>
             </a:r>
-            <a:endParaRPr lang="bg-BG" sz="3950" dirty="0"/>
+            <a:endParaRPr lang="bg-BG" sz="4000" dirty="0"/>
           </a:p>
         </p:txBody>
       </p:sp>
@@ -29642,7 +29719,7 @@
                             </p:stCondLst>
                             <p:childTnLst>
                               <p:par>
-                                <p:cTn id="5" presetID="1" presetClass="entr" presetSubtype="0" fill="hold" grpId="0" nodeType="clickEffect">
+                                <p:cTn id="5" presetID="1" presetClass="entr" presetSubtype="0" fill="hold" nodeType="clickEffect">
                                   <p:stCondLst>
                                     <p:cond delay="0"/>
                                   </p:stCondLst>
@@ -29655,7 +29732,11 @@
                                           </p:stCondLst>
                                         </p:cTn>
                                         <p:tgtEl>
-                                          <p:spTgt spid="13"/>
+                                          <p:spTgt spid="7">
+                                            <p:txEl>
+                                              <p:pRg st="3" end="3"/>
+                                            </p:txEl>
+                                          </p:spTgt>
                                         </p:tgtEl>
                                         <p:attrNameLst>
                                           <p:attrName>style.visibility</p:attrName>
@@ -29772,7 +29853,6 @@
       </p:par>
     </p:tnLst>
     <p:bldLst>
-      <p:bldP spid="13" grpId="0" animBg="1"/>
       <p:bldP spid="14" grpId="0" animBg="1"/>
     </p:bldLst>
   </p:timing>
@@ -29822,7 +29902,7 @@
               </a:buClr>
             </a:pPr>
             <a:r>
-              <a:rPr lang="bg-BG" sz="3350" b="1" dirty="0">
+              <a:rPr lang="bg-BG" sz="3400" b="1" dirty="0">
                 <a:solidFill>
                   <a:schemeClr val="bg1"/>
                 </a:solidFill>
@@ -29831,7 +29911,7 @@
               <a:t>[</a:t>
             </a:r>
             <a:r>
-              <a:rPr lang="en-GB" sz="3350" b="1" noProof="1">
+              <a:rPr lang="en-GB" sz="3400" b="1" noProof="1">
                 <a:solidFill>
                   <a:schemeClr val="bg1"/>
                 </a:solidFill>
@@ -29840,7 +29920,7 @@
               <a:t>int</a:t>
             </a:r>
             <a:r>
-              <a:rPr lang="en-GB" sz="3350" b="1" dirty="0">
+              <a:rPr lang="en-GB" sz="3400" b="1" dirty="0">
                 <a:solidFill>
                   <a:schemeClr val="bg1"/>
                 </a:solidFill>
@@ -29849,14 +29929,14 @@
               <a:t> индекс]</a:t>
             </a:r>
             <a:r>
-              <a:rPr lang="en-GB" sz="3350" dirty="0"/>
+              <a:rPr lang="en-GB" sz="3400" dirty="0"/>
               <a:t> – </a:t>
             </a:r>
             <a:r>
-              <a:rPr lang="en-US" sz="3350" dirty="0"/>
+              <a:rPr lang="en-US" sz="3400" dirty="0"/>
               <a:t>връща символ на даден индекс</a:t>
             </a:r>
-            <a:endParaRPr lang="en-GB" sz="3350" b="1" dirty="0">
+            <a:endParaRPr lang="en-GB" sz="3400" b="1" dirty="0">
               <a:solidFill>
                 <a:schemeClr val="bg1"/>
               </a:solidFill>
@@ -29921,7 +30001,7 @@
               </a:buClr>
             </a:pPr>
             <a:r>
-              <a:rPr lang="en-GB" sz="3350" b="1" noProof="1">
+              <a:rPr lang="en-GB" sz="3400" b="1" noProof="1">
                 <a:solidFill>
                   <a:schemeClr val="bg1"/>
                 </a:solidFill>
@@ -29930,13 +30010,13 @@
               <a:t>Insert</a:t>
             </a:r>
             <a:r>
-              <a:rPr lang="en-GB" sz="3350" noProof="1">
+              <a:rPr lang="en-GB" sz="3400" noProof="1">
                 <a:latin typeface="Consolas"/>
               </a:rPr>
               <a:t>(</a:t>
             </a:r>
             <a:r>
-              <a:rPr lang="en-GB" sz="3350" b="1" noProof="1">
+              <a:rPr lang="en-GB" sz="3400" b="1" noProof="1">
                 <a:solidFill>
                   <a:schemeClr val="bg1"/>
                 </a:solidFill>
@@ -29945,7 +30025,7 @@
               <a:t>int</a:t>
             </a:r>
             <a:r>
-              <a:rPr lang="en-GB" sz="3350" b="1" dirty="0">
+              <a:rPr lang="en-GB" sz="3400" b="1" dirty="0">
                 <a:solidFill>
                   <a:schemeClr val="bg1"/>
                 </a:solidFill>
@@ -29954,13 +30034,13 @@
               <a:t> индекс, string низ</a:t>
             </a:r>
             <a:r>
-              <a:rPr lang="en-GB" sz="3350" dirty="0">
+              <a:rPr lang="en-GB" sz="3400" dirty="0">
                 <a:latin typeface="Consolas"/>
               </a:rPr>
               <a:t>)</a:t>
             </a:r>
             <a:r>
-              <a:rPr lang="en-GB" sz="3350" b="1" dirty="0">
+              <a:rPr lang="en-GB" sz="3400" b="1" dirty="0">
                 <a:solidFill>
                   <a:schemeClr val="bg1"/>
                 </a:solidFill>
@@ -29968,10 +30048,10 @@
               <a:t> </a:t>
             </a:r>
             <a:r>
-              <a:rPr lang="en-GB" sz="3350" dirty="0"/>
+              <a:rPr lang="en-GB" sz="3400" dirty="0"/>
               <a:t>–  вмъква низ на определен индекс</a:t>
             </a:r>
-            <a:endParaRPr lang="en-US" sz="3350" dirty="0">
+            <a:endParaRPr lang="en-US" sz="3400" dirty="0">
               <a:cs typeface="Calibri"/>
             </a:endParaRPr>
           </a:p>
@@ -30002,18 +30082,31 @@
         </p:nvSpPr>
         <p:spPr/>
         <p:txBody>
-          <a:bodyPr/>
+          <a:bodyPr>
+            <a:normAutofit/>
+          </a:bodyPr>
           <a:lstStyle/>
           <a:p>
             <a:r>
-              <a:rPr lang="en-GB" sz="3950" noProof="1"/>
-              <a:t>Методи за StringBuilder </a:t>
-            </a:r>
-            <a:r>
-              <a:rPr lang="en-GB" sz="3950" dirty="0"/>
+              <a:rPr lang="en-GB" sz="4000" noProof="1"/>
+              <a:t>Методи за </a:t>
+            </a:r>
+            <a:r>
+              <a:rPr lang="en-GB" sz="4000" noProof="1">
+                <a:latin typeface="Consolas" panose="020B0609020204030204" pitchFamily="49" charset="0"/>
+                <a:cs typeface="Consolas" panose="020B0609020204030204" pitchFamily="49" charset="0"/>
+              </a:rPr>
+              <a:t>StringBuilder</a:t>
+            </a:r>
+            <a:r>
+              <a:rPr lang="en-GB" sz="4000" noProof="1"/>
+              <a:t> </a:t>
+            </a:r>
+            <a:r>
+              <a:rPr lang="en-GB" sz="4000" dirty="0"/>
               <a:t>(2)</a:t>
             </a:r>
-            <a:endParaRPr lang="bg-BG" dirty="0">
+            <a:endParaRPr lang="bg-BG" sz="4000" dirty="0">
               <a:cs typeface="Calibri"/>
             </a:endParaRPr>
           </a:p>
@@ -32147,7 +32240,15 @@
             </a:r>
             <a:r>
               <a:rPr lang="en-GB" sz="3400" dirty="0"/>
-              <a:t>– връща </a:t>
+              <a:t>– </a:t>
+            </a:r>
+            <a:r>
+              <a:rPr lang="bg-BG" sz="3400" dirty="0"/>
+              <a:t>конвертира в</a:t>
+            </a:r>
+            <a:r>
+              <a:rPr lang="en-GB" sz="3400" dirty="0"/>
+              <a:t> </a:t>
             </a:r>
             <a:r>
               <a:rPr lang="en-GB" sz="3400" b="1" dirty="0">
@@ -32188,7 +32289,18 @@
           <a:p>
             <a:r>
               <a:rPr lang="en-GB" sz="3950" noProof="1"/>
-              <a:t>Методи за StringBuilder </a:t>
+              <a:t>Методи за </a:t>
+            </a:r>
+            <a:r>
+              <a:rPr lang="en-GB" sz="3950" noProof="1">
+                <a:latin typeface="Consolas" panose="020B0609020204030204" pitchFamily="49" charset="0"/>
+                <a:cs typeface="Consolas" panose="020B0609020204030204" pitchFamily="49" charset="0"/>
+              </a:rPr>
+              <a:t>StringBuilder</a:t>
+            </a:r>
+            <a:r>
+              <a:rPr lang="en-GB" sz="3950" noProof="1"/>
+              <a:t> </a:t>
             </a:r>
             <a:r>
               <a:rPr lang="en-GB" sz="3950" dirty="0"/>
@@ -32822,7 +32934,7 @@
                             </p:stCondLst>
                             <p:childTnLst>
                               <p:par>
-                                <p:cTn id="5" presetID="1" presetClass="entr" presetSubtype="0" fill="hold" grpId="0" nodeType="clickEffect">
+                                <p:cTn id="5" presetID="1" presetClass="entr" presetSubtype="0" fill="hold" nodeType="clickEffect">
                                   <p:stCondLst>
                                     <p:cond delay="0"/>
                                   </p:stCondLst>
@@ -32835,7 +32947,11 @@
                                           </p:stCondLst>
                                         </p:cTn>
                                         <p:tgtEl>
-                                          <p:spTgt spid="12"/>
+                                          <p:spTgt spid="5">
+                                            <p:txEl>
+                                              <p:pRg st="3" end="3"/>
+                                            </p:txEl>
+                                          </p:spTgt>
                                         </p:tgtEl>
                                         <p:attrNameLst>
                                           <p:attrName>style.visibility</p:attrName>
@@ -32867,7 +32983,7 @@
                             </p:stCondLst>
                             <p:childTnLst>
                               <p:par>
-                                <p:cTn id="9" presetID="1" presetClass="entr" presetSubtype="0" fill="hold" nodeType="clickEffect">
+                                <p:cTn id="9" presetID="1" presetClass="entr" presetSubtype="0" fill="hold" grpId="0" nodeType="clickEffect">
                                   <p:stCondLst>
                                     <p:cond delay="0"/>
                                   </p:stCondLst>
@@ -32875,55 +32991,6 @@
                                     <p:set>
                                       <p:cBhvr>
                                         <p:cTn id="10" dur="1" fill="hold">
-                                          <p:stCondLst>
-                                            <p:cond delay="0"/>
-                                          </p:stCondLst>
-                                        </p:cTn>
-                                        <p:tgtEl>
-                                          <p:spTgt spid="5">
-                                            <p:txEl>
-                                              <p:pRg st="3" end="3"/>
-                                            </p:txEl>
-                                          </p:spTgt>
-                                        </p:tgtEl>
-                                        <p:attrNameLst>
-                                          <p:attrName>style.visibility</p:attrName>
-                                        </p:attrNameLst>
-                                      </p:cBhvr>
-                                      <p:to>
-                                        <p:strVal val="visible"/>
-                                      </p:to>
-                                    </p:set>
-                                  </p:childTnLst>
-                                </p:cTn>
-                              </p:par>
-                            </p:childTnLst>
-                          </p:cTn>
-                        </p:par>
-                      </p:childTnLst>
-                    </p:cTn>
-                  </p:par>
-                  <p:par>
-                    <p:cTn id="11" fill="hold">
-                      <p:stCondLst>
-                        <p:cond delay="indefinite"/>
-                      </p:stCondLst>
-                      <p:childTnLst>
-                        <p:par>
-                          <p:cTn id="12" fill="hold">
-                            <p:stCondLst>
-                              <p:cond delay="0"/>
-                            </p:stCondLst>
-                            <p:childTnLst>
-                              <p:par>
-                                <p:cTn id="13" presetID="1" presetClass="entr" presetSubtype="0" fill="hold" grpId="0" nodeType="clickEffect">
-                                  <p:stCondLst>
-                                    <p:cond delay="0"/>
-                                  </p:stCondLst>
-                                  <p:childTnLst>
-                                    <p:set>
-                                      <p:cBhvr>
-                                        <p:cTn id="14" dur="1" fill="hold">
                                           <p:stCondLst>
                                             <p:cond delay="0"/>
                                           </p:stCondLst>
@@ -32971,7 +33038,6 @@
     </p:tnLst>
     <p:bldLst>
       <p:bldP spid="8" grpId="0" animBg="1"/>
-      <p:bldP spid="12" grpId="0" animBg="1"/>
     </p:bldLst>
   </p:timing>
 </p:sld>
@@ -33334,8 +33400,8 @@
         </p:nvSpPr>
         <p:spPr>
           <a:xfrm>
-            <a:off x="713101" y="1638431"/>
-            <a:ext cx="10737899" cy="4748837"/>
+            <a:off x="713101" y="1638432"/>
+            <a:ext cx="11039929" cy="4569172"/>
           </a:xfrm>
           <a:prstGeom prst="rect">
             <a:avLst/>
@@ -33514,29 +33580,57 @@
           </a:lstStyle>
           <a:p>
             <a:pPr marL="456565" indent="-456565" latinLnBrk="0">
+              <a:lnSpc>
+                <a:spcPct val="110000"/>
+              </a:lnSpc>
               <a:spcBef>
                 <a:spcPts val="1200"/>
               </a:spcBef>
+              <a:buClr>
+                <a:schemeClr val="tx1"/>
+              </a:buClr>
             </a:pPr>
             <a:r>
-              <a:rPr lang="en-US" sz="3600" dirty="0">
+              <a:rPr lang="en-US" sz="3800" b="1" dirty="0">
+                <a:solidFill>
+                  <a:schemeClr val="accent1">
+                    <a:lumMod val="60000"/>
+                    <a:lumOff val="40000"/>
+                  </a:schemeClr>
+                </a:solidFill>
+              </a:rPr>
+              <a:t>Низ</a:t>
+            </a:r>
+            <a:r>
+              <a:rPr lang="bg-BG" sz="3800" b="1" dirty="0">
+                <a:solidFill>
+                  <a:schemeClr val="accent1">
+                    <a:lumMod val="60000"/>
+                    <a:lumOff val="40000"/>
+                  </a:schemeClr>
+                </a:solidFill>
+              </a:rPr>
+              <a:t> == </a:t>
+            </a:r>
+            <a:r>
+              <a:rPr lang="en-US" sz="3800" dirty="0">
                 <a:solidFill>
                   <a:schemeClr val="bg2"/>
                 </a:solidFill>
               </a:rPr>
-              <a:t>Низовете са неизменими поредици от </a:t>
-            </a:r>
-            <a:r>
-              <a:rPr lang="en-US" sz="3600" dirty="0">
+              <a:t>неизменими поредици от </a:t>
+            </a:r>
+            <a:r>
+              <a:rPr lang="bg-BG" sz="3800" dirty="0">
                 <a:solidFill>
                   <a:schemeClr val="bg2"/>
                 </a:solidFill>
                 <a:ea typeface="+mn-lt"/>
                 <a:cs typeface="+mn-lt"/>
               </a:rPr>
-              <a:t>unicode знаци</a:t>
-            </a:r>
-            <a:endParaRPr lang="en-US" sz="3600" dirty="0">
+              <a:t>символи</a:t>
+            </a:r>
+            <a:endParaRPr lang="en-US" sz="3800" dirty="0">
               <a:solidFill>
                 <a:schemeClr val="bg2"/>
               </a:solidFill>
@@ -33545,19 +33639,46 @@
           </a:p>
           <a:p>
             <a:pPr marL="456565" indent="-456565" latinLnBrk="0">
+              <a:lnSpc>
+                <a:spcPct val="110000"/>
+              </a:lnSpc>
               <a:spcBef>
                 <a:spcPts val="1200"/>
               </a:spcBef>
             </a:pPr>
             <a:r>
-              <a:rPr lang="en-US" sz="3600" dirty="0">
+              <a:rPr lang="en-US" sz="3800" dirty="0">
                 <a:solidFill>
                   <a:schemeClr val="bg2"/>
                 </a:solidFill>
               </a:rPr>
-              <a:t>Методи за операции на низ</a:t>
-            </a:r>
-            <a:endParaRPr lang="en-US" sz="3600" dirty="0">
+              <a:t>Методи за </a:t>
+            </a:r>
+            <a:r>
+              <a:rPr lang="bg-BG" sz="3800" dirty="0">
+                <a:solidFill>
+                  <a:schemeClr val="bg2"/>
+                </a:solidFill>
+              </a:rPr>
+              <a:t>операции с</a:t>
+            </a:r>
+            <a:r>
+              <a:rPr lang="en-US" sz="3800" dirty="0">
+                <a:solidFill>
+                  <a:schemeClr val="bg2"/>
+                </a:solidFill>
+              </a:rPr>
+              <a:t> низ</a:t>
+            </a:r>
+            <a:r>
+              <a:rPr lang="bg-BG" sz="3800" dirty="0">
+                <a:solidFill>
+                  <a:schemeClr val="bg2"/>
+                </a:solidFill>
+              </a:rPr>
+              <a:t>:</a:t>
+            </a:r>
+            <a:endParaRPr lang="en-US" sz="3800" dirty="0">
               <a:solidFill>
                 <a:schemeClr val="bg2"/>
               </a:solidFill>
@@ -33566,6 +33687,9 @@
           </a:p>
           <a:p>
             <a:pPr marL="989965" lvl="1" indent="-380365" latinLnBrk="0">
+              <a:lnSpc>
+                <a:spcPct val="114000"/>
+              </a:lnSpc>
               <a:spcBef>
                 <a:spcPts val="1200"/>
               </a:spcBef>
@@ -33733,6 +33857,9 @@
           </a:p>
           <a:p>
             <a:pPr marL="456565" indent="-456565" latinLnBrk="0">
+              <a:lnSpc>
+                <a:spcPct val="110000"/>
+              </a:lnSpc>
               <a:spcBef>
                 <a:spcPts val="1200"/>
               </a:spcBef>
@@ -33741,7 +33868,7 @@
               </a:buClr>
             </a:pPr>
             <a:r>
-              <a:rPr lang="en-US" sz="3600" b="1" noProof="1">
+              <a:rPr lang="en-US" sz="3800" b="1" noProof="1">
                 <a:solidFill>
                   <a:schemeClr val="bg1">
                     <a:lumMod val="60000"/>
@@ -33753,7 +33880,7 @@
               <a:t>StringBuilder</a:t>
             </a:r>
             <a:r>
-              <a:rPr lang="en-US" sz="3600" dirty="0">
+              <a:rPr lang="en-US" sz="3800" dirty="0">
                 <a:solidFill>
                   <a:schemeClr val="bg2"/>
                 </a:solidFill>
@@ -33761,7 +33888,7 @@
               <a:t> </a:t>
             </a:r>
             <a:r>
-              <a:rPr lang="bg-BG" sz="3600" dirty="0">
+              <a:rPr lang="bg-BG" sz="3800" dirty="0">
                 <a:solidFill>
                   <a:schemeClr val="bg2"/>
                 </a:solidFill>
@@ -33769,18 +33896,17 @@
               <a:t>за </a:t>
             </a:r>
             <a:r>
-              <a:rPr lang="en-US" sz="3600" dirty="0">
+              <a:rPr lang="en-US" sz="3800" dirty="0">
                 <a:solidFill>
                   <a:schemeClr val="bg2"/>
                 </a:solidFill>
               </a:rPr>
               <a:t>ефективно изгражадане / модефикация на низ</a:t>
             </a:r>
-            <a:endParaRPr lang="en-US" sz="3600" dirty="0">
+            <a:endParaRPr lang="bg-BG" sz="3800" dirty="0">
               <a:solidFill>
                 <a:schemeClr val="bg2"/>
               </a:solidFill>
-              <a:cs typeface="Calibri"/>
             </a:endParaRPr>
           </a:p>
         </p:txBody>
@@ -33896,64 +34022,15 @@
                                   </p:childTnLst>
                                 </p:cTn>
                               </p:par>
-                            </p:childTnLst>
-                          </p:cTn>
-                        </p:par>
-                      </p:childTnLst>
-                    </p:cTn>
-                  </p:par>
-                  <p:par>
-                    <p:cTn id="7" fill="hold">
-                      <p:stCondLst>
-                        <p:cond delay="indefinite"/>
-                      </p:stCondLst>
-                      <p:childTnLst>
-                        <p:par>
-                          <p:cTn id="8" fill="hold">
-                            <p:stCondLst>
-                              <p:cond delay="0"/>
-                            </p:stCondLst>
-                            <p:childTnLst>
                               <p:par>
-                                <p:cTn id="9" presetID="1" presetClass="entr" presetSubtype="0" fill="hold" nodeType="clickEffect">
+                                <p:cTn id="7" presetID="1" presetClass="entr" presetSubtype="0" fill="hold" nodeType="withEffect">
                                   <p:stCondLst>
                                     <p:cond delay="0"/>
                                   </p:stCondLst>
                                   <p:childTnLst>
                                     <p:set>
                                       <p:cBhvr>
-                                        <p:cTn id="10" dur="1" fill="hold">
-                                          <p:stCondLst>
-                                            <p:cond delay="0"/>
-                                          </p:stCondLst>
-                                        </p:cTn>
-                                        <p:tgtEl>
-                                          <p:spTgt spid="15">
-                                            <p:txEl>
-                                              <p:pRg st="0" end="0"/>
-                                            </p:txEl>
-                                          </p:spTgt>
-                                        </p:tgtEl>
-                                        <p:attrNameLst>
-                                          <p:attrName>style.visibility</p:attrName>
-                                        </p:attrNameLst>
-                                      </p:cBhvr>
-                                      <p:to>
-                                        <p:strVal val="visible"/>
-                                      </p:to>
-                                    </p:set>
-                                  </p:childTnLst>
-                                </p:cTn>
-                              </p:par>
-                              <p:par>
-                                <p:cTn id="11" presetID="1" presetClass="entr" presetSubtype="0" fill="hold" nodeType="withEffect">
-                                  <p:stCondLst>
-                                    <p:cond delay="0"/>
-                                  </p:stCondLst>
-                                  <p:childTnLst>
-                                    <p:set>
-                                      <p:cBhvr>
-                                        <p:cTn id="12" dur="1" fill="hold">
+                                        <p:cTn id="8" dur="1" fill="hold">
                                           <p:stCondLst>
                                             <p:cond delay="0"/>
                                           </p:stCondLst>
@@ -33983,26 +34060,26 @@
                     </p:cTn>
                   </p:par>
                   <p:par>
-                    <p:cTn id="13" fill="hold">
+                    <p:cTn id="9" fill="hold">
                       <p:stCondLst>
                         <p:cond delay="indefinite"/>
                       </p:stCondLst>
                       <p:childTnLst>
                         <p:par>
-                          <p:cTn id="14" fill="hold">
+                          <p:cTn id="10" fill="hold">
                             <p:stCondLst>
                               <p:cond delay="0"/>
                             </p:stCondLst>
                             <p:childTnLst>
                               <p:par>
-                                <p:cTn id="15" presetID="1" presetClass="entr" presetSubtype="0" fill="hold" nodeType="clickEffect">
+                                <p:cTn id="11" presetID="1" presetClass="entr" presetSubtype="0" fill="hold" nodeType="clickEffect">
                                   <p:stCondLst>
                                     <p:cond delay="0"/>
                                   </p:stCondLst>
                                   <p:childTnLst>
                                     <p:set>
                                       <p:cBhvr>
-                                        <p:cTn id="16" dur="1" fill="hold">
+                                        <p:cTn id="12" dur="1" fill="hold">
                                           <p:stCondLst>
                                             <p:cond delay="0"/>
                                           </p:stCondLst>
@@ -34447,7 +34524,7 @@
         </p:nvSpPr>
         <p:spPr>
           <a:xfrm>
-            <a:off x="1794444" y="1115975"/>
+            <a:off x="1794444" y="999000"/>
             <a:ext cx="10326000" cy="5546589"/>
           </a:xfrm>
         </p:spPr>
@@ -34461,10 +34538,54 @@
               <a:lnSpc>
                 <a:spcPct val="100000"/>
               </a:lnSpc>
+              <a:buClr>
+                <a:schemeClr val="tx1"/>
+              </a:buClr>
             </a:pPr>
             <a:r>
+              <a:rPr lang="en-US" sz="3300" b="1" dirty="0">
+                <a:solidFill>
+                  <a:schemeClr val="bg1"/>
+                </a:solidFill>
+              </a:rPr>
+              <a:t>Низ</a:t>
+            </a:r>
+            <a:r>
               <a:rPr lang="en-US" sz="3300" dirty="0"/>
-              <a:t>Низът е </a:t>
+              <a:t> (</a:t>
+            </a:r>
+            <a:r>
+              <a:rPr lang="bg-BG" sz="3300" b="1" dirty="0">
+                <a:solidFill>
+                  <a:schemeClr val="bg1"/>
+                </a:solidFill>
+              </a:rPr>
+              <a:t>стринг</a:t>
+            </a:r>
+            <a:r>
+              <a:rPr lang="bg-BG" sz="3300" dirty="0"/>
+              <a:t>) == </a:t>
+            </a:r>
+            <a:r>
+              <a:rPr lang="en-US" sz="3300" dirty="0"/>
+              <a:t>редица от символи (текст)</a:t>
+            </a:r>
+            <a:endParaRPr lang="bg-BG" sz="3300" dirty="0">
+              <a:cs typeface="Calibri"/>
+            </a:endParaRPr>
+          </a:p>
+          <a:p>
+            <a:pPr marL="360045" indent="-360045">
+              <a:lnSpc>
+                <a:spcPct val="100000"/>
+              </a:lnSpc>
+              <a:buClr>
+                <a:schemeClr val="tx1"/>
+              </a:buClr>
+            </a:pPr>
+            <a:r>
+              <a:rPr lang="en-US" sz="3300" dirty="0"/>
+              <a:t>Низът е </a:t>
             </a:r>
             <a:r>
               <a:rPr lang="en-US" sz="3300" b="1" dirty="0">
@@ -34472,13 +34593,98 @@
                   <a:schemeClr val="bg1"/>
                 </a:solidFill>
               </a:rPr>
-              <a:t>редица от символи </a:t>
+              <a:t>тип данни </a:t>
             </a:r>
             <a:r>
               <a:rPr lang="en-US" sz="3300" dirty="0"/>
-              <a:t>(текст)</a:t>
-            </a:r>
-            <a:endParaRPr lang="bg-BG" sz="3300" dirty="0">
+              <a:t>в C#</a:t>
+            </a:r>
+            <a:endParaRPr lang="en-US" sz="3300" dirty="0">
+              <a:cs typeface="Calibri"/>
+            </a:endParaRPr>
+          </a:p>
+          <a:p>
+            <a:pPr lvl="1" indent="-360045">
+              <a:lnSpc>
+                <a:spcPct val="100000"/>
+              </a:lnSpc>
+            </a:pPr>
+            <a:r>
+              <a:rPr lang="en-US" sz="3300" dirty="0"/>
+              <a:t>Декларира се с</a:t>
+            </a:r>
+            <a:r>
+              <a:rPr lang="en-US" sz="3300" dirty="0">
+                <a:latin typeface="Calibri"/>
+                <a:cs typeface="Calibri"/>
+              </a:rPr>
+              <a:t> ключувата дума</a:t>
+            </a:r>
+            <a:r>
+              <a:rPr lang="en-US" sz="3300" dirty="0">
+                <a:solidFill>
+                  <a:srgbClr val="234465"/>
+                </a:solidFill>
+                <a:latin typeface="Calibri"/>
+                <a:cs typeface="Calibri"/>
+              </a:rPr>
+              <a:t> </a:t>
+            </a:r>
+            <a:r>
+              <a:rPr lang="en-US" sz="3300" b="1" dirty="0">
+                <a:solidFill>
+                  <a:schemeClr val="bg1"/>
+                </a:solidFill>
+                <a:latin typeface="Consolas"/>
+              </a:rPr>
+              <a:t>string</a:t>
+            </a:r>
+            <a:r>
+              <a:rPr lang="en-US" sz="3300" dirty="0"/>
+              <a:t> </a:t>
+            </a:r>
+            <a:endParaRPr lang="en-US" sz="3300" dirty="0">
+              <a:cs typeface="Calibri"/>
+            </a:endParaRPr>
+          </a:p>
+          <a:p>
+            <a:pPr lvl="1" indent="-360045">
+              <a:lnSpc>
+                <a:spcPct val="100000"/>
+              </a:lnSpc>
+            </a:pPr>
+            <a:r>
+              <a:rPr lang="bg-BG" sz="3300" dirty="0"/>
+              <a:t>Той</a:t>
+            </a:r>
+            <a:r>
+              <a:rPr lang="en-US" sz="3300" dirty="0"/>
+              <a:t> е от</a:t>
+            </a:r>
+            <a:r>
+              <a:rPr lang="en-US" sz="3300" dirty="0">
+                <a:solidFill>
+                  <a:srgbClr val="234465"/>
+                </a:solidFill>
+                <a:latin typeface="Calibri"/>
+                <a:cs typeface="Calibri"/>
+              </a:rPr>
+              <a:t>  </a:t>
+            </a:r>
+            <a:r>
+              <a:rPr lang="en-US" sz="3300" b="1" noProof="1">
+                <a:solidFill>
+                  <a:schemeClr val="bg1"/>
+                </a:solidFill>
+                <a:latin typeface="Consolas"/>
+              </a:rPr>
+              <a:t>System.String</a:t>
+            </a:r>
+            <a:r>
+              <a:rPr lang="en-US" sz="3300" dirty="0"/>
+              <a:t> .NET тип данни</a:t>
+            </a:r>
+            <a:endParaRPr lang="en-US" sz="3300" dirty="0">
               <a:cs typeface="Calibri"/>
             </a:endParaRPr>
           </a:p>
@@ -34490,114 +34696,23 @@
             </a:pPr>
             <a:r>
               <a:rPr lang="en-US" sz="3300" dirty="0"/>
-              <a:t>Низът е </a:t>
-            </a:r>
-            <a:r>
-              <a:rPr lang="en-US" sz="3300" b="1" dirty="0">
-                <a:solidFill>
-                  <a:schemeClr val="bg1"/>
-                </a:solidFill>
-              </a:rPr>
-              <a:t>тип данни </a:t>
-            </a:r>
-            <a:r>
-              <a:rPr lang="en-US" sz="3300" dirty="0"/>
-              <a:t>в C#</a:t>
-            </a:r>
-            <a:endParaRPr lang="en-US" sz="3300" dirty="0">
-              <a:cs typeface="Calibri"/>
-            </a:endParaRPr>
-          </a:p>
-          <a:p>
-            <a:pPr lvl="1" indent="-360045">
-              <a:lnSpc>
-                <a:spcPct val="100000"/>
-              </a:lnSpc>
-            </a:pPr>
-            <a:r>
-              <a:rPr lang="en-US" sz="3300" dirty="0"/>
-              <a:t>Декларира се с</a:t>
-            </a:r>
-            <a:r>
-              <a:rPr lang="en-US" sz="3300" dirty="0">
-                <a:latin typeface="Calibri"/>
-                <a:cs typeface="Calibri"/>
-              </a:rPr>
-              <a:t> ключувата дума</a:t>
-            </a:r>
-            <a:r>
-              <a:rPr lang="en-US" sz="3300" dirty="0">
-                <a:solidFill>
-                  <a:srgbClr val="234465"/>
-                </a:solidFill>
-                <a:latin typeface="Calibri"/>
-                <a:cs typeface="Calibri"/>
-              </a:rPr>
-              <a:t> </a:t>
-            </a:r>
-            <a:r>
-              <a:rPr lang="en-US" sz="3300" b="1" dirty="0">
-                <a:solidFill>
-                  <a:schemeClr val="bg1"/>
-                </a:solidFill>
-                <a:latin typeface="Consolas"/>
-              </a:rPr>
-              <a:t>string</a:t>
+              <a:t>Низовете са </a:t>
+            </a:r>
+            <a:r>
+              <a:rPr lang="bg-BG" sz="3300" dirty="0"/>
+              <a:t>оградени</a:t>
             </a:r>
             <a:r>
               <a:rPr lang="en-US" sz="3300" dirty="0"/>
               <a:t> </a:t>
             </a:r>
-            <a:endParaRPr lang="en-US" sz="3300" dirty="0">
-              <a:cs typeface="Calibri"/>
-            </a:endParaRPr>
-          </a:p>
-          <a:p>
-            <a:pPr lvl="1" indent="-360045">
-              <a:lnSpc>
-                <a:spcPct val="100000"/>
-              </a:lnSpc>
-            </a:pPr>
+            <a:r>
+              <a:rPr lang="bg-BG" sz="3300" dirty="0"/>
+              <a:t>с</a:t>
+            </a:r>
             <a:r>
               <a:rPr lang="en-US" sz="3300" dirty="0"/>
-              <a:t>Тя е от</a:t>
-            </a:r>
-            <a:r>
-              <a:rPr lang="en-US" sz="3300" dirty="0">
-                <a:solidFill>
-                  <a:srgbClr val="234465"/>
-                </a:solidFill>
-                <a:latin typeface="Calibri"/>
-                <a:cs typeface="Calibri"/>
-              </a:rPr>
-              <a:t>  </a:t>
-            </a:r>
-            <a:r>
-              <a:rPr lang="en-US" sz="3300" b="1" noProof="1">
-                <a:solidFill>
-                  <a:schemeClr val="bg1"/>
-                </a:solidFill>
-                <a:latin typeface="Consolas"/>
-              </a:rPr>
-              <a:t>System.String</a:t>
-            </a:r>
-            <a:r>
-              <a:rPr lang="en-US" sz="3300" dirty="0"/>
-              <a:t> .NET тип данни</a:t>
-            </a:r>
-            <a:endParaRPr lang="en-US" sz="3300" dirty="0">
-              <a:cs typeface="Calibri"/>
-            </a:endParaRPr>
-          </a:p>
-          <a:p>
-            <a:pPr marL="360045" indent="-360045">
-              <a:lnSpc>
-                <a:spcPct val="100000"/>
-              </a:lnSpc>
-            </a:pPr>
-            <a:r>
-              <a:rPr lang="en-US" sz="3300" dirty="0"/>
-              <a:t>Низовете са обградени в кавички:</a:t>
+              <a:t> кавички:</a:t>
             </a:r>
             <a:endParaRPr lang="en-US" sz="3300" dirty="0">
               <a:cs typeface="Calibri"/>
@@ -34618,10 +34733,25 @@
               <a:lnSpc>
                 <a:spcPct val="100000"/>
               </a:lnSpc>
+              <a:buClr>
+                <a:schemeClr val="tx1"/>
+              </a:buClr>
             </a:pPr>
             <a:r>
+              <a:rPr lang="bg-BG" sz="3300" b="1" dirty="0">
+                <a:solidFill>
+                  <a:schemeClr val="bg1"/>
+                </a:solidFill>
+              </a:rPr>
+              <a:t>Конкатенация</a:t>
+            </a:r>
+            <a:r>
+              <a:rPr lang="bg-BG" sz="3300" dirty="0"/>
+              <a:t> (долепяне)</a:t>
+            </a:r>
+            <a:r>
               <a:rPr lang="en-US" sz="3300" dirty="0"/>
-              <a:t>Конкатенация на два низа се</a:t>
+              <a:t> на два низа се</a:t>
             </a:r>
             <a:r>
               <a:rPr lang="bg-BG" sz="3300" dirty="0"/>
@@ -34684,7 +34814,7 @@
         </p:nvSpPr>
         <p:spPr>
           <a:xfrm>
-            <a:off x="2567609" y="4365104"/>
+            <a:off x="2271000" y="4239000"/>
             <a:ext cx="3892447" cy="587288"/>
           </a:xfrm>
           <a:prstGeom prst="rect">
@@ -34890,7 +35020,7 @@
         </p:nvSpPr>
         <p:spPr>
           <a:xfrm>
-            <a:off x="2567609" y="5742025"/>
+            <a:off x="2271000" y="6087507"/>
             <a:ext cx="5793817" cy="587288"/>
           </a:xfrm>
           <a:prstGeom prst="rect">
@@ -35274,6 +35404,37 @@
                                   </p:childTnLst>
                                 </p:cTn>
                               </p:par>
+                              <p:par>
+                                <p:cTn id="7" presetID="1" presetClass="entr" presetSubtype="0" fill="hold" nodeType="withEffect">
+                                  <p:stCondLst>
+                                    <p:cond delay="0"/>
+                                  </p:stCondLst>
+                                  <p:childTnLst>
+                                    <p:set>
+                                      <p:cBhvr>
+                                        <p:cTn id="8" dur="1" fill="hold">
+                                          <p:stCondLst>
+                                            <p:cond delay="0"/>
+                                          </p:stCondLst>
+                                        </p:cTn>
+                                        <p:tgtEl>
+                                          <p:spTgt spid="2">
+                                            <p:txEl>
+                                              <p:pRg st="2" end="2"/>
+                                            </p:txEl>
+                                          </p:spTgt>
+                                        </p:tgtEl>
+                                        <p:attrNameLst>
+                                          <p:attrName>style.visibility</p:attrName>
+                                        </p:attrNameLst>
+                                      </p:cBhvr>
+                                      <p:to>
+                                        <p:strVal val="visible"/>
+                                      </p:to>
+                                    </p:set>
+                                  </p:childTnLst>
+                                </p:cTn>
+                              </p:par>
                             </p:childTnLst>
                           </p:cTn>
                         </p:par>
@@ -35281,26 +35442,106 @@
                     </p:cTn>
                   </p:par>
                   <p:par>
-                    <p:cTn id="7" fill="hold">
+                    <p:cTn id="9" fill="hold">
                       <p:stCondLst>
                         <p:cond delay="indefinite"/>
                       </p:stCondLst>
                       <p:childTnLst>
                         <p:par>
-                          <p:cTn id="8" fill="hold">
+                          <p:cTn id="10" fill="hold">
                             <p:stCondLst>
                               <p:cond delay="0"/>
                             </p:stCondLst>
                             <p:childTnLst>
                               <p:par>
-                                <p:cTn id="9" presetID="1" presetClass="entr" presetSubtype="0" fill="hold" grpId="0" nodeType="clickEffect">
+                                <p:cTn id="11" presetID="1" presetClass="entr" presetSubtype="0" fill="hold" nodeType="clickEffect">
                                   <p:stCondLst>
                                     <p:cond delay="0"/>
                                   </p:stCondLst>
                                   <p:childTnLst>
                                     <p:set>
                                       <p:cBhvr>
-                                        <p:cTn id="10" dur="1" fill="hold">
+                                        <p:cTn id="12" dur="1" fill="hold">
+                                          <p:stCondLst>
+                                            <p:cond delay="0"/>
+                                          </p:stCondLst>
+                                        </p:cTn>
+                                        <p:tgtEl>
+                                          <p:spTgt spid="2">
+                                            <p:txEl>
+                                              <p:pRg st="3" end="3"/>
+                                            </p:txEl>
+                                          </p:spTgt>
+                                        </p:tgtEl>
+                                        <p:attrNameLst>
+                                          <p:attrName>style.visibility</p:attrName>
+                                        </p:attrNameLst>
+                                      </p:cBhvr>
+                                      <p:to>
+                                        <p:strVal val="visible"/>
+                                      </p:to>
+                                    </p:set>
+                                  </p:childTnLst>
+                                </p:cTn>
+                              </p:par>
+                            </p:childTnLst>
+                          </p:cTn>
+                        </p:par>
+                      </p:childTnLst>
+                    </p:cTn>
+                  </p:par>
+                  <p:par>
+                    <p:cTn id="13" fill="hold">
+                      <p:stCondLst>
+                        <p:cond delay="indefinite"/>
+                      </p:stCondLst>
+                      <p:childTnLst>
+                        <p:par>
+                          <p:cTn id="14" fill="hold">
+                            <p:stCondLst>
+                              <p:cond delay="0"/>
+                            </p:stCondLst>
+                            <p:childTnLst>
+                              <p:par>
+                                <p:cTn id="15" presetID="1" presetClass="entr" presetSubtype="0" fill="hold" nodeType="clickEffect">
+                                  <p:stCondLst>
+                                    <p:cond delay="0"/>
+                                  </p:stCondLst>
+                                  <p:childTnLst>
+                                    <p:set>
+                                      <p:cBhvr>
+                                        <p:cTn id="16" dur="1" fill="hold">
+                                          <p:stCondLst>
+                                            <p:cond delay="0"/>
+                                          </p:stCondLst>
+                                        </p:cTn>
+                                        <p:tgtEl>
+                                          <p:spTgt spid="2">
+                                            <p:txEl>
+                                              <p:pRg st="4" end="4"/>
+                                            </p:txEl>
+                                          </p:spTgt>
+                                        </p:tgtEl>
+                                        <p:attrNameLst>
+                                          <p:attrName>style.visibility</p:attrName>
+                                        </p:attrNameLst>
+                                      </p:cBhvr>
+                                      <p:to>
+                                        <p:strVal val="visible"/>
+                                      </p:to>
+                                    </p:set>
+                                  </p:childTnLst>
+                                </p:cTn>
+                              </p:par>
+                              <p:par>
+                                <p:cTn id="17" presetID="1" presetClass="entr" presetSubtype="0" fill="hold" grpId="0" nodeType="withEffect">
+                                  <p:stCondLst>
+                                    <p:cond delay="0"/>
+                                  </p:stCondLst>
+                                  <p:childTnLst>
+                                    <p:set>
+                                      <p:cBhvr>
+                                        <p:cTn id="18" dur="1" fill="hold">
                                           <p:stCondLst>
                                             <p:cond delay="0"/>
                                           </p:stCondLst>
@@ -35326,26 +35567,57 @@
                     </p:cTn>
                   </p:par>
                   <p:par>
-                    <p:cTn id="11" fill="hold">
+                    <p:cTn id="19" fill="hold">
                       <p:stCondLst>
                         <p:cond delay="indefinite"/>
                       </p:stCondLst>
                       <p:childTnLst>
                         <p:par>
-                          <p:cTn id="12" fill="hold">
+                          <p:cTn id="20" fill="hold">
                             <p:stCondLst>
                               <p:cond delay="0"/>
                             </p:stCondLst>
                             <p:childTnLst>
                               <p:par>
-                                <p:cTn id="13" presetID="1" presetClass="entr" presetSubtype="0" fill="hold" grpId="0" nodeType="clickEffect">
+                                <p:cTn id="21" presetID="1" presetClass="entr" presetSubtype="0" fill="hold" nodeType="clickEffect">
                                   <p:stCondLst>
                                     <p:cond delay="0"/>
                                   </p:stCondLst>
                                   <p:childTnLst>
                                     <p:set>
                                       <p:cBhvr>
-                                        <p:cTn id="14" dur="1" fill="hold">
+                                        <p:cTn id="22" dur="1" fill="hold">
+                                          <p:stCondLst>
+                                            <p:cond delay="0"/>
+                                          </p:stCondLst>
+                                        </p:cTn>
+                                        <p:tgtEl>
+                                          <p:spTgt spid="2">
+                                            <p:txEl>
+                                              <p:pRg st="6" end="6"/>
+                                            </p:txEl>
+                                          </p:spTgt>
+                                        </p:tgtEl>
+                                        <p:attrNameLst>
+                                          <p:attrName>style.visibility</p:attrName>
+                                        </p:attrNameLst>
+                                      </p:cBhvr>
+                                      <p:to>
+                                        <p:strVal val="visible"/>
+                                      </p:to>
+                                    </p:set>
+                                  </p:childTnLst>
+                                </p:cTn>
+                              </p:par>
+                              <p:par>
+                                <p:cTn id="23" presetID="1" presetClass="entr" presetSubtype="0" fill="hold" grpId="0" nodeType="withEffect">
+                                  <p:stCondLst>
+                                    <p:cond delay="0"/>
+                                  </p:stCondLst>
+                                  <p:childTnLst>
+                                    <p:set>
+                                      <p:cBhvr>
+                                        <p:cTn id="24" dur="1" fill="hold">
                                           <p:stCondLst>
                                             <p:cond delay="0"/>
                                           </p:stCondLst>
@@ -35513,11 +35785,7 @@
                   <a:schemeClr val="bg1"/>
                 </a:solidFill>
               </a:rPr>
-              <a:t>индекс </a:t>
-            </a:r>
-            <a:r>
-              <a:rPr lang="en-US" sz="3600" dirty="0"/>
-              <a:t>(само за четене)</a:t>
+              <a:t>индекс</a:t>
             </a:r>
             <a:endParaRPr lang="en-US" sz="3600" dirty="0">
               <a:cs typeface="Calibri"/>
@@ -35554,7 +35822,7 @@
                 <a:spcPct val="100000"/>
               </a:lnSpc>
               <a:spcBef>
-                <a:spcPts val="1200"/>
+                <a:spcPts val="2500"/>
               </a:spcBef>
             </a:pPr>
             <a:r>
@@ -35827,7 +36095,7 @@
         </p:nvSpPr>
         <p:spPr>
           <a:xfrm>
-            <a:off x="2495600" y="5343530"/>
+            <a:off x="2495600" y="5501488"/>
             <a:ext cx="7992888" cy="582512"/>
           </a:xfrm>
           <a:prstGeom prst="rect">
@@ -36255,33 +36523,15 @@
                                   </p:childTnLst>
                                 </p:cTn>
                               </p:par>
-                            </p:childTnLst>
-                          </p:cTn>
-                        </p:par>
-                      </p:childTnLst>
-                    </p:cTn>
-                  </p:par>
-                  <p:par>
-                    <p:cTn id="7" fill="hold">
-                      <p:stCondLst>
-                        <p:cond delay="indefinite"/>
-                      </p:stCondLst>
-                      <p:childTnLst>
-                        <p:par>
-                          <p:cTn id="8" fill="hold">
-                            <p:stCondLst>
-                              <p:cond delay="0"/>
-                            </p:stCondLst>
-                            <p:childTnLst>
                               <p:par>
-                                <p:cTn id="9" presetID="1" presetClass="entr" presetSubtype="0" fill="hold" grpId="0" nodeType="clickEffect">
+                                <p:cTn id="7" presetID="1" presetClass="entr" presetSubtype="0" fill="hold" grpId="0" nodeType="withEffect">
                                   <p:stCondLst>
                                     <p:cond delay="0"/>
                                   </p:stCondLst>
                                   <p:childTnLst>
                                     <p:set>
                                       <p:cBhvr>
-                                        <p:cTn id="10" dur="1" fill="hold">
+                                        <p:cTn id="8" dur="1" fill="hold">
                                           <p:stCondLst>
                                             <p:cond delay="0"/>
                                           </p:stCondLst>
@@ -36307,26 +36557,26 @@
                     </p:cTn>
                   </p:par>
                   <p:par>
-                    <p:cTn id="11" fill="hold">
+                    <p:cTn id="9" fill="hold">
                       <p:stCondLst>
                         <p:cond delay="indefinite"/>
                       </p:stCondLst>
                       <p:childTnLst>
                         <p:par>
-                          <p:cTn id="12" fill="hold">
+                          <p:cTn id="10" fill="hold">
                             <p:stCondLst>
                               <p:cond delay="0"/>
                             </p:stCondLst>
                             <p:childTnLst>
                               <p:par>
-                                <p:cTn id="13" presetID="1" presetClass="entr" presetSubtype="0" fill="hold" nodeType="clickEffect">
+                                <p:cTn id="11" presetID="1" presetClass="entr" presetSubtype="0" fill="hold" nodeType="clickEffect">
                                   <p:stCondLst>
                                     <p:cond delay="0"/>
                                   </p:stCondLst>
                                   <p:childTnLst>
                                     <p:set>
                                       <p:cBhvr>
-                                        <p:cTn id="14" dur="1" fill="hold">
+                                        <p:cTn id="12" dur="1" fill="hold">
                                           <p:stCondLst>
                                             <p:cond delay="0"/>
                                           </p:stCondLst>
@@ -36349,33 +36599,15 @@
                                   </p:childTnLst>
                                 </p:cTn>
                               </p:par>
-                            </p:childTnLst>
-                          </p:cTn>
-                        </p:par>
-                      </p:childTnLst>
-                    </p:cTn>
-                  </p:par>
-                  <p:par>
-                    <p:cTn id="15" fill="hold">
-                      <p:stCondLst>
-                        <p:cond delay="indefinite"/>
-                      </p:stCondLst>
-                      <p:childTnLst>
-                        <p:par>
-                          <p:cTn id="16" fill="hold">
-                            <p:stCondLst>
-                              <p:cond delay="0"/>
-                            </p:stCondLst>
-                            <p:childTnLst>
                               <p:par>
-                                <p:cTn id="17" presetID="1" presetClass="entr" presetSubtype="0" fill="hold" grpId="0" nodeType="clickEffect">
+                                <p:cTn id="13" presetID="1" presetClass="entr" presetSubtype="0" fill="hold" grpId="0" nodeType="withEffect">
                                   <p:stCondLst>
                                     <p:cond delay="0"/>
                                   </p:stCondLst>
                                   <p:childTnLst>
                                     <p:set>
                                       <p:cBhvr>
-                                        <p:cTn id="18" dur="1" fill="hold">
+                                        <p:cTn id="14" dur="1" fill="hold">
                                           <p:stCondLst>
                                             <p:cond delay="0"/>
                                           </p:stCondLst>
@@ -36470,7 +36702,24 @@
                 <a:ea typeface="+mn-lt"/>
                 <a:cs typeface="+mn-lt"/>
               </a:rPr>
-              <a:t>Низът се инициализира </a:t>
+              <a:t>Низът се </a:t>
+            </a:r>
+            <a:r>
+              <a:rPr lang="en-US" sz="3350" b="1" dirty="0">
+                <a:solidFill>
+                  <a:schemeClr val="bg1"/>
+                </a:solidFill>
+                <a:ea typeface="+mn-lt"/>
+                <a:cs typeface="+mn-lt"/>
+              </a:rPr>
+              <a:t>инициализира</a:t>
+            </a:r>
+            <a:r>
+              <a:rPr lang="en-US" sz="3350" dirty="0">
+                <a:ea typeface="+mn-lt"/>
+                <a:cs typeface="+mn-lt"/>
+              </a:rPr>
+              <a:t> </a:t>
             </a:r>
             <a:r>
               <a:rPr lang="bg-BG" sz="3350" dirty="0">
@@ -36599,15 +36848,11 @@
           <a:lstStyle/>
           <a:p>
             <a:r>
-              <a:rPr lang="en-GB" sz="3950" dirty="0">
+              <a:rPr lang="bg-BG" sz="3950" dirty="0">
                 <a:ea typeface="+mj-lt"/>
                 <a:cs typeface="+mj-lt"/>
               </a:rPr>
-              <a:t>Инициализиране </a:t>
-            </a:r>
-            <a:r>
-              <a:rPr lang="en-GB" sz="3950" dirty="0"/>
-              <a:t>на низ</a:t>
+              <a:t>Основни операции с низове</a:t>
             </a:r>
             <a:endParaRPr lang="bg-BG" sz="3950" dirty="0">
               <a:cs typeface="Calibri"/>
@@ -36625,7 +36870,7 @@
         </p:nvSpPr>
         <p:spPr bwMode="auto">
           <a:xfrm>
-            <a:off x="2576106" y="1849196"/>
+            <a:off x="651000" y="1854000"/>
             <a:ext cx="5104070" cy="544623"/>
           </a:xfrm>
           <a:prstGeom prst="rect">
@@ -36699,7 +36944,7 @@
         </p:nvSpPr>
         <p:spPr bwMode="auto">
           <a:xfrm>
-            <a:off x="2560498" y="3193865"/>
+            <a:off x="651000" y="3247411"/>
             <a:ext cx="6703854" cy="996936"/>
           </a:xfrm>
           <a:prstGeom prst="rect">
@@ -36797,7 +37042,7 @@
         </p:nvSpPr>
         <p:spPr bwMode="auto">
           <a:xfrm>
-            <a:off x="2566426" y="4795476"/>
+            <a:off x="647459" y="4842131"/>
             <a:ext cx="8354111" cy="1882760"/>
           </a:xfrm>
           <a:prstGeom prst="rect">
@@ -37015,9 +37260,7 @@
             <a:r>
               <a:rPr lang="en-US" sz="2799" b="1" i="1" noProof="1">
                 <a:solidFill>
-                  <a:schemeClr val="accent2">
-                    <a:lumMod val="75000"/>
-                  </a:schemeClr>
+                  <a:schemeClr val="accent2"/>
                 </a:solidFill>
                 <a:latin typeface="Consolas" pitchFamily="49" charset="0"/>
                 <a:cs typeface="Consolas" pitchFamily="49" charset="0"/>
@@ -37027,9 +37270,7 @@
             <a:r>
               <a:rPr lang="en-US" sz="2799" b="1" i="1" noProof="1">
                 <a:solidFill>
-                  <a:schemeClr val="accent2">
-                    <a:lumMod val="75000"/>
-                  </a:schemeClr>
+                  <a:schemeClr val="accent2"/>
                 </a:solidFill>
                 <a:latin typeface="+mj-lt"/>
                 <a:cs typeface="Consolas" pitchFamily="49" charset="0"/>
@@ -37039,9 +37280,7 @@
             <a:r>
               <a:rPr lang="en-US" sz="2799" b="1" i="1" noProof="1">
                 <a:solidFill>
-                  <a:schemeClr val="accent2">
-                    <a:lumMod val="75000"/>
-                  </a:schemeClr>
+                  <a:schemeClr val="accent2"/>
                 </a:solidFill>
                 <a:latin typeface="Consolas" pitchFamily="49" charset="0"/>
                 <a:cs typeface="Consolas" pitchFamily="49" charset="0"/>
@@ -37051,9 +37290,7 @@
             <a:r>
               <a:rPr lang="en-US" sz="2799" b="1" i="1" noProof="1">
                 <a:solidFill>
-                  <a:schemeClr val="accent2">
-                    <a:lumMod val="75000"/>
-                  </a:schemeClr>
+                  <a:schemeClr val="accent2"/>
                 </a:solidFill>
                 <a:latin typeface="+mj-lt"/>
                 <a:cs typeface="Consolas" pitchFamily="49" charset="0"/>
@@ -37063,9 +37300,7 @@
             <a:r>
               <a:rPr lang="en-US" sz="2799" b="1" i="1" noProof="1">
                 <a:solidFill>
-                  <a:schemeClr val="accent2">
-                    <a:lumMod val="75000"/>
-                  </a:schemeClr>
+                  <a:schemeClr val="accent2"/>
                 </a:solidFill>
                 <a:latin typeface="Consolas" pitchFamily="49" charset="0"/>
                 <a:cs typeface="Consolas" pitchFamily="49" charset="0"/>
@@ -37454,7 +37689,7 @@
               <a:rPr lang="bg-BG" sz="3950" dirty="0">
                 <a:cs typeface="Arial"/>
               </a:rPr>
-              <a:t>Конкатенация, подниз и методи</a:t>
+              <a:t>Конкатенация, подниз, заместване</a:t>
             </a:r>
             <a:endParaRPr lang="bg-BG" sz="3950" dirty="0"/>
           </a:p>
@@ -37604,8 +37839,12 @@
               <a:defRPr/>
             </a:pPr>
             <a:r>
+              <a:rPr lang="bg-BG" sz="3600" dirty="0"/>
+              <a:t>Чрез символите</a:t>
+            </a:r>
+            <a:r>
               <a:rPr lang="en-US" sz="3600" dirty="0"/>
-              <a:t>Използваме </a:t>
+              <a:t> </a:t>
             </a:r>
             <a:r>
               <a:rPr lang="en-US" sz="3600" b="1" dirty="0">
@@ -37637,11 +37876,16 @@
               </a:rPr>
               <a:t>+=</a:t>
             </a:r>
-            <a:endParaRPr lang="en-US" sz="3600" b="1" dirty="0">
-              <a:solidFill>
-                <a:srgbClr val="234465"/>
-              </a:solidFill>
-              <a:cs typeface="Calibri"/>
+            <a:r>
+              <a:rPr lang="bg-BG" sz="3600" dirty="0">
+                <a:latin typeface="Calibri" panose="020F0502020204030204" pitchFamily="34" charset="0"/>
+                <a:cs typeface="Calibri" panose="020F0502020204030204" pitchFamily="34" charset="0"/>
+              </a:rPr>
+              <a:t>:</a:t>
+            </a:r>
+            <a:endParaRPr lang="en-US" sz="3600" dirty="0">
+              <a:latin typeface="Calibri" panose="020F0502020204030204" pitchFamily="34" charset="0"/>
+              <a:cs typeface="Calibri" panose="020F0502020204030204" pitchFamily="34" charset="0"/>
             </a:endParaRPr>
           </a:p>
           <a:p>
@@ -37738,11 +37982,18 @@
               <a:defRPr/>
             </a:pPr>
             <a:r>
+              <a:rPr lang="bg-BG" sz="3600" dirty="0">
+                <a:latin typeface="Calibri"/>
+                <a:cs typeface="Calibri"/>
+              </a:rPr>
+              <a:t>Чрез </a:t>
+            </a:r>
+            <a:r>
               <a:rPr lang="en-GB" sz="3600" dirty="0">
                 <a:latin typeface="Calibri"/>
                 <a:cs typeface="Calibri"/>
               </a:rPr>
-              <a:t>Използване на метода</a:t>
+              <a:t>метода</a:t>
             </a:r>
             <a:r>
               <a:rPr lang="en-GB" sz="3600" dirty="0">
@@ -37771,6 +38022,13 @@
                 <a:latin typeface="Consolas"/>
               </a:rPr>
               <a:t>()</a:t>
+            </a:r>
+            <a:r>
+              <a:rPr lang="bg-BG" sz="3600" dirty="0">
+                <a:latin typeface="Calibri" panose="020F0502020204030204" pitchFamily="34" charset="0"/>
+                <a:cs typeface="Calibri" panose="020F0502020204030204" pitchFamily="34" charset="0"/>
+              </a:rPr>
+              <a:t>:</a:t>
             </a:r>
             <a:endParaRPr lang="en-GB" sz="3600" b="1" dirty="0">
               <a:solidFill>
@@ -37809,8 +38067,8 @@
           <a:lstStyle/>
           <a:p>
             <a:r>
-              <a:rPr lang="en-GB" sz="3950" dirty="0"/>
-              <a:t>Конкатенация</a:t>
+              <a:rPr lang="bg-BG" sz="3950" dirty="0"/>
+              <a:t>Начини за конкатенация</a:t>
             </a:r>
             <a:endParaRPr lang="bg-BG" dirty="0"/>
           </a:p>
@@ -39230,7 +39488,12 @@
             <p:ph type="body" sz="quarter" idx="10"/>
           </p:nvPr>
         </p:nvSpPr>
-        <p:spPr/>
+        <p:spPr>
+          <a:xfrm>
+            <a:off x="111000" y="1196125"/>
+            <a:ext cx="12070598" cy="5528766"/>
+          </a:xfrm>
+        </p:spPr>
         <p:txBody>
           <a:bodyPr vert="horz" lIns="108000" tIns="36000" rIns="108000" bIns="36000" rtlCol="0" anchor="t">
             <a:normAutofit/>
@@ -39273,7 +39536,25 @@
                 </a:solidFill>
                 <a:cs typeface="Calibri"/>
               </a:rPr>
-              <a:t>Повторете думата </a:t>
+              <a:t>Повторете </a:t>
+            </a:r>
+            <a:r>
+              <a:rPr lang="bg-BG" sz="3600" dirty="0">
+                <a:solidFill>
+                  <a:srgbClr val="234465"/>
+                </a:solidFill>
+                <a:cs typeface="Calibri"/>
+              </a:rPr>
+              <a:t>всеки низ</a:t>
+            </a:r>
+            <a:r>
+              <a:rPr lang="en-US" sz="3600" dirty="0">
+                <a:solidFill>
+                  <a:srgbClr val="234465"/>
+                </a:solidFill>
+                <a:cs typeface="Calibri"/>
+              </a:rPr>
+              <a:t> </a:t>
             </a:r>
             <a:r>
               <a:rPr lang="en-US" sz="3600" b="1" dirty="0">
@@ -39334,11 +39615,18 @@
               <a:t>Задача: </a:t>
             </a:r>
             <a:r>
+              <a:rPr lang="bg-BG" sz="3950" dirty="0">
+                <a:ea typeface="+mj-lt"/>
+                <a:cs typeface="+mj-lt"/>
+              </a:rPr>
+              <a:t>Повторение</a:t>
+            </a:r>
+            <a:r>
               <a:rPr lang="en-US" sz="3950" dirty="0">
                 <a:ea typeface="+mj-lt"/>
                 <a:cs typeface="+mj-lt"/>
               </a:rPr>
-              <a:t>Повтаряне на низове</a:t>
+              <a:t> на низове</a:t>
             </a:r>
             <a:endParaRPr lang="en-US" sz="3950" dirty="0">
               <a:cs typeface="Calibri"/>
@@ -39360,10 +39648,10 @@
         </p:nvGrpSpPr>
         <p:grpSpPr>
           <a:xfrm>
-            <a:off x="2365004" y="3339000"/>
-            <a:ext cx="7461992" cy="556519"/>
+            <a:off x="2091000" y="3204000"/>
+            <a:ext cx="8275996" cy="618162"/>
             <a:chOff x="2055812" y="3150668"/>
-            <a:chExt cx="7463936" cy="556664"/>
+            <a:chExt cx="8278152" cy="618323"/>
           </a:xfrm>
         </p:grpSpPr>
         <p:sp>
@@ -39383,7 +39671,7 @@
           <p:spPr>
             <a:xfrm>
               <a:off x="2055812" y="3150668"/>
-              <a:ext cx="2133600" cy="556664"/>
+              <a:ext cx="2133600" cy="618323"/>
             </a:xfrm>
             <a:prstGeom prst="rect">
               <a:avLst/>
@@ -39579,7 +39867,7 @@
             <a:p>
               <a:pPr algn="ctr"/>
               <a:r>
-                <a:rPr lang="en-US" sz="2199" dirty="0">
+                <a:rPr lang="en-US" sz="2600" dirty="0">
                   <a:solidFill>
                     <a:schemeClr val="tx1"/>
                   </a:solidFill>
@@ -39606,7 +39894,7 @@
           <p:spPr>
             <a:xfrm>
               <a:off x="5789612" y="3150668"/>
-              <a:ext cx="3730136" cy="556664"/>
+              <a:ext cx="4544352" cy="618323"/>
             </a:xfrm>
             <a:prstGeom prst="rect">
               <a:avLst/>
@@ -39802,7 +40090,7 @@
             <a:p>
               <a:pPr algn="ctr"/>
               <a:r>
-                <a:rPr lang="en-US" sz="2199" dirty="0">
+                <a:rPr lang="en-US" sz="2600" dirty="0">
                   <a:solidFill>
                     <a:schemeClr val="tx1"/>
                   </a:solidFill>
@@ -39903,10 +40191,10 @@
         </p:nvGrpSpPr>
         <p:grpSpPr>
           <a:xfrm>
-            <a:off x="2365004" y="4390403"/>
-            <a:ext cx="7461992" cy="556519"/>
+            <a:off x="2091000" y="4255403"/>
+            <a:ext cx="8275996" cy="618162"/>
             <a:chOff x="2055812" y="3150668"/>
-            <a:chExt cx="7463936" cy="556664"/>
+            <a:chExt cx="8278152" cy="618323"/>
           </a:xfrm>
         </p:grpSpPr>
         <p:sp>
@@ -39926,7 +40214,7 @@
           <p:spPr>
             <a:xfrm>
               <a:off x="2055812" y="3150668"/>
-              <a:ext cx="2133600" cy="556664"/>
+              <a:ext cx="2133600" cy="618323"/>
             </a:xfrm>
             <a:prstGeom prst="rect">
               <a:avLst/>
@@ -40122,7 +40410,7 @@
             <a:p>
               <a:pPr algn="ctr"/>
               <a:r>
-                <a:rPr lang="en-US" sz="2199" dirty="0">
+                <a:rPr lang="en-US" sz="2600" dirty="0">
                   <a:solidFill>
                     <a:schemeClr val="tx1"/>
                   </a:solidFill>
@@ -40149,7 +40437,7 @@
           <p:spPr>
             <a:xfrm>
               <a:off x="5789612" y="3150668"/>
-              <a:ext cx="3730136" cy="556664"/>
+              <a:ext cx="4544352" cy="618323"/>
             </a:xfrm>
             <a:prstGeom prst="rect">
               <a:avLst/>
@@ -40345,7 +40633,7 @@
             <a:p>
               <a:pPr algn="ctr"/>
               <a:r>
-                <a:rPr lang="en-US" sz="2199" dirty="0">
+                <a:rPr lang="en-US" sz="2600" dirty="0">
                   <a:solidFill>
                     <a:schemeClr val="tx1"/>
                   </a:solidFill>
@@ -40370,10 +40658,10 @@
         </p:nvGrpSpPr>
         <p:grpSpPr>
           <a:xfrm>
-            <a:off x="2365004" y="5441806"/>
-            <a:ext cx="7461992" cy="556519"/>
+            <a:off x="2091000" y="5306806"/>
+            <a:ext cx="8275996" cy="618162"/>
             <a:chOff x="2055812" y="3150668"/>
-            <a:chExt cx="7463936" cy="556664"/>
+            <a:chExt cx="8278152" cy="618323"/>
           </a:xfrm>
         </p:grpSpPr>
         <p:sp>
@@ -40393,7 +40681,7 @@
           <p:spPr>
             <a:xfrm>
               <a:off x="2055812" y="3150668"/>
-              <a:ext cx="2133600" cy="556664"/>
+              <a:ext cx="2133600" cy="618323"/>
             </a:xfrm>
             <a:prstGeom prst="rect">
               <a:avLst/>
@@ -40589,7 +40877,7 @@
             <a:p>
               <a:pPr algn="ctr"/>
               <a:r>
-                <a:rPr lang="en-US" sz="2199" dirty="0">
+                <a:rPr lang="en-US" sz="2600" dirty="0">
                   <a:solidFill>
                     <a:schemeClr val="tx1"/>
                   </a:solidFill>
@@ -40616,7 +40904,7 @@
           <p:spPr>
             <a:xfrm>
               <a:off x="5789612" y="3150668"/>
-              <a:ext cx="3730136" cy="556664"/>
+              <a:ext cx="4544352" cy="618323"/>
             </a:xfrm>
             <a:prstGeom prst="rect">
               <a:avLst/>
@@ -40812,7 +41100,7 @@
             <a:p>
               <a:pPr algn="ctr"/>
               <a:r>
-                <a:rPr lang="en-US" sz="2199" dirty="0">
+                <a:rPr lang="en-US" sz="2600" dirty="0">
                   <a:solidFill>
                     <a:schemeClr val="tx1"/>
                   </a:solidFill>
@@ -40837,7 +41125,7 @@
         </p:nvSpPr>
         <p:spPr bwMode="auto">
           <a:xfrm>
-            <a:off x="4907770" y="4436531"/>
+            <a:off x="4633766" y="4301531"/>
             <a:ext cx="685621" cy="461545"/>
           </a:xfrm>
           <a:prstGeom prst="rightArrow">
@@ -40913,7 +41201,7 @@
         </p:nvSpPr>
         <p:spPr bwMode="auto">
           <a:xfrm>
-            <a:off x="4907770" y="5489294"/>
+            <a:off x="4633766" y="5354294"/>
             <a:ext cx="685621" cy="461545"/>
           </a:xfrm>
           <a:prstGeom prst="rightArrow">
@@ -41069,7 +41357,11 @@
                                           </p:stCondLst>
                                         </p:cTn>
                                         <p:tgtEl>
-                                          <p:spTgt spid="10"/>
+                                          <p:spTgt spid="3">
+                                            <p:txEl>
+                                              <p:pRg st="1" end="1"/>
+                                            </p:txEl>
+                                          </p:spTgt>
                                         </p:tgtEl>
                                         <p:attrNameLst>
                                           <p:attrName>style.visibility</p:attrName>
@@ -41114,6 +41406,51 @@
                                           </p:stCondLst>
                                         </p:cTn>
                                         <p:tgtEl>
+                                          <p:spTgt spid="10"/>
+                                        </p:tgtEl>
+                                        <p:attrNameLst>
+                                          <p:attrName>style.visibility</p:attrName>
+                                        </p:attrNameLst>
+                                      </p:cBhvr>
+                                      <p:to>
+                                        <p:strVal val="visible"/>
+                                      </p:to>
+                                    </p:set>
+                                  </p:childTnLst>
+                                </p:cTn>
+                              </p:par>
+                            </p:childTnLst>
+                          </p:cTn>
+                        </p:par>
+                      </p:childTnLst>
+                    </p:cTn>
+                  </p:par>
+                  <p:par>
+                    <p:cTn id="11" fill="hold">
+                      <p:stCondLst>
+                        <p:cond delay="indefinite"/>
+                      </p:stCondLst>
+                      <p:childTnLst>
+                        <p:par>
+                          <p:cTn id="12" fill="hold">
+                            <p:stCondLst>
+                              <p:cond delay="0"/>
+                            </p:stCondLst>
+                            <p:childTnLst>
+                              <p:par>
+                                <p:cTn id="13" presetID="1" presetClass="entr" presetSubtype="0" fill="hold" nodeType="clickEffect">
+                                  <p:stCondLst>
+                                    <p:cond delay="0"/>
+                                  </p:stCondLst>
+                                  <p:childTnLst>
+                                    <p:set>
+                                      <p:cBhvr>
+                                        <p:cTn id="14" dur="1" fill="hold">
+                                          <p:stCondLst>
+                                            <p:cond delay="0"/>
+                                          </p:stCondLst>
+                                        </p:cTn>
+                                        <p:tgtEl>
                                           <p:spTgt spid="12"/>
                                         </p:tgtEl>
                                         <p:attrNameLst>
@@ -41128,14 +41465,14 @@
                                 </p:cTn>
                               </p:par>
                               <p:par>
-                                <p:cTn id="11" presetID="1" presetClass="entr" presetSubtype="0" fill="hold" grpId="0" nodeType="withEffect">
+                                <p:cTn id="15" presetID="1" presetClass="entr" presetSubtype="0" fill="hold" grpId="0" nodeType="withEffect">
                                   <p:stCondLst>
                                     <p:cond delay="0"/>
                                   </p:stCondLst>
                                   <p:childTnLst>
                                     <p:set>
                                       <p:cBhvr>
-                                        <p:cTn id="12" dur="1" fill="hold">
+                                        <p:cTn id="16" dur="1" fill="hold">
                                           <p:stCondLst>
                                             <p:cond delay="0"/>
                                           </p:stCondLst>
@@ -41161,26 +41498,26 @@
                     </p:cTn>
                   </p:par>
                   <p:par>
-                    <p:cTn id="13" fill="hold">
+                    <p:cTn id="17" fill="hold">
                       <p:stCondLst>
                         <p:cond delay="indefinite"/>
                       </p:stCondLst>
                       <p:childTnLst>
                         <p:par>
-                          <p:cTn id="14" fill="hold">
+                          <p:cTn id="18" fill="hold">
                             <p:stCondLst>
                               <p:cond delay="0"/>
                             </p:stCondLst>
                             <p:childTnLst>
                               <p:par>
-                                <p:cTn id="15" presetID="1" presetClass="entr" presetSubtype="0" fill="hold" nodeType="clickEffect">
+                                <p:cTn id="19" presetID="1" presetClass="entr" presetSubtype="0" fill="hold" nodeType="clickEffect">
                                   <p:stCondLst>
                                     <p:cond delay="0"/>
                                   </p:stCondLst>
                                   <p:childTnLst>
                                     <p:set>
                                       <p:cBhvr>
-                                        <p:cTn id="16" dur="1" fill="hold">
+                                        <p:cTn id="20" dur="1" fill="hold">
                                           <p:stCondLst>
                                             <p:cond delay="0"/>
                                           </p:stCondLst>
@@ -41200,14 +41537,14 @@
                                 </p:cTn>
                               </p:par>
                               <p:par>
-                                <p:cTn id="17" presetID="1" presetClass="entr" presetSubtype="0" fill="hold" grpId="0" nodeType="withEffect">
+                                <p:cTn id="21" presetID="1" presetClass="entr" presetSubtype="0" fill="hold" grpId="0" nodeType="withEffect">
                                   <p:stCondLst>
                                     <p:cond delay="0"/>
                                   </p:stCondLst>
                                   <p:childTnLst>
                                     <p:set>
                                       <p:cBhvr>
-                                        <p:cTn id="18" dur="1" fill="hold">
+                                        <p:cTn id="22" dur="1" fill="hold">
                                           <p:stCondLst>
                                             <p:cond delay="0"/>
                                           </p:stCondLst>

--- a/Courses/Software-Sciences/Module-2-DS-and-Algo/06.1-String-Processing-Basics/06.1-String-Processing-Basics.pptx
+++ b/Courses/Software-Sciences/Module-2-DS-and-Algo/06.1-String-Processing-Basics/06.1-String-Processing-Basics.pptx
@@ -315,7 +315,7 @@
           <a:p>
             <a:fld id="{4E087215-0C8F-4762-A664-737A353EC9A4}" type="datetimeFigureOut">
               <a:rPr lang="bg-BG" smtClean="0"/>
-              <a:t>17.9.2023 г.</a:t>
+              <a:t>1.07.24 г.</a:t>
             </a:fld>
             <a:endParaRPr lang="bg-BG"/>
           </a:p>
@@ -511,7 +511,7 @@
           <a:p>
             <a:fld id="{72D84649-876A-46C9-8472-14CB09C070D8}" type="datetimeFigureOut">
               <a:rPr lang="en-US" smtClean="0"/>
-              <a:t>9/17/2023</a:t>
+              <a:t>7/1/24</a:t>
             </a:fld>
             <a:endParaRPr lang="en-US"/>
           </a:p>
@@ -8617,7 +8617,15 @@
             </a:r>
             <a:r>
               <a:rPr lang="bg-BG" sz="3600" noProof="1"/>
-              <a:t>, ако елементът не е намерен:</a:t>
+              <a:t>, ако елементът </a:t>
+            </a:r>
+            <a:r>
+              <a:rPr lang="bg-BG" sz="3600" b="1" noProof="1"/>
+              <a:t>не е намерен</a:t>
+            </a:r>
+            <a:r>
+              <a:rPr lang="bg-BG" sz="3600" noProof="1"/>
+              <a:t>:</a:t>
             </a:r>
             <a:endParaRPr lang="bg-BG" sz="3600" dirty="0"/>
           </a:p>
@@ -9724,9 +9732,13 @@
             </a:r>
             <a:r>
               <a:rPr lang="bg-BG" sz="3600" dirty="0"/>
-              <a:t>, ако не е намерен</a:t>
-            </a:r>
-            <a:endParaRPr lang="en-US" sz="3600" dirty="0">
+              <a:t>, ако </a:t>
+            </a:r>
+            <a:r>
+              <a:rPr lang="bg-BG" sz="3600" b="1" dirty="0"/>
+              <a:t>не е намерен</a:t>
+            </a:r>
+            <a:endParaRPr lang="en-US" sz="3600" b="1" dirty="0">
               <a:cs typeface="Calibri"/>
             </a:endParaRPr>
           </a:p>
@@ -12205,7 +12217,27 @@
               <a:rPr lang="en-US" noProof="1">
                 <a:cs typeface="Consolas" pitchFamily="49" charset="0"/>
               </a:rPr>
-              <a:t>string card = "10C";</a:t>
+              <a:t>string </a:t>
+            </a:r>
+            <a:r>
+              <a:rPr lang="en-US" dirty="0"/>
+              <a:t>text</a:t>
+            </a:r>
+            <a:r>
+              <a:rPr lang="en-US" noProof="1">
+                <a:cs typeface="Consolas" pitchFamily="49" charset="0"/>
+              </a:rPr>
+              <a:t> = "</a:t>
+            </a:r>
+            <a:r>
+              <a:rPr lang="en-US" dirty="0"/>
+              <a:t>My name is John</a:t>
+            </a:r>
+            <a:r>
+              <a:rPr lang="en-US" noProof="1">
+                <a:cs typeface="Consolas" pitchFamily="49" charset="0"/>
+              </a:rPr>
+              <a:t>";</a:t>
             </a:r>
           </a:p>
           <a:p>
@@ -12225,7 +12257,27 @@
               <a:rPr lang="en-US" noProof="1">
                 <a:cs typeface="Consolas" pitchFamily="49" charset="0"/>
               </a:rPr>
-              <a:t>string power = card.</a:t>
+              <a:t>string </a:t>
+            </a:r>
+            <a:r>
+              <a:rPr lang="en-US" dirty="0"/>
+              <a:t>extractedWord</a:t>
+            </a:r>
+            <a:r>
+              <a:rPr lang="en-US" noProof="1">
+                <a:cs typeface="Consolas" pitchFamily="49" charset="0"/>
+              </a:rPr>
+              <a:t> = </a:t>
+            </a:r>
+            <a:r>
+              <a:rPr lang="en-US" dirty="0"/>
+              <a:t>text</a:t>
+            </a:r>
+            <a:r>
+              <a:rPr lang="en-US" noProof="1">
+                <a:cs typeface="Consolas" pitchFamily="49" charset="0"/>
+              </a:rPr>
+              <a:t>.</a:t>
             </a:r>
             <a:r>
               <a:rPr lang="en-US" noProof="1">
@@ -12260,7 +12312,17 @@
               <a:rPr lang="en-US" noProof="1">
                 <a:cs typeface="Consolas" pitchFamily="49" charset="0"/>
               </a:rPr>
-              <a:t>Console.WriteLine(power);</a:t>
+              <a:t>Console.WriteLine(</a:t>
+            </a:r>
+            <a:r>
+              <a:rPr lang="en-US" dirty="0"/>
+              <a:t>extractedWord</a:t>
+            </a:r>
+            <a:r>
+              <a:rPr lang="en-US" noProof="1">
+                <a:cs typeface="Consolas" pitchFamily="49" charset="0"/>
+              </a:rPr>
+              <a:t>);</a:t>
             </a:r>
             <a:endParaRPr lang="en-US" dirty="0">
               <a:solidFill>
@@ -12503,7 +12565,7 @@
                   <a:schemeClr val="tx1"/>
                 </a:solidFill>
               </a:rPr>
-              <a:t>string extractWord = text.</a:t>
+              <a:t>string extractedWord = text.</a:t>
             </a:r>
             <a:r>
               <a:rPr lang="en-US" sz="2800" dirty="0">
@@ -12532,7 +12594,7 @@
                   <a:schemeClr val="tx1"/>
                 </a:solidFill>
               </a:rPr>
-              <a:t>Console.WriteLine(extractWord);</a:t>
+              <a:t>Console.WriteLine(extractedWord);</a:t>
             </a:r>
             <a:r>
               <a:rPr lang="en-US" sz="2800" dirty="0">
@@ -12564,7 +12626,7 @@
         </p:nvSpPr>
         <p:spPr>
           <a:xfrm>
-            <a:off x="5961000" y="3055534"/>
+            <a:off x="7461000" y="3069000"/>
             <a:ext cx="1335000" cy="665924"/>
           </a:xfrm>
           <a:prstGeom prst="rect">
@@ -12601,7 +12663,7 @@
                 <a:latin typeface="Consolas" panose="020B0609020204030204" pitchFamily="49" charset="0"/>
                 <a:cs typeface="Consolas" panose="020B0609020204030204" pitchFamily="49" charset="0"/>
               </a:rPr>
-              <a:t>// 10</a:t>
+              <a:t>// My</a:t>
             </a:r>
             <a:endParaRPr lang="en-BG" sz="2800" b="1" dirty="0">
               <a:solidFill>
@@ -12627,7 +12689,7 @@
         </p:nvSpPr>
         <p:spPr>
           <a:xfrm>
-            <a:off x="7086000" y="5715404"/>
+            <a:off x="7420860" y="5723321"/>
             <a:ext cx="1710000" cy="665924"/>
           </a:xfrm>
           <a:prstGeom prst="rect">
@@ -17430,7 +17492,31 @@
             </a:br>
             <a:r>
               <a:rPr lang="en-US" sz="3400" dirty="0"/>
-              <a:t>се използва за премахване на празните места от вър</a:t>
+              <a:t>се използва за </a:t>
+            </a:r>
+            <a:r>
+              <a:rPr lang="en-US" sz="3400" b="1" dirty="0"/>
+              <a:t>премахване</a:t>
+            </a:r>
+            <a:r>
+              <a:rPr lang="en-US" sz="3400" dirty="0"/>
+              <a:t> на </a:t>
+            </a:r>
+            <a:r>
+              <a:rPr lang="en-US" sz="3400" b="1" dirty="0"/>
+              <a:t>празните </a:t>
+            </a:r>
+            <a:r>
+              <a:rPr lang="bg-BG" sz="3400" b="1" dirty="0"/>
+              <a:t>елементи</a:t>
+            </a:r>
+            <a:r>
+              <a:rPr lang="en-US" sz="3400" b="1" dirty="0"/>
+              <a:t> </a:t>
+            </a:r>
+            <a:r>
+              <a:rPr lang="en-US" sz="3400" dirty="0"/>
+              <a:t>от вър</a:t>
             </a:r>
             <a:r>
               <a:rPr lang="bg-BG" sz="3400" dirty="0"/>
@@ -19013,8 +19099,44 @@
               <a:t> </a:t>
             </a:r>
             <a:r>
+              <a:rPr lang="en-US" sz="3400" dirty="0" err="1"/>
+              <a:t>заменя</a:t>
+            </a:r>
+            <a:r>
               <a:rPr lang="en-US" sz="3400" dirty="0"/>
-              <a:t>заменя всички стари стойности с нова стойност</a:t>
+              <a:t> </a:t>
+            </a:r>
+            <a:r>
+              <a:rPr lang="en-US" sz="3400" b="1" dirty="0"/>
+              <a:t>всички </a:t>
+            </a:r>
+            <a:r>
+              <a:rPr lang="bg-BG" sz="3400" b="1" dirty="0"/>
+              <a:t>съвпадения </a:t>
+            </a:r>
+            <a:r>
+              <a:rPr lang="bg-BG" sz="3400" dirty="0"/>
+              <a:t>на </a:t>
+            </a:r>
+            <a:r>
+              <a:rPr lang="bg-BG" sz="3400" b="1" dirty="0"/>
+              <a:t>старата</a:t>
+            </a:r>
+            <a:r>
+              <a:rPr lang="bg-BG" sz="3400" dirty="0"/>
+              <a:t> </a:t>
+            </a:r>
+            <a:r>
+              <a:rPr lang="en-US" sz="3400" dirty="0"/>
+              <a:t>стойност с </a:t>
+            </a:r>
+            <a:r>
+              <a:rPr lang="en-US" sz="3400" b="1" dirty="0"/>
+              <a:t>нова</a:t>
+            </a:r>
+            <a:r>
+              <a:rPr lang="en-US" sz="3400" dirty="0"/>
+              <a:t> стойност</a:t>
             </a:r>
           </a:p>
           <a:p>
@@ -20474,7 +20596,7 @@
                             </p:stCondLst>
                             <p:childTnLst>
                               <p:par>
-                                <p:cTn id="5" presetID="1" presetClass="entr" presetSubtype="0" fill="hold" grpId="0" nodeType="clickEffect">
+                                <p:cTn id="5" presetID="1" presetClass="entr" presetSubtype="0" fill="hold" nodeType="clickEffect">
                                   <p:stCondLst>
                                     <p:cond delay="0"/>
                                   </p:stCondLst>
@@ -20482,6 +20604,55 @@
                                     <p:set>
                                       <p:cBhvr>
                                         <p:cTn id="6" dur="1" fill="hold">
+                                          <p:stCondLst>
+                                            <p:cond delay="0"/>
+                                          </p:stCondLst>
+                                        </p:cTn>
+                                        <p:tgtEl>
+                                          <p:spTgt spid="20">
+                                            <p:txEl>
+                                              <p:pRg st="1" end="1"/>
+                                            </p:txEl>
+                                          </p:spTgt>
+                                        </p:tgtEl>
+                                        <p:attrNameLst>
+                                          <p:attrName>style.visibility</p:attrName>
+                                        </p:attrNameLst>
+                                      </p:cBhvr>
+                                      <p:to>
+                                        <p:strVal val="visible"/>
+                                      </p:to>
+                                    </p:set>
+                                  </p:childTnLst>
+                                </p:cTn>
+                              </p:par>
+                            </p:childTnLst>
+                          </p:cTn>
+                        </p:par>
+                      </p:childTnLst>
+                    </p:cTn>
+                  </p:par>
+                  <p:par>
+                    <p:cTn id="7" fill="hold">
+                      <p:stCondLst>
+                        <p:cond delay="indefinite"/>
+                      </p:stCondLst>
+                      <p:childTnLst>
+                        <p:par>
+                          <p:cTn id="8" fill="hold">
+                            <p:stCondLst>
+                              <p:cond delay="0"/>
+                            </p:stCondLst>
+                            <p:childTnLst>
+                              <p:par>
+                                <p:cTn id="9" presetID="1" presetClass="entr" presetSubtype="0" fill="hold" grpId="0" nodeType="clickEffect">
+                                  <p:stCondLst>
+                                    <p:cond delay="0"/>
+                                  </p:stCondLst>
+                                  <p:childTnLst>
+                                    <p:set>
+                                      <p:cBhvr>
+                                        <p:cTn id="10" dur="1" fill="hold">
                                           <p:stCondLst>
                                             <p:cond delay="0"/>
                                           </p:stCondLst>
@@ -20501,14 +20672,14 @@
                                 </p:cTn>
                               </p:par>
                               <p:par>
-                                <p:cTn id="7" presetID="1" presetClass="entr" presetSubtype="0" fill="hold" grpId="0" nodeType="withEffect">
+                                <p:cTn id="11" presetID="1" presetClass="entr" presetSubtype="0" fill="hold" grpId="0" nodeType="withEffect">
                                   <p:stCondLst>
                                     <p:cond delay="0"/>
                                   </p:stCondLst>
                                   <p:childTnLst>
                                     <p:set>
                                       <p:cBhvr>
-                                        <p:cTn id="8" dur="1" fill="hold">
+                                        <p:cTn id="12" dur="1" fill="hold">
                                           <p:stCondLst>
                                             <p:cond delay="0"/>
                                           </p:stCondLst>
@@ -20528,14 +20699,14 @@
                                 </p:cTn>
                               </p:par>
                               <p:par>
-                                <p:cTn id="9" presetID="1" presetClass="entr" presetSubtype="0" fill="hold" grpId="0" nodeType="withEffect">
+                                <p:cTn id="13" presetID="1" presetClass="entr" presetSubtype="0" fill="hold" grpId="0" nodeType="withEffect">
                                   <p:stCondLst>
                                     <p:cond delay="0"/>
                                   </p:stCondLst>
                                   <p:childTnLst>
                                     <p:set>
                                       <p:cBhvr>
-                                        <p:cTn id="10" dur="1" fill="hold">
+                                        <p:cTn id="14" dur="1" fill="hold">
                                           <p:stCondLst>
                                             <p:cond delay="0"/>
                                           </p:stCondLst>
@@ -34107,7 +34278,7 @@
 </file>
 
 <file path=ppt/slides/slide33.xml><?xml version="1.0" encoding="utf-8"?>
-<p:sld xmlns:a="http://schemas.openxmlformats.org/drawingml/2006/main" xmlns:r="http://schemas.openxmlformats.org/officeDocument/2006/relationships" xmlns:p="http://schemas.openxmlformats.org/presentationml/2006/main">
+<p:sld xmlns:a="http://schemas.openxmlformats.org/drawingml/2006/main" xmlns:r="http://schemas.openxmlformats.org/officeDocument/2006/relationships" xmlns:p="http://schemas.openxmlformats.org/presentationml/2006/main" show="0">
   <p:cSld>
     <p:spTree>
       <p:nvGrpSpPr>
@@ -34478,11 +34649,11 @@
   <p:clrMapOvr>
     <a:masterClrMapping/>
   </p:clrMapOvr>
-  <mc:AlternateContent xmlns:mc="http://schemas.openxmlformats.org/markup-compatibility/2006" xmlns:p14="http://schemas.microsoft.com/office/powerpoint/2010/main">
-    <mc:Choice Requires="p14">
+  <mc:AlternateContent xmlns:mc="http://schemas.openxmlformats.org/markup-compatibility/2006">
+    <mc:Choice xmlns:p14="http://schemas.microsoft.com/office/powerpoint/2010/main" Requires="p14">
       <p:transition spd="slow" p14:dur="2000" advClick="0" advTm="5000"/>
     </mc:Choice>
-    <mc:Fallback xmlns="">
+    <mc:Fallback>
       <p:transition spd="slow" advClick="0" advTm="5000"/>
     </mc:Fallback>
   </mc:AlternateContent>
@@ -34809,7 +34980,7 @@
         <p:spPr>
           <a:xfrm>
             <a:off x="2271000" y="4239000"/>
-            <a:ext cx="3892447" cy="587288"/>
+            <a:ext cx="4185000" cy="587256"/>
           </a:xfrm>
           <a:prstGeom prst="rect">
             <a:avLst/>
@@ -34955,51 +35126,8 @@
                 <a:solidFill>
                   <a:schemeClr val="tx1"/>
                 </a:solidFill>
-                <a:latin typeface="+mn-lt"/>
-              </a:rPr>
-              <a:t> </a:t>
-            </a:r>
-            <a:r>
-              <a:rPr lang="en-US" sz="2399" dirty="0">
-                <a:solidFill>
-                  <a:schemeClr val="tx1"/>
-                </a:solidFill>
-              </a:rPr>
-              <a:t>s</a:t>
-            </a:r>
-            <a:r>
-              <a:rPr lang="en-US" sz="2399" dirty="0">
-                <a:solidFill>
-                  <a:schemeClr val="tx1"/>
-                </a:solidFill>
-                <a:latin typeface="+mn-lt"/>
-              </a:rPr>
-              <a:t> </a:t>
-            </a:r>
-            <a:r>
-              <a:rPr lang="en-US" sz="2399" dirty="0">
-                <a:solidFill>
-                  <a:schemeClr val="tx1"/>
-                </a:solidFill>
-              </a:rPr>
-              <a:t>=</a:t>
-            </a:r>
-            <a:r>
-              <a:rPr lang="en-US" sz="2399" dirty="0">
-                <a:solidFill>
-                  <a:schemeClr val="tx1"/>
-                </a:solidFill>
-                <a:latin typeface="+mn-lt"/>
-              </a:rPr>
-              <a:t> </a:t>
-            </a:r>
-            <a:r>
-              <a:rPr lang="en-US" sz="2399" dirty="0">
-                <a:solidFill>
-                  <a:schemeClr val="tx1"/>
-                </a:solidFill>
-              </a:rPr>
-              <a:t>"Hello, C#";</a:t>
+              </a:rPr>
+              <a:t> s = "Hello, C#";</a:t>
             </a:r>
           </a:p>
         </p:txBody>
@@ -35772,7 +35900,7 @@
                 <a:ea typeface="+mn-lt"/>
                 <a:cs typeface="+mn-lt"/>
               </a:rPr>
-              <a:t>(само за четене) поредици от символи</a:t>
+              <a:t>(immutable) поредици от символи</a:t>
             </a:r>
             <a:endParaRPr lang="bg-BG" sz="3350" dirty="0">
               <a:cs typeface="Calibri"/>
@@ -37054,8 +37182,8 @@
         </p:nvSpPr>
         <p:spPr bwMode="auto">
           <a:xfrm>
-            <a:off x="647459" y="4842131"/>
-            <a:ext cx="8354111" cy="1882760"/>
+            <a:off x="647459" y="4878544"/>
+            <a:ext cx="7113541" cy="1430456"/>
           </a:xfrm>
           <a:prstGeom prst="rect">
             <a:avLst/>
@@ -37099,34 +37227,7 @@
                 <a:latin typeface="Consolas" pitchFamily="49" charset="0"/>
                 <a:cs typeface="Consolas" pitchFamily="49" charset="0"/>
               </a:rPr>
-              <a:t>string</a:t>
-            </a:r>
-            <a:r>
-              <a:rPr lang="en-US" sz="2799" b="1" noProof="1">
-                <a:solidFill>
-                  <a:schemeClr val="tx2"/>
-                </a:solidFill>
-                <a:latin typeface="Consolas" pitchFamily="49" charset="0"/>
-                <a:cs typeface="Consolas" pitchFamily="49" charset="0"/>
-              </a:rPr>
-              <a:t> </a:t>
-            </a:r>
-            <a:r>
-              <a:rPr lang="en-US" sz="2799" b="1" noProof="1">
-                <a:latin typeface="Consolas" pitchFamily="49" charset="0"/>
-                <a:cs typeface="Consolas" pitchFamily="49" charset="0"/>
-              </a:rPr>
-              <a:t>str =</a:t>
-            </a:r>
-            <a:r>
-              <a:rPr lang="en-US" sz="2799" b="1" noProof="1">
-                <a:solidFill>
-                  <a:schemeClr val="tx2"/>
-                </a:solidFill>
-                <a:latin typeface="Consolas" pitchFamily="49" charset="0"/>
-                <a:cs typeface="Consolas" pitchFamily="49" charset="0"/>
-              </a:rPr>
-              <a:t> </a:t>
+              <a:t>string str = Console.ReadLine();</a:t>
             </a:r>
           </a:p>
           <a:p>
@@ -37144,116 +37245,10 @@
             </a:pPr>
             <a:r>
               <a:rPr lang="en-US" sz="2799" b="1" noProof="1">
-                <a:solidFill>
-                  <a:schemeClr val="tx2"/>
-                </a:solidFill>
                 <a:latin typeface="Consolas" pitchFamily="49" charset="0"/>
                 <a:cs typeface="Consolas" pitchFamily="49" charset="0"/>
               </a:rPr>
-              <a:t>	</a:t>
-            </a:r>
-            <a:r>
-              <a:rPr lang="en-US" sz="2799" b="1" dirty="0">
-                <a:latin typeface="Consolas" pitchFamily="49" charset="0"/>
-                <a:cs typeface="Consolas" pitchFamily="49" charset="0"/>
-              </a:rPr>
-              <a:t>new string(new char[] {'</a:t>
-            </a:r>
-            <a:r>
-              <a:rPr lang="en-US" sz="2799" b="1" dirty="0">
-                <a:solidFill>
-                  <a:schemeClr val="bg1"/>
-                </a:solidFill>
-                <a:latin typeface="Consolas" pitchFamily="49" charset="0"/>
-                <a:cs typeface="Consolas" pitchFamily="49" charset="0"/>
-              </a:rPr>
-              <a:t>s</a:t>
-            </a:r>
-            <a:r>
-              <a:rPr lang="en-US" sz="2799" b="1" dirty="0">
-                <a:latin typeface="Consolas" pitchFamily="49" charset="0"/>
-                <a:cs typeface="Consolas" pitchFamily="49" charset="0"/>
-              </a:rPr>
-              <a:t>','</a:t>
-            </a:r>
-            <a:r>
-              <a:rPr lang="en-US" sz="2799" b="1" dirty="0">
-                <a:solidFill>
-                  <a:schemeClr val="bg1"/>
-                </a:solidFill>
-                <a:latin typeface="Consolas" pitchFamily="49" charset="0"/>
-                <a:cs typeface="Consolas" pitchFamily="49" charset="0"/>
-              </a:rPr>
-              <a:t>t</a:t>
-            </a:r>
-            <a:r>
-              <a:rPr lang="en-US" sz="2799" b="1" dirty="0">
-                <a:latin typeface="Consolas" pitchFamily="49" charset="0"/>
-                <a:cs typeface="Consolas" pitchFamily="49" charset="0"/>
-              </a:rPr>
-              <a:t>','</a:t>
-            </a:r>
-            <a:r>
-              <a:rPr lang="en-US" sz="2799" b="1" dirty="0">
-                <a:solidFill>
-                  <a:schemeClr val="bg1"/>
-                </a:solidFill>
-                <a:latin typeface="Consolas" pitchFamily="49" charset="0"/>
-                <a:cs typeface="Consolas" pitchFamily="49" charset="0"/>
-              </a:rPr>
-              <a:t>t</a:t>
-            </a:r>
-            <a:r>
-              <a:rPr lang="en-US" sz="2799" b="1" dirty="0">
-                <a:latin typeface="Consolas" pitchFamily="49" charset="0"/>
-                <a:cs typeface="Consolas" pitchFamily="49" charset="0"/>
-              </a:rPr>
-              <a:t>'});</a:t>
-            </a:r>
-            <a:endParaRPr lang="en-US" sz="2799" b="1" noProof="1">
-              <a:latin typeface="Consolas" pitchFamily="49" charset="0"/>
-              <a:cs typeface="Consolas" pitchFamily="49" charset="0"/>
-            </a:endParaRPr>
-          </a:p>
-          <a:p>
-            <a:pPr eaLnBrk="0" hangingPunct="0">
-              <a:lnSpc>
-                <a:spcPct val="105000"/>
-              </a:lnSpc>
-              <a:buClr>
-                <a:schemeClr val="accent5">
-                  <a:lumMod val="40000"/>
-                  <a:lumOff val="60000"/>
-                </a:schemeClr>
-              </a:buClr>
-              <a:buSzPct val="70000"/>
-            </a:pPr>
-            <a:r>
-              <a:rPr lang="en-US" sz="2799" b="1" noProof="1">
-                <a:latin typeface="Consolas" pitchFamily="49" charset="0"/>
-                <a:cs typeface="Consolas" pitchFamily="49" charset="0"/>
-              </a:rPr>
-              <a:t>char[] charArr = str.</a:t>
-            </a:r>
-            <a:r>
-              <a:rPr lang="en-US" sz="2799" b="1" noProof="1">
-                <a:solidFill>
-                  <a:schemeClr val="bg1"/>
-                </a:solidFill>
-                <a:latin typeface="Consolas" pitchFamily="49" charset="0"/>
-                <a:cs typeface="Consolas" pitchFamily="49" charset="0"/>
-              </a:rPr>
-              <a:t>ToCharArray()</a:t>
-            </a:r>
-            <a:r>
-              <a:rPr lang="en-US" sz="2799" b="1" noProof="1">
-                <a:solidFill>
-                  <a:schemeClr val="tx2"/>
-                </a:solidFill>
-                <a:latin typeface="Consolas" pitchFamily="49" charset="0"/>
-                <a:cs typeface="Consolas" pitchFamily="49" charset="0"/>
-              </a:rPr>
-              <a:t>; </a:t>
+              <a:t>char[] charArr = str.ToCharArray();</a:t>
             </a:r>
           </a:p>
           <a:p>
@@ -37645,8 +37640,8 @@
           <a:lstStyle/>
           <a:p>
             <a:r>
-              <a:rPr lang="bg-BG"/>
-              <a:t>Манипулиране на низ</a:t>
+              <a:rPr lang="bg-BG" dirty="0"/>
+              <a:t>Конкатенация, подниз, заместване</a:t>
             </a:r>
           </a:p>
         </p:txBody>
@@ -37673,8 +37668,8 @@
           <a:lstStyle/>
           <a:p>
             <a:r>
-              <a:rPr lang="bg-BG"/>
-              <a:t>Конкатенация, подниз, заместване</a:t>
+              <a:rPr lang="bg-BG" dirty="0"/>
+              <a:t>Манипулиране на низове</a:t>
             </a:r>
           </a:p>
         </p:txBody>

--- a/Courses/Software-Sciences/Module-2-DS-and-Algo/06.1-String-Processing-Basics/06.1-String-Processing-Basics.pptx
+++ b/Courses/Software-Sciences/Module-2-DS-and-Algo/06.1-String-Processing-Basics/06.1-String-Processing-Basics.pptx
@@ -5,10 +5,10 @@
     <p:sldMasterId id="2147483675" r:id="rId1"/>
   </p:sldMasterIdLst>
   <p:notesMasterIdLst>
-    <p:notesMasterId r:id="rId35"/>
+    <p:notesMasterId r:id="rId36"/>
   </p:notesMasterIdLst>
   <p:handoutMasterIdLst>
-    <p:handoutMasterId r:id="rId36"/>
+    <p:handoutMasterId r:id="rId37"/>
   </p:handoutMasterIdLst>
   <p:sldIdLst>
     <p:sldId id="494" r:id="rId2"/>
@@ -27,23 +27,24 @@
     <p:sldId id="639" r:id="rId15"/>
     <p:sldId id="625" r:id="rId16"/>
     <p:sldId id="626" r:id="rId17"/>
-    <p:sldId id="510" r:id="rId18"/>
-    <p:sldId id="511" r:id="rId19"/>
-    <p:sldId id="512" r:id="rId20"/>
-    <p:sldId id="513" r:id="rId21"/>
-    <p:sldId id="528" r:id="rId22"/>
-    <p:sldId id="624" r:id="rId23"/>
-    <p:sldId id="643" r:id="rId24"/>
-    <p:sldId id="516" r:id="rId25"/>
-    <p:sldId id="517" r:id="rId26"/>
-    <p:sldId id="518" r:id="rId27"/>
-    <p:sldId id="519" r:id="rId28"/>
-    <p:sldId id="526" r:id="rId29"/>
-    <p:sldId id="527" r:id="rId30"/>
-    <p:sldId id="521" r:id="rId31"/>
-    <p:sldId id="349" r:id="rId32"/>
-    <p:sldId id="504" r:id="rId33"/>
-    <p:sldId id="505" r:id="rId34"/>
+    <p:sldId id="647" r:id="rId18"/>
+    <p:sldId id="510" r:id="rId19"/>
+    <p:sldId id="511" r:id="rId20"/>
+    <p:sldId id="512" r:id="rId21"/>
+    <p:sldId id="513" r:id="rId22"/>
+    <p:sldId id="528" r:id="rId23"/>
+    <p:sldId id="624" r:id="rId24"/>
+    <p:sldId id="643" r:id="rId25"/>
+    <p:sldId id="516" r:id="rId26"/>
+    <p:sldId id="517" r:id="rId27"/>
+    <p:sldId id="518" r:id="rId28"/>
+    <p:sldId id="519" r:id="rId29"/>
+    <p:sldId id="526" r:id="rId30"/>
+    <p:sldId id="527" r:id="rId31"/>
+    <p:sldId id="521" r:id="rId32"/>
+    <p:sldId id="349" r:id="rId33"/>
+    <p:sldId id="504" r:id="rId34"/>
+    <p:sldId id="505" r:id="rId35"/>
   </p:sldIdLst>
   <p:sldSz cx="12192000" cy="6858000"/>
   <p:notesSz cx="6858000" cy="9144000"/>
@@ -171,6 +172,7 @@
             <p14:sldId id="639"/>
             <p14:sldId id="625"/>
             <p14:sldId id="626"/>
+            <p14:sldId id="647"/>
             <p14:sldId id="510"/>
             <p14:sldId id="511"/>
             <p14:sldId id="512"/>
@@ -315,7 +317,7 @@
           <a:p>
             <a:fld id="{4E087215-0C8F-4762-A664-737A353EC9A4}" type="datetimeFigureOut">
               <a:rPr lang="bg-BG" smtClean="0"/>
-              <a:t>1.07.24 г.</a:t>
+              <a:t>3.07.24 г.</a:t>
             </a:fld>
             <a:endParaRPr lang="bg-BG"/>
           </a:p>
@@ -511,7 +513,7 @@
           <a:p>
             <a:fld id="{72D84649-876A-46C9-8472-14CB09C070D8}" type="datetimeFigureOut">
               <a:rPr lang="en-US" smtClean="0"/>
-              <a:t>7/1/24</a:t>
+              <a:t>7/3/24</a:t>
             </a:fld>
             <a:endParaRPr lang="en-US"/>
           </a:p>
@@ -1129,7 +1131,7 @@
             <a:fld id="{3EBA5BD7-F043-4D1B-AA17-CD412FC534DE}" type="slidenum">
               <a:rPr lang="en-US" smtClean="0"/>
               <a:pPr/>
-              <a:t>31</a:t>
+              <a:t>32</a:t>
             </a:fld>
             <a:endParaRPr lang="en-US" dirty="0"/>
           </a:p>
@@ -1375,7 +1377,7 @@
             <a:fld id="{3EBA5BD7-F043-4D1B-AA17-CD412FC534DE}" type="slidenum">
               <a:rPr lang="en-US" smtClean="0"/>
               <a:pPr/>
-              <a:t>32</a:t>
+              <a:t>33</a:t>
             </a:fld>
             <a:endParaRPr lang="en-US" dirty="0"/>
           </a:p>
@@ -1621,7 +1623,7 @@
             <a:fld id="{3EBA5BD7-F043-4D1B-AA17-CD412FC534DE}" type="slidenum">
               <a:rPr lang="en-US" smtClean="0"/>
               <a:pPr/>
-              <a:t>33</a:t>
+              <a:t>34</a:t>
             </a:fld>
             <a:endParaRPr lang="en-US" dirty="0"/>
           </a:p>
@@ -13267,11 +13269,11 @@
               <a:t>Задача: </a:t>
             </a:r>
             <a:r>
-              <a:rPr lang="en-GB" sz="3950" dirty="0">
+              <a:rPr lang="bg-BG" sz="3950" dirty="0">
                 <a:ea typeface="+mj-lt"/>
                 <a:cs typeface="+mj-lt"/>
               </a:rPr>
-              <a:t>Подниз</a:t>
+              <a:t>Валидни потребителски имена</a:t>
             </a:r>
             <a:endParaRPr lang="bg-BG" dirty="0">
               <a:ea typeface="+mj-lt"/>
@@ -13296,8 +13298,8 @@
         </p:nvSpPr>
         <p:spPr>
           <a:xfrm>
-            <a:off x="387078" y="1139778"/>
-            <a:ext cx="11801748" cy="5568904"/>
+            <a:off x="190406" y="1139778"/>
+            <a:ext cx="11998420" cy="5568904"/>
           </a:xfrm>
           <a:prstGeom prst="rect">
             <a:avLst/>
@@ -13475,118 +13477,276 @@
           <a:p>
             <a:pPr marL="456565" indent="-456565"/>
             <a:r>
-              <a:rPr lang="en-US" sz="3600" dirty="0">
-                <a:cs typeface="Calibri"/>
-              </a:rPr>
-              <a:t>Даден</a:t>
-            </a:r>
-            <a:r>
               <a:rPr lang="bg-BG" sz="3600" dirty="0">
                 <a:cs typeface="Calibri"/>
               </a:rPr>
-              <a:t>и са</a:t>
+              <a:t>Дадени са ви </a:t>
+            </a:r>
+            <a:r>
+              <a:rPr lang="bg-BG" sz="3600" b="1" dirty="0">
+                <a:solidFill>
+                  <a:schemeClr val="bg1"/>
+                </a:solidFill>
+                <a:cs typeface="Calibri"/>
+              </a:rPr>
+              <a:t>имена на потребители</a:t>
             </a:r>
             <a:r>
               <a:rPr lang="en-US" sz="3600" dirty="0">
+                <a:solidFill>
+                  <a:schemeClr val="tx2"/>
+                </a:solidFill>
                 <a:cs typeface="Calibri"/>
               </a:rPr>
-              <a:t> ви </a:t>
-            </a:r>
-            <a:r>
-              <a:rPr lang="en-US" sz="3600" b="1" dirty="0">
+              <a:t>,</a:t>
+            </a:r>
+            <a:r>
+              <a:rPr lang="bg-BG" sz="3600" dirty="0">
+                <a:solidFill>
+                  <a:schemeClr val="tx2"/>
+                </a:solidFill>
+                <a:cs typeface="Calibri"/>
+              </a:rPr>
+              <a:t> разделени със </a:t>
+            </a:r>
+            <a:br>
+              <a:rPr lang="bg-BG" sz="3600" dirty="0">
+                <a:solidFill>
+                  <a:schemeClr val="tx2"/>
+                </a:solidFill>
+                <a:cs typeface="Calibri"/>
+              </a:rPr>
+            </a:br>
+            <a:r>
+              <a:rPr lang="bg-BG" sz="3600" b="1" dirty="0">
+                <a:solidFill>
+                  <a:schemeClr val="tx2"/>
+                </a:solidFill>
+                <a:cs typeface="Calibri"/>
+              </a:rPr>
+              <a:t>запетая</a:t>
+            </a:r>
+            <a:r>
+              <a:rPr lang="bg-BG" sz="3600" dirty="0">
+                <a:solidFill>
+                  <a:schemeClr val="tx2"/>
+                </a:solidFill>
+                <a:cs typeface="Calibri"/>
+              </a:rPr>
+              <a:t> и </a:t>
+            </a:r>
+            <a:r>
+              <a:rPr lang="bg-BG" sz="3600" b="1" dirty="0">
+                <a:solidFill>
+                  <a:schemeClr val="tx2"/>
+                </a:solidFill>
+                <a:cs typeface="Calibri"/>
+              </a:rPr>
+              <a:t>интервал</a:t>
+            </a:r>
+          </a:p>
+          <a:p>
+            <a:pPr marL="456565" indent="-456565"/>
+            <a:r>
+              <a:rPr lang="bg-BG" sz="3600" b="1" dirty="0">
+                <a:solidFill>
+                  <a:schemeClr val="tx2"/>
+                </a:solidFill>
+                <a:cs typeface="Calibri"/>
+              </a:rPr>
+              <a:t>Отпечатайте</a:t>
+            </a:r>
+            <a:r>
+              <a:rPr lang="bg-BG" sz="3600" dirty="0">
+                <a:solidFill>
+                  <a:schemeClr val="tx2"/>
+                </a:solidFill>
+                <a:cs typeface="Calibri"/>
+              </a:rPr>
+              <a:t> </a:t>
+            </a:r>
+            <a:r>
+              <a:rPr lang="bg-BG" sz="3600" b="1" dirty="0">
+                <a:solidFill>
+                  <a:schemeClr val="tx2"/>
+                </a:solidFill>
+                <a:cs typeface="Calibri"/>
+              </a:rPr>
+              <a:t>имената</a:t>
+            </a:r>
+            <a:r>
+              <a:rPr lang="bg-BG" sz="3600" dirty="0">
+                <a:solidFill>
+                  <a:schemeClr val="tx2"/>
+                </a:solidFill>
+                <a:cs typeface="Calibri"/>
+              </a:rPr>
+              <a:t>, които отговарят на следните</a:t>
+            </a:r>
+            <a:r>
+              <a:rPr lang="bg-BG" sz="3600" b="1" dirty="0">
+                <a:solidFill>
+                  <a:schemeClr val="tx2"/>
+                </a:solidFill>
+                <a:cs typeface="Calibri"/>
+              </a:rPr>
+              <a:t> </a:t>
+            </a:r>
+            <a:br>
+              <a:rPr lang="bg-BG" sz="3600" b="1" dirty="0">
+                <a:solidFill>
+                  <a:schemeClr val="tx2"/>
+                </a:solidFill>
+                <a:cs typeface="Calibri"/>
+              </a:rPr>
+            </a:br>
+            <a:r>
+              <a:rPr lang="bg-BG" sz="3600" b="1" dirty="0">
                 <a:solidFill>
                   <a:schemeClr val="bg1"/>
                 </a:solidFill>
                 <a:cs typeface="Calibri"/>
               </a:rPr>
-              <a:t>текст</a:t>
-            </a:r>
-            <a:r>
-              <a:rPr lang="en-US" sz="3600" dirty="0">
+              <a:t>условия</a:t>
+            </a:r>
+            <a:r>
+              <a:rPr lang="bg-BG" sz="3600" dirty="0">
+                <a:solidFill>
+                  <a:schemeClr val="tx2"/>
+                </a:solidFill>
                 <a:cs typeface="Calibri"/>
               </a:rPr>
-              <a:t> и </a:t>
-            </a:r>
-            <a:r>
-              <a:rPr lang="en-US" sz="3600" b="1" dirty="0">
+              <a:t>:</a:t>
+            </a:r>
+          </a:p>
+          <a:p>
+            <a:pPr marL="989631" lvl="1" indent="-456565"/>
+            <a:r>
+              <a:rPr lang="bg-BG" sz="3400" dirty="0">
+                <a:solidFill>
+                  <a:schemeClr val="tx2"/>
+                </a:solidFill>
+                <a:cs typeface="Calibri"/>
+              </a:rPr>
+              <a:t>Дължината на името е между </a:t>
+            </a:r>
+            <a:r>
+              <a:rPr lang="bg-BG" sz="3400" b="1" dirty="0">
                 <a:solidFill>
                   <a:schemeClr val="bg1"/>
                 </a:solidFill>
                 <a:cs typeface="Calibri"/>
               </a:rPr>
-              <a:t>дума за премахване</a:t>
-            </a:r>
-          </a:p>
-          <a:p>
-            <a:pPr marL="456565" indent="-456565"/>
-            <a:r>
-              <a:rPr lang="en-US" sz="3600" dirty="0">
+              <a:t>3</a:t>
+            </a:r>
+            <a:r>
+              <a:rPr lang="bg-BG" sz="3400" dirty="0">
                 <a:solidFill>
                   <a:schemeClr val="tx2"/>
                 </a:solidFill>
                 <a:cs typeface="Calibri"/>
               </a:rPr>
-              <a:t>Премахнете </a:t>
-            </a:r>
-            <a:r>
-              <a:rPr lang="en-US" sz="3600" b="1" dirty="0">
+              <a:t> и </a:t>
+            </a:r>
+            <a:r>
+              <a:rPr lang="bg-BG" sz="3400" b="1" dirty="0">
                 <a:solidFill>
                   <a:schemeClr val="bg1"/>
                 </a:solidFill>
                 <a:cs typeface="Calibri"/>
               </a:rPr>
-              <a:t>всички поднизове</a:t>
-            </a:r>
-            <a:r>
-              <a:rPr lang="en-US" sz="3600" dirty="0">
+              <a:t>16 символа</a:t>
+            </a:r>
+          </a:p>
+          <a:p>
+            <a:pPr marL="989631" lvl="1" indent="-456565"/>
+            <a:r>
+              <a:rPr lang="bg-BG" sz="3400" dirty="0">
                 <a:solidFill>
                   <a:schemeClr val="tx2"/>
                 </a:solidFill>
                 <a:cs typeface="Calibri"/>
               </a:rPr>
-              <a:t>, които са </a:t>
-            </a:r>
-            <a:r>
-              <a:rPr lang="en-US" sz="3600" b="1" dirty="0">
+              <a:t>Името съдържа само </a:t>
+            </a:r>
+            <a:r>
+              <a:rPr lang="bg-BG" sz="3400" b="1" dirty="0">
                 <a:solidFill>
                   <a:schemeClr val="bg1"/>
                 </a:solidFill>
                 <a:cs typeface="Calibri"/>
               </a:rPr>
-              <a:t>еднакви </a:t>
-            </a:r>
-            <a:r>
-              <a:rPr lang="en-US" sz="3600" dirty="0">
+              <a:t>букви</a:t>
+            </a:r>
+            <a:r>
+              <a:rPr lang="bg-BG" sz="3400" dirty="0">
+                <a:solidFill>
+                  <a:schemeClr val="tx2"/>
+                </a:solidFill>
                 <a:cs typeface="Calibri"/>
               </a:rPr>
-              <a:t>с</a:t>
-            </a:r>
-            <a:br>
-              <a:rPr lang="en-US" sz="3600" b="1" dirty="0">
+              <a:t>, </a:t>
+            </a:r>
+            <a:r>
+              <a:rPr lang="bg-BG" sz="3400" b="1" dirty="0">
                 <a:solidFill>
                   <a:schemeClr val="bg1"/>
                 </a:solidFill>
                 <a:cs typeface="Calibri"/>
               </a:rPr>
-            </a:br>
-            <a:r>
-              <a:rPr lang="en-US" sz="3600" b="1" dirty="0">
+              <a:t>цифри</a:t>
+            </a:r>
+            <a:r>
+              <a:rPr lang="bg-BG" sz="3400" dirty="0">
+                <a:solidFill>
+                  <a:schemeClr val="tx2"/>
+                </a:solidFill>
+                <a:cs typeface="Calibri"/>
+              </a:rPr>
+              <a:t>, </a:t>
+            </a:r>
+            <a:r>
+              <a:rPr lang="bg-BG" sz="3400" b="1" dirty="0">
                 <a:solidFill>
                   <a:schemeClr val="bg1"/>
                 </a:solidFill>
                 <a:cs typeface="Calibri"/>
               </a:rPr>
-              <a:t>думата за премахване</a:t>
-            </a:r>
+              <a:t>тирета</a:t>
+            </a:r>
+            <a:r>
+              <a:rPr lang="bg-BG" sz="3400" dirty="0">
+                <a:solidFill>
+                  <a:schemeClr val="tx2"/>
+                </a:solidFill>
+                <a:cs typeface="Calibri"/>
+              </a:rPr>
+              <a:t> и </a:t>
+            </a:r>
+            <a:r>
+              <a:rPr lang="bg-BG" sz="3400" b="1" dirty="0">
+                <a:solidFill>
+                  <a:schemeClr val="bg1"/>
+                </a:solidFill>
+                <a:cs typeface="Calibri"/>
+              </a:rPr>
+              <a:t>долни черти</a:t>
+            </a:r>
+            <a:endParaRPr lang="en-US" sz="3400" b="1" dirty="0">
+              <a:solidFill>
+                <a:schemeClr val="bg1"/>
+              </a:solidFill>
+              <a:cs typeface="Calibri"/>
+            </a:endParaRPr>
           </a:p>
         </p:txBody>
       </p:sp>
       <p:sp>
         <p:nvSpPr>
-          <p:cNvPr id="21" name="Rectangle 20">
+          <p:cNvPr id="10" name="Rectangle 9">
             <a:extLst>
               <a:ext uri="{FF2B5EF4-FFF2-40B4-BE49-F238E27FC236}">
-                <a16:creationId xmlns:a16="http://schemas.microsoft.com/office/drawing/2014/main" id="{AD1046CF-7C96-4549-8DDA-6687F8C6A46C}"/>
+                <a16:creationId xmlns:a16="http://schemas.microsoft.com/office/drawing/2014/main" id="{05ECAC3E-EA4D-44EF-9331-5A8E5122B2C8}"/>
               </a:ext>
             </a:extLst>
           </p:cNvPr>
@@ -13597,8 +13757,8 @@
         </p:nvSpPr>
         <p:spPr bwMode="auto">
           <a:xfrm>
-            <a:off x="719256" y="3595519"/>
-            <a:ext cx="2588149" cy="830781"/>
+            <a:off x="407221" y="5449374"/>
+            <a:ext cx="7668780" cy="553998"/>
           </a:xfrm>
           <a:prstGeom prst="rect">
             <a:avLst/>
@@ -13626,28 +13786,57 @@
           <a:lstStyle/>
           <a:p>
             <a:r>
-              <a:rPr lang="en-US" sz="2399" b="1" dirty="0">
-                <a:latin typeface="Consolas" pitchFamily="49" charset="0"/>
-              </a:rPr>
-              <a:t>ice</a:t>
-            </a:r>
-          </a:p>
-          <a:p>
-            <a:r>
-              <a:rPr lang="en-US" sz="2399" b="1" dirty="0">
-                <a:latin typeface="Consolas" pitchFamily="49" charset="0"/>
-              </a:rPr>
-              <a:t>kicegiceiceb</a:t>
-            </a:r>
+              <a:rPr lang="en-US" sz="3000" b="1" dirty="0" err="1"/>
+              <a:t>sh</a:t>
+            </a:r>
+            <a:r>
+              <a:rPr lang="en-US" sz="3000" b="1" dirty="0"/>
+              <a:t>, </a:t>
+            </a:r>
+            <a:r>
+              <a:rPr lang="en-US" sz="3000" b="1" dirty="0" err="1"/>
+              <a:t>too_long_username</a:t>
+            </a:r>
+            <a:r>
+              <a:rPr lang="en-US" sz="3000" b="1" dirty="0"/>
+              <a:t>, !</a:t>
+            </a:r>
+            <a:r>
+              <a:rPr lang="en-US" sz="3000" b="1" dirty="0" err="1"/>
+              <a:t>lleg@l</a:t>
+            </a:r>
+            <a:r>
+              <a:rPr lang="en-US" sz="3000" b="1" dirty="0"/>
+              <a:t> </a:t>
+            </a:r>
+            <a:r>
+              <a:rPr lang="en-US" sz="3000" b="1" dirty="0" err="1"/>
+              <a:t>ch@rs</a:t>
+            </a:r>
+            <a:r>
+              <a:rPr lang="en-US" sz="3000" b="1" dirty="0"/>
+              <a:t>, </a:t>
+            </a:r>
+            <a:r>
+              <a:rPr lang="en-US" sz="3000" b="1" dirty="0" err="1"/>
+              <a:t>jeffbutt</a:t>
+            </a:r>
+            <a:r>
+              <a:rPr lang="en-BG" sz="3000" b="1" dirty="0"/>
+              <a:t> </a:t>
+            </a:r>
+            <a:endParaRPr lang="en-US" sz="3000" b="1" dirty="0">
+              <a:latin typeface="Consolas" pitchFamily="49" charset="0"/>
+            </a:endParaRPr>
           </a:p>
         </p:txBody>
       </p:sp>
       <p:sp>
         <p:nvSpPr>
-          <p:cNvPr id="22" name="Right Arrow 8">
+          <p:cNvPr id="11" name="Right Arrow 8">
             <a:extLst>
               <a:ext uri="{FF2B5EF4-FFF2-40B4-BE49-F238E27FC236}">
-                <a16:creationId xmlns:a16="http://schemas.microsoft.com/office/drawing/2014/main" id="{107442BE-8708-4932-AB48-A511A03B40A1}"/>
+                <a16:creationId xmlns:a16="http://schemas.microsoft.com/office/drawing/2014/main" id="{5F637BA2-E122-4099-A04B-A58D80D52CF1}"/>
               </a:ext>
             </a:extLst>
           </p:cNvPr>
@@ -13656,7 +13845,7 @@
         </p:nvSpPr>
         <p:spPr>
           <a:xfrm>
-            <a:off x="3677397" y="3793847"/>
+            <a:off x="8414144" y="5515348"/>
             <a:ext cx="536637" cy="422049"/>
           </a:xfrm>
           <a:prstGeom prst="rightArrow">
@@ -13720,10 +13909,10 @@
       </p:sp>
       <p:sp>
         <p:nvSpPr>
-          <p:cNvPr id="9" name="Rectangle 8">
+          <p:cNvPr id="12" name="Rectangle 11">
             <a:extLst>
               <a:ext uri="{FF2B5EF4-FFF2-40B4-BE49-F238E27FC236}">
-                <a16:creationId xmlns:a16="http://schemas.microsoft.com/office/drawing/2014/main" id="{8577EFF2-0EEE-4F3B-8F89-21DE4E4DF276}"/>
+                <a16:creationId xmlns:a16="http://schemas.microsoft.com/office/drawing/2014/main" id="{6E660491-FD48-4898-A52E-08B90FD77920}"/>
               </a:ext>
             </a:extLst>
           </p:cNvPr>
@@ -13734,8 +13923,8 @@
         </p:nvSpPr>
         <p:spPr bwMode="auto">
           <a:xfrm>
-            <a:off x="4584026" y="3693584"/>
-            <a:ext cx="919390" cy="461545"/>
+            <a:off x="9288924" y="5449374"/>
+            <a:ext cx="1937076" cy="553998"/>
           </a:xfrm>
           <a:prstGeom prst="rect">
             <a:avLst/>
@@ -13764,584 +13953,12 @@
           <a:p>
             <a:pPr algn="ctr"/>
             <a:r>
-              <a:rPr lang="en-US" sz="2399" b="1" dirty="0">
-                <a:latin typeface="Consolas" pitchFamily="49" charset="0"/>
-              </a:rPr>
-              <a:t>kgb</a:t>
-            </a:r>
-          </a:p>
-        </p:txBody>
-      </p:sp>
-      <p:sp>
-        <p:nvSpPr>
-          <p:cNvPr id="10" name="Rectangle 9">
-            <a:extLst>
-              <a:ext uri="{FF2B5EF4-FFF2-40B4-BE49-F238E27FC236}">
-                <a16:creationId xmlns:a16="http://schemas.microsoft.com/office/drawing/2014/main" id="{05ECAC3E-EA4D-44EF-9331-5A8E5122B2C8}"/>
-              </a:ext>
-            </a:extLst>
-          </p:cNvPr>
-          <p:cNvSpPr>
-            <a:spLocks noChangeArrowheads="1"/>
-          </p:cNvSpPr>
-          <p:nvPr/>
-        </p:nvSpPr>
-        <p:spPr bwMode="auto">
-          <a:xfrm>
-            <a:off x="719256" y="5061745"/>
-            <a:ext cx="2588149" cy="830781"/>
-          </a:xfrm>
-          <a:prstGeom prst="rect">
-            <a:avLst/>
-          </a:prstGeom>
-          <a:solidFill>
-            <a:schemeClr val="accent5">
-              <a:lumMod val="40000"/>
-              <a:lumOff val="60000"/>
-              <a:alpha val="20000"/>
-            </a:schemeClr>
-          </a:solidFill>
-          <a:ln w="12700">
-            <a:solidFill>
-              <a:schemeClr val="accent5">
-                <a:lumMod val="60000"/>
-                <a:lumOff val="40000"/>
-              </a:schemeClr>
-            </a:solidFill>
-          </a:ln>
-        </p:spPr>
-        <p:txBody>
-          <a:bodyPr wrap="square">
-            <a:spAutoFit/>
-          </a:bodyPr>
-          <a:lstStyle/>
-          <a:p>
-            <a:r>
-              <a:rPr lang="en-US" sz="2399" b="1" dirty="0">
-                <a:latin typeface="Consolas" pitchFamily="49" charset="0"/>
-              </a:rPr>
-              <a:t>abc</a:t>
-            </a:r>
-          </a:p>
-          <a:p>
-            <a:r>
-              <a:rPr lang="en-US" sz="2399" b="1" dirty="0">
-                <a:latin typeface="Consolas" pitchFamily="49" charset="0"/>
-              </a:rPr>
-              <a:t>tcabctqw</a:t>
-            </a:r>
-          </a:p>
-        </p:txBody>
-      </p:sp>
-      <p:sp>
-        <p:nvSpPr>
-          <p:cNvPr id="11" name="Right Arrow 8">
-            <a:extLst>
-              <a:ext uri="{FF2B5EF4-FFF2-40B4-BE49-F238E27FC236}">
-                <a16:creationId xmlns:a16="http://schemas.microsoft.com/office/drawing/2014/main" id="{5F637BA2-E122-4099-A04B-A58D80D52CF1}"/>
-              </a:ext>
-            </a:extLst>
-          </p:cNvPr>
-          <p:cNvSpPr/>
-          <p:nvPr/>
-        </p:nvSpPr>
-        <p:spPr>
-          <a:xfrm>
-            <a:off x="3644180" y="5269541"/>
-            <a:ext cx="536637" cy="422049"/>
-          </a:xfrm>
-          <a:prstGeom prst="rightArrow">
-            <a:avLst/>
-          </a:prstGeom>
-          <a:solidFill>
-            <a:schemeClr val="dk2">
-              <a:alpha val="80000"/>
-            </a:schemeClr>
-          </a:solidFill>
-          <a:ln w="19050">
-            <a:solidFill>
-              <a:schemeClr val="tx1">
-                <a:lumMod val="75000"/>
-                <a:alpha val="80000"/>
-              </a:schemeClr>
-            </a:solidFill>
-          </a:ln>
-          <a:effectLst/>
-        </p:spPr>
-        <p:style>
-          <a:lnRef idx="2">
-            <a:schemeClr val="accent1">
-              <a:shade val="50000"/>
-            </a:schemeClr>
-          </a:lnRef>
-          <a:fillRef idx="1001">
-            <a:schemeClr val="dk2"/>
-          </a:fillRef>
-          <a:effectRef idx="0">
-            <a:schemeClr val="accent1"/>
-          </a:effectRef>
-          <a:fontRef idx="minor">
-            <a:schemeClr val="lt1"/>
-          </a:fontRef>
-        </p:style>
-        <p:txBody>
-          <a:bodyPr rot="0" spcFirstLastPara="0" vertOverflow="overflow" horzOverflow="overflow" vert="horz" wrap="square" lIns="91416" tIns="45708" rIns="91416" bIns="45708" numCol="1" spcCol="0" rtlCol="0" fromWordArt="0" anchor="ctr" anchorCtr="0" forceAA="0" compatLnSpc="1">
-            <a:prstTxWarp prst="textNoShape">
-              <a:avLst/>
-            </a:prstTxWarp>
-            <a:noAutofit/>
-          </a:bodyPr>
-          <a:lstStyle/>
-          <a:p>
-            <a:pPr algn="ctr"/>
-            <a:endParaRPr lang="en-US" sz="2799" b="1" dirty="0">
-              <a:solidFill>
-                <a:srgbClr val="FFFFFF"/>
-              </a:solidFill>
-              <a:effectLst>
-                <a:outerShdw blurRad="38100" dist="38100" dir="2700000" algn="tl">
-                  <a:srgbClr val="000000">
-                    <a:alpha val="43137"/>
-                  </a:srgbClr>
-                </a:outerShdw>
-              </a:effectLst>
+              <a:rPr lang="en-US" sz="3000" b="1" dirty="0" err="1"/>
+              <a:t>jeffbutt</a:t>
+            </a:r>
+            <a:endParaRPr lang="en-US" sz="3000" b="1" dirty="0">
+              <a:latin typeface="Consolas" pitchFamily="49" charset="0"/>
             </a:endParaRPr>
-          </a:p>
-        </p:txBody>
-      </p:sp>
-      <p:sp>
-        <p:nvSpPr>
-          <p:cNvPr id="12" name="Rectangle 11">
-            <a:extLst>
-              <a:ext uri="{FF2B5EF4-FFF2-40B4-BE49-F238E27FC236}">
-                <a16:creationId xmlns:a16="http://schemas.microsoft.com/office/drawing/2014/main" id="{6E660491-FD48-4898-A52E-08B90FD77920}"/>
-              </a:ext>
-            </a:extLst>
-          </p:cNvPr>
-          <p:cNvSpPr>
-            <a:spLocks noChangeArrowheads="1"/>
-          </p:cNvSpPr>
-          <p:nvPr/>
-        </p:nvSpPr>
-        <p:spPr bwMode="auto">
-          <a:xfrm>
-            <a:off x="4517592" y="5252958"/>
-            <a:ext cx="1326001" cy="461545"/>
-          </a:xfrm>
-          <a:prstGeom prst="rect">
-            <a:avLst/>
-          </a:prstGeom>
-          <a:solidFill>
-            <a:schemeClr val="accent5">
-              <a:lumMod val="40000"/>
-              <a:lumOff val="60000"/>
-              <a:alpha val="20000"/>
-            </a:schemeClr>
-          </a:solidFill>
-          <a:ln w="12700">
-            <a:solidFill>
-              <a:schemeClr val="accent5">
-                <a:lumMod val="60000"/>
-                <a:lumOff val="40000"/>
-              </a:schemeClr>
-            </a:solidFill>
-          </a:ln>
-        </p:spPr>
-        <p:txBody>
-          <a:bodyPr wrap="square">
-            <a:spAutoFit/>
-          </a:bodyPr>
-          <a:lstStyle/>
-          <a:p>
-            <a:pPr algn="ctr"/>
-            <a:r>
-              <a:rPr lang="en-US" sz="2399" b="1" dirty="0">
-                <a:latin typeface="Consolas" pitchFamily="49" charset="0"/>
-              </a:rPr>
-              <a:t>tctqw</a:t>
-            </a:r>
-          </a:p>
-        </p:txBody>
-      </p:sp>
-      <p:sp>
-        <p:nvSpPr>
-          <p:cNvPr id="34" name="Rectangle 33">
-            <a:extLst>
-              <a:ext uri="{FF2B5EF4-FFF2-40B4-BE49-F238E27FC236}">
-                <a16:creationId xmlns:a16="http://schemas.microsoft.com/office/drawing/2014/main" id="{D060F591-F27A-4BD9-BB46-09210EE7C5DA}"/>
-              </a:ext>
-            </a:extLst>
-          </p:cNvPr>
-          <p:cNvSpPr>
-            <a:spLocks noChangeArrowheads="1"/>
-          </p:cNvSpPr>
-          <p:nvPr/>
-        </p:nvSpPr>
-        <p:spPr bwMode="auto">
-          <a:xfrm>
-            <a:off x="6586364" y="3594947"/>
-            <a:ext cx="2816689" cy="830781"/>
-          </a:xfrm>
-          <a:prstGeom prst="rect">
-            <a:avLst/>
-          </a:prstGeom>
-          <a:solidFill>
-            <a:schemeClr val="accent5">
-              <a:lumMod val="40000"/>
-              <a:lumOff val="60000"/>
-              <a:alpha val="20000"/>
-            </a:schemeClr>
-          </a:solidFill>
-          <a:ln w="12700">
-            <a:solidFill>
-              <a:schemeClr val="accent5">
-                <a:lumMod val="60000"/>
-                <a:lumOff val="40000"/>
-              </a:schemeClr>
-            </a:solidFill>
-          </a:ln>
-        </p:spPr>
-        <p:txBody>
-          <a:bodyPr wrap="square">
-            <a:spAutoFit/>
-          </a:bodyPr>
-          <a:lstStyle/>
-          <a:p>
-            <a:r>
-              <a:rPr lang="en-US" sz="2399" b="1" dirty="0">
-                <a:latin typeface="Consolas" pitchFamily="49" charset="0"/>
-              </a:rPr>
-              <a:t>key</a:t>
-            </a:r>
-          </a:p>
-          <a:p>
-            <a:r>
-              <a:rPr lang="en-US" sz="2399" b="1" dirty="0">
-                <a:latin typeface="Consolas" pitchFamily="49" charset="0"/>
-              </a:rPr>
-              <a:t>keytextkey</a:t>
-            </a:r>
-          </a:p>
-        </p:txBody>
-      </p:sp>
-      <p:sp>
-        <p:nvSpPr>
-          <p:cNvPr id="35" name="Right Arrow 8">
-            <a:extLst>
-              <a:ext uri="{FF2B5EF4-FFF2-40B4-BE49-F238E27FC236}">
-                <a16:creationId xmlns:a16="http://schemas.microsoft.com/office/drawing/2014/main" id="{C10217C1-3770-4E8C-8CB4-2148109E2823}"/>
-              </a:ext>
-            </a:extLst>
-          </p:cNvPr>
-          <p:cNvSpPr/>
-          <p:nvPr/>
-        </p:nvSpPr>
-        <p:spPr>
-          <a:xfrm>
-            <a:off x="9713498" y="3789286"/>
-            <a:ext cx="536637" cy="422049"/>
-          </a:xfrm>
-          <a:prstGeom prst="rightArrow">
-            <a:avLst/>
-          </a:prstGeom>
-          <a:solidFill>
-            <a:schemeClr val="dk2">
-              <a:alpha val="80000"/>
-            </a:schemeClr>
-          </a:solidFill>
-          <a:ln w="19050">
-            <a:solidFill>
-              <a:schemeClr val="tx1">
-                <a:lumMod val="75000"/>
-                <a:alpha val="80000"/>
-              </a:schemeClr>
-            </a:solidFill>
-          </a:ln>
-          <a:effectLst/>
-        </p:spPr>
-        <p:style>
-          <a:lnRef idx="2">
-            <a:schemeClr val="accent1">
-              <a:shade val="50000"/>
-            </a:schemeClr>
-          </a:lnRef>
-          <a:fillRef idx="1001">
-            <a:schemeClr val="dk2"/>
-          </a:fillRef>
-          <a:effectRef idx="0">
-            <a:schemeClr val="accent1"/>
-          </a:effectRef>
-          <a:fontRef idx="minor">
-            <a:schemeClr val="lt1"/>
-          </a:fontRef>
-        </p:style>
-        <p:txBody>
-          <a:bodyPr rot="0" spcFirstLastPara="0" vertOverflow="overflow" horzOverflow="overflow" vert="horz" wrap="square" lIns="91416" tIns="45708" rIns="91416" bIns="45708" numCol="1" spcCol="0" rtlCol="0" fromWordArt="0" anchor="ctr" anchorCtr="0" forceAA="0" compatLnSpc="1">
-            <a:prstTxWarp prst="textNoShape">
-              <a:avLst/>
-            </a:prstTxWarp>
-            <a:noAutofit/>
-          </a:bodyPr>
-          <a:lstStyle/>
-          <a:p>
-            <a:pPr algn="ctr"/>
-            <a:endParaRPr lang="en-US" sz="2799" b="1" dirty="0">
-              <a:solidFill>
-                <a:srgbClr val="FFFFFF"/>
-              </a:solidFill>
-              <a:effectLst>
-                <a:outerShdw blurRad="38100" dist="38100" dir="2700000" algn="tl">
-                  <a:srgbClr val="000000">
-                    <a:alpha val="43137"/>
-                  </a:srgbClr>
-                </a:outerShdw>
-              </a:effectLst>
-            </a:endParaRPr>
-          </a:p>
-        </p:txBody>
-      </p:sp>
-      <p:sp>
-        <p:nvSpPr>
-          <p:cNvPr id="36" name="Rectangle 35">
-            <a:extLst>
-              <a:ext uri="{FF2B5EF4-FFF2-40B4-BE49-F238E27FC236}">
-                <a16:creationId xmlns:a16="http://schemas.microsoft.com/office/drawing/2014/main" id="{383A708D-9BB5-4BFD-8BD5-6D0E30F0A631}"/>
-              </a:ext>
-            </a:extLst>
-          </p:cNvPr>
-          <p:cNvSpPr>
-            <a:spLocks noChangeArrowheads="1"/>
-          </p:cNvSpPr>
-          <p:nvPr/>
-        </p:nvSpPr>
-        <p:spPr bwMode="auto">
-          <a:xfrm>
-            <a:off x="10560579" y="3709685"/>
-            <a:ext cx="919390" cy="461545"/>
-          </a:xfrm>
-          <a:prstGeom prst="rect">
-            <a:avLst/>
-          </a:prstGeom>
-          <a:solidFill>
-            <a:schemeClr val="accent5">
-              <a:lumMod val="40000"/>
-              <a:lumOff val="60000"/>
-              <a:alpha val="20000"/>
-            </a:schemeClr>
-          </a:solidFill>
-          <a:ln w="12700">
-            <a:solidFill>
-              <a:schemeClr val="accent5">
-                <a:lumMod val="60000"/>
-                <a:lumOff val="40000"/>
-              </a:schemeClr>
-            </a:solidFill>
-          </a:ln>
-        </p:spPr>
-        <p:txBody>
-          <a:bodyPr wrap="square">
-            <a:spAutoFit/>
-          </a:bodyPr>
-          <a:lstStyle/>
-          <a:p>
-            <a:pPr algn="ctr"/>
-            <a:r>
-              <a:rPr lang="en-US" sz="2399" b="1" dirty="0">
-                <a:latin typeface="Consolas" pitchFamily="49" charset="0"/>
-              </a:rPr>
-              <a:t>text</a:t>
-            </a:r>
-          </a:p>
-        </p:txBody>
-      </p:sp>
-      <p:sp>
-        <p:nvSpPr>
-          <p:cNvPr id="37" name="Rectangle 36">
-            <a:extLst>
-              <a:ext uri="{FF2B5EF4-FFF2-40B4-BE49-F238E27FC236}">
-                <a16:creationId xmlns:a16="http://schemas.microsoft.com/office/drawing/2014/main" id="{DEC5A5C6-9DA8-4703-8A59-3453B2AB312F}"/>
-              </a:ext>
-            </a:extLst>
-          </p:cNvPr>
-          <p:cNvSpPr>
-            <a:spLocks noChangeArrowheads="1"/>
-          </p:cNvSpPr>
-          <p:nvPr/>
-        </p:nvSpPr>
-        <p:spPr bwMode="auto">
-          <a:xfrm>
-            <a:off x="6585334" y="5065417"/>
-            <a:ext cx="2825291" cy="830781"/>
-          </a:xfrm>
-          <a:prstGeom prst="rect">
-            <a:avLst/>
-          </a:prstGeom>
-          <a:solidFill>
-            <a:schemeClr val="accent5">
-              <a:lumMod val="40000"/>
-              <a:lumOff val="60000"/>
-              <a:alpha val="20000"/>
-            </a:schemeClr>
-          </a:solidFill>
-          <a:ln w="12700">
-            <a:solidFill>
-              <a:schemeClr val="accent5">
-                <a:lumMod val="60000"/>
-                <a:lumOff val="40000"/>
-              </a:schemeClr>
-            </a:solidFill>
-          </a:ln>
-        </p:spPr>
-        <p:txBody>
-          <a:bodyPr wrap="square">
-            <a:spAutoFit/>
-          </a:bodyPr>
-          <a:lstStyle/>
-          <a:p>
-            <a:r>
-              <a:rPr lang="en-US" sz="2399" b="1" dirty="0">
-                <a:latin typeface="Consolas" pitchFamily="49" charset="0"/>
-              </a:rPr>
-              <a:t>word</a:t>
-            </a:r>
-          </a:p>
-          <a:p>
-            <a:r>
-              <a:rPr lang="en-US" sz="2399" b="1" dirty="0">
-                <a:latin typeface="Consolas" pitchFamily="49" charset="0"/>
-              </a:rPr>
-              <a:t>wordawordbwordc</a:t>
-            </a:r>
-          </a:p>
-        </p:txBody>
-      </p:sp>
-      <p:sp>
-        <p:nvSpPr>
-          <p:cNvPr id="38" name="Right Arrow 8">
-            <a:extLst>
-              <a:ext uri="{FF2B5EF4-FFF2-40B4-BE49-F238E27FC236}">
-                <a16:creationId xmlns:a16="http://schemas.microsoft.com/office/drawing/2014/main" id="{44BB6135-9FCD-4D1F-BE75-377C460AB280}"/>
-              </a:ext>
-            </a:extLst>
-          </p:cNvPr>
-          <p:cNvSpPr/>
-          <p:nvPr/>
-        </p:nvSpPr>
-        <p:spPr>
-          <a:xfrm>
-            <a:off x="9731096" y="5273213"/>
-            <a:ext cx="536637" cy="422049"/>
-          </a:xfrm>
-          <a:prstGeom prst="rightArrow">
-            <a:avLst/>
-          </a:prstGeom>
-          <a:solidFill>
-            <a:schemeClr val="dk2">
-              <a:alpha val="80000"/>
-            </a:schemeClr>
-          </a:solidFill>
-          <a:ln w="19050">
-            <a:solidFill>
-              <a:schemeClr val="tx1">
-                <a:lumMod val="75000"/>
-                <a:alpha val="80000"/>
-              </a:schemeClr>
-            </a:solidFill>
-          </a:ln>
-          <a:effectLst/>
-        </p:spPr>
-        <p:style>
-          <a:lnRef idx="2">
-            <a:schemeClr val="accent1">
-              <a:shade val="50000"/>
-            </a:schemeClr>
-          </a:lnRef>
-          <a:fillRef idx="1001">
-            <a:schemeClr val="dk2"/>
-          </a:fillRef>
-          <a:effectRef idx="0">
-            <a:schemeClr val="accent1"/>
-          </a:effectRef>
-          <a:fontRef idx="minor">
-            <a:schemeClr val="lt1"/>
-          </a:fontRef>
-        </p:style>
-        <p:txBody>
-          <a:bodyPr rot="0" spcFirstLastPara="0" vertOverflow="overflow" horzOverflow="overflow" vert="horz" wrap="square" lIns="91416" tIns="45708" rIns="91416" bIns="45708" numCol="1" spcCol="0" rtlCol="0" fromWordArt="0" anchor="ctr" anchorCtr="0" forceAA="0" compatLnSpc="1">
-            <a:prstTxWarp prst="textNoShape">
-              <a:avLst/>
-            </a:prstTxWarp>
-            <a:noAutofit/>
-          </a:bodyPr>
-          <a:lstStyle/>
-          <a:p>
-            <a:pPr algn="ctr"/>
-            <a:endParaRPr lang="en-US" sz="2799" b="1" dirty="0">
-              <a:solidFill>
-                <a:srgbClr val="FFFFFF"/>
-              </a:solidFill>
-              <a:effectLst>
-                <a:outerShdw blurRad="38100" dist="38100" dir="2700000" algn="tl">
-                  <a:srgbClr val="000000">
-                    <a:alpha val="43137"/>
-                  </a:srgbClr>
-                </a:outerShdw>
-              </a:effectLst>
-            </a:endParaRPr>
-          </a:p>
-        </p:txBody>
-      </p:sp>
-      <p:sp>
-        <p:nvSpPr>
-          <p:cNvPr id="39" name="Rectangle 38">
-            <a:extLst>
-              <a:ext uri="{FF2B5EF4-FFF2-40B4-BE49-F238E27FC236}">
-                <a16:creationId xmlns:a16="http://schemas.microsoft.com/office/drawing/2014/main" id="{D0A7F78A-947A-4B7D-B30D-4BEF1C961BB5}"/>
-              </a:ext>
-            </a:extLst>
-          </p:cNvPr>
-          <p:cNvSpPr>
-            <a:spLocks noChangeArrowheads="1"/>
-          </p:cNvSpPr>
-          <p:nvPr/>
-        </p:nvSpPr>
-        <p:spPr bwMode="auto">
-          <a:xfrm>
-            <a:off x="10588205" y="5230045"/>
-            <a:ext cx="884539" cy="461545"/>
-          </a:xfrm>
-          <a:prstGeom prst="rect">
-            <a:avLst/>
-          </a:prstGeom>
-          <a:solidFill>
-            <a:schemeClr val="accent5">
-              <a:lumMod val="40000"/>
-              <a:lumOff val="60000"/>
-              <a:alpha val="20000"/>
-            </a:schemeClr>
-          </a:solidFill>
-          <a:ln w="12700">
-            <a:solidFill>
-              <a:schemeClr val="accent5">
-                <a:lumMod val="60000"/>
-                <a:lumOff val="40000"/>
-              </a:schemeClr>
-            </a:solidFill>
-          </a:ln>
-        </p:spPr>
-        <p:txBody>
-          <a:bodyPr wrap="square">
-            <a:spAutoFit/>
-          </a:bodyPr>
-          <a:lstStyle/>
-          <a:p>
-            <a:pPr algn="ctr"/>
-            <a:r>
-              <a:rPr lang="en-US" sz="2399" b="1" dirty="0">
-                <a:latin typeface="Consolas" pitchFamily="49" charset="0"/>
-              </a:rPr>
-              <a:t>abc</a:t>
-            </a:r>
           </a:p>
         </p:txBody>
       </p:sp>
@@ -14475,7 +14092,7 @@
                             </p:stCondLst>
                             <p:childTnLst>
                               <p:par>
-                                <p:cTn id="9" presetID="1" presetClass="entr" presetSubtype="0" fill="hold" grpId="0" nodeType="clickEffect">
+                                <p:cTn id="9" presetID="1" presetClass="entr" presetSubtype="0" fill="hold" nodeType="clickEffect">
                                   <p:stCondLst>
                                     <p:cond delay="0"/>
                                   </p:stCondLst>
@@ -14488,7 +14105,11 @@
                                           </p:stCondLst>
                                         </p:cTn>
                                         <p:tgtEl>
-                                          <p:spTgt spid="21"/>
+                                          <p:spTgt spid="20">
+                                            <p:txEl>
+                                              <p:pRg st="2" end="2"/>
+                                            </p:txEl>
+                                          </p:spTgt>
                                         </p:tgtEl>
                                         <p:attrNameLst>
                                           <p:attrName>style.visibility</p:attrName>
@@ -14501,35 +14122,26 @@
                                   </p:childTnLst>
                                 </p:cTn>
                               </p:par>
+                            </p:childTnLst>
+                          </p:cTn>
+                        </p:par>
+                      </p:childTnLst>
+                    </p:cTn>
+                  </p:par>
+                  <p:par>
+                    <p:cTn id="11" fill="hold">
+                      <p:stCondLst>
+                        <p:cond delay="indefinite"/>
+                      </p:stCondLst>
+                      <p:childTnLst>
+                        <p:par>
+                          <p:cTn id="12" fill="hold">
+                            <p:stCondLst>
+                              <p:cond delay="0"/>
+                            </p:stCondLst>
+                            <p:childTnLst>
                               <p:par>
-                                <p:cTn id="11" presetID="1" presetClass="entr" presetSubtype="0" fill="hold" grpId="0" nodeType="withEffect">
-                                  <p:stCondLst>
-                                    <p:cond delay="0"/>
-                                  </p:stCondLst>
-                                  <p:childTnLst>
-                                    <p:set>
-                                      <p:cBhvr>
-                                        <p:cTn id="12" dur="1" fill="hold">
-                                          <p:stCondLst>
-                                            <p:cond delay="0"/>
-                                          </p:stCondLst>
-                                        </p:cTn>
-                                        <p:tgtEl>
-                                          <p:spTgt spid="22"/>
-                                        </p:tgtEl>
-                                        <p:attrNameLst>
-                                          <p:attrName>style.visibility</p:attrName>
-                                        </p:attrNameLst>
-                                      </p:cBhvr>
-                                      <p:to>
-                                        <p:strVal val="visible"/>
-                                      </p:to>
-                                    </p:set>
-                                  </p:childTnLst>
-                                </p:cTn>
-                              </p:par>
-                              <p:par>
-                                <p:cTn id="13" presetID="1" presetClass="entr" presetSubtype="0" fill="hold" grpId="0" nodeType="withEffect">
+                                <p:cTn id="13" presetID="1" presetClass="entr" presetSubtype="0" fill="hold" nodeType="clickEffect">
                                   <p:stCondLst>
                                     <p:cond delay="0"/>
                                   </p:stCondLst>
@@ -14542,7 +14154,11 @@
                                           </p:stCondLst>
                                         </p:cTn>
                                         <p:tgtEl>
-                                          <p:spTgt spid="9"/>
+                                          <p:spTgt spid="20">
+                                            <p:txEl>
+                                              <p:pRg st="3" end="3"/>
+                                            </p:txEl>
+                                          </p:spTgt>
                                         </p:tgtEl>
                                         <p:attrNameLst>
                                           <p:attrName>style.visibility</p:attrName>
@@ -14600,15 +14216,33 @@
                                   </p:childTnLst>
                                 </p:cTn>
                               </p:par>
+                            </p:childTnLst>
+                          </p:cTn>
+                        </p:par>
+                      </p:childTnLst>
+                    </p:cTn>
+                  </p:par>
+                  <p:par>
+                    <p:cTn id="19" fill="hold">
+                      <p:stCondLst>
+                        <p:cond delay="indefinite"/>
+                      </p:stCondLst>
+                      <p:childTnLst>
+                        <p:par>
+                          <p:cTn id="20" fill="hold">
+                            <p:stCondLst>
+                              <p:cond delay="0"/>
+                            </p:stCondLst>
+                            <p:childTnLst>
                               <p:par>
-                                <p:cTn id="19" presetID="1" presetClass="entr" presetSubtype="0" fill="hold" grpId="0" nodeType="withEffect">
+                                <p:cTn id="21" presetID="1" presetClass="entr" presetSubtype="0" fill="hold" grpId="0" nodeType="clickEffect">
                                   <p:stCondLst>
                                     <p:cond delay="0"/>
                                   </p:stCondLst>
                                   <p:childTnLst>
                                     <p:set>
                                       <p:cBhvr>
-                                        <p:cTn id="20" dur="1" fill="hold">
+                                        <p:cTn id="22" dur="1" fill="hold">
                                           <p:stCondLst>
                                             <p:cond delay="0"/>
                                           </p:stCondLst>
@@ -14628,218 +14262,20 @@
                                 </p:cTn>
                               </p:par>
                               <p:par>
-                                <p:cTn id="21" presetID="1" presetClass="entr" presetSubtype="0" fill="hold" grpId="0" nodeType="withEffect">
+                                <p:cTn id="23" presetID="1" presetClass="entr" presetSubtype="0" fill="hold" grpId="0" nodeType="withEffect">
                                   <p:stCondLst>
                                     <p:cond delay="0"/>
                                   </p:stCondLst>
                                   <p:childTnLst>
                                     <p:set>
                                       <p:cBhvr>
-                                        <p:cTn id="22" dur="1" fill="hold">
+                                        <p:cTn id="24" dur="1" fill="hold">
                                           <p:stCondLst>
                                             <p:cond delay="0"/>
                                           </p:stCondLst>
                                         </p:cTn>
                                         <p:tgtEl>
                                           <p:spTgt spid="12"/>
-                                        </p:tgtEl>
-                                        <p:attrNameLst>
-                                          <p:attrName>style.visibility</p:attrName>
-                                        </p:attrNameLst>
-                                      </p:cBhvr>
-                                      <p:to>
-                                        <p:strVal val="visible"/>
-                                      </p:to>
-                                    </p:set>
-                                  </p:childTnLst>
-                                </p:cTn>
-                              </p:par>
-                            </p:childTnLst>
-                          </p:cTn>
-                        </p:par>
-                      </p:childTnLst>
-                    </p:cTn>
-                  </p:par>
-                  <p:par>
-                    <p:cTn id="23" fill="hold">
-                      <p:stCondLst>
-                        <p:cond delay="indefinite"/>
-                      </p:stCondLst>
-                      <p:childTnLst>
-                        <p:par>
-                          <p:cTn id="24" fill="hold">
-                            <p:stCondLst>
-                              <p:cond delay="0"/>
-                            </p:stCondLst>
-                            <p:childTnLst>
-                              <p:par>
-                                <p:cTn id="25" presetID="1" presetClass="entr" presetSubtype="0" fill="hold" grpId="0" nodeType="clickEffect">
-                                  <p:stCondLst>
-                                    <p:cond delay="0"/>
-                                  </p:stCondLst>
-                                  <p:childTnLst>
-                                    <p:set>
-                                      <p:cBhvr>
-                                        <p:cTn id="26" dur="1" fill="hold">
-                                          <p:stCondLst>
-                                            <p:cond delay="0"/>
-                                          </p:stCondLst>
-                                        </p:cTn>
-                                        <p:tgtEl>
-                                          <p:spTgt spid="34"/>
-                                        </p:tgtEl>
-                                        <p:attrNameLst>
-                                          <p:attrName>style.visibility</p:attrName>
-                                        </p:attrNameLst>
-                                      </p:cBhvr>
-                                      <p:to>
-                                        <p:strVal val="visible"/>
-                                      </p:to>
-                                    </p:set>
-                                  </p:childTnLst>
-                                </p:cTn>
-                              </p:par>
-                              <p:par>
-                                <p:cTn id="27" presetID="1" presetClass="entr" presetSubtype="0" fill="hold" grpId="0" nodeType="withEffect">
-                                  <p:stCondLst>
-                                    <p:cond delay="0"/>
-                                  </p:stCondLst>
-                                  <p:childTnLst>
-                                    <p:set>
-                                      <p:cBhvr>
-                                        <p:cTn id="28" dur="1" fill="hold">
-                                          <p:stCondLst>
-                                            <p:cond delay="0"/>
-                                          </p:stCondLst>
-                                        </p:cTn>
-                                        <p:tgtEl>
-                                          <p:spTgt spid="35"/>
-                                        </p:tgtEl>
-                                        <p:attrNameLst>
-                                          <p:attrName>style.visibility</p:attrName>
-                                        </p:attrNameLst>
-                                      </p:cBhvr>
-                                      <p:to>
-                                        <p:strVal val="visible"/>
-                                      </p:to>
-                                    </p:set>
-                                  </p:childTnLst>
-                                </p:cTn>
-                              </p:par>
-                              <p:par>
-                                <p:cTn id="29" presetID="1" presetClass="entr" presetSubtype="0" fill="hold" grpId="0" nodeType="withEffect">
-                                  <p:stCondLst>
-                                    <p:cond delay="0"/>
-                                  </p:stCondLst>
-                                  <p:childTnLst>
-                                    <p:set>
-                                      <p:cBhvr>
-                                        <p:cTn id="30" dur="1" fill="hold">
-                                          <p:stCondLst>
-                                            <p:cond delay="0"/>
-                                          </p:stCondLst>
-                                        </p:cTn>
-                                        <p:tgtEl>
-                                          <p:spTgt spid="36"/>
-                                        </p:tgtEl>
-                                        <p:attrNameLst>
-                                          <p:attrName>style.visibility</p:attrName>
-                                        </p:attrNameLst>
-                                      </p:cBhvr>
-                                      <p:to>
-                                        <p:strVal val="visible"/>
-                                      </p:to>
-                                    </p:set>
-                                  </p:childTnLst>
-                                </p:cTn>
-                              </p:par>
-                            </p:childTnLst>
-                          </p:cTn>
-                        </p:par>
-                      </p:childTnLst>
-                    </p:cTn>
-                  </p:par>
-                  <p:par>
-                    <p:cTn id="31" fill="hold">
-                      <p:stCondLst>
-                        <p:cond delay="indefinite"/>
-                      </p:stCondLst>
-                      <p:childTnLst>
-                        <p:par>
-                          <p:cTn id="32" fill="hold">
-                            <p:stCondLst>
-                              <p:cond delay="0"/>
-                            </p:stCondLst>
-                            <p:childTnLst>
-                              <p:par>
-                                <p:cTn id="33" presetID="1" presetClass="entr" presetSubtype="0" fill="hold" grpId="0" nodeType="clickEffect">
-                                  <p:stCondLst>
-                                    <p:cond delay="0"/>
-                                  </p:stCondLst>
-                                  <p:childTnLst>
-                                    <p:set>
-                                      <p:cBhvr>
-                                        <p:cTn id="34" dur="1" fill="hold">
-                                          <p:stCondLst>
-                                            <p:cond delay="0"/>
-                                          </p:stCondLst>
-                                        </p:cTn>
-                                        <p:tgtEl>
-                                          <p:spTgt spid="37"/>
-                                        </p:tgtEl>
-                                        <p:attrNameLst>
-                                          <p:attrName>style.visibility</p:attrName>
-                                        </p:attrNameLst>
-                                      </p:cBhvr>
-                                      <p:to>
-                                        <p:strVal val="visible"/>
-                                      </p:to>
-                                    </p:set>
-                                  </p:childTnLst>
-                                </p:cTn>
-                              </p:par>
-                              <p:par>
-                                <p:cTn id="35" presetID="1" presetClass="entr" presetSubtype="0" fill="hold" grpId="0" nodeType="withEffect">
-                                  <p:stCondLst>
-                                    <p:cond delay="0"/>
-                                  </p:stCondLst>
-                                  <p:childTnLst>
-                                    <p:set>
-                                      <p:cBhvr>
-                                        <p:cTn id="36" dur="1" fill="hold">
-                                          <p:stCondLst>
-                                            <p:cond delay="0"/>
-                                          </p:stCondLst>
-                                        </p:cTn>
-                                        <p:tgtEl>
-                                          <p:spTgt spid="38"/>
-                                        </p:tgtEl>
-                                        <p:attrNameLst>
-                                          <p:attrName>style.visibility</p:attrName>
-                                        </p:attrNameLst>
-                                      </p:cBhvr>
-                                      <p:to>
-                                        <p:strVal val="visible"/>
-                                      </p:to>
-                                    </p:set>
-                                  </p:childTnLst>
-                                </p:cTn>
-                              </p:par>
-                              <p:par>
-                                <p:cTn id="37" presetID="1" presetClass="entr" presetSubtype="0" fill="hold" grpId="0" nodeType="withEffect">
-                                  <p:stCondLst>
-                                    <p:cond delay="0"/>
-                                  </p:stCondLst>
-                                  <p:childTnLst>
-                                    <p:set>
-                                      <p:cBhvr>
-                                        <p:cTn id="38" dur="1" fill="hold">
-                                          <p:stCondLst>
-                                            <p:cond delay="0"/>
-                                          </p:stCondLst>
-                                        </p:cTn>
-                                        <p:tgtEl>
-                                          <p:spTgt spid="39"/>
                                         </p:tgtEl>
                                         <p:attrNameLst>
                                           <p:attrName>style.visibility</p:attrName>
@@ -14880,18 +14316,9 @@
       </p:par>
     </p:tnLst>
     <p:bldLst>
-      <p:bldP spid="21" grpId="0" animBg="1"/>
-      <p:bldP spid="22" grpId="0" animBg="1"/>
-      <p:bldP spid="9" grpId="0" animBg="1"/>
       <p:bldP spid="10" grpId="0" animBg="1"/>
       <p:bldP spid="11" grpId="0" animBg="1"/>
       <p:bldP spid="12" grpId="0" animBg="1"/>
-      <p:bldP spid="34" grpId="0" animBg="1"/>
-      <p:bldP spid="35" grpId="0" animBg="1"/>
-      <p:bldP spid="36" grpId="0" animBg="1"/>
-      <p:bldP spid="37" grpId="0" animBg="1"/>
-      <p:bldP spid="38" grpId="0" animBg="1"/>
-      <p:bldP spid="39" grpId="0" animBg="1"/>
     </p:bldLst>
   </p:timing>
 </p:sld>
@@ -14934,11 +14361,18 @@
               <a:t>Решение: </a:t>
             </a:r>
             <a:r>
-              <a:rPr lang="en-GB" sz="3950" dirty="0">
+              <a:rPr lang="bg-BG" sz="3950" dirty="0">
                 <a:ea typeface="+mj-lt"/>
                 <a:cs typeface="+mj-lt"/>
               </a:rPr>
-              <a:t>Подниз</a:t>
+              <a:t>Валидни потребителски имена</a:t>
+            </a:r>
+            <a:r>
+              <a:rPr lang="en-US" sz="3950" dirty="0">
+                <a:ea typeface="+mj-lt"/>
+                <a:cs typeface="+mj-lt"/>
+              </a:rPr>
+              <a:t> (1)</a:t>
             </a:r>
             <a:endParaRPr lang="en-US" dirty="0">
               <a:ea typeface="+mj-lt"/>
@@ -14957,8 +14391,8 @@
         </p:nvSpPr>
         <p:spPr bwMode="auto">
           <a:xfrm>
-            <a:off x="2077497" y="1372137"/>
-            <a:ext cx="8037006" cy="4779982"/>
+            <a:off x="190406" y="1312181"/>
+            <a:ext cx="11800593" cy="4750283"/>
           </a:xfrm>
           <a:prstGeom prst="rect">
             <a:avLst/>
@@ -14998,11 +14432,45 @@
               <a:buSzPct val="70000"/>
             </a:pPr>
             <a:r>
-              <a:rPr lang="en-US" sz="2399" b="1" noProof="1">
+              <a:rPr lang="en-US" sz="2200" b="1" noProof="1">
                 <a:latin typeface="Consolas" pitchFamily="49" charset="0"/>
                 <a:cs typeface="Consolas" pitchFamily="49" charset="0"/>
               </a:rPr>
-              <a:t>string key = Console.ReadLine();</a:t>
+              <a:t>static </a:t>
+            </a:r>
+            <a:r>
+              <a:rPr lang="en-US" sz="2200" b="1" noProof="1">
+                <a:solidFill>
+                  <a:schemeClr val="bg1"/>
+                </a:solidFill>
+                <a:latin typeface="Consolas" pitchFamily="49" charset="0"/>
+                <a:cs typeface="Consolas" pitchFamily="49" charset="0"/>
+              </a:rPr>
+              <a:t>bool</a:t>
+            </a:r>
+            <a:r>
+              <a:rPr lang="en-US" sz="2200" b="1" noProof="1">
+                <a:latin typeface="Consolas" pitchFamily="49" charset="0"/>
+                <a:cs typeface="Consolas" pitchFamily="49" charset="0"/>
+              </a:rPr>
+              <a:t> </a:t>
+            </a:r>
+            <a:r>
+              <a:rPr lang="en-US" sz="2200" b="1" noProof="1">
+                <a:solidFill>
+                  <a:schemeClr val="bg1"/>
+                </a:solidFill>
+                <a:latin typeface="Consolas" pitchFamily="49" charset="0"/>
+                <a:cs typeface="Consolas" pitchFamily="49" charset="0"/>
+              </a:rPr>
+              <a:t>IsValidLength</a:t>
+            </a:r>
+            <a:r>
+              <a:rPr lang="en-US" sz="2200" b="1" noProof="1">
+                <a:latin typeface="Consolas" pitchFamily="49" charset="0"/>
+                <a:cs typeface="Consolas" pitchFamily="49" charset="0"/>
+              </a:rPr>
+              <a:t>(string username)</a:t>
             </a:r>
           </a:p>
           <a:p>
@@ -15019,11 +14487,11 @@
               <a:buSzPct val="70000"/>
             </a:pPr>
             <a:r>
-              <a:rPr lang="en-US" sz="2399" b="1" noProof="1">
+              <a:rPr lang="en-US" sz="2200" b="1" noProof="1">
                 <a:latin typeface="Consolas" pitchFamily="49" charset="0"/>
                 <a:cs typeface="Consolas" pitchFamily="49" charset="0"/>
               </a:rPr>
-              <a:t>string text = Console.ReadLine();</a:t>
+              <a:t>{</a:t>
             </a:r>
           </a:p>
           <a:p>
@@ -15039,10 +14507,30 @@
               </a:buClr>
               <a:buSzPct val="70000"/>
             </a:pPr>
-            <a:endParaRPr lang="en-US" sz="2399" b="1" noProof="1">
-              <a:latin typeface="Consolas" pitchFamily="49" charset="0"/>
-              <a:cs typeface="Consolas" pitchFamily="49" charset="0"/>
-            </a:endParaRPr>
+            <a:r>
+              <a:rPr lang="en-US" sz="2200" b="1" noProof="1">
+                <a:latin typeface="Consolas" pitchFamily="49" charset="0"/>
+                <a:cs typeface="Consolas" pitchFamily="49" charset="0"/>
+              </a:rPr>
+              <a:t>    </a:t>
+            </a:r>
+            <a:r>
+              <a:rPr lang="en-US" sz="2200" b="1" noProof="1">
+                <a:solidFill>
+                  <a:schemeClr val="bg1"/>
+                </a:solidFill>
+                <a:latin typeface="Consolas" pitchFamily="49" charset="0"/>
+                <a:cs typeface="Consolas" pitchFamily="49" charset="0"/>
+              </a:rPr>
+              <a:t>return</a:t>
+            </a:r>
+            <a:r>
+              <a:rPr lang="en-US" sz="2200" b="1" noProof="1">
+                <a:latin typeface="Consolas" pitchFamily="49" charset="0"/>
+                <a:cs typeface="Consolas" pitchFamily="49" charset="0"/>
+              </a:rPr>
+              <a:t> username.Length &gt;= 3 &amp;&amp; username.Length &lt;= 16;</a:t>
+            </a:r>
           </a:p>
           <a:p>
             <a:pPr eaLnBrk="0" hangingPunct="0">
@@ -15058,28 +14546,11 @@
               <a:buSzPct val="70000"/>
             </a:pPr>
             <a:r>
-              <a:rPr lang="en-US" sz="2399" b="1" noProof="1">
+              <a:rPr lang="en-US" sz="2200" b="1" noProof="1">
                 <a:latin typeface="Consolas" pitchFamily="49" charset="0"/>
                 <a:cs typeface="Consolas" pitchFamily="49" charset="0"/>
               </a:rPr>
-              <a:t>int index = text.</a:t>
-            </a:r>
-            <a:r>
-              <a:rPr lang="en-US" sz="2399" b="1" noProof="1">
-                <a:solidFill>
-                  <a:schemeClr val="bg1"/>
-                </a:solidFill>
-                <a:latin typeface="Consolas" pitchFamily="49" charset="0"/>
-                <a:cs typeface="Consolas" pitchFamily="49" charset="0"/>
-              </a:rPr>
-              <a:t>IndexOf</a:t>
-            </a:r>
-            <a:r>
-              <a:rPr lang="en-US" sz="2399" b="1" noProof="1">
-                <a:latin typeface="Consolas" pitchFamily="49" charset="0"/>
-                <a:cs typeface="Consolas" pitchFamily="49" charset="0"/>
-              </a:rPr>
-              <a:t>(key);</a:t>
+              <a:t>}</a:t>
             </a:r>
           </a:p>
           <a:p>
@@ -15095,10 +14566,30 @@
               </a:buClr>
               <a:buSzPct val="70000"/>
             </a:pPr>
-            <a:endParaRPr lang="en-US" sz="2399" b="1" noProof="1">
-              <a:latin typeface="Consolas" pitchFamily="49" charset="0"/>
-              <a:cs typeface="Consolas" pitchFamily="49" charset="0"/>
-            </a:endParaRPr>
+            <a:r>
+              <a:rPr lang="en-US" sz="2200" b="1" noProof="1">
+                <a:latin typeface="Consolas" pitchFamily="49" charset="0"/>
+                <a:cs typeface="Consolas" pitchFamily="49" charset="0"/>
+              </a:rPr>
+              <a:t>static </a:t>
+            </a:r>
+            <a:r>
+              <a:rPr lang="en-US" sz="2200" b="1" noProof="1">
+                <a:solidFill>
+                  <a:schemeClr val="bg1"/>
+                </a:solidFill>
+                <a:latin typeface="Consolas" pitchFamily="49" charset="0"/>
+                <a:cs typeface="Consolas" pitchFamily="49" charset="0"/>
+              </a:rPr>
+              <a:t>bool IsValidSymbols</a:t>
+            </a:r>
+            <a:r>
+              <a:rPr lang="en-US" sz="2200" b="1" noProof="1">
+                <a:latin typeface="Consolas" pitchFamily="49" charset="0"/>
+                <a:cs typeface="Consolas" pitchFamily="49" charset="0"/>
+              </a:rPr>
+              <a:t>(string username)</a:t>
+            </a:r>
           </a:p>
           <a:p>
             <a:pPr eaLnBrk="0" hangingPunct="0">
@@ -15114,11 +14605,11 @@
               <a:buSzPct val="70000"/>
             </a:pPr>
             <a:r>
-              <a:rPr lang="en-US" sz="2399" b="1" noProof="1">
+              <a:rPr lang="en-US" sz="2200" b="1" noProof="1">
                 <a:latin typeface="Consolas" pitchFamily="49" charset="0"/>
                 <a:cs typeface="Consolas" pitchFamily="49" charset="0"/>
               </a:rPr>
-              <a:t>while (index != -1)</a:t>
+              <a:t>{</a:t>
             </a:r>
           </a:p>
           <a:p>
@@ -15135,11 +14626,45 @@
               <a:buSzPct val="70000"/>
             </a:pPr>
             <a:r>
-              <a:rPr lang="en-US" sz="2399" b="1" noProof="1">
+              <a:rPr lang="en-US" sz="2200" b="1" noProof="1">
                 <a:latin typeface="Consolas" pitchFamily="49" charset="0"/>
                 <a:cs typeface="Consolas" pitchFamily="49" charset="0"/>
               </a:rPr>
-              <a:t>{</a:t>
+              <a:t>    foreach (char </a:t>
+            </a:r>
+            <a:r>
+              <a:rPr lang="en-US" sz="2200" b="1" noProof="1">
+                <a:solidFill>
+                  <a:schemeClr val="bg1"/>
+                </a:solidFill>
+                <a:latin typeface="Consolas" pitchFamily="49" charset="0"/>
+                <a:cs typeface="Consolas" pitchFamily="49" charset="0"/>
+              </a:rPr>
+              <a:t>symbol</a:t>
+            </a:r>
+            <a:r>
+              <a:rPr lang="en-US" sz="2200" b="1" noProof="1">
+                <a:latin typeface="Consolas" pitchFamily="49" charset="0"/>
+                <a:cs typeface="Consolas" pitchFamily="49" charset="0"/>
+              </a:rPr>
+              <a:t> in </a:t>
+            </a:r>
+            <a:r>
+              <a:rPr lang="en-US" sz="2200" b="1" noProof="1">
+                <a:solidFill>
+                  <a:schemeClr val="bg1"/>
+                </a:solidFill>
+                <a:latin typeface="Consolas" pitchFamily="49" charset="0"/>
+                <a:cs typeface="Consolas" pitchFamily="49" charset="0"/>
+              </a:rPr>
+              <a:t>username</a:t>
+            </a:r>
+            <a:r>
+              <a:rPr lang="en-US" sz="2200" b="1" noProof="1">
+                <a:latin typeface="Consolas" pitchFamily="49" charset="0"/>
+                <a:cs typeface="Consolas" pitchFamily="49" charset="0"/>
+              </a:rPr>
+              <a:t>)</a:t>
             </a:r>
           </a:p>
           <a:p>
@@ -15156,28 +14681,11 @@
               <a:buSzPct val="70000"/>
             </a:pPr>
             <a:r>
-              <a:rPr lang="en-US" sz="2399" b="1" noProof="1">
+              <a:rPr lang="en-US" sz="2200" b="1" noProof="1">
                 <a:latin typeface="Consolas" pitchFamily="49" charset="0"/>
                 <a:cs typeface="Consolas" pitchFamily="49" charset="0"/>
               </a:rPr>
-              <a:t>   text = text.</a:t>
-            </a:r>
-            <a:r>
-              <a:rPr lang="en-US" sz="2399" b="1" noProof="1">
-                <a:solidFill>
-                  <a:schemeClr val="bg1"/>
-                </a:solidFill>
-                <a:latin typeface="Consolas" pitchFamily="49" charset="0"/>
-                <a:cs typeface="Consolas" pitchFamily="49" charset="0"/>
-              </a:rPr>
-              <a:t>Remove</a:t>
-            </a:r>
-            <a:r>
-              <a:rPr lang="en-US" sz="2399" b="1" noProof="1">
-                <a:latin typeface="Consolas" pitchFamily="49" charset="0"/>
-                <a:cs typeface="Consolas" pitchFamily="49" charset="0"/>
-              </a:rPr>
-              <a:t>(index, key.Length);</a:t>
+              <a:t>    {</a:t>
             </a:r>
           </a:p>
           <a:p>
@@ -15194,28 +14702,62 @@
               <a:buSzPct val="70000"/>
             </a:pPr>
             <a:r>
-              <a:rPr lang="en-US" sz="2399" b="1" noProof="1">
+              <a:rPr lang="en-US" sz="2200" b="1" noProof="1">
                 <a:latin typeface="Consolas" pitchFamily="49" charset="0"/>
                 <a:cs typeface="Consolas" pitchFamily="49" charset="0"/>
               </a:rPr>
-              <a:t>   index = text.</a:t>
-            </a:r>
-            <a:r>
-              <a:rPr lang="en-US" sz="2399" b="1" noProof="1">
+              <a:t>      if (!char.</a:t>
+            </a:r>
+            <a:r>
+              <a:rPr lang="en-US" sz="2200" b="1" noProof="1">
                 <a:solidFill>
                   <a:schemeClr val="bg1"/>
                 </a:solidFill>
                 <a:latin typeface="Consolas" pitchFamily="49" charset="0"/>
                 <a:cs typeface="Consolas" pitchFamily="49" charset="0"/>
               </a:rPr>
-              <a:t>IndexOf</a:t>
-            </a:r>
-            <a:r>
-              <a:rPr lang="en-US" sz="2399" b="1" noProof="1">
+              <a:t>IsLetterOrDigit</a:t>
+            </a:r>
+            <a:r>
+              <a:rPr lang="en-US" sz="2200" b="1" noProof="1">
                 <a:latin typeface="Consolas" pitchFamily="49" charset="0"/>
                 <a:cs typeface="Consolas" pitchFamily="49" charset="0"/>
               </a:rPr>
-              <a:t>(key);</a:t>
+              <a:t>(symbol) &amp;&amp; symbol </a:t>
+            </a:r>
+            <a:r>
+              <a:rPr lang="en-US" sz="2200" b="1" noProof="1">
+                <a:solidFill>
+                  <a:schemeClr val="bg1"/>
+                </a:solidFill>
+                <a:latin typeface="Consolas" pitchFamily="49" charset="0"/>
+                <a:cs typeface="Consolas" pitchFamily="49" charset="0"/>
+              </a:rPr>
+              <a:t>!=</a:t>
+            </a:r>
+            <a:r>
+              <a:rPr lang="en-US" sz="2200" b="1" noProof="1">
+                <a:latin typeface="Consolas" pitchFamily="49" charset="0"/>
+                <a:cs typeface="Consolas" pitchFamily="49" charset="0"/>
+              </a:rPr>
+              <a:t> '-' &amp;&amp; symbol </a:t>
+            </a:r>
+            <a:r>
+              <a:rPr lang="en-US" sz="2200" b="1" noProof="1">
+                <a:solidFill>
+                  <a:schemeClr val="bg1"/>
+                </a:solidFill>
+                <a:latin typeface="Consolas" pitchFamily="49" charset="0"/>
+                <a:cs typeface="Consolas" pitchFamily="49" charset="0"/>
+              </a:rPr>
+              <a:t>!=</a:t>
+            </a:r>
+            <a:r>
+              <a:rPr lang="en-US" sz="2200" b="1" noProof="1">
+                <a:latin typeface="Consolas" pitchFamily="49" charset="0"/>
+                <a:cs typeface="Consolas" pitchFamily="49" charset="0"/>
+              </a:rPr>
+              <a:t> '_')</a:t>
             </a:r>
           </a:p>
           <a:p>
@@ -15232,11 +14774,28 @@
               <a:buSzPct val="70000"/>
             </a:pPr>
             <a:r>
-              <a:rPr lang="en-US" sz="2399" b="1" noProof="1">
+              <a:rPr lang="en-US" sz="2200" b="1" noProof="1">
                 <a:latin typeface="Consolas" pitchFamily="49" charset="0"/>
                 <a:cs typeface="Consolas" pitchFamily="49" charset="0"/>
               </a:rPr>
-              <a:t>}</a:t>
+              <a:t>	   </a:t>
+            </a:r>
+            <a:r>
+              <a:rPr lang="en-US" sz="2200" b="1" noProof="1">
+                <a:solidFill>
+                  <a:schemeClr val="bg1"/>
+                </a:solidFill>
+                <a:latin typeface="Consolas" pitchFamily="49" charset="0"/>
+                <a:cs typeface="Consolas" pitchFamily="49" charset="0"/>
+              </a:rPr>
+              <a:t>return</a:t>
+            </a:r>
+            <a:r>
+              <a:rPr lang="en-US" sz="2200" b="1" noProof="1">
+                <a:latin typeface="Consolas" pitchFamily="49" charset="0"/>
+                <a:cs typeface="Consolas" pitchFamily="49" charset="0"/>
+              </a:rPr>
+              <a:t> false;</a:t>
             </a:r>
           </a:p>
           <a:p>
@@ -15252,10 +14811,13 @@
               </a:buClr>
               <a:buSzPct val="70000"/>
             </a:pPr>
-            <a:endParaRPr lang="en-US" sz="2399" b="1" noProof="1">
-              <a:latin typeface="Consolas" pitchFamily="49" charset="0"/>
-              <a:cs typeface="Consolas" pitchFamily="49" charset="0"/>
-            </a:endParaRPr>
+            <a:r>
+              <a:rPr lang="en-US" sz="2200" b="1" noProof="1">
+                <a:latin typeface="Consolas" pitchFamily="49" charset="0"/>
+                <a:cs typeface="Consolas" pitchFamily="49" charset="0"/>
+              </a:rPr>
+              <a:t>    }</a:t>
+            </a:r>
           </a:p>
           <a:p>
             <a:pPr eaLnBrk="0" hangingPunct="0">
@@ -15271,16 +14833,50 @@
               <a:buSzPct val="70000"/>
             </a:pPr>
             <a:r>
-              <a:rPr lang="en-US" sz="2399" b="1" noProof="1">
+              <a:rPr lang="en-US" sz="2200" b="1" noProof="1">
                 <a:latin typeface="Consolas" pitchFamily="49" charset="0"/>
                 <a:cs typeface="Consolas" pitchFamily="49" charset="0"/>
               </a:rPr>
-              <a:t>Console.WriteLine(text);</a:t>
-            </a:r>
-            <a:endParaRPr lang="bg-BG" sz="2399" b="1" noProof="1">
-              <a:latin typeface="Consolas" pitchFamily="49" charset="0"/>
-              <a:cs typeface="Consolas" pitchFamily="49" charset="0"/>
-            </a:endParaRPr>
+              <a:t>    </a:t>
+            </a:r>
+            <a:r>
+              <a:rPr lang="en-US" sz="2200" b="1" noProof="1">
+                <a:solidFill>
+                  <a:schemeClr val="bg1"/>
+                </a:solidFill>
+                <a:latin typeface="Consolas" pitchFamily="49" charset="0"/>
+                <a:cs typeface="Consolas" pitchFamily="49" charset="0"/>
+              </a:rPr>
+              <a:t>return</a:t>
+            </a:r>
+            <a:r>
+              <a:rPr lang="en-US" sz="2200" b="1" noProof="1">
+                <a:latin typeface="Consolas" pitchFamily="49" charset="0"/>
+                <a:cs typeface="Consolas" pitchFamily="49" charset="0"/>
+              </a:rPr>
+              <a:t> true;</a:t>
+            </a:r>
+          </a:p>
+          <a:p>
+            <a:pPr eaLnBrk="0" hangingPunct="0">
+              <a:lnSpc>
+                <a:spcPct val="105000"/>
+              </a:lnSpc>
+              <a:buClr>
+                <a:schemeClr val="accent5">
+                  <a:lumMod val="40000"/>
+                  <a:lumOff val="60000"/>
+                </a:schemeClr>
+              </a:buClr>
+              <a:buSzPct val="70000"/>
+            </a:pPr>
+            <a:r>
+              <a:rPr lang="en-US" sz="2200" b="1" noProof="1">
+                <a:latin typeface="Consolas" pitchFamily="49" charset="0"/>
+                <a:cs typeface="Consolas" pitchFamily="49" charset="0"/>
+              </a:rPr>
+              <a:t>}</a:t>
+            </a:r>
           </a:p>
         </p:txBody>
       </p:sp>
@@ -15329,7 +14925,7 @@
               <a:rPr lang="en-US" sz="1999" dirty="0">
                 <a:hlinkClick r:id="rId2"/>
               </a:rPr>
-              <a:t>https://judge.softuni.org/Contests/Practice/Index/4163#2</a:t>
+              <a:t>https://judge.softuni.org/Contests/Practice/Index/4163#1</a:t>
             </a:r>
             <a:endParaRPr lang="en-US" sz="1999" dirty="0"/>
           </a:p>
@@ -15431,7 +15027,7 @@
                                         <p:tgtEl>
                                           <p:spTgt spid="5">
                                             <p:txEl>
-                                              <p:pRg st="3" end="3"/>
+                                              <p:pRg st="2" end="2"/>
                                             </p:txEl>
                                           </p:spTgt>
                                         </p:tgtEl>
@@ -15480,7 +15076,7 @@
                                         <p:tgtEl>
                                           <p:spTgt spid="5">
                                             <p:txEl>
-                                              <p:pRg st="5" end="5"/>
+                                              <p:pRg st="4" end="4"/>
                                             </p:txEl>
                                           </p:spTgt>
                                         </p:tgtEl>
@@ -15511,7 +15107,7 @@
                                         <p:tgtEl>
                                           <p:spTgt spid="5">
                                             <p:txEl>
-                                              <p:pRg st="6" end="6"/>
+                                              <p:pRg st="5" end="5"/>
                                             </p:txEl>
                                           </p:spTgt>
                                         </p:tgtEl>
@@ -15542,7 +15138,7 @@
                                         <p:tgtEl>
                                           <p:spTgt spid="5">
                                             <p:txEl>
-                                              <p:pRg st="9" end="9"/>
+                                              <p:pRg st="12" end="12"/>
                                             </p:txEl>
                                           </p:spTgt>
                                         </p:tgtEl>
@@ -15591,6 +15187,37 @@
                                         <p:tgtEl>
                                           <p:spTgt spid="5">
                                             <p:txEl>
+                                              <p:pRg st="6" end="6"/>
+                                            </p:txEl>
+                                          </p:spTgt>
+                                        </p:tgtEl>
+                                        <p:attrNameLst>
+                                          <p:attrName>style.visibility</p:attrName>
+                                        </p:attrNameLst>
+                                      </p:cBhvr>
+                                      <p:to>
+                                        <p:strVal val="visible"/>
+                                      </p:to>
+                                    </p:set>
+                                  </p:childTnLst>
+                                </p:cTn>
+                              </p:par>
+                              <p:par>
+                                <p:cTn id="19" presetID="1" presetClass="entr" presetSubtype="0" fill="hold" nodeType="withEffect">
+                                  <p:stCondLst>
+                                    <p:cond delay="0"/>
+                                  </p:stCondLst>
+                                  <p:childTnLst>
+                                    <p:set>
+                                      <p:cBhvr>
+                                        <p:cTn id="20" dur="1" fill="hold">
+                                          <p:stCondLst>
+                                            <p:cond delay="0"/>
+                                          </p:stCondLst>
+                                        </p:cTn>
+                                        <p:tgtEl>
+                                          <p:spTgt spid="5">
+                                            <p:txEl>
                                               <p:pRg st="7" end="7"/>
                                             </p:txEl>
                                           </p:spTgt>
@@ -15606,26 +15233,8 @@
                                   </p:childTnLst>
                                 </p:cTn>
                               </p:par>
-                            </p:childTnLst>
-                          </p:cTn>
-                        </p:par>
-                      </p:childTnLst>
-                    </p:cTn>
-                  </p:par>
-                  <p:par>
-                    <p:cTn id="19" fill="hold">
-                      <p:stCondLst>
-                        <p:cond delay="indefinite"/>
-                      </p:stCondLst>
-                      <p:childTnLst>
-                        <p:par>
-                          <p:cTn id="20" fill="hold">
-                            <p:stCondLst>
-                              <p:cond delay="0"/>
-                            </p:stCondLst>
-                            <p:childTnLst>
                               <p:par>
-                                <p:cTn id="21" presetID="1" presetClass="entr" presetSubtype="0" fill="hold" nodeType="clickEffect">
+                                <p:cTn id="21" presetID="1" presetClass="entr" presetSubtype="0" fill="hold" nodeType="withEffect">
                                   <p:stCondLst>
                                     <p:cond delay="0"/>
                                   </p:stCondLst>
@@ -15640,7 +15249,7 @@
                                         <p:tgtEl>
                                           <p:spTgt spid="5">
                                             <p:txEl>
-                                              <p:pRg st="8" end="8"/>
+                                              <p:pRg st="10" end="10"/>
                                             </p:txEl>
                                           </p:spTgt>
                                         </p:tgtEl>
@@ -15682,6 +15291,86 @@
                                     <p:set>
                                       <p:cBhvr>
                                         <p:cTn id="26" dur="1" fill="hold">
+                                          <p:stCondLst>
+                                            <p:cond delay="0"/>
+                                          </p:stCondLst>
+                                        </p:cTn>
+                                        <p:tgtEl>
+                                          <p:spTgt spid="5">
+                                            <p:txEl>
+                                              <p:pRg st="8" end="8"/>
+                                            </p:txEl>
+                                          </p:spTgt>
+                                        </p:tgtEl>
+                                        <p:attrNameLst>
+                                          <p:attrName>style.visibility</p:attrName>
+                                        </p:attrNameLst>
+                                      </p:cBhvr>
+                                      <p:to>
+                                        <p:strVal val="visible"/>
+                                      </p:to>
+                                    </p:set>
+                                  </p:childTnLst>
+                                </p:cTn>
+                              </p:par>
+                              <p:par>
+                                <p:cTn id="27" presetID="1" presetClass="entr" presetSubtype="0" fill="hold" nodeType="withEffect">
+                                  <p:stCondLst>
+                                    <p:cond delay="0"/>
+                                  </p:stCondLst>
+                                  <p:childTnLst>
+                                    <p:set>
+                                      <p:cBhvr>
+                                        <p:cTn id="28" dur="1" fill="hold">
+                                          <p:stCondLst>
+                                            <p:cond delay="0"/>
+                                          </p:stCondLst>
+                                        </p:cTn>
+                                        <p:tgtEl>
+                                          <p:spTgt spid="5">
+                                            <p:txEl>
+                                              <p:pRg st="9" end="9"/>
+                                            </p:txEl>
+                                          </p:spTgt>
+                                        </p:tgtEl>
+                                        <p:attrNameLst>
+                                          <p:attrName>style.visibility</p:attrName>
+                                        </p:attrNameLst>
+                                      </p:cBhvr>
+                                      <p:to>
+                                        <p:strVal val="visible"/>
+                                      </p:to>
+                                    </p:set>
+                                  </p:childTnLst>
+                                </p:cTn>
+                              </p:par>
+                            </p:childTnLst>
+                          </p:cTn>
+                        </p:par>
+                      </p:childTnLst>
+                    </p:cTn>
+                  </p:par>
+                  <p:par>
+                    <p:cTn id="29" fill="hold">
+                      <p:stCondLst>
+                        <p:cond delay="indefinite"/>
+                      </p:stCondLst>
+                      <p:childTnLst>
+                        <p:par>
+                          <p:cTn id="30" fill="hold">
+                            <p:stCondLst>
+                              <p:cond delay="0"/>
+                            </p:stCondLst>
+                            <p:childTnLst>
+                              <p:par>
+                                <p:cTn id="31" presetID="1" presetClass="entr" presetSubtype="0" fill="hold" nodeType="clickEffect">
+                                  <p:stCondLst>
+                                    <p:cond delay="0"/>
+                                  </p:stCondLst>
+                                  <p:childTnLst>
+                                    <p:set>
+                                      <p:cBhvr>
+                                        <p:cTn id="32" dur="1" fill="hold">
                                           <p:stCondLst>
                                             <p:cond delay="0"/>
                                           </p:stCondLst>
@@ -15754,6 +15443,789 @@
       </p:grpSpPr>
       <p:sp>
         <p:nvSpPr>
+          <p:cNvPr id="4" name="Title 3"/>
+          <p:cNvSpPr>
+            <a:spLocks noGrp="1"/>
+          </p:cNvSpPr>
+          <p:nvPr>
+            <p:ph type="title"/>
+          </p:nvPr>
+        </p:nvSpPr>
+        <p:spPr/>
+        <p:txBody>
+          <a:bodyPr>
+            <a:normAutofit/>
+          </a:bodyPr>
+          <a:lstStyle/>
+          <a:p>
+            <a:r>
+              <a:rPr lang="en-GB" sz="3200" dirty="0"/>
+              <a:t>Решение: </a:t>
+            </a:r>
+            <a:r>
+              <a:rPr lang="bg-BG" sz="3200" dirty="0">
+                <a:ea typeface="+mj-lt"/>
+                <a:cs typeface="+mj-lt"/>
+              </a:rPr>
+              <a:t>Валидни потребителски имена</a:t>
+            </a:r>
+            <a:r>
+              <a:rPr lang="en-US" sz="3200" dirty="0">
+                <a:ea typeface="+mj-lt"/>
+                <a:cs typeface="+mj-lt"/>
+              </a:rPr>
+              <a:t> (2) – </a:t>
+            </a:r>
+            <a:r>
+              <a:rPr lang="en-US" sz="3200" dirty="0">
+                <a:latin typeface="Consolas" panose="020B0609020204030204" pitchFamily="49" charset="0"/>
+                <a:ea typeface="+mj-lt"/>
+                <a:cs typeface="Consolas" panose="020B0609020204030204" pitchFamily="49" charset="0"/>
+              </a:rPr>
+              <a:t>Main()</a:t>
+            </a:r>
+          </a:p>
+        </p:txBody>
+      </p:sp>
+      <p:sp>
+        <p:nvSpPr>
+          <p:cNvPr id="5" name="Rectangle 4"/>
+          <p:cNvSpPr>
+            <a:spLocks noChangeArrowheads="1"/>
+          </p:cNvSpPr>
+          <p:nvPr/>
+        </p:nvSpPr>
+        <p:spPr bwMode="auto">
+          <a:xfrm>
+            <a:off x="960703" y="1658880"/>
+            <a:ext cx="10270594" cy="4004951"/>
+          </a:xfrm>
+          <a:prstGeom prst="rect">
+            <a:avLst/>
+          </a:prstGeom>
+          <a:solidFill>
+            <a:schemeClr val="accent5">
+              <a:lumMod val="40000"/>
+              <a:lumOff val="60000"/>
+              <a:alpha val="20000"/>
+            </a:schemeClr>
+          </a:solidFill>
+          <a:ln w="12700">
+            <a:solidFill>
+              <a:schemeClr val="accent5">
+                <a:lumMod val="60000"/>
+                <a:lumOff val="40000"/>
+              </a:schemeClr>
+            </a:solidFill>
+          </a:ln>
+        </p:spPr>
+        <p:txBody>
+          <a:bodyPr wrap="square" lIns="143963" tIns="71981" rIns="143963" bIns="71981">
+            <a:spAutoFit/>
+          </a:bodyPr>
+          <a:lstStyle/>
+          <a:p>
+            <a:pPr eaLnBrk="0" hangingPunct="0">
+              <a:lnSpc>
+                <a:spcPct val="105000"/>
+              </a:lnSpc>
+              <a:buClr>
+                <a:schemeClr val="accent5">
+                  <a:lumMod val="40000"/>
+                  <a:lumOff val="60000"/>
+                </a:schemeClr>
+              </a:buClr>
+              <a:buSzPct val="70000"/>
+            </a:pPr>
+            <a:r>
+              <a:rPr lang="en-US" sz="2399" b="1" noProof="1">
+                <a:latin typeface="Consolas" pitchFamily="49" charset="0"/>
+                <a:cs typeface="Consolas" pitchFamily="49" charset="0"/>
+              </a:rPr>
+              <a:t>string[] input = Console.ReadLine().Split(", ");</a:t>
+            </a:r>
+          </a:p>
+          <a:p>
+            <a:pPr eaLnBrk="0" hangingPunct="0">
+              <a:lnSpc>
+                <a:spcPct val="105000"/>
+              </a:lnSpc>
+              <a:buClr>
+                <a:schemeClr val="accent5">
+                  <a:lumMod val="40000"/>
+                  <a:lumOff val="60000"/>
+                </a:schemeClr>
+              </a:buClr>
+              <a:buSzPct val="70000"/>
+            </a:pPr>
+            <a:endParaRPr lang="en-US" sz="2399" b="1" noProof="1">
+              <a:latin typeface="Consolas" pitchFamily="49" charset="0"/>
+              <a:cs typeface="Consolas" pitchFamily="49" charset="0"/>
+            </a:endParaRPr>
+          </a:p>
+          <a:p>
+            <a:pPr eaLnBrk="0" hangingPunct="0">
+              <a:lnSpc>
+                <a:spcPct val="105000"/>
+              </a:lnSpc>
+              <a:buClr>
+                <a:schemeClr val="accent5">
+                  <a:lumMod val="40000"/>
+                  <a:lumOff val="60000"/>
+                </a:schemeClr>
+              </a:buClr>
+              <a:buSzPct val="70000"/>
+            </a:pPr>
+            <a:r>
+              <a:rPr lang="en-US" sz="2399" b="1" noProof="1">
+                <a:latin typeface="Consolas" pitchFamily="49" charset="0"/>
+                <a:cs typeface="Consolas" pitchFamily="49" charset="0"/>
+              </a:rPr>
+              <a:t>foreach (string currentUsername in input)</a:t>
+            </a:r>
+          </a:p>
+          <a:p>
+            <a:pPr eaLnBrk="0" hangingPunct="0">
+              <a:lnSpc>
+                <a:spcPct val="105000"/>
+              </a:lnSpc>
+              <a:buClr>
+                <a:schemeClr val="accent5">
+                  <a:lumMod val="40000"/>
+                  <a:lumOff val="60000"/>
+                </a:schemeClr>
+              </a:buClr>
+              <a:buSzPct val="70000"/>
+            </a:pPr>
+            <a:r>
+              <a:rPr lang="en-US" sz="2399" b="1" noProof="1">
+                <a:latin typeface="Consolas" pitchFamily="49" charset="0"/>
+                <a:cs typeface="Consolas" pitchFamily="49" charset="0"/>
+              </a:rPr>
+              <a:t>{</a:t>
+            </a:r>
+          </a:p>
+          <a:p>
+            <a:pPr eaLnBrk="0" hangingPunct="0">
+              <a:lnSpc>
+                <a:spcPct val="105000"/>
+              </a:lnSpc>
+              <a:buClr>
+                <a:schemeClr val="accent5">
+                  <a:lumMod val="40000"/>
+                  <a:lumOff val="60000"/>
+                </a:schemeClr>
+              </a:buClr>
+              <a:buSzPct val="70000"/>
+            </a:pPr>
+            <a:r>
+              <a:rPr lang="en-US" sz="2399" b="1" noProof="1">
+                <a:latin typeface="Consolas" pitchFamily="49" charset="0"/>
+                <a:cs typeface="Consolas" pitchFamily="49" charset="0"/>
+              </a:rPr>
+              <a:t>    bool validLength = </a:t>
+            </a:r>
+            <a:r>
+              <a:rPr lang="en-US" sz="2400" b="1" noProof="1">
+                <a:solidFill>
+                  <a:schemeClr val="bg1"/>
+                </a:solidFill>
+                <a:latin typeface="Consolas" pitchFamily="49" charset="0"/>
+                <a:cs typeface="Consolas" pitchFamily="49" charset="0"/>
+              </a:rPr>
+              <a:t>IsValidLength</a:t>
+            </a:r>
+            <a:r>
+              <a:rPr lang="en-US" sz="2400" b="1" noProof="1">
+                <a:latin typeface="Consolas" pitchFamily="49" charset="0"/>
+                <a:cs typeface="Consolas" pitchFamily="49" charset="0"/>
+              </a:rPr>
+              <a:t>(currentUsername);</a:t>
+            </a:r>
+            <a:endParaRPr lang="en-US" sz="2399" b="1" noProof="1">
+              <a:latin typeface="Consolas" pitchFamily="49" charset="0"/>
+              <a:cs typeface="Consolas" pitchFamily="49" charset="0"/>
+            </a:endParaRPr>
+          </a:p>
+          <a:p>
+            <a:pPr eaLnBrk="0" hangingPunct="0">
+              <a:lnSpc>
+                <a:spcPct val="105000"/>
+              </a:lnSpc>
+              <a:buClr>
+                <a:schemeClr val="accent5">
+                  <a:lumMod val="40000"/>
+                  <a:lumOff val="60000"/>
+                </a:schemeClr>
+              </a:buClr>
+              <a:buSzPct val="70000"/>
+            </a:pPr>
+            <a:r>
+              <a:rPr lang="en-US" sz="2399" b="1" noProof="1">
+                <a:latin typeface="Consolas" pitchFamily="49" charset="0"/>
+                <a:cs typeface="Consolas" pitchFamily="49" charset="0"/>
+              </a:rPr>
+              <a:t>    bool validSymbols = </a:t>
+            </a:r>
+            <a:r>
+              <a:rPr lang="en-US" sz="2400" b="1" noProof="1">
+                <a:solidFill>
+                  <a:schemeClr val="bg1"/>
+                </a:solidFill>
+                <a:latin typeface="Consolas" pitchFamily="49" charset="0"/>
+                <a:cs typeface="Consolas" pitchFamily="49" charset="0"/>
+              </a:rPr>
+              <a:t>IsValidSymbols</a:t>
+            </a:r>
+            <a:r>
+              <a:rPr lang="en-US" sz="2400" b="1" noProof="1">
+                <a:latin typeface="Consolas" pitchFamily="49" charset="0"/>
+                <a:cs typeface="Consolas" pitchFamily="49" charset="0"/>
+              </a:rPr>
+              <a:t>(currentUsername);</a:t>
+            </a:r>
+          </a:p>
+          <a:p>
+            <a:pPr eaLnBrk="0" hangingPunct="0">
+              <a:lnSpc>
+                <a:spcPct val="105000"/>
+              </a:lnSpc>
+              <a:buClr>
+                <a:schemeClr val="accent5">
+                  <a:lumMod val="40000"/>
+                  <a:lumOff val="60000"/>
+                </a:schemeClr>
+              </a:buClr>
+              <a:buSzPct val="70000"/>
+            </a:pPr>
+            <a:r>
+              <a:rPr lang="en-US" sz="2400" b="1" noProof="1">
+                <a:latin typeface="Consolas" pitchFamily="49" charset="0"/>
+                <a:cs typeface="Consolas" pitchFamily="49" charset="0"/>
+              </a:rPr>
+              <a:t>    </a:t>
+            </a:r>
+          </a:p>
+          <a:p>
+            <a:pPr eaLnBrk="0" hangingPunct="0">
+              <a:lnSpc>
+                <a:spcPct val="105000"/>
+              </a:lnSpc>
+              <a:buClr>
+                <a:schemeClr val="accent5">
+                  <a:lumMod val="40000"/>
+                  <a:lumOff val="60000"/>
+                </a:schemeClr>
+              </a:buClr>
+              <a:buSzPct val="70000"/>
+            </a:pPr>
+            <a:r>
+              <a:rPr lang="en-US" sz="2400" b="1" noProof="1">
+                <a:latin typeface="Consolas" pitchFamily="49" charset="0"/>
+                <a:cs typeface="Consolas" pitchFamily="49" charset="0"/>
+              </a:rPr>
+              <a:t>    if (validLength &amp;&amp; validSymbols)</a:t>
+            </a:r>
+          </a:p>
+          <a:p>
+            <a:pPr eaLnBrk="0" hangingPunct="0">
+              <a:lnSpc>
+                <a:spcPct val="105000"/>
+              </a:lnSpc>
+              <a:buClr>
+                <a:schemeClr val="accent5">
+                  <a:lumMod val="40000"/>
+                  <a:lumOff val="60000"/>
+                </a:schemeClr>
+              </a:buClr>
+              <a:buSzPct val="70000"/>
+            </a:pPr>
+            <a:r>
+              <a:rPr lang="en-US" sz="2400" b="1" noProof="1">
+                <a:latin typeface="Consolas" pitchFamily="49" charset="0"/>
+                <a:cs typeface="Consolas" pitchFamily="49" charset="0"/>
+              </a:rPr>
+              <a:t>	  Console.WriteLine(</a:t>
+            </a:r>
+            <a:r>
+              <a:rPr lang="en-US" sz="2400" b="1" noProof="1">
+                <a:solidFill>
+                  <a:schemeClr val="bg1"/>
+                </a:solidFill>
+                <a:latin typeface="Consolas" pitchFamily="49" charset="0"/>
+                <a:cs typeface="Consolas" pitchFamily="49" charset="0"/>
+              </a:rPr>
+              <a:t>currentUsername</a:t>
+            </a:r>
+            <a:r>
+              <a:rPr lang="en-US" sz="2400" b="1" noProof="1">
+                <a:latin typeface="Consolas" pitchFamily="49" charset="0"/>
+                <a:cs typeface="Consolas" pitchFamily="49" charset="0"/>
+              </a:rPr>
+              <a:t>);</a:t>
+            </a:r>
+            <a:endParaRPr lang="en-US" sz="2399" b="1" noProof="1">
+              <a:latin typeface="Consolas" pitchFamily="49" charset="0"/>
+              <a:cs typeface="Consolas" pitchFamily="49" charset="0"/>
+            </a:endParaRPr>
+          </a:p>
+          <a:p>
+            <a:pPr eaLnBrk="0" hangingPunct="0">
+              <a:lnSpc>
+                <a:spcPct val="105000"/>
+              </a:lnSpc>
+              <a:buClr>
+                <a:schemeClr val="accent5">
+                  <a:lumMod val="40000"/>
+                  <a:lumOff val="60000"/>
+                </a:schemeClr>
+              </a:buClr>
+              <a:buSzPct val="70000"/>
+            </a:pPr>
+            <a:r>
+              <a:rPr lang="en-US" sz="2399" b="1" noProof="1">
+                <a:latin typeface="Consolas" pitchFamily="49" charset="0"/>
+                <a:cs typeface="Consolas" pitchFamily="49" charset="0"/>
+              </a:rPr>
+              <a:t>}</a:t>
+            </a:r>
+          </a:p>
+        </p:txBody>
+      </p:sp>
+      <p:sp>
+        <p:nvSpPr>
+          <p:cNvPr id="6" name="TextBox 5">
+            <a:extLst>
+              <a:ext uri="{FF2B5EF4-FFF2-40B4-BE49-F238E27FC236}">
+                <a16:creationId xmlns:a16="http://schemas.microsoft.com/office/drawing/2014/main" id="{99952693-E3A9-4AEE-86B0-02830AB61111}"/>
+              </a:ext>
+            </a:extLst>
+          </p:cNvPr>
+          <p:cNvSpPr txBox="1"/>
+          <p:nvPr/>
+        </p:nvSpPr>
+        <p:spPr>
+          <a:xfrm>
+            <a:off x="801479" y="6320033"/>
+            <a:ext cx="10589042" cy="400006"/>
+          </a:xfrm>
+          <a:prstGeom prst="rect">
+            <a:avLst/>
+          </a:prstGeom>
+          <a:noFill/>
+        </p:spPr>
+        <p:txBody>
+          <a:bodyPr wrap="square" rtlCol="0">
+            <a:spAutoFit/>
+          </a:bodyPr>
+          <a:lstStyle/>
+          <a:p>
+            <a:pPr algn="ctr"/>
+            <a:r>
+              <a:rPr lang="bg-BG" sz="1999" dirty="0"/>
+              <a:t>Проверете решението си тук</a:t>
+            </a:r>
+            <a:r>
+              <a:rPr lang="en-US" sz="1999" dirty="0"/>
+              <a:t>:</a:t>
+            </a:r>
+            <a:r>
+              <a:rPr lang="bg-BG" sz="1999" dirty="0"/>
+              <a:t> </a:t>
+            </a:r>
+            <a:r>
+              <a:rPr lang="en-US" sz="1999" dirty="0">
+                <a:hlinkClick r:id="rId2"/>
+              </a:rPr>
+              <a:t>https://judge.softuni.org/Contests/Practice/Index/4163#1</a:t>
+            </a:r>
+            <a:endParaRPr lang="en-US" sz="1999" dirty="0"/>
+          </a:p>
+        </p:txBody>
+      </p:sp>
+      <p:sp>
+        <p:nvSpPr>
+          <p:cNvPr id="2" name="Slide Number">
+            <a:extLst>
+              <a:ext uri="{FF2B5EF4-FFF2-40B4-BE49-F238E27FC236}">
+                <a16:creationId xmlns:a16="http://schemas.microsoft.com/office/drawing/2014/main" id="{BC8967D0-6591-2D95-EC30-1C207A311A39}"/>
+              </a:ext>
+            </a:extLst>
+          </p:cNvPr>
+          <p:cNvSpPr>
+            <a:spLocks noGrp="1"/>
+          </p:cNvSpPr>
+          <p:nvPr>
+            <p:ph type="sldNum" sz="quarter" idx="5"/>
+          </p:nvPr>
+        </p:nvSpPr>
+        <p:spPr>
+          <a:xfrm>
+            <a:off x="11753030" y="6507000"/>
+            <a:ext cx="367414" cy="297000"/>
+          </a:xfrm>
+          <a:prstGeom prst="rect">
+            <a:avLst/>
+          </a:prstGeom>
+        </p:spPr>
+        <p:txBody>
+          <a:bodyPr vert="horz" lIns="91440" tIns="45720" rIns="91440" bIns="45720" rtlCol="0" anchor="b"/>
+          <a:lstStyle>
+            <a:lvl1pPr algn="r">
+              <a:defRPr sz="1000"/>
+            </a:lvl1pPr>
+          </a:lstStyle>
+          <a:p>
+            <a:fld id="{2BF067CD-8E6B-4360-9AA8-C5DF2A48A6D1}" type="slidenum">
+              <a:rPr lang="en-US" noProof="0" smtClean="0"/>
+              <a:pPr/>
+              <a:t>17</a:t>
+            </a:fld>
+            <a:endParaRPr lang="en-US" noProof="0" dirty="0"/>
+          </a:p>
+        </p:txBody>
+      </p:sp>
+    </p:spTree>
+    <p:extLst>
+      <p:ext uri="{BB962C8B-B14F-4D97-AF65-F5344CB8AC3E}">
+        <p14:creationId xmlns:p14="http://schemas.microsoft.com/office/powerpoint/2010/main" val="4134851771"/>
+      </p:ext>
+    </p:extLst>
+  </p:cSld>
+  <p:clrMapOvr>
+    <a:masterClrMapping/>
+  </p:clrMapOvr>
+  <mc:AlternateContent xmlns:mc="http://schemas.openxmlformats.org/markup-compatibility/2006">
+    <mc:Choice xmlns:p14="http://schemas.microsoft.com/office/powerpoint/2010/main" Requires="p14">
+      <p:transition spd="slow" p14:dur="2000" advClick="0" advTm="5000"/>
+    </mc:Choice>
+    <mc:Fallback>
+      <p:transition spd="slow" advClick="0" advTm="5000"/>
+    </mc:Fallback>
+  </mc:AlternateContent>
+  <p:timing>
+    <p:tnLst>
+      <p:par>
+        <p:cTn id="1" dur="indefinite" restart="never" nodeType="tmRoot">
+          <p:childTnLst>
+            <p:seq concurrent="1" nextAc="seek">
+              <p:cTn id="2" dur="indefinite" nodeType="mainSeq">
+                <p:childTnLst>
+                  <p:par>
+                    <p:cTn id="3" fill="hold">
+                      <p:stCondLst>
+                        <p:cond delay="indefinite"/>
+                      </p:stCondLst>
+                      <p:childTnLst>
+                        <p:par>
+                          <p:cTn id="4" fill="hold">
+                            <p:stCondLst>
+                              <p:cond delay="0"/>
+                            </p:stCondLst>
+                            <p:childTnLst>
+                              <p:par>
+                                <p:cTn id="5" presetID="1" presetClass="entr" presetSubtype="0" fill="hold" nodeType="clickEffect">
+                                  <p:stCondLst>
+                                    <p:cond delay="0"/>
+                                  </p:stCondLst>
+                                  <p:childTnLst>
+                                    <p:set>
+                                      <p:cBhvr>
+                                        <p:cTn id="6" dur="1" fill="hold">
+                                          <p:stCondLst>
+                                            <p:cond delay="0"/>
+                                          </p:stCondLst>
+                                        </p:cTn>
+                                        <p:tgtEl>
+                                          <p:spTgt spid="5">
+                                            <p:txEl>
+                                              <p:pRg st="2" end="2"/>
+                                            </p:txEl>
+                                          </p:spTgt>
+                                        </p:tgtEl>
+                                        <p:attrNameLst>
+                                          <p:attrName>style.visibility</p:attrName>
+                                        </p:attrNameLst>
+                                      </p:cBhvr>
+                                      <p:to>
+                                        <p:strVal val="visible"/>
+                                      </p:to>
+                                    </p:set>
+                                  </p:childTnLst>
+                                </p:cTn>
+                              </p:par>
+                              <p:par>
+                                <p:cTn id="7" presetID="1" presetClass="entr" presetSubtype="0" fill="hold" nodeType="withEffect">
+                                  <p:stCondLst>
+                                    <p:cond delay="0"/>
+                                  </p:stCondLst>
+                                  <p:childTnLst>
+                                    <p:set>
+                                      <p:cBhvr>
+                                        <p:cTn id="8" dur="1" fill="hold">
+                                          <p:stCondLst>
+                                            <p:cond delay="0"/>
+                                          </p:stCondLst>
+                                        </p:cTn>
+                                        <p:tgtEl>
+                                          <p:spTgt spid="5">
+                                            <p:txEl>
+                                              <p:pRg st="3" end="3"/>
+                                            </p:txEl>
+                                          </p:spTgt>
+                                        </p:tgtEl>
+                                        <p:attrNameLst>
+                                          <p:attrName>style.visibility</p:attrName>
+                                        </p:attrNameLst>
+                                      </p:cBhvr>
+                                      <p:to>
+                                        <p:strVal val="visible"/>
+                                      </p:to>
+                                    </p:set>
+                                  </p:childTnLst>
+                                </p:cTn>
+                              </p:par>
+                              <p:par>
+                                <p:cTn id="9" presetID="1" presetClass="entr" presetSubtype="0" fill="hold" nodeType="withEffect">
+                                  <p:stCondLst>
+                                    <p:cond delay="0"/>
+                                  </p:stCondLst>
+                                  <p:childTnLst>
+                                    <p:set>
+                                      <p:cBhvr>
+                                        <p:cTn id="10" dur="1" fill="hold">
+                                          <p:stCondLst>
+                                            <p:cond delay="0"/>
+                                          </p:stCondLst>
+                                        </p:cTn>
+                                        <p:tgtEl>
+                                          <p:spTgt spid="5">
+                                            <p:txEl>
+                                              <p:pRg st="9" end="9"/>
+                                            </p:txEl>
+                                          </p:spTgt>
+                                        </p:tgtEl>
+                                        <p:attrNameLst>
+                                          <p:attrName>style.visibility</p:attrName>
+                                        </p:attrNameLst>
+                                      </p:cBhvr>
+                                      <p:to>
+                                        <p:strVal val="visible"/>
+                                      </p:to>
+                                    </p:set>
+                                  </p:childTnLst>
+                                </p:cTn>
+                              </p:par>
+                            </p:childTnLst>
+                          </p:cTn>
+                        </p:par>
+                      </p:childTnLst>
+                    </p:cTn>
+                  </p:par>
+                  <p:par>
+                    <p:cTn id="11" fill="hold">
+                      <p:stCondLst>
+                        <p:cond delay="indefinite"/>
+                      </p:stCondLst>
+                      <p:childTnLst>
+                        <p:par>
+                          <p:cTn id="12" fill="hold">
+                            <p:stCondLst>
+                              <p:cond delay="0"/>
+                            </p:stCondLst>
+                            <p:childTnLst>
+                              <p:par>
+                                <p:cTn id="13" presetID="1" presetClass="entr" presetSubtype="0" fill="hold" nodeType="clickEffect">
+                                  <p:stCondLst>
+                                    <p:cond delay="0"/>
+                                  </p:stCondLst>
+                                  <p:childTnLst>
+                                    <p:set>
+                                      <p:cBhvr>
+                                        <p:cTn id="14" dur="1" fill="hold">
+                                          <p:stCondLst>
+                                            <p:cond delay="0"/>
+                                          </p:stCondLst>
+                                        </p:cTn>
+                                        <p:tgtEl>
+                                          <p:spTgt spid="5">
+                                            <p:txEl>
+                                              <p:pRg st="4" end="4"/>
+                                            </p:txEl>
+                                          </p:spTgt>
+                                        </p:tgtEl>
+                                        <p:attrNameLst>
+                                          <p:attrName>style.visibility</p:attrName>
+                                        </p:attrNameLst>
+                                      </p:cBhvr>
+                                      <p:to>
+                                        <p:strVal val="visible"/>
+                                      </p:to>
+                                    </p:set>
+                                  </p:childTnLst>
+                                </p:cTn>
+                              </p:par>
+                              <p:par>
+                                <p:cTn id="15" presetID="1" presetClass="entr" presetSubtype="0" fill="hold" nodeType="withEffect">
+                                  <p:stCondLst>
+                                    <p:cond delay="0"/>
+                                  </p:stCondLst>
+                                  <p:childTnLst>
+                                    <p:set>
+                                      <p:cBhvr>
+                                        <p:cTn id="16" dur="1" fill="hold">
+                                          <p:stCondLst>
+                                            <p:cond delay="0"/>
+                                          </p:stCondLst>
+                                        </p:cTn>
+                                        <p:tgtEl>
+                                          <p:spTgt spid="5">
+                                            <p:txEl>
+                                              <p:pRg st="5" end="5"/>
+                                            </p:txEl>
+                                          </p:spTgt>
+                                        </p:tgtEl>
+                                        <p:attrNameLst>
+                                          <p:attrName>style.visibility</p:attrName>
+                                        </p:attrNameLst>
+                                      </p:cBhvr>
+                                      <p:to>
+                                        <p:strVal val="visible"/>
+                                      </p:to>
+                                    </p:set>
+                                  </p:childTnLst>
+                                </p:cTn>
+                              </p:par>
+                            </p:childTnLst>
+                          </p:cTn>
+                        </p:par>
+                      </p:childTnLst>
+                    </p:cTn>
+                  </p:par>
+                  <p:par>
+                    <p:cTn id="17" fill="hold">
+                      <p:stCondLst>
+                        <p:cond delay="indefinite"/>
+                      </p:stCondLst>
+                      <p:childTnLst>
+                        <p:par>
+                          <p:cTn id="18" fill="hold">
+                            <p:stCondLst>
+                              <p:cond delay="0"/>
+                            </p:stCondLst>
+                            <p:childTnLst>
+                              <p:par>
+                                <p:cTn id="19" presetID="1" presetClass="entr" presetSubtype="0" fill="hold" nodeType="clickEffect">
+                                  <p:stCondLst>
+                                    <p:cond delay="0"/>
+                                  </p:stCondLst>
+                                  <p:childTnLst>
+                                    <p:set>
+                                      <p:cBhvr>
+                                        <p:cTn id="20" dur="1" fill="hold">
+                                          <p:stCondLst>
+                                            <p:cond delay="0"/>
+                                          </p:stCondLst>
+                                        </p:cTn>
+                                        <p:tgtEl>
+                                          <p:spTgt spid="5">
+                                            <p:txEl>
+                                              <p:pRg st="7" end="7"/>
+                                            </p:txEl>
+                                          </p:spTgt>
+                                        </p:tgtEl>
+                                        <p:attrNameLst>
+                                          <p:attrName>style.visibility</p:attrName>
+                                        </p:attrNameLst>
+                                      </p:cBhvr>
+                                      <p:to>
+                                        <p:strVal val="visible"/>
+                                      </p:to>
+                                    </p:set>
+                                  </p:childTnLst>
+                                </p:cTn>
+                              </p:par>
+                              <p:par>
+                                <p:cTn id="21" presetID="1" presetClass="entr" presetSubtype="0" fill="hold" nodeType="withEffect">
+                                  <p:stCondLst>
+                                    <p:cond delay="0"/>
+                                  </p:stCondLst>
+                                  <p:childTnLst>
+                                    <p:set>
+                                      <p:cBhvr>
+                                        <p:cTn id="22" dur="1" fill="hold">
+                                          <p:stCondLst>
+                                            <p:cond delay="0"/>
+                                          </p:stCondLst>
+                                        </p:cTn>
+                                        <p:tgtEl>
+                                          <p:spTgt spid="5">
+                                            <p:txEl>
+                                              <p:pRg st="8" end="8"/>
+                                            </p:txEl>
+                                          </p:spTgt>
+                                        </p:tgtEl>
+                                        <p:attrNameLst>
+                                          <p:attrName>style.visibility</p:attrName>
+                                        </p:attrNameLst>
+                                      </p:cBhvr>
+                                      <p:to>
+                                        <p:strVal val="visible"/>
+                                      </p:to>
+                                    </p:set>
+                                  </p:childTnLst>
+                                </p:cTn>
+                              </p:par>
+                            </p:childTnLst>
+                          </p:cTn>
+                        </p:par>
+                      </p:childTnLst>
+                    </p:cTn>
+                  </p:par>
+                </p:childTnLst>
+              </p:cTn>
+              <p:prevCondLst>
+                <p:cond evt="onPrev" delay="0">
+                  <p:tgtEl>
+                    <p:sldTgt/>
+                  </p:tgtEl>
+                </p:cond>
+              </p:prevCondLst>
+              <p:nextCondLst>
+                <p:cond evt="onNext" delay="0">
+                  <p:tgtEl>
+                    <p:sldTgt/>
+                  </p:tgtEl>
+                </p:cond>
+              </p:nextCondLst>
+            </p:seq>
+          </p:childTnLst>
+        </p:cTn>
+      </p:par>
+    </p:tnLst>
+  </p:timing>
+</p:sld>
+</file>
+
+<file path=ppt/slides/slide18.xml><?xml version="1.0" encoding="utf-8"?>
+<p:sld xmlns:a="http://schemas.openxmlformats.org/drawingml/2006/main" xmlns:r="http://schemas.openxmlformats.org/officeDocument/2006/relationships" xmlns:p="http://schemas.openxmlformats.org/presentationml/2006/main">
+  <p:cSld>
+    <p:spTree>
+      <p:nvGrpSpPr>
+        <p:cNvPr id="1" name=""/>
+        <p:cNvGrpSpPr/>
+        <p:nvPr/>
+      </p:nvGrpSpPr>
+      <p:grpSpPr>
+        <a:xfrm>
+          <a:off x="0" y="0"/>
+          <a:ext cx="0" cy="0"/>
+          <a:chOff x="0" y="0"/>
+          <a:chExt cx="0" cy="0"/>
+        </a:xfrm>
+      </p:grpSpPr>
+      <p:sp>
+        <p:nvSpPr>
           <p:cNvPr id="2" name="Text Placeholder 1"/>
           <p:cNvSpPr>
             <a:spLocks noGrp="1"/>
@@ -16241,7 +16713,7 @@
             <a:fld id="{2BF067CD-8E6B-4360-9AA8-C5DF2A48A6D1}" type="slidenum">
               <a:rPr lang="en-US" noProof="0" smtClean="0"/>
               <a:pPr/>
-              <a:t>17</a:t>
+              <a:t>18</a:t>
             </a:fld>
             <a:endParaRPr lang="en-US" noProof="0" dirty="0"/>
           </a:p>
@@ -16624,7 +17096,7 @@
 </p:sld>
 </file>
 
-<file path=ppt/slides/slide18.xml><?xml version="1.0" encoding="utf-8"?>
+<file path=ppt/slides/slide19.xml><?xml version="1.0" encoding="utf-8"?>
 <p:sld xmlns:a="http://schemas.openxmlformats.org/drawingml/2006/main" xmlns:r="http://schemas.openxmlformats.org/officeDocument/2006/relationships" xmlns:p="http://schemas.openxmlformats.org/presentationml/2006/main">
   <p:cSld>
     <p:spTree>
@@ -17135,7 +17607,7 @@
             <a:fld id="{2BF067CD-8E6B-4360-9AA8-C5DF2A48A6D1}" type="slidenum">
               <a:rPr lang="en-US" noProof="0" smtClean="0"/>
               <a:pPr/>
-              <a:t>18</a:t>
+              <a:t>19</a:t>
             </a:fld>
             <a:endParaRPr lang="en-US" noProof="0" dirty="0"/>
           </a:p>
@@ -17372,862 +17844,6 @@
                                           <p:spTgt spid="8">
                                             <p:txEl>
                                               <p:pRg st="4" end="4"/>
-                                            </p:txEl>
-                                          </p:spTgt>
-                                        </p:tgtEl>
-                                        <p:attrNameLst>
-                                          <p:attrName>style.visibility</p:attrName>
-                                        </p:attrNameLst>
-                                      </p:cBhvr>
-                                      <p:to>
-                                        <p:strVal val="visible"/>
-                                      </p:to>
-                                    </p:set>
-                                  </p:childTnLst>
-                                </p:cTn>
-                              </p:par>
-                            </p:childTnLst>
-                          </p:cTn>
-                        </p:par>
-                      </p:childTnLst>
-                    </p:cTn>
-                  </p:par>
-                </p:childTnLst>
-              </p:cTn>
-              <p:prevCondLst>
-                <p:cond evt="onPrev" delay="0">
-                  <p:tgtEl>
-                    <p:sldTgt/>
-                  </p:tgtEl>
-                </p:cond>
-              </p:prevCondLst>
-              <p:nextCondLst>
-                <p:cond evt="onNext" delay="0">
-                  <p:tgtEl>
-                    <p:sldTgt/>
-                  </p:tgtEl>
-                </p:cond>
-              </p:nextCondLst>
-            </p:seq>
-          </p:childTnLst>
-        </p:cTn>
-      </p:par>
-    </p:tnLst>
-    <p:bldLst>
-      <p:bldP spid="8" grpId="0" uiExpand="1" build="p" animBg="1"/>
-    </p:bldLst>
-  </p:timing>
-</p:sld>
-</file>
-
-<file path=ppt/slides/slide19.xml><?xml version="1.0" encoding="utf-8"?>
-<p:sld xmlns:a="http://schemas.openxmlformats.org/drawingml/2006/main" xmlns:r="http://schemas.openxmlformats.org/officeDocument/2006/relationships" xmlns:p="http://schemas.openxmlformats.org/presentationml/2006/main">
-  <p:cSld>
-    <p:spTree>
-      <p:nvGrpSpPr>
-        <p:cNvPr id="1" name=""/>
-        <p:cNvGrpSpPr/>
-        <p:nvPr/>
-      </p:nvGrpSpPr>
-      <p:grpSpPr>
-        <a:xfrm>
-          <a:off x="0" y="0"/>
-          <a:ext cx="0" cy="0"/>
-          <a:chOff x="0" y="0"/>
-          <a:chExt cx="0" cy="0"/>
-        </a:xfrm>
-      </p:grpSpPr>
-      <p:sp>
-        <p:nvSpPr>
-          <p:cNvPr id="2" name="Text Placeholder 1"/>
-          <p:cNvSpPr>
-            <a:spLocks noGrp="1"/>
-          </p:cNvSpPr>
-          <p:nvPr>
-            <p:ph type="body" sz="quarter" idx="10"/>
-          </p:nvPr>
-        </p:nvSpPr>
-        <p:spPr>
-          <a:xfrm>
-            <a:off x="190402" y="1196125"/>
-            <a:ext cx="11930042" cy="5528766"/>
-          </a:xfrm>
-        </p:spPr>
-        <p:txBody>
-          <a:bodyPr vert="horz" lIns="108000" tIns="36000" rIns="108000" bIns="36000" rtlCol="0" anchor="t">
-            <a:normAutofit/>
-          </a:bodyPr>
-          <a:lstStyle/>
-          <a:p>
-            <a:pPr marL="360045" indent="-360045">
-              <a:lnSpc>
-                <a:spcPct val="100000"/>
-              </a:lnSpc>
-            </a:pPr>
-            <a:r>
-              <a:rPr lang="en-US" sz="3400" noProof="1"/>
-              <a:t>Командата</a:t>
-            </a:r>
-            <a:r>
-              <a:rPr lang="bg-BG" sz="3400" b="1" noProof="1">
-                <a:latin typeface="+mj-lt"/>
-              </a:rPr>
-              <a:t> </a:t>
-            </a:r>
-            <a:r>
-              <a:rPr lang="en-US" sz="3400" b="1" noProof="1">
-                <a:solidFill>
-                  <a:schemeClr val="bg1"/>
-                </a:solidFill>
-                <a:latin typeface="Consolas"/>
-              </a:rPr>
-              <a:t>StringSplitOptions.RemoveEmptyEntries</a:t>
-            </a:r>
-            <a:r>
-              <a:rPr lang="en-US" sz="3400" dirty="0"/>
-              <a:t> </a:t>
-            </a:r>
-            <a:br>
-              <a:rPr lang="bg-BG" sz="3400" dirty="0"/>
-            </a:br>
-            <a:r>
-              <a:rPr lang="en-US" sz="3400" dirty="0"/>
-              <a:t>се използва за </a:t>
-            </a:r>
-            <a:r>
-              <a:rPr lang="en-US" sz="3400" b="1" dirty="0"/>
-              <a:t>премахване</a:t>
-            </a:r>
-            <a:r>
-              <a:rPr lang="en-US" sz="3400" dirty="0"/>
-              <a:t> на </a:t>
-            </a:r>
-            <a:r>
-              <a:rPr lang="en-US" sz="3400" b="1" dirty="0"/>
-              <a:t>празните </a:t>
-            </a:r>
-            <a:r>
-              <a:rPr lang="bg-BG" sz="3400" b="1" dirty="0"/>
-              <a:t>елементи</a:t>
-            </a:r>
-            <a:r>
-              <a:rPr lang="en-US" sz="3400" b="1" dirty="0"/>
-              <a:t> </a:t>
-            </a:r>
-            <a:r>
-              <a:rPr lang="en-US" sz="3400" dirty="0"/>
-              <a:t>от вър</a:t>
-            </a:r>
-            <a:r>
-              <a:rPr lang="bg-BG" sz="3400" dirty="0"/>
-              <a:t>на</a:t>
-            </a:r>
-            <a:r>
-              <a:rPr lang="en-US" sz="3400" dirty="0"/>
-              <a:t>тия масив</a:t>
-            </a:r>
-            <a:endParaRPr lang="bg-BG" sz="3400" dirty="0">
-              <a:cs typeface="Calibri"/>
-            </a:endParaRPr>
-          </a:p>
-          <a:p>
-            <a:pPr marL="360045" indent="-360045">
-              <a:lnSpc>
-                <a:spcPct val="100000"/>
-              </a:lnSpc>
-            </a:pPr>
-            <a:endParaRPr lang="bg-BG" sz="3400" dirty="0">
-              <a:cs typeface="Calibri"/>
-            </a:endParaRPr>
-          </a:p>
-        </p:txBody>
-      </p:sp>
-      <p:sp>
-        <p:nvSpPr>
-          <p:cNvPr id="4" name="Title 3"/>
-          <p:cNvSpPr>
-            <a:spLocks noGrp="1"/>
-          </p:cNvSpPr>
-          <p:nvPr>
-            <p:ph type="title"/>
-          </p:nvPr>
-        </p:nvSpPr>
-        <p:spPr/>
-        <p:txBody>
-          <a:bodyPr/>
-          <a:lstStyle/>
-          <a:p>
-            <a:r>
-              <a:rPr lang="bg-BG" dirty="0"/>
-              <a:t>Разделяне</a:t>
-            </a:r>
-            <a:r>
-              <a:rPr lang="en-GB" dirty="0"/>
-              <a:t> (3)</a:t>
-            </a:r>
-            <a:endParaRPr lang="bg-BG" dirty="0"/>
-          </a:p>
-        </p:txBody>
-      </p:sp>
-      <p:sp>
-        <p:nvSpPr>
-          <p:cNvPr id="8" name="Text Placeholder 1">
-            <a:extLst>
-              <a:ext uri="{FF2B5EF4-FFF2-40B4-BE49-F238E27FC236}">
-                <a16:creationId xmlns:a16="http://schemas.microsoft.com/office/drawing/2014/main" id="{E3351280-7625-4125-BB75-5B5EAAA02FC4}"/>
-              </a:ext>
-            </a:extLst>
-          </p:cNvPr>
-          <p:cNvSpPr txBox="1">
-            <a:spLocks/>
-          </p:cNvSpPr>
-          <p:nvPr/>
-        </p:nvSpPr>
-        <p:spPr>
-          <a:xfrm>
-            <a:off x="642923" y="3114000"/>
-            <a:ext cx="11025000" cy="3172764"/>
-          </a:xfrm>
-          <a:prstGeom prst="rect">
-            <a:avLst/>
-          </a:prstGeom>
-          <a:solidFill>
-            <a:srgbClr val="F4F5F7">
-              <a:lumMod val="75000"/>
-              <a:alpha val="15000"/>
-            </a:srgbClr>
-          </a:solidFill>
-          <a:ln w="12700">
-            <a:solidFill>
-              <a:srgbClr val="234465">
-                <a:lumMod val="50000"/>
-              </a:srgbClr>
-            </a:solidFill>
-          </a:ln>
-        </p:spPr>
-        <p:txBody>
-          <a:bodyPr vert="horz" wrap="square" lIns="144000" tIns="108000" rIns="144000" bIns="108000" rtlCol="0" anchor="t">
-            <a:spAutoFit/>
-          </a:bodyPr>
-          <a:lstStyle>
-            <a:lvl1pPr marL="360363" indent="-360363" algn="l" defTabSz="1218438" rtl="0" eaLnBrk="1" latinLnBrk="0" hangingPunct="1">
-              <a:lnSpc>
-                <a:spcPct val="110000"/>
-              </a:lnSpc>
-              <a:spcBef>
-                <a:spcPts val="0"/>
-              </a:spcBef>
-              <a:spcAft>
-                <a:spcPts val="0"/>
-              </a:spcAft>
-              <a:buFont typeface="Wingdings" panose="05000000000000000000" pitchFamily="2" charset="2"/>
-              <a:buNone/>
-              <a:defRPr lang="en-US" sz="2800" b="1" kern="1200" smtClean="0">
-                <a:solidFill>
-                  <a:schemeClr val="tx1"/>
-                </a:solidFill>
-                <a:latin typeface="Consolas" pitchFamily="49" charset="0"/>
-                <a:ea typeface="+mn-ea"/>
-                <a:cs typeface="+mn-cs"/>
-              </a:defRPr>
-            </a:lvl1pPr>
-            <a:lvl2pPr marL="803275" indent="-360363" algn="l" defTabSz="1218438" rtl="0" eaLnBrk="1" latinLnBrk="0" hangingPunct="1">
-              <a:lnSpc>
-                <a:spcPct val="105000"/>
-              </a:lnSpc>
-              <a:spcBef>
-                <a:spcPts val="600"/>
-              </a:spcBef>
-              <a:spcAft>
-                <a:spcPts val="600"/>
-              </a:spcAft>
-              <a:buFont typeface="Wingdings" panose="05000000000000000000" pitchFamily="2" charset="2"/>
-              <a:buChar char="§"/>
-              <a:defRPr lang="en-US" sz="3198" kern="1200" smtClean="0">
-                <a:solidFill>
-                  <a:schemeClr val="tx1"/>
-                </a:solidFill>
-                <a:latin typeface="+mn-lt"/>
-                <a:ea typeface="+mn-ea"/>
-                <a:cs typeface="+mn-cs"/>
-              </a:defRPr>
-            </a:lvl2pPr>
-            <a:lvl3pPr marL="1255713" indent="-360363" algn="l" defTabSz="1218438" rtl="0" eaLnBrk="1" latinLnBrk="0" hangingPunct="1">
-              <a:lnSpc>
-                <a:spcPct val="105000"/>
-              </a:lnSpc>
-              <a:spcBef>
-                <a:spcPts val="600"/>
-              </a:spcBef>
-              <a:spcAft>
-                <a:spcPts val="600"/>
-              </a:spcAft>
-              <a:buFont typeface="Wingdings" panose="05000000000000000000" pitchFamily="2" charset="2"/>
-              <a:buChar char="§"/>
-              <a:defRPr lang="en-US" sz="2998" kern="1200" smtClean="0">
-                <a:solidFill>
-                  <a:schemeClr val="tx1"/>
-                </a:solidFill>
-                <a:latin typeface="+mn-lt"/>
-                <a:ea typeface="+mn-ea"/>
-                <a:cs typeface="+mn-cs"/>
-              </a:defRPr>
-            </a:lvl3pPr>
-            <a:lvl4pPr marL="1700213" indent="-352425" algn="l" defTabSz="1218438" rtl="0" eaLnBrk="1" latinLnBrk="0" hangingPunct="1">
-              <a:lnSpc>
-                <a:spcPct val="105000"/>
-              </a:lnSpc>
-              <a:spcBef>
-                <a:spcPts val="600"/>
-              </a:spcBef>
-              <a:spcAft>
-                <a:spcPts val="600"/>
-              </a:spcAft>
-              <a:buFont typeface="Wingdings" panose="05000000000000000000" pitchFamily="2" charset="2"/>
-              <a:buChar char="§"/>
-              <a:defRPr lang="en-US" sz="2798" kern="1200" smtClean="0">
-                <a:solidFill>
-                  <a:schemeClr val="tx1"/>
-                </a:solidFill>
-                <a:latin typeface="+mn-lt"/>
-                <a:ea typeface="+mn-ea"/>
-                <a:cs typeface="+mn-cs"/>
-              </a:defRPr>
-            </a:lvl4pPr>
-            <a:lvl5pPr marL="2058988" indent="-266700" algn="l" defTabSz="1218438" rtl="0" eaLnBrk="1" latinLnBrk="0" hangingPunct="1">
-              <a:lnSpc>
-                <a:spcPct val="105000"/>
-              </a:lnSpc>
-              <a:spcBef>
-                <a:spcPts val="600"/>
-              </a:spcBef>
-              <a:spcAft>
-                <a:spcPts val="600"/>
-              </a:spcAft>
-              <a:buFont typeface="Wingdings" panose="05000000000000000000" pitchFamily="2" charset="2"/>
-              <a:buChar char="§"/>
-              <a:defRPr lang="en-US" sz="2598" kern="1200">
-                <a:solidFill>
-                  <a:schemeClr val="tx1"/>
-                </a:solidFill>
-                <a:latin typeface="+mn-lt"/>
-                <a:ea typeface="+mn-ea"/>
-                <a:cs typeface="+mn-cs"/>
-              </a:defRPr>
-            </a:lvl5pPr>
-            <a:lvl6pPr marL="3350704" indent="-304610" algn="l" defTabSz="1218438" rtl="0" eaLnBrk="1" latinLnBrk="1" hangingPunct="1">
-              <a:spcBef>
-                <a:spcPct val="20000"/>
-              </a:spcBef>
-              <a:buFont typeface="Arial" pitchFamily="34" charset="0"/>
-              <a:buChar char="•"/>
-              <a:defRPr sz="2665" kern="1200">
-                <a:solidFill>
-                  <a:schemeClr val="tx1"/>
-                </a:solidFill>
-                <a:latin typeface="+mn-lt"/>
-                <a:ea typeface="+mn-ea"/>
-                <a:cs typeface="+mn-cs"/>
-              </a:defRPr>
-            </a:lvl6pPr>
-            <a:lvl7pPr marL="3959924" indent="-304610" algn="l" defTabSz="1218438" rtl="0" eaLnBrk="1" latinLnBrk="1" hangingPunct="1">
-              <a:spcBef>
-                <a:spcPct val="20000"/>
-              </a:spcBef>
-              <a:buFont typeface="Arial" pitchFamily="34" charset="0"/>
-              <a:buChar char="•"/>
-              <a:defRPr sz="2665" kern="1200">
-                <a:solidFill>
-                  <a:schemeClr val="tx1"/>
-                </a:solidFill>
-                <a:latin typeface="+mn-lt"/>
-                <a:ea typeface="+mn-ea"/>
-                <a:cs typeface="+mn-cs"/>
-              </a:defRPr>
-            </a:lvl7pPr>
-            <a:lvl8pPr marL="4569143" indent="-304610" algn="l" defTabSz="1218438" rtl="0" eaLnBrk="1" latinLnBrk="1" hangingPunct="1">
-              <a:spcBef>
-                <a:spcPct val="20000"/>
-              </a:spcBef>
-              <a:buFont typeface="Arial" pitchFamily="34" charset="0"/>
-              <a:buChar char="•"/>
-              <a:defRPr sz="2665" kern="1200">
-                <a:solidFill>
-                  <a:schemeClr val="tx1"/>
-                </a:solidFill>
-                <a:latin typeface="+mn-lt"/>
-                <a:ea typeface="+mn-ea"/>
-                <a:cs typeface="+mn-cs"/>
-              </a:defRPr>
-            </a:lvl8pPr>
-            <a:lvl9pPr marL="5178362" indent="-304610" algn="l" defTabSz="1218438" rtl="0" eaLnBrk="1" latinLnBrk="1" hangingPunct="1">
-              <a:spcBef>
-                <a:spcPct val="20000"/>
-              </a:spcBef>
-              <a:buFont typeface="Arial" pitchFamily="34" charset="0"/>
-              <a:buChar char="•"/>
-              <a:defRPr sz="2665" kern="1200">
-                <a:solidFill>
-                  <a:schemeClr val="tx1"/>
-                </a:solidFill>
-                <a:latin typeface="+mn-lt"/>
-                <a:ea typeface="+mn-ea"/>
-                <a:cs typeface="+mn-cs"/>
-              </a:defRPr>
-            </a:lvl9pPr>
-          </a:lstStyle>
-          <a:p>
-            <a:pPr marL="360045" indent="-360045">
-              <a:lnSpc>
-                <a:spcPct val="100000"/>
-              </a:lnSpc>
-              <a:defRPr/>
-            </a:pPr>
-            <a:r>
-              <a:rPr lang="en-GB" sz="2400" dirty="0"/>
-              <a:t>char[] separators = new char[] { ' ', ',', '.' };</a:t>
-            </a:r>
-            <a:endParaRPr lang="bg-BG" sz="2400" dirty="0"/>
-          </a:p>
-          <a:p>
-            <a:pPr marL="360045" indent="-360045">
-              <a:lnSpc>
-                <a:spcPct val="100000"/>
-              </a:lnSpc>
-              <a:defRPr/>
-            </a:pPr>
-            <a:endParaRPr lang="en-GB" sz="2400" dirty="0"/>
-          </a:p>
-          <a:p>
-            <a:pPr marL="360045" indent="-360045">
-              <a:lnSpc>
-                <a:spcPct val="100000"/>
-              </a:lnSpc>
-              <a:defRPr/>
-            </a:pPr>
-            <a:r>
-              <a:rPr lang="en-GB" sz="2400" dirty="0"/>
-              <a:t>string text = "Hello, I am John.";</a:t>
-            </a:r>
-            <a:endParaRPr lang="bg-BG" sz="2400" dirty="0"/>
-          </a:p>
-          <a:p>
-            <a:pPr marL="360045" indent="-360045">
-              <a:lnSpc>
-                <a:spcPct val="100000"/>
-              </a:lnSpc>
-              <a:defRPr/>
-            </a:pPr>
-            <a:endParaRPr lang="en-GB" sz="2400" dirty="0"/>
-          </a:p>
-          <a:p>
-            <a:pPr marL="360045" indent="-360045">
-              <a:lnSpc>
-                <a:spcPct val="100000"/>
-              </a:lnSpc>
-              <a:defRPr/>
-            </a:pPr>
-            <a:r>
-              <a:rPr lang="en-GB" sz="2400" dirty="0">
-                <a:latin typeface="Consolas"/>
-              </a:rPr>
-              <a:t>string[] words = text</a:t>
-            </a:r>
-            <a:br>
-              <a:rPr lang="en-GB" sz="2400" dirty="0"/>
-            </a:br>
-            <a:r>
-              <a:rPr lang="en-GB" sz="2400" dirty="0">
-                <a:latin typeface="Consolas"/>
-              </a:rPr>
-              <a:t> .</a:t>
-            </a:r>
-            <a:r>
-              <a:rPr lang="en-GB" sz="2400" dirty="0">
-                <a:solidFill>
-                  <a:schemeClr val="bg1"/>
-                </a:solidFill>
-                <a:latin typeface="Consolas"/>
-              </a:rPr>
-              <a:t>Split</a:t>
-            </a:r>
-            <a:r>
-              <a:rPr lang="en-GB" sz="2400" dirty="0">
-                <a:latin typeface="Consolas"/>
-              </a:rPr>
-              <a:t>(</a:t>
-            </a:r>
-            <a:r>
-              <a:rPr lang="en-GB" sz="2400" dirty="0">
-                <a:solidFill>
-                  <a:schemeClr val="bg1"/>
-                </a:solidFill>
-                <a:latin typeface="Consolas"/>
-              </a:rPr>
-              <a:t>separators</a:t>
-            </a:r>
-            <a:r>
-              <a:rPr lang="en-GB" sz="2400" dirty="0">
-                <a:latin typeface="Consolas"/>
-              </a:rPr>
-              <a:t>,</a:t>
-            </a:r>
-            <a:r>
-              <a:rPr lang="bg-BG" sz="2400" dirty="0">
-                <a:solidFill>
-                  <a:srgbClr val="234465"/>
-                </a:solidFill>
-                <a:latin typeface="Consolas"/>
-              </a:rPr>
-              <a:t> </a:t>
-            </a:r>
-            <a:r>
-              <a:rPr lang="en-GB" sz="2400" dirty="0">
-                <a:solidFill>
-                  <a:schemeClr val="bg1"/>
-                </a:solidFill>
-                <a:latin typeface="Consolas"/>
-              </a:rPr>
-              <a:t>StringSplitOptions.RemoveEmptyEntries</a:t>
-            </a:r>
-            <a:r>
-              <a:rPr lang="en-GB" sz="2400" dirty="0">
-                <a:latin typeface="Consolas"/>
-              </a:rPr>
-              <a:t>);</a:t>
-            </a:r>
-            <a:endParaRPr lang="bg-BG" sz="2400" dirty="0">
-              <a:latin typeface="Consolas"/>
-            </a:endParaRPr>
-          </a:p>
-          <a:p>
-            <a:pPr marL="360045" indent="-360045">
-              <a:lnSpc>
-                <a:spcPct val="100000"/>
-              </a:lnSpc>
-              <a:defRPr/>
-            </a:pPr>
-            <a:r>
-              <a:rPr lang="en-GB" sz="2400" dirty="0">
-                <a:solidFill>
-                  <a:srgbClr val="234465"/>
-                </a:solidFill>
-              </a:rPr>
-              <a:t> </a:t>
-            </a:r>
-          </a:p>
-          <a:p>
-            <a:pPr marL="360045" indent="-360045">
-              <a:lnSpc>
-                <a:spcPct val="100000"/>
-              </a:lnSpc>
-              <a:defRPr/>
-            </a:pPr>
-            <a:r>
-              <a:rPr lang="en-GB" sz="2400" i="1" dirty="0">
-                <a:solidFill>
-                  <a:srgbClr val="00B050"/>
-                </a:solidFill>
-              </a:rPr>
-              <a:t>//</a:t>
-            </a:r>
-            <a:r>
-              <a:rPr lang="bg-BG" sz="2400" i="1" dirty="0">
-                <a:solidFill>
-                  <a:srgbClr val="00B050"/>
-                </a:solidFill>
-              </a:rPr>
-              <a:t> </a:t>
-            </a:r>
-            <a:r>
-              <a:rPr lang="en-GB" sz="2400" i="1" dirty="0">
-                <a:solidFill>
-                  <a:srgbClr val="00B050"/>
-                </a:solidFill>
-              </a:rPr>
-              <a:t>"Hello", "I", "am", "John"</a:t>
-            </a:r>
-            <a:endParaRPr lang="bg-BG" dirty="0">
-              <a:solidFill>
-                <a:srgbClr val="234465"/>
-              </a:solidFill>
-            </a:endParaRPr>
-          </a:p>
-        </p:txBody>
-      </p:sp>
-      <p:sp>
-        <p:nvSpPr>
-          <p:cNvPr id="3" name="Slide Number">
-            <a:extLst>
-              <a:ext uri="{FF2B5EF4-FFF2-40B4-BE49-F238E27FC236}">
-                <a16:creationId xmlns:a16="http://schemas.microsoft.com/office/drawing/2014/main" id="{53F27F4D-E74C-6B5B-3735-5B432F613A47}"/>
-              </a:ext>
-            </a:extLst>
-          </p:cNvPr>
-          <p:cNvSpPr>
-            <a:spLocks noGrp="1"/>
-          </p:cNvSpPr>
-          <p:nvPr>
-            <p:ph type="sldNum" sz="quarter" idx="5"/>
-          </p:nvPr>
-        </p:nvSpPr>
-        <p:spPr>
-          <a:xfrm>
-            <a:off x="11753030" y="6507000"/>
-            <a:ext cx="367414" cy="297000"/>
-          </a:xfrm>
-          <a:prstGeom prst="rect">
-            <a:avLst/>
-          </a:prstGeom>
-        </p:spPr>
-        <p:txBody>
-          <a:bodyPr vert="horz" lIns="91440" tIns="45720" rIns="91440" bIns="45720" rtlCol="0" anchor="b"/>
-          <a:lstStyle>
-            <a:lvl1pPr algn="r">
-              <a:defRPr sz="1000"/>
-            </a:lvl1pPr>
-          </a:lstStyle>
-          <a:p>
-            <a:fld id="{2BF067CD-8E6B-4360-9AA8-C5DF2A48A6D1}" type="slidenum">
-              <a:rPr lang="en-US" noProof="0" smtClean="0"/>
-              <a:pPr/>
-              <a:t>19</a:t>
-            </a:fld>
-            <a:endParaRPr lang="en-US" noProof="0" dirty="0"/>
-          </a:p>
-        </p:txBody>
-      </p:sp>
-    </p:spTree>
-    <p:extLst>
-      <p:ext uri="{BB962C8B-B14F-4D97-AF65-F5344CB8AC3E}">
-        <p14:creationId xmlns:p14="http://schemas.microsoft.com/office/powerpoint/2010/main" val="1396285722"/>
-      </p:ext>
-    </p:extLst>
-  </p:cSld>
-  <p:clrMapOvr>
-    <a:masterClrMapping/>
-  </p:clrMapOvr>
-  <mc:AlternateContent xmlns:mc="http://schemas.openxmlformats.org/markup-compatibility/2006" xmlns:p14="http://schemas.microsoft.com/office/powerpoint/2010/main">
-    <mc:Choice Requires="p14">
-      <p:transition spd="slow" p14:dur="2000" advClick="0" advTm="5000"/>
-    </mc:Choice>
-    <mc:Fallback xmlns="">
-      <p:transition spd="slow" advClick="0" advTm="5000"/>
-    </mc:Fallback>
-  </mc:AlternateContent>
-  <p:timing>
-    <p:tnLst>
-      <p:par>
-        <p:cTn id="1" dur="indefinite" restart="never" nodeType="tmRoot">
-          <p:childTnLst>
-            <p:seq concurrent="1" nextAc="seek">
-              <p:cTn id="2" dur="indefinite" nodeType="mainSeq">
-                <p:childTnLst>
-                  <p:par>
-                    <p:cTn id="3" fill="hold">
-                      <p:stCondLst>
-                        <p:cond delay="indefinite"/>
-                      </p:stCondLst>
-                      <p:childTnLst>
-                        <p:par>
-                          <p:cTn id="4" fill="hold">
-                            <p:stCondLst>
-                              <p:cond delay="0"/>
-                            </p:stCondLst>
-                            <p:childTnLst>
-                              <p:par>
-                                <p:cTn id="5" presetID="1" presetClass="entr" presetSubtype="0" fill="hold" grpId="0" nodeType="clickEffect">
-                                  <p:stCondLst>
-                                    <p:cond delay="0"/>
-                                  </p:stCondLst>
-                                  <p:childTnLst>
-                                    <p:set>
-                                      <p:cBhvr>
-                                        <p:cTn id="6" dur="1" fill="hold">
-                                          <p:stCondLst>
-                                            <p:cond delay="0"/>
-                                          </p:stCondLst>
-                                        </p:cTn>
-                                        <p:tgtEl>
-                                          <p:spTgt spid="8">
-                                            <p:bg/>
-                                          </p:spTgt>
-                                        </p:tgtEl>
-                                        <p:attrNameLst>
-                                          <p:attrName>style.visibility</p:attrName>
-                                        </p:attrNameLst>
-                                      </p:cBhvr>
-                                      <p:to>
-                                        <p:strVal val="visible"/>
-                                      </p:to>
-                                    </p:set>
-                                  </p:childTnLst>
-                                </p:cTn>
-                              </p:par>
-                              <p:par>
-                                <p:cTn id="7" presetID="1" presetClass="entr" presetSubtype="0" fill="hold" grpId="0" nodeType="withEffect">
-                                  <p:stCondLst>
-                                    <p:cond delay="0"/>
-                                  </p:stCondLst>
-                                  <p:childTnLst>
-                                    <p:set>
-                                      <p:cBhvr>
-                                        <p:cTn id="8" dur="1" fill="hold">
-                                          <p:stCondLst>
-                                            <p:cond delay="0"/>
-                                          </p:stCondLst>
-                                        </p:cTn>
-                                        <p:tgtEl>
-                                          <p:spTgt spid="8">
-                                            <p:txEl>
-                                              <p:pRg st="0" end="0"/>
-                                            </p:txEl>
-                                          </p:spTgt>
-                                        </p:tgtEl>
-                                        <p:attrNameLst>
-                                          <p:attrName>style.visibility</p:attrName>
-                                        </p:attrNameLst>
-                                      </p:cBhvr>
-                                      <p:to>
-                                        <p:strVal val="visible"/>
-                                      </p:to>
-                                    </p:set>
-                                  </p:childTnLst>
-                                </p:cTn>
-                              </p:par>
-                            </p:childTnLst>
-                          </p:cTn>
-                        </p:par>
-                      </p:childTnLst>
-                    </p:cTn>
-                  </p:par>
-                  <p:par>
-                    <p:cTn id="9" fill="hold">
-                      <p:stCondLst>
-                        <p:cond delay="indefinite"/>
-                      </p:stCondLst>
-                      <p:childTnLst>
-                        <p:par>
-                          <p:cTn id="10" fill="hold">
-                            <p:stCondLst>
-                              <p:cond delay="0"/>
-                            </p:stCondLst>
-                            <p:childTnLst>
-                              <p:par>
-                                <p:cTn id="11" presetID="1" presetClass="entr" presetSubtype="0" fill="hold" grpId="0" nodeType="clickEffect">
-                                  <p:stCondLst>
-                                    <p:cond delay="0"/>
-                                  </p:stCondLst>
-                                  <p:childTnLst>
-                                    <p:set>
-                                      <p:cBhvr>
-                                        <p:cTn id="12" dur="1" fill="hold">
-                                          <p:stCondLst>
-                                            <p:cond delay="0"/>
-                                          </p:stCondLst>
-                                        </p:cTn>
-                                        <p:tgtEl>
-                                          <p:spTgt spid="8">
-                                            <p:txEl>
-                                              <p:pRg st="2" end="2"/>
-                                            </p:txEl>
-                                          </p:spTgt>
-                                        </p:tgtEl>
-                                        <p:attrNameLst>
-                                          <p:attrName>style.visibility</p:attrName>
-                                        </p:attrNameLst>
-                                      </p:cBhvr>
-                                      <p:to>
-                                        <p:strVal val="visible"/>
-                                      </p:to>
-                                    </p:set>
-                                  </p:childTnLst>
-                                </p:cTn>
-                              </p:par>
-                            </p:childTnLst>
-                          </p:cTn>
-                        </p:par>
-                      </p:childTnLst>
-                    </p:cTn>
-                  </p:par>
-                  <p:par>
-                    <p:cTn id="13" fill="hold">
-                      <p:stCondLst>
-                        <p:cond delay="indefinite"/>
-                      </p:stCondLst>
-                      <p:childTnLst>
-                        <p:par>
-                          <p:cTn id="14" fill="hold">
-                            <p:stCondLst>
-                              <p:cond delay="0"/>
-                            </p:stCondLst>
-                            <p:childTnLst>
-                              <p:par>
-                                <p:cTn id="15" presetID="1" presetClass="entr" presetSubtype="0" fill="hold" grpId="0" nodeType="clickEffect">
-                                  <p:stCondLst>
-                                    <p:cond delay="0"/>
-                                  </p:stCondLst>
-                                  <p:childTnLst>
-                                    <p:set>
-                                      <p:cBhvr>
-                                        <p:cTn id="16" dur="1" fill="hold">
-                                          <p:stCondLst>
-                                            <p:cond delay="0"/>
-                                          </p:stCondLst>
-                                        </p:cTn>
-                                        <p:tgtEl>
-                                          <p:spTgt spid="8">
-                                            <p:txEl>
-                                              <p:pRg st="4" end="4"/>
-                                            </p:txEl>
-                                          </p:spTgt>
-                                        </p:tgtEl>
-                                        <p:attrNameLst>
-                                          <p:attrName>style.visibility</p:attrName>
-                                        </p:attrNameLst>
-                                      </p:cBhvr>
-                                      <p:to>
-                                        <p:strVal val="visible"/>
-                                      </p:to>
-                                    </p:set>
-                                  </p:childTnLst>
-                                </p:cTn>
-                              </p:par>
-                            </p:childTnLst>
-                          </p:cTn>
-                        </p:par>
-                      </p:childTnLst>
-                    </p:cTn>
-                  </p:par>
-                  <p:par>
-                    <p:cTn id="17" fill="hold">
-                      <p:stCondLst>
-                        <p:cond delay="indefinite"/>
-                      </p:stCondLst>
-                      <p:childTnLst>
-                        <p:par>
-                          <p:cTn id="18" fill="hold">
-                            <p:stCondLst>
-                              <p:cond delay="0"/>
-                            </p:stCondLst>
-                            <p:childTnLst>
-                              <p:par>
-                                <p:cTn id="19" presetID="1" presetClass="entr" presetSubtype="0" fill="hold" grpId="0" nodeType="clickEffect">
-                                  <p:stCondLst>
-                                    <p:cond delay="0"/>
-                                  </p:stCondLst>
-                                  <p:childTnLst>
-                                    <p:set>
-                                      <p:cBhvr>
-                                        <p:cTn id="20" dur="1" fill="hold">
-                                          <p:stCondLst>
-                                            <p:cond delay="0"/>
-                                          </p:stCondLst>
-                                        </p:cTn>
-                                        <p:tgtEl>
-                                          <p:spTgt spid="8">
-                                            <p:txEl>
-                                              <p:pRg st="6" end="6"/>
                                             </p:txEl>
                                           </p:spTgt>
                                         </p:tgtEl>
@@ -19023,6 +18639,862 @@
       </p:grpSpPr>
       <p:sp>
         <p:nvSpPr>
+          <p:cNvPr id="2" name="Text Placeholder 1"/>
+          <p:cNvSpPr>
+            <a:spLocks noGrp="1"/>
+          </p:cNvSpPr>
+          <p:nvPr>
+            <p:ph type="body" sz="quarter" idx="10"/>
+          </p:nvPr>
+        </p:nvSpPr>
+        <p:spPr>
+          <a:xfrm>
+            <a:off x="190402" y="1196125"/>
+            <a:ext cx="11930042" cy="5528766"/>
+          </a:xfrm>
+        </p:spPr>
+        <p:txBody>
+          <a:bodyPr vert="horz" lIns="108000" tIns="36000" rIns="108000" bIns="36000" rtlCol="0" anchor="t">
+            <a:normAutofit/>
+          </a:bodyPr>
+          <a:lstStyle/>
+          <a:p>
+            <a:pPr marL="360045" indent="-360045">
+              <a:lnSpc>
+                <a:spcPct val="100000"/>
+              </a:lnSpc>
+            </a:pPr>
+            <a:r>
+              <a:rPr lang="en-US" sz="3400" noProof="1"/>
+              <a:t>Командата</a:t>
+            </a:r>
+            <a:r>
+              <a:rPr lang="bg-BG" sz="3400" b="1" noProof="1">
+                <a:latin typeface="+mj-lt"/>
+              </a:rPr>
+              <a:t> </a:t>
+            </a:r>
+            <a:r>
+              <a:rPr lang="en-US" sz="3400" b="1" noProof="1">
+                <a:solidFill>
+                  <a:schemeClr val="bg1"/>
+                </a:solidFill>
+                <a:latin typeface="Consolas"/>
+              </a:rPr>
+              <a:t>StringSplitOptions.RemoveEmptyEntries</a:t>
+            </a:r>
+            <a:r>
+              <a:rPr lang="en-US" sz="3400" dirty="0"/>
+              <a:t> </a:t>
+            </a:r>
+            <a:br>
+              <a:rPr lang="bg-BG" sz="3400" dirty="0"/>
+            </a:br>
+            <a:r>
+              <a:rPr lang="en-US" sz="3400" dirty="0"/>
+              <a:t>се използва за </a:t>
+            </a:r>
+            <a:r>
+              <a:rPr lang="en-US" sz="3400" b="1" dirty="0"/>
+              <a:t>премахване</a:t>
+            </a:r>
+            <a:r>
+              <a:rPr lang="en-US" sz="3400" dirty="0"/>
+              <a:t> на </a:t>
+            </a:r>
+            <a:r>
+              <a:rPr lang="en-US" sz="3400" b="1" dirty="0"/>
+              <a:t>празните </a:t>
+            </a:r>
+            <a:r>
+              <a:rPr lang="bg-BG" sz="3400" b="1" dirty="0"/>
+              <a:t>елементи</a:t>
+            </a:r>
+            <a:r>
+              <a:rPr lang="en-US" sz="3400" b="1" dirty="0"/>
+              <a:t> </a:t>
+            </a:r>
+            <a:r>
+              <a:rPr lang="en-US" sz="3400" dirty="0"/>
+              <a:t>от вър</a:t>
+            </a:r>
+            <a:r>
+              <a:rPr lang="bg-BG" sz="3400" dirty="0"/>
+              <a:t>на</a:t>
+            </a:r>
+            <a:r>
+              <a:rPr lang="en-US" sz="3400" dirty="0"/>
+              <a:t>тия масив</a:t>
+            </a:r>
+            <a:endParaRPr lang="bg-BG" sz="3400" dirty="0">
+              <a:cs typeface="Calibri"/>
+            </a:endParaRPr>
+          </a:p>
+          <a:p>
+            <a:pPr marL="360045" indent="-360045">
+              <a:lnSpc>
+                <a:spcPct val="100000"/>
+              </a:lnSpc>
+            </a:pPr>
+            <a:endParaRPr lang="bg-BG" sz="3400" dirty="0">
+              <a:cs typeface="Calibri"/>
+            </a:endParaRPr>
+          </a:p>
+        </p:txBody>
+      </p:sp>
+      <p:sp>
+        <p:nvSpPr>
+          <p:cNvPr id="4" name="Title 3"/>
+          <p:cNvSpPr>
+            <a:spLocks noGrp="1"/>
+          </p:cNvSpPr>
+          <p:nvPr>
+            <p:ph type="title"/>
+          </p:nvPr>
+        </p:nvSpPr>
+        <p:spPr/>
+        <p:txBody>
+          <a:bodyPr/>
+          <a:lstStyle/>
+          <a:p>
+            <a:r>
+              <a:rPr lang="bg-BG" dirty="0"/>
+              <a:t>Разделяне</a:t>
+            </a:r>
+            <a:r>
+              <a:rPr lang="en-GB" dirty="0"/>
+              <a:t> (3)</a:t>
+            </a:r>
+            <a:endParaRPr lang="bg-BG" dirty="0"/>
+          </a:p>
+        </p:txBody>
+      </p:sp>
+      <p:sp>
+        <p:nvSpPr>
+          <p:cNvPr id="8" name="Text Placeholder 1">
+            <a:extLst>
+              <a:ext uri="{FF2B5EF4-FFF2-40B4-BE49-F238E27FC236}">
+                <a16:creationId xmlns:a16="http://schemas.microsoft.com/office/drawing/2014/main" id="{E3351280-7625-4125-BB75-5B5EAAA02FC4}"/>
+              </a:ext>
+            </a:extLst>
+          </p:cNvPr>
+          <p:cNvSpPr txBox="1">
+            <a:spLocks/>
+          </p:cNvSpPr>
+          <p:nvPr/>
+        </p:nvSpPr>
+        <p:spPr>
+          <a:xfrm>
+            <a:off x="642923" y="3114000"/>
+            <a:ext cx="11025000" cy="3172764"/>
+          </a:xfrm>
+          <a:prstGeom prst="rect">
+            <a:avLst/>
+          </a:prstGeom>
+          <a:solidFill>
+            <a:srgbClr val="F4F5F7">
+              <a:lumMod val="75000"/>
+              <a:alpha val="15000"/>
+            </a:srgbClr>
+          </a:solidFill>
+          <a:ln w="12700">
+            <a:solidFill>
+              <a:srgbClr val="234465">
+                <a:lumMod val="50000"/>
+              </a:srgbClr>
+            </a:solidFill>
+          </a:ln>
+        </p:spPr>
+        <p:txBody>
+          <a:bodyPr vert="horz" wrap="square" lIns="144000" tIns="108000" rIns="144000" bIns="108000" rtlCol="0" anchor="t">
+            <a:spAutoFit/>
+          </a:bodyPr>
+          <a:lstStyle>
+            <a:lvl1pPr marL="360363" indent="-360363" algn="l" defTabSz="1218438" rtl="0" eaLnBrk="1" latinLnBrk="0" hangingPunct="1">
+              <a:lnSpc>
+                <a:spcPct val="110000"/>
+              </a:lnSpc>
+              <a:spcBef>
+                <a:spcPts val="0"/>
+              </a:spcBef>
+              <a:spcAft>
+                <a:spcPts val="0"/>
+              </a:spcAft>
+              <a:buFont typeface="Wingdings" panose="05000000000000000000" pitchFamily="2" charset="2"/>
+              <a:buNone/>
+              <a:defRPr lang="en-US" sz="2800" b="1" kern="1200" smtClean="0">
+                <a:solidFill>
+                  <a:schemeClr val="tx1"/>
+                </a:solidFill>
+                <a:latin typeface="Consolas" pitchFamily="49" charset="0"/>
+                <a:ea typeface="+mn-ea"/>
+                <a:cs typeface="+mn-cs"/>
+              </a:defRPr>
+            </a:lvl1pPr>
+            <a:lvl2pPr marL="803275" indent="-360363" algn="l" defTabSz="1218438" rtl="0" eaLnBrk="1" latinLnBrk="0" hangingPunct="1">
+              <a:lnSpc>
+                <a:spcPct val="105000"/>
+              </a:lnSpc>
+              <a:spcBef>
+                <a:spcPts val="600"/>
+              </a:spcBef>
+              <a:spcAft>
+                <a:spcPts val="600"/>
+              </a:spcAft>
+              <a:buFont typeface="Wingdings" panose="05000000000000000000" pitchFamily="2" charset="2"/>
+              <a:buChar char="§"/>
+              <a:defRPr lang="en-US" sz="3198" kern="1200" smtClean="0">
+                <a:solidFill>
+                  <a:schemeClr val="tx1"/>
+                </a:solidFill>
+                <a:latin typeface="+mn-lt"/>
+                <a:ea typeface="+mn-ea"/>
+                <a:cs typeface="+mn-cs"/>
+              </a:defRPr>
+            </a:lvl2pPr>
+            <a:lvl3pPr marL="1255713" indent="-360363" algn="l" defTabSz="1218438" rtl="0" eaLnBrk="1" latinLnBrk="0" hangingPunct="1">
+              <a:lnSpc>
+                <a:spcPct val="105000"/>
+              </a:lnSpc>
+              <a:spcBef>
+                <a:spcPts val="600"/>
+              </a:spcBef>
+              <a:spcAft>
+                <a:spcPts val="600"/>
+              </a:spcAft>
+              <a:buFont typeface="Wingdings" panose="05000000000000000000" pitchFamily="2" charset="2"/>
+              <a:buChar char="§"/>
+              <a:defRPr lang="en-US" sz="2998" kern="1200" smtClean="0">
+                <a:solidFill>
+                  <a:schemeClr val="tx1"/>
+                </a:solidFill>
+                <a:latin typeface="+mn-lt"/>
+                <a:ea typeface="+mn-ea"/>
+                <a:cs typeface="+mn-cs"/>
+              </a:defRPr>
+            </a:lvl3pPr>
+            <a:lvl4pPr marL="1700213" indent="-352425" algn="l" defTabSz="1218438" rtl="0" eaLnBrk="1" latinLnBrk="0" hangingPunct="1">
+              <a:lnSpc>
+                <a:spcPct val="105000"/>
+              </a:lnSpc>
+              <a:spcBef>
+                <a:spcPts val="600"/>
+              </a:spcBef>
+              <a:spcAft>
+                <a:spcPts val="600"/>
+              </a:spcAft>
+              <a:buFont typeface="Wingdings" panose="05000000000000000000" pitchFamily="2" charset="2"/>
+              <a:buChar char="§"/>
+              <a:defRPr lang="en-US" sz="2798" kern="1200" smtClean="0">
+                <a:solidFill>
+                  <a:schemeClr val="tx1"/>
+                </a:solidFill>
+                <a:latin typeface="+mn-lt"/>
+                <a:ea typeface="+mn-ea"/>
+                <a:cs typeface="+mn-cs"/>
+              </a:defRPr>
+            </a:lvl4pPr>
+            <a:lvl5pPr marL="2058988" indent="-266700" algn="l" defTabSz="1218438" rtl="0" eaLnBrk="1" latinLnBrk="0" hangingPunct="1">
+              <a:lnSpc>
+                <a:spcPct val="105000"/>
+              </a:lnSpc>
+              <a:spcBef>
+                <a:spcPts val="600"/>
+              </a:spcBef>
+              <a:spcAft>
+                <a:spcPts val="600"/>
+              </a:spcAft>
+              <a:buFont typeface="Wingdings" panose="05000000000000000000" pitchFamily="2" charset="2"/>
+              <a:buChar char="§"/>
+              <a:defRPr lang="en-US" sz="2598" kern="1200">
+                <a:solidFill>
+                  <a:schemeClr val="tx1"/>
+                </a:solidFill>
+                <a:latin typeface="+mn-lt"/>
+                <a:ea typeface="+mn-ea"/>
+                <a:cs typeface="+mn-cs"/>
+              </a:defRPr>
+            </a:lvl5pPr>
+            <a:lvl6pPr marL="3350704" indent="-304610" algn="l" defTabSz="1218438" rtl="0" eaLnBrk="1" latinLnBrk="1" hangingPunct="1">
+              <a:spcBef>
+                <a:spcPct val="20000"/>
+              </a:spcBef>
+              <a:buFont typeface="Arial" pitchFamily="34" charset="0"/>
+              <a:buChar char="•"/>
+              <a:defRPr sz="2665" kern="1200">
+                <a:solidFill>
+                  <a:schemeClr val="tx1"/>
+                </a:solidFill>
+                <a:latin typeface="+mn-lt"/>
+                <a:ea typeface="+mn-ea"/>
+                <a:cs typeface="+mn-cs"/>
+              </a:defRPr>
+            </a:lvl6pPr>
+            <a:lvl7pPr marL="3959924" indent="-304610" algn="l" defTabSz="1218438" rtl="0" eaLnBrk="1" latinLnBrk="1" hangingPunct="1">
+              <a:spcBef>
+                <a:spcPct val="20000"/>
+              </a:spcBef>
+              <a:buFont typeface="Arial" pitchFamily="34" charset="0"/>
+              <a:buChar char="•"/>
+              <a:defRPr sz="2665" kern="1200">
+                <a:solidFill>
+                  <a:schemeClr val="tx1"/>
+                </a:solidFill>
+                <a:latin typeface="+mn-lt"/>
+                <a:ea typeface="+mn-ea"/>
+                <a:cs typeface="+mn-cs"/>
+              </a:defRPr>
+            </a:lvl7pPr>
+            <a:lvl8pPr marL="4569143" indent="-304610" algn="l" defTabSz="1218438" rtl="0" eaLnBrk="1" latinLnBrk="1" hangingPunct="1">
+              <a:spcBef>
+                <a:spcPct val="20000"/>
+              </a:spcBef>
+              <a:buFont typeface="Arial" pitchFamily="34" charset="0"/>
+              <a:buChar char="•"/>
+              <a:defRPr sz="2665" kern="1200">
+                <a:solidFill>
+                  <a:schemeClr val="tx1"/>
+                </a:solidFill>
+                <a:latin typeface="+mn-lt"/>
+                <a:ea typeface="+mn-ea"/>
+                <a:cs typeface="+mn-cs"/>
+              </a:defRPr>
+            </a:lvl8pPr>
+            <a:lvl9pPr marL="5178362" indent="-304610" algn="l" defTabSz="1218438" rtl="0" eaLnBrk="1" latinLnBrk="1" hangingPunct="1">
+              <a:spcBef>
+                <a:spcPct val="20000"/>
+              </a:spcBef>
+              <a:buFont typeface="Arial" pitchFamily="34" charset="0"/>
+              <a:buChar char="•"/>
+              <a:defRPr sz="2665" kern="1200">
+                <a:solidFill>
+                  <a:schemeClr val="tx1"/>
+                </a:solidFill>
+                <a:latin typeface="+mn-lt"/>
+                <a:ea typeface="+mn-ea"/>
+                <a:cs typeface="+mn-cs"/>
+              </a:defRPr>
+            </a:lvl9pPr>
+          </a:lstStyle>
+          <a:p>
+            <a:pPr marL="360045" indent="-360045">
+              <a:lnSpc>
+                <a:spcPct val="100000"/>
+              </a:lnSpc>
+              <a:defRPr/>
+            </a:pPr>
+            <a:r>
+              <a:rPr lang="en-GB" sz="2400" dirty="0"/>
+              <a:t>char[] separators = new char[] { ' ', ',', '.' };</a:t>
+            </a:r>
+            <a:endParaRPr lang="bg-BG" sz="2400" dirty="0"/>
+          </a:p>
+          <a:p>
+            <a:pPr marL="360045" indent="-360045">
+              <a:lnSpc>
+                <a:spcPct val="100000"/>
+              </a:lnSpc>
+              <a:defRPr/>
+            </a:pPr>
+            <a:endParaRPr lang="en-GB" sz="2400" dirty="0"/>
+          </a:p>
+          <a:p>
+            <a:pPr marL="360045" indent="-360045">
+              <a:lnSpc>
+                <a:spcPct val="100000"/>
+              </a:lnSpc>
+              <a:defRPr/>
+            </a:pPr>
+            <a:r>
+              <a:rPr lang="en-GB" sz="2400" dirty="0"/>
+              <a:t>string text = "Hello, I am John.";</a:t>
+            </a:r>
+            <a:endParaRPr lang="bg-BG" sz="2400" dirty="0"/>
+          </a:p>
+          <a:p>
+            <a:pPr marL="360045" indent="-360045">
+              <a:lnSpc>
+                <a:spcPct val="100000"/>
+              </a:lnSpc>
+              <a:defRPr/>
+            </a:pPr>
+            <a:endParaRPr lang="en-GB" sz="2400" dirty="0"/>
+          </a:p>
+          <a:p>
+            <a:pPr marL="360045" indent="-360045">
+              <a:lnSpc>
+                <a:spcPct val="100000"/>
+              </a:lnSpc>
+              <a:defRPr/>
+            </a:pPr>
+            <a:r>
+              <a:rPr lang="en-GB" sz="2400" dirty="0">
+                <a:latin typeface="Consolas"/>
+              </a:rPr>
+              <a:t>string[] words = text</a:t>
+            </a:r>
+            <a:br>
+              <a:rPr lang="en-GB" sz="2400" dirty="0"/>
+            </a:br>
+            <a:r>
+              <a:rPr lang="en-GB" sz="2400" dirty="0">
+                <a:latin typeface="Consolas"/>
+              </a:rPr>
+              <a:t> .</a:t>
+            </a:r>
+            <a:r>
+              <a:rPr lang="en-GB" sz="2400" dirty="0">
+                <a:solidFill>
+                  <a:schemeClr val="bg1"/>
+                </a:solidFill>
+                <a:latin typeface="Consolas"/>
+              </a:rPr>
+              <a:t>Split</a:t>
+            </a:r>
+            <a:r>
+              <a:rPr lang="en-GB" sz="2400" dirty="0">
+                <a:latin typeface="Consolas"/>
+              </a:rPr>
+              <a:t>(</a:t>
+            </a:r>
+            <a:r>
+              <a:rPr lang="en-GB" sz="2400" dirty="0">
+                <a:solidFill>
+                  <a:schemeClr val="bg1"/>
+                </a:solidFill>
+                <a:latin typeface="Consolas"/>
+              </a:rPr>
+              <a:t>separators</a:t>
+            </a:r>
+            <a:r>
+              <a:rPr lang="en-GB" sz="2400" dirty="0">
+                <a:latin typeface="Consolas"/>
+              </a:rPr>
+              <a:t>,</a:t>
+            </a:r>
+            <a:r>
+              <a:rPr lang="bg-BG" sz="2400" dirty="0">
+                <a:solidFill>
+                  <a:srgbClr val="234465"/>
+                </a:solidFill>
+                <a:latin typeface="Consolas"/>
+              </a:rPr>
+              <a:t> </a:t>
+            </a:r>
+            <a:r>
+              <a:rPr lang="en-GB" sz="2400" dirty="0">
+                <a:solidFill>
+                  <a:schemeClr val="bg1"/>
+                </a:solidFill>
+                <a:latin typeface="Consolas"/>
+              </a:rPr>
+              <a:t>StringSplitOptions.RemoveEmptyEntries</a:t>
+            </a:r>
+            <a:r>
+              <a:rPr lang="en-GB" sz="2400" dirty="0">
+                <a:latin typeface="Consolas"/>
+              </a:rPr>
+              <a:t>);</a:t>
+            </a:r>
+            <a:endParaRPr lang="bg-BG" sz="2400" dirty="0">
+              <a:latin typeface="Consolas"/>
+            </a:endParaRPr>
+          </a:p>
+          <a:p>
+            <a:pPr marL="360045" indent="-360045">
+              <a:lnSpc>
+                <a:spcPct val="100000"/>
+              </a:lnSpc>
+              <a:defRPr/>
+            </a:pPr>
+            <a:r>
+              <a:rPr lang="en-GB" sz="2400" dirty="0">
+                <a:solidFill>
+                  <a:srgbClr val="234465"/>
+                </a:solidFill>
+              </a:rPr>
+              <a:t> </a:t>
+            </a:r>
+          </a:p>
+          <a:p>
+            <a:pPr marL="360045" indent="-360045">
+              <a:lnSpc>
+                <a:spcPct val="100000"/>
+              </a:lnSpc>
+              <a:defRPr/>
+            </a:pPr>
+            <a:r>
+              <a:rPr lang="en-GB" sz="2400" i="1" dirty="0">
+                <a:solidFill>
+                  <a:srgbClr val="00B050"/>
+                </a:solidFill>
+              </a:rPr>
+              <a:t>//</a:t>
+            </a:r>
+            <a:r>
+              <a:rPr lang="bg-BG" sz="2400" i="1" dirty="0">
+                <a:solidFill>
+                  <a:srgbClr val="00B050"/>
+                </a:solidFill>
+              </a:rPr>
+              <a:t> </a:t>
+            </a:r>
+            <a:r>
+              <a:rPr lang="en-GB" sz="2400" i="1" dirty="0">
+                <a:solidFill>
+                  <a:srgbClr val="00B050"/>
+                </a:solidFill>
+              </a:rPr>
+              <a:t>"Hello", "I", "am", "John"</a:t>
+            </a:r>
+            <a:endParaRPr lang="bg-BG" dirty="0">
+              <a:solidFill>
+                <a:srgbClr val="234465"/>
+              </a:solidFill>
+            </a:endParaRPr>
+          </a:p>
+        </p:txBody>
+      </p:sp>
+      <p:sp>
+        <p:nvSpPr>
+          <p:cNvPr id="3" name="Slide Number">
+            <a:extLst>
+              <a:ext uri="{FF2B5EF4-FFF2-40B4-BE49-F238E27FC236}">
+                <a16:creationId xmlns:a16="http://schemas.microsoft.com/office/drawing/2014/main" id="{53F27F4D-E74C-6B5B-3735-5B432F613A47}"/>
+              </a:ext>
+            </a:extLst>
+          </p:cNvPr>
+          <p:cNvSpPr>
+            <a:spLocks noGrp="1"/>
+          </p:cNvSpPr>
+          <p:nvPr>
+            <p:ph type="sldNum" sz="quarter" idx="5"/>
+          </p:nvPr>
+        </p:nvSpPr>
+        <p:spPr>
+          <a:xfrm>
+            <a:off x="11753030" y="6507000"/>
+            <a:ext cx="367414" cy="297000"/>
+          </a:xfrm>
+          <a:prstGeom prst="rect">
+            <a:avLst/>
+          </a:prstGeom>
+        </p:spPr>
+        <p:txBody>
+          <a:bodyPr vert="horz" lIns="91440" tIns="45720" rIns="91440" bIns="45720" rtlCol="0" anchor="b"/>
+          <a:lstStyle>
+            <a:lvl1pPr algn="r">
+              <a:defRPr sz="1000"/>
+            </a:lvl1pPr>
+          </a:lstStyle>
+          <a:p>
+            <a:fld id="{2BF067CD-8E6B-4360-9AA8-C5DF2A48A6D1}" type="slidenum">
+              <a:rPr lang="en-US" noProof="0" smtClean="0"/>
+              <a:pPr/>
+              <a:t>20</a:t>
+            </a:fld>
+            <a:endParaRPr lang="en-US" noProof="0" dirty="0"/>
+          </a:p>
+        </p:txBody>
+      </p:sp>
+    </p:spTree>
+    <p:extLst>
+      <p:ext uri="{BB962C8B-B14F-4D97-AF65-F5344CB8AC3E}">
+        <p14:creationId xmlns:p14="http://schemas.microsoft.com/office/powerpoint/2010/main" val="1396285722"/>
+      </p:ext>
+    </p:extLst>
+  </p:cSld>
+  <p:clrMapOvr>
+    <a:masterClrMapping/>
+  </p:clrMapOvr>
+  <mc:AlternateContent xmlns:mc="http://schemas.openxmlformats.org/markup-compatibility/2006" xmlns:p14="http://schemas.microsoft.com/office/powerpoint/2010/main">
+    <mc:Choice Requires="p14">
+      <p:transition spd="slow" p14:dur="2000" advClick="0" advTm="5000"/>
+    </mc:Choice>
+    <mc:Fallback xmlns="">
+      <p:transition spd="slow" advClick="0" advTm="5000"/>
+    </mc:Fallback>
+  </mc:AlternateContent>
+  <p:timing>
+    <p:tnLst>
+      <p:par>
+        <p:cTn id="1" dur="indefinite" restart="never" nodeType="tmRoot">
+          <p:childTnLst>
+            <p:seq concurrent="1" nextAc="seek">
+              <p:cTn id="2" dur="indefinite" nodeType="mainSeq">
+                <p:childTnLst>
+                  <p:par>
+                    <p:cTn id="3" fill="hold">
+                      <p:stCondLst>
+                        <p:cond delay="indefinite"/>
+                      </p:stCondLst>
+                      <p:childTnLst>
+                        <p:par>
+                          <p:cTn id="4" fill="hold">
+                            <p:stCondLst>
+                              <p:cond delay="0"/>
+                            </p:stCondLst>
+                            <p:childTnLst>
+                              <p:par>
+                                <p:cTn id="5" presetID="1" presetClass="entr" presetSubtype="0" fill="hold" grpId="0" nodeType="clickEffect">
+                                  <p:stCondLst>
+                                    <p:cond delay="0"/>
+                                  </p:stCondLst>
+                                  <p:childTnLst>
+                                    <p:set>
+                                      <p:cBhvr>
+                                        <p:cTn id="6" dur="1" fill="hold">
+                                          <p:stCondLst>
+                                            <p:cond delay="0"/>
+                                          </p:stCondLst>
+                                        </p:cTn>
+                                        <p:tgtEl>
+                                          <p:spTgt spid="8">
+                                            <p:bg/>
+                                          </p:spTgt>
+                                        </p:tgtEl>
+                                        <p:attrNameLst>
+                                          <p:attrName>style.visibility</p:attrName>
+                                        </p:attrNameLst>
+                                      </p:cBhvr>
+                                      <p:to>
+                                        <p:strVal val="visible"/>
+                                      </p:to>
+                                    </p:set>
+                                  </p:childTnLst>
+                                </p:cTn>
+                              </p:par>
+                              <p:par>
+                                <p:cTn id="7" presetID="1" presetClass="entr" presetSubtype="0" fill="hold" grpId="0" nodeType="withEffect">
+                                  <p:stCondLst>
+                                    <p:cond delay="0"/>
+                                  </p:stCondLst>
+                                  <p:childTnLst>
+                                    <p:set>
+                                      <p:cBhvr>
+                                        <p:cTn id="8" dur="1" fill="hold">
+                                          <p:stCondLst>
+                                            <p:cond delay="0"/>
+                                          </p:stCondLst>
+                                        </p:cTn>
+                                        <p:tgtEl>
+                                          <p:spTgt spid="8">
+                                            <p:txEl>
+                                              <p:pRg st="0" end="0"/>
+                                            </p:txEl>
+                                          </p:spTgt>
+                                        </p:tgtEl>
+                                        <p:attrNameLst>
+                                          <p:attrName>style.visibility</p:attrName>
+                                        </p:attrNameLst>
+                                      </p:cBhvr>
+                                      <p:to>
+                                        <p:strVal val="visible"/>
+                                      </p:to>
+                                    </p:set>
+                                  </p:childTnLst>
+                                </p:cTn>
+                              </p:par>
+                            </p:childTnLst>
+                          </p:cTn>
+                        </p:par>
+                      </p:childTnLst>
+                    </p:cTn>
+                  </p:par>
+                  <p:par>
+                    <p:cTn id="9" fill="hold">
+                      <p:stCondLst>
+                        <p:cond delay="indefinite"/>
+                      </p:stCondLst>
+                      <p:childTnLst>
+                        <p:par>
+                          <p:cTn id="10" fill="hold">
+                            <p:stCondLst>
+                              <p:cond delay="0"/>
+                            </p:stCondLst>
+                            <p:childTnLst>
+                              <p:par>
+                                <p:cTn id="11" presetID="1" presetClass="entr" presetSubtype="0" fill="hold" grpId="0" nodeType="clickEffect">
+                                  <p:stCondLst>
+                                    <p:cond delay="0"/>
+                                  </p:stCondLst>
+                                  <p:childTnLst>
+                                    <p:set>
+                                      <p:cBhvr>
+                                        <p:cTn id="12" dur="1" fill="hold">
+                                          <p:stCondLst>
+                                            <p:cond delay="0"/>
+                                          </p:stCondLst>
+                                        </p:cTn>
+                                        <p:tgtEl>
+                                          <p:spTgt spid="8">
+                                            <p:txEl>
+                                              <p:pRg st="2" end="2"/>
+                                            </p:txEl>
+                                          </p:spTgt>
+                                        </p:tgtEl>
+                                        <p:attrNameLst>
+                                          <p:attrName>style.visibility</p:attrName>
+                                        </p:attrNameLst>
+                                      </p:cBhvr>
+                                      <p:to>
+                                        <p:strVal val="visible"/>
+                                      </p:to>
+                                    </p:set>
+                                  </p:childTnLst>
+                                </p:cTn>
+                              </p:par>
+                            </p:childTnLst>
+                          </p:cTn>
+                        </p:par>
+                      </p:childTnLst>
+                    </p:cTn>
+                  </p:par>
+                  <p:par>
+                    <p:cTn id="13" fill="hold">
+                      <p:stCondLst>
+                        <p:cond delay="indefinite"/>
+                      </p:stCondLst>
+                      <p:childTnLst>
+                        <p:par>
+                          <p:cTn id="14" fill="hold">
+                            <p:stCondLst>
+                              <p:cond delay="0"/>
+                            </p:stCondLst>
+                            <p:childTnLst>
+                              <p:par>
+                                <p:cTn id="15" presetID="1" presetClass="entr" presetSubtype="0" fill="hold" grpId="0" nodeType="clickEffect">
+                                  <p:stCondLst>
+                                    <p:cond delay="0"/>
+                                  </p:stCondLst>
+                                  <p:childTnLst>
+                                    <p:set>
+                                      <p:cBhvr>
+                                        <p:cTn id="16" dur="1" fill="hold">
+                                          <p:stCondLst>
+                                            <p:cond delay="0"/>
+                                          </p:stCondLst>
+                                        </p:cTn>
+                                        <p:tgtEl>
+                                          <p:spTgt spid="8">
+                                            <p:txEl>
+                                              <p:pRg st="4" end="4"/>
+                                            </p:txEl>
+                                          </p:spTgt>
+                                        </p:tgtEl>
+                                        <p:attrNameLst>
+                                          <p:attrName>style.visibility</p:attrName>
+                                        </p:attrNameLst>
+                                      </p:cBhvr>
+                                      <p:to>
+                                        <p:strVal val="visible"/>
+                                      </p:to>
+                                    </p:set>
+                                  </p:childTnLst>
+                                </p:cTn>
+                              </p:par>
+                            </p:childTnLst>
+                          </p:cTn>
+                        </p:par>
+                      </p:childTnLst>
+                    </p:cTn>
+                  </p:par>
+                  <p:par>
+                    <p:cTn id="17" fill="hold">
+                      <p:stCondLst>
+                        <p:cond delay="indefinite"/>
+                      </p:stCondLst>
+                      <p:childTnLst>
+                        <p:par>
+                          <p:cTn id="18" fill="hold">
+                            <p:stCondLst>
+                              <p:cond delay="0"/>
+                            </p:stCondLst>
+                            <p:childTnLst>
+                              <p:par>
+                                <p:cTn id="19" presetID="1" presetClass="entr" presetSubtype="0" fill="hold" grpId="0" nodeType="clickEffect">
+                                  <p:stCondLst>
+                                    <p:cond delay="0"/>
+                                  </p:stCondLst>
+                                  <p:childTnLst>
+                                    <p:set>
+                                      <p:cBhvr>
+                                        <p:cTn id="20" dur="1" fill="hold">
+                                          <p:stCondLst>
+                                            <p:cond delay="0"/>
+                                          </p:stCondLst>
+                                        </p:cTn>
+                                        <p:tgtEl>
+                                          <p:spTgt spid="8">
+                                            <p:txEl>
+                                              <p:pRg st="6" end="6"/>
+                                            </p:txEl>
+                                          </p:spTgt>
+                                        </p:tgtEl>
+                                        <p:attrNameLst>
+                                          <p:attrName>style.visibility</p:attrName>
+                                        </p:attrNameLst>
+                                      </p:cBhvr>
+                                      <p:to>
+                                        <p:strVal val="visible"/>
+                                      </p:to>
+                                    </p:set>
+                                  </p:childTnLst>
+                                </p:cTn>
+                              </p:par>
+                            </p:childTnLst>
+                          </p:cTn>
+                        </p:par>
+                      </p:childTnLst>
+                    </p:cTn>
+                  </p:par>
+                </p:childTnLst>
+              </p:cTn>
+              <p:prevCondLst>
+                <p:cond evt="onPrev" delay="0">
+                  <p:tgtEl>
+                    <p:sldTgt/>
+                  </p:tgtEl>
+                </p:cond>
+              </p:prevCondLst>
+              <p:nextCondLst>
+                <p:cond evt="onNext" delay="0">
+                  <p:tgtEl>
+                    <p:sldTgt/>
+                  </p:tgtEl>
+                </p:cond>
+              </p:nextCondLst>
+            </p:seq>
+          </p:childTnLst>
+        </p:cTn>
+      </p:par>
+    </p:tnLst>
+    <p:bldLst>
+      <p:bldP spid="8" grpId="0" uiExpand="1" build="p" animBg="1"/>
+    </p:bldLst>
+  </p:timing>
+</p:sld>
+</file>
+
+<file path=ppt/slides/slide21.xml><?xml version="1.0" encoding="utf-8"?>
+<p:sld xmlns:a="http://schemas.openxmlformats.org/drawingml/2006/main" xmlns:r="http://schemas.openxmlformats.org/officeDocument/2006/relationships" xmlns:p="http://schemas.openxmlformats.org/presentationml/2006/main">
+  <p:cSld>
+    <p:spTree>
+      <p:nvGrpSpPr>
+        <p:cNvPr id="1" name=""/>
+        <p:cNvGrpSpPr/>
+        <p:nvPr/>
+      </p:nvGrpSpPr>
+      <p:grpSpPr>
+        <a:xfrm>
+          <a:off x="0" y="0"/>
+          <a:ext cx="0" cy="0"/>
+          <a:chOff x="0" y="0"/>
+          <a:chExt cx="0" cy="0"/>
+        </a:xfrm>
+      </p:grpSpPr>
+      <p:sp>
+        <p:nvSpPr>
           <p:cNvPr id="4" name="Текстов контейнер 3">
             <a:extLst>
               <a:ext uri="{FF2B5EF4-FFF2-40B4-BE49-F238E27FC236}">
@@ -19580,7 +20052,7 @@
             <a:fld id="{2BF067CD-8E6B-4360-9AA8-C5DF2A48A6D1}" type="slidenum">
               <a:rPr lang="en-US" noProof="0" smtClean="0"/>
               <a:pPr/>
-              <a:t>20</a:t>
+              <a:t>21</a:t>
             </a:fld>
             <a:endParaRPr lang="en-US" noProof="0" dirty="0"/>
           </a:p>
@@ -19914,7 +20386,7 @@
 </p:sld>
 </file>
 
-<file path=ppt/slides/slide21.xml><?xml version="1.0" encoding="utf-8"?>
+<file path=ppt/slides/slide22.xml><?xml version="1.0" encoding="utf-8"?>
 <p:sld xmlns:a="http://schemas.openxmlformats.org/drawingml/2006/main" xmlns:r="http://schemas.openxmlformats.org/officeDocument/2006/relationships" xmlns:p="http://schemas.openxmlformats.org/presentationml/2006/main">
   <p:cSld>
     <p:spTree>
@@ -19948,7 +20420,23 @@
           <a:p>
             <a:r>
               <a:rPr lang="en-US" sz="3950" dirty="0"/>
-              <a:t>Задача: Текст филтър</a:t>
+              <a:t>Задача: </a:t>
+            </a:r>
+            <a:r>
+              <a:rPr lang="bg-BG" sz="3950" dirty="0"/>
+              <a:t>Текст</a:t>
+            </a:r>
+            <a:r>
+              <a:rPr lang="en-US" sz="3950" dirty="0"/>
+              <a:t>o</a:t>
+            </a:r>
+            <a:r>
+              <a:rPr lang="bg-BG" sz="3950" dirty="0"/>
+              <a:t>в</a:t>
+            </a:r>
+            <a:r>
+              <a:rPr lang="en-US" sz="3950" dirty="0"/>
+              <a:t> филтър</a:t>
             </a:r>
             <a:endParaRPr lang="en-US" sz="3950" dirty="0">
               <a:cs typeface="Calibri"/>
@@ -20551,7 +21039,7 @@
             <a:fld id="{2BF067CD-8E6B-4360-9AA8-C5DF2A48A6D1}" type="slidenum">
               <a:rPr lang="en-US" noProof="0" smtClean="0"/>
               <a:pPr/>
-              <a:t>21</a:t>
+              <a:t>22</a:t>
             </a:fld>
             <a:endParaRPr lang="en-US" noProof="0" dirty="0"/>
           </a:p>
@@ -20761,7 +21249,7 @@
 </p:sld>
 </file>
 
-<file path=ppt/slides/slide22.xml><?xml version="1.0" encoding="utf-8"?>
+<file path=ppt/slides/slide23.xml><?xml version="1.0" encoding="utf-8"?>
 <p:sld xmlns:a="http://schemas.openxmlformats.org/drawingml/2006/main" xmlns:r="http://schemas.openxmlformats.org/officeDocument/2006/relationships" xmlns:p="http://schemas.openxmlformats.org/presentationml/2006/main">
   <p:cSld>
     <p:spTree>
@@ -20802,7 +21290,21 @@
                 <a:ea typeface="+mj-lt"/>
                 <a:cs typeface="+mj-lt"/>
               </a:rPr>
-              <a:t>Текст филтър</a:t>
+              <a:t>Текст</a:t>
+            </a:r>
+            <a:r>
+              <a:rPr lang="bg-BG" sz="3950" dirty="0">
+                <a:ea typeface="+mj-lt"/>
+                <a:cs typeface="+mj-lt"/>
+              </a:rPr>
+              <a:t>ов</a:t>
+            </a:r>
+            <a:r>
+              <a:rPr lang="en-US" sz="3950" dirty="0">
+                <a:ea typeface="+mj-lt"/>
+                <a:cs typeface="+mj-lt"/>
+              </a:rPr>
+              <a:t> филтър</a:t>
             </a:r>
             <a:endParaRPr lang="en-GB" sz="3950" b="0" dirty="0">
               <a:ea typeface="+mj-lt"/>
@@ -21448,7 +21950,7 @@
               <a:rPr lang="en-US" sz="1999" dirty="0">
                 <a:hlinkClick r:id="rId2"/>
               </a:rPr>
-              <a:t>https://judge.softuni.org/Contests/Practice/Index/4163#3</a:t>
+              <a:t>https://judge.softuni.org/Contests/Practice/Index/4163#2</a:t>
             </a:r>
             <a:endParaRPr lang="en-US" sz="1999" dirty="0"/>
           </a:p>
@@ -21490,7 +21992,7 @@
             <a:fld id="{2BF067CD-8E6B-4360-9AA8-C5DF2A48A6D1}" type="slidenum">
               <a:rPr lang="en-US" noProof="0" smtClean="0"/>
               <a:pPr/>
-              <a:t>22</a:t>
+              <a:t>23</a:t>
             </a:fld>
             <a:endParaRPr lang="en-US" noProof="0" dirty="0"/>
           </a:p>
@@ -22129,7 +22631,7 @@
 </p:sld>
 </file>
 
-<file path=ppt/slides/slide23.xml><?xml version="1.0" encoding="utf-8"?>
+<file path=ppt/slides/slide24.xml><?xml version="1.0" encoding="utf-8"?>
 <p:sld xmlns:a="http://schemas.openxmlformats.org/drawingml/2006/main" xmlns:r="http://schemas.openxmlformats.org/officeDocument/2006/relationships" xmlns:p="http://schemas.openxmlformats.org/presentationml/2006/main">
   <p:cSld>
     <p:spTree>
@@ -22259,7 +22761,7 @@
 </p:sld>
 </file>
 
-<file path=ppt/slides/slide24.xml><?xml version="1.0" encoding="utf-8"?>
+<file path=ppt/slides/slide25.xml><?xml version="1.0" encoding="utf-8"?>
 <p:sld xmlns:a="http://schemas.openxmlformats.org/drawingml/2006/main" xmlns:r="http://schemas.openxmlformats.org/officeDocument/2006/relationships" xmlns:p="http://schemas.openxmlformats.org/presentationml/2006/main">
   <p:cSld>
     <p:spTree>
@@ -24661,7 +25163,7 @@
             <a:fld id="{2BF067CD-8E6B-4360-9AA8-C5DF2A48A6D1}" type="slidenum">
               <a:rPr lang="en-US" smtClean="0"/>
               <a:pPr/>
-              <a:t>24</a:t>
+              <a:t>25</a:t>
             </a:fld>
             <a:endParaRPr lang="en-US" dirty="0"/>
           </a:p>
@@ -25035,7 +25537,7 @@
 </p:sld>
 </file>
 
-<file path=ppt/slides/slide25.xml><?xml version="1.0" encoding="utf-8"?>
+<file path=ppt/slides/slide26.xml><?xml version="1.0" encoding="utf-8"?>
 <p:sld xmlns:a="http://schemas.openxmlformats.org/drawingml/2006/main" xmlns:r="http://schemas.openxmlformats.org/officeDocument/2006/relationships" xmlns:p="http://schemas.openxmlformats.org/presentationml/2006/main">
   <p:cSld>
     <p:spTree>
@@ -25658,7 +26160,7 @@
             <a:fld id="{2BF067CD-8E6B-4360-9AA8-C5DF2A48A6D1}" type="slidenum">
               <a:rPr lang="en-US" noProof="0" smtClean="0"/>
               <a:pPr/>
-              <a:t>25</a:t>
+              <a:t>26</a:t>
             </a:fld>
             <a:endParaRPr lang="en-US" noProof="0" dirty="0"/>
           </a:p>
@@ -26087,7 +26589,7 @@
 </p:sld>
 </file>
 
-<file path=ppt/slides/slide26.xml><?xml version="1.0" encoding="utf-8"?>
+<file path=ppt/slides/slide27.xml><?xml version="1.0" encoding="utf-8"?>
 <p:sld xmlns:a="http://schemas.openxmlformats.org/drawingml/2006/main" xmlns:r="http://schemas.openxmlformats.org/officeDocument/2006/relationships" xmlns:p="http://schemas.openxmlformats.org/presentationml/2006/main">
   <p:cSld>
     <p:spTree>
@@ -26681,7 +27183,7 @@
             <a:fld id="{2BF067CD-8E6B-4360-9AA8-C5DF2A48A6D1}" type="slidenum">
               <a:rPr lang="en-US" noProof="0" smtClean="0"/>
               <a:pPr/>
-              <a:t>26</a:t>
+              <a:t>27</a:t>
             </a:fld>
             <a:endParaRPr lang="en-US" noProof="0" dirty="0"/>
           </a:p>
@@ -26718,7 +27220,7 @@
           </a:bodyPr>
           <a:lstStyle/>
           <a:p>
-            <a:pPr algn="l" eaLnBrk="0" hangingPunct="0">
+            <a:pPr eaLnBrk="0" hangingPunct="0">
               <a:lnSpc>
                 <a:spcPct val="110000"/>
               </a:lnSpc>
@@ -26737,7 +27239,7 @@
                 </a:solidFill>
                 <a:latin typeface="Consolas" panose="020B0609020204030204" pitchFamily="49" charset="0"/>
               </a:rPr>
-              <a:t>// 73625</a:t>
+              <a:t>// 40744</a:t>
             </a:r>
             <a:endParaRPr lang="bg-BG" sz="2400" b="1" dirty="0">
               <a:latin typeface="Consolas" panose="020B0609020204030204" pitchFamily="49" charset="0"/>
@@ -27217,7 +27719,7 @@
 </p:sld>
 </file>
 
-<file path=ppt/slides/slide27.xml><?xml version="1.0" encoding="utf-8"?>
+<file path=ppt/slides/slide28.xml><?xml version="1.0" encoding="utf-8"?>
 <p:sld xmlns:a="http://schemas.openxmlformats.org/drawingml/2006/main" xmlns:r="http://schemas.openxmlformats.org/officeDocument/2006/relationships" xmlns:p="http://schemas.openxmlformats.org/presentationml/2006/main">
   <p:cSld>
     <p:spTree>
@@ -27800,7 +28302,7 @@
             <a:fld id="{2BF067CD-8E6B-4360-9AA8-C5DF2A48A6D1}" type="slidenum">
               <a:rPr lang="en-US" noProof="0" smtClean="0"/>
               <a:pPr/>
-              <a:t>27</a:t>
+              <a:t>28</a:t>
             </a:fld>
             <a:endParaRPr lang="en-US" noProof="0" dirty="0"/>
           </a:p>
@@ -27856,7 +28358,7 @@
                 </a:solidFill>
                 <a:latin typeface="Consolas (Основен текст)"/>
               </a:rPr>
-              <a:t>// 16</a:t>
+              <a:t>// 6</a:t>
             </a:r>
             <a:endParaRPr lang="bg-BG" sz="2400" b="1" dirty="0">
               <a:latin typeface="Consolas (Основен текст)"/>
@@ -28339,7 +28841,7 @@
 </p:sld>
 </file>
 
-<file path=ppt/slides/slide28.xml><?xml version="1.0" encoding="utf-8"?>
+<file path=ppt/slides/slide29.xml><?xml version="1.0" encoding="utf-8"?>
 <p:sld xmlns:a="http://schemas.openxmlformats.org/drawingml/2006/main" xmlns:r="http://schemas.openxmlformats.org/officeDocument/2006/relationships" xmlns:p="http://schemas.openxmlformats.org/presentationml/2006/main">
   <p:cSld>
     <p:spTree>
@@ -29199,7 +29701,7 @@
             <a:fld id="{2BF067CD-8E6B-4360-9AA8-C5DF2A48A6D1}" type="slidenum">
               <a:rPr lang="en-US" noProof="0" smtClean="0"/>
               <a:pPr/>
-              <a:t>28</a:t>
+              <a:t>29</a:t>
             </a:fld>
             <a:endParaRPr lang="en-US" noProof="0" dirty="0"/>
           </a:p>
@@ -29485,1272 +29987,6 @@
       </p:par>
     </p:tnLst>
     <p:bldLst>
-      <p:bldP spid="14" grpId="0" animBg="1"/>
-    </p:bldLst>
-  </p:timing>
-</p:sld>
-</file>
-
-<file path=ppt/slides/slide29.xml><?xml version="1.0" encoding="utf-8"?>
-<p:sld xmlns:a="http://schemas.openxmlformats.org/drawingml/2006/main" xmlns:r="http://schemas.openxmlformats.org/officeDocument/2006/relationships" xmlns:p="http://schemas.openxmlformats.org/presentationml/2006/main">
-  <p:cSld>
-    <p:spTree>
-      <p:nvGrpSpPr>
-        <p:cNvPr id="1" name=""/>
-        <p:cNvGrpSpPr/>
-        <p:nvPr/>
-      </p:nvGrpSpPr>
-      <p:grpSpPr>
-        <a:xfrm>
-          <a:off x="0" y="0"/>
-          <a:ext cx="0" cy="0"/>
-          <a:chOff x="0" y="0"/>
-          <a:chExt cx="0" cy="0"/>
-        </a:xfrm>
-      </p:grpSpPr>
-      <p:sp>
-        <p:nvSpPr>
-          <p:cNvPr id="7" name="Text Placeholder 6"/>
-          <p:cNvSpPr>
-            <a:spLocks noGrp="1"/>
-          </p:cNvSpPr>
-          <p:nvPr>
-            <p:ph type="body" sz="quarter" idx="10"/>
-          </p:nvPr>
-        </p:nvSpPr>
-        <p:spPr/>
-        <p:txBody>
-          <a:bodyPr vert="horz" lIns="108000" tIns="36000" rIns="108000" bIns="36000" rtlCol="0" anchor="t">
-            <a:normAutofit/>
-          </a:bodyPr>
-          <a:lstStyle/>
-          <a:p>
-            <a:pPr marL="360045" indent="-360045">
-              <a:lnSpc>
-                <a:spcPct val="100000"/>
-              </a:lnSpc>
-              <a:buClr>
-                <a:schemeClr val="tx1"/>
-              </a:buClr>
-            </a:pPr>
-            <a:r>
-              <a:rPr lang="bg-BG" sz="3400" b="1" dirty="0">
-                <a:solidFill>
-                  <a:schemeClr val="bg1"/>
-                </a:solidFill>
-                <a:latin typeface="Consolas"/>
-              </a:rPr>
-              <a:t>[</a:t>
-            </a:r>
-            <a:r>
-              <a:rPr lang="en-GB" sz="3400" b="1" noProof="1">
-                <a:solidFill>
-                  <a:schemeClr val="bg1"/>
-                </a:solidFill>
-                <a:latin typeface="Consolas"/>
-              </a:rPr>
-              <a:t>int</a:t>
-            </a:r>
-            <a:r>
-              <a:rPr lang="en-GB" sz="3400" b="1" dirty="0">
-                <a:solidFill>
-                  <a:schemeClr val="bg1"/>
-                </a:solidFill>
-                <a:latin typeface="Consolas"/>
-              </a:rPr>
-              <a:t> индекс]</a:t>
-            </a:r>
-            <a:r>
-              <a:rPr lang="en-GB" sz="3400" dirty="0"/>
-              <a:t> – </a:t>
-            </a:r>
-            <a:r>
-              <a:rPr lang="en-US" sz="3400" dirty="0"/>
-              <a:t>връща символ на даден индекс</a:t>
-            </a:r>
-            <a:endParaRPr lang="en-GB" sz="3400" b="1" dirty="0">
-              <a:solidFill>
-                <a:schemeClr val="bg1"/>
-              </a:solidFill>
-              <a:cs typeface="Calibri"/>
-            </a:endParaRPr>
-          </a:p>
-          <a:p>
-            <a:pPr marL="360045" indent="-360045">
-              <a:lnSpc>
-                <a:spcPct val="100000"/>
-              </a:lnSpc>
-              <a:buClr>
-                <a:schemeClr val="tx1"/>
-              </a:buClr>
-            </a:pPr>
-            <a:endParaRPr lang="en-GB" b="1" dirty="0">
-              <a:solidFill>
-                <a:schemeClr val="bg1"/>
-              </a:solidFill>
-              <a:cs typeface="Calibri"/>
-            </a:endParaRPr>
-          </a:p>
-          <a:p>
-            <a:pPr marL="360045" indent="-360045">
-              <a:lnSpc>
-                <a:spcPct val="100000"/>
-              </a:lnSpc>
-              <a:buClr>
-                <a:schemeClr val="tx1"/>
-              </a:buClr>
-            </a:pPr>
-            <a:endParaRPr lang="en-GB" b="1" dirty="0">
-              <a:solidFill>
-                <a:schemeClr val="bg1"/>
-              </a:solidFill>
-              <a:cs typeface="Calibri"/>
-            </a:endParaRPr>
-          </a:p>
-          <a:p>
-            <a:pPr marL="360045" indent="-360045">
-              <a:lnSpc>
-                <a:spcPct val="100000"/>
-              </a:lnSpc>
-              <a:buClr>
-                <a:schemeClr val="tx1"/>
-              </a:buClr>
-            </a:pPr>
-            <a:endParaRPr lang="en-GB" sz="2400" b="1" dirty="0">
-              <a:solidFill>
-                <a:schemeClr val="bg1"/>
-              </a:solidFill>
-              <a:cs typeface="Calibri"/>
-            </a:endParaRPr>
-          </a:p>
-          <a:p>
-            <a:pPr marL="360045" indent="-360045">
-              <a:lnSpc>
-                <a:spcPct val="100000"/>
-              </a:lnSpc>
-              <a:buClr>
-                <a:schemeClr val="tx1"/>
-              </a:buClr>
-            </a:pPr>
-            <a:r>
-              <a:rPr lang="en-GB" sz="3400" b="1" noProof="1">
-                <a:solidFill>
-                  <a:schemeClr val="bg1"/>
-                </a:solidFill>
-                <a:latin typeface="Consolas"/>
-              </a:rPr>
-              <a:t>Insert</a:t>
-            </a:r>
-            <a:r>
-              <a:rPr lang="en-GB" sz="3400" noProof="1">
-                <a:latin typeface="Consolas"/>
-              </a:rPr>
-              <a:t>(</a:t>
-            </a:r>
-            <a:r>
-              <a:rPr lang="en-GB" sz="3400" b="1" noProof="1">
-                <a:solidFill>
-                  <a:schemeClr val="bg1"/>
-                </a:solidFill>
-                <a:latin typeface="Consolas"/>
-              </a:rPr>
-              <a:t>int</a:t>
-            </a:r>
-            <a:r>
-              <a:rPr lang="en-GB" sz="3400" b="1" dirty="0">
-                <a:solidFill>
-                  <a:schemeClr val="bg1"/>
-                </a:solidFill>
-                <a:latin typeface="Consolas"/>
-              </a:rPr>
-              <a:t> индекс, string низ</a:t>
-            </a:r>
-            <a:r>
-              <a:rPr lang="en-GB" sz="3400" dirty="0">
-                <a:latin typeface="Consolas"/>
-              </a:rPr>
-              <a:t>)</a:t>
-            </a:r>
-            <a:r>
-              <a:rPr lang="en-GB" sz="3400" b="1" dirty="0">
-                <a:solidFill>
-                  <a:schemeClr val="bg1"/>
-                </a:solidFill>
-              </a:rPr>
-              <a:t> </a:t>
-            </a:r>
-            <a:r>
-              <a:rPr lang="en-GB" sz="3400" dirty="0"/>
-              <a:t>–  вмъква низ на определен индекс</a:t>
-            </a:r>
-            <a:endParaRPr lang="en-US" sz="3400" dirty="0">
-              <a:cs typeface="Calibri"/>
-            </a:endParaRPr>
-          </a:p>
-          <a:p>
-            <a:pPr marL="360045" indent="-360045">
-              <a:buClr>
-                <a:schemeClr val="tx1"/>
-              </a:buClr>
-            </a:pPr>
-            <a:endParaRPr lang="en-GB" b="1" dirty="0">
-              <a:solidFill>
-                <a:schemeClr val="bg1"/>
-              </a:solidFill>
-              <a:cs typeface="Calibri"/>
-            </a:endParaRPr>
-          </a:p>
-        </p:txBody>
-      </p:sp>
-      <p:sp>
-        <p:nvSpPr>
-          <p:cNvPr id="6" name="Title 5"/>
-          <p:cNvSpPr>
-            <a:spLocks noGrp="1"/>
-          </p:cNvSpPr>
-          <p:nvPr>
-            <p:ph type="title"/>
-          </p:nvPr>
-        </p:nvSpPr>
-        <p:spPr/>
-        <p:txBody>
-          <a:bodyPr>
-            <a:normAutofit/>
-          </a:bodyPr>
-          <a:lstStyle/>
-          <a:p>
-            <a:r>
-              <a:rPr lang="en-GB" sz="4000" noProof="1"/>
-              <a:t>Методи за </a:t>
-            </a:r>
-            <a:r>
-              <a:rPr lang="en-GB" sz="4000" noProof="1">
-                <a:latin typeface="Consolas" panose="020B0609020204030204" pitchFamily="49" charset="0"/>
-                <a:cs typeface="Consolas" panose="020B0609020204030204" pitchFamily="49" charset="0"/>
-              </a:rPr>
-              <a:t>StringBuilder</a:t>
-            </a:r>
-            <a:r>
-              <a:rPr lang="en-GB" sz="4000" noProof="1"/>
-              <a:t> </a:t>
-            </a:r>
-            <a:r>
-              <a:rPr lang="en-GB" sz="4000" dirty="0"/>
-              <a:t>(2)</a:t>
-            </a:r>
-            <a:endParaRPr lang="bg-BG" sz="4000" dirty="0">
-              <a:cs typeface="Calibri"/>
-            </a:endParaRPr>
-          </a:p>
-        </p:txBody>
-      </p:sp>
-      <p:sp>
-        <p:nvSpPr>
-          <p:cNvPr id="13" name="Text Placeholder 6">
-            <a:extLst>
-              <a:ext uri="{FF2B5EF4-FFF2-40B4-BE49-F238E27FC236}">
-                <a16:creationId xmlns:a16="http://schemas.microsoft.com/office/drawing/2014/main" id="{0AE268E9-77BC-438F-965E-2EC5BCF1E50A}"/>
-              </a:ext>
-            </a:extLst>
-          </p:cNvPr>
-          <p:cNvSpPr txBox="1">
-            <a:spLocks/>
-          </p:cNvSpPr>
-          <p:nvPr/>
-        </p:nvSpPr>
-        <p:spPr>
-          <a:xfrm>
-            <a:off x="695400" y="1898541"/>
-            <a:ext cx="10589042" cy="1726158"/>
-          </a:xfrm>
-          <a:prstGeom prst="rect">
-            <a:avLst/>
-          </a:prstGeom>
-          <a:solidFill>
-            <a:schemeClr val="accent6">
-              <a:lumMod val="75000"/>
-              <a:alpha val="15000"/>
-            </a:schemeClr>
-          </a:solidFill>
-          <a:ln w="12700">
-            <a:solidFill>
-              <a:schemeClr val="tx1">
-                <a:lumMod val="50000"/>
-              </a:schemeClr>
-            </a:solidFill>
-          </a:ln>
-        </p:spPr>
-        <p:txBody>
-          <a:bodyPr vert="horz" wrap="square" lIns="143963" tIns="107972" rIns="143963" bIns="107972" rtlCol="0">
-            <a:spAutoFit/>
-          </a:bodyPr>
-          <a:lstStyle>
-            <a:lvl1pPr marL="0" indent="0" algn="l" defTabSz="1218438" rtl="0" eaLnBrk="1" latinLnBrk="1" hangingPunct="1">
-              <a:lnSpc>
-                <a:spcPct val="100000"/>
-              </a:lnSpc>
-              <a:spcBef>
-                <a:spcPts val="600"/>
-              </a:spcBef>
-              <a:spcAft>
-                <a:spcPts val="600"/>
-              </a:spcAft>
-              <a:buFont typeface="Wingdings" panose="05000000000000000000" pitchFamily="2" charset="2"/>
-              <a:buNone/>
-              <a:defRPr lang="en-US" sz="2398" b="1" kern="1200" noProof="1" smtClean="0">
-                <a:solidFill>
-                  <a:schemeClr val="tx1">
-                    <a:lumMod val="75000"/>
-                  </a:schemeClr>
-                </a:solidFill>
-                <a:effectLst/>
-                <a:latin typeface="Consolas" pitchFamily="49" charset="0"/>
-                <a:ea typeface="+mn-ea"/>
-                <a:cs typeface="Consolas" pitchFamily="49" charset="0"/>
-              </a:defRPr>
-            </a:lvl1pPr>
-            <a:lvl2pPr marL="989981" indent="-380762" algn="l" defTabSz="1218438" rtl="0" eaLnBrk="1" latinLnBrk="1" hangingPunct="1">
-              <a:lnSpc>
-                <a:spcPct val="105000"/>
-              </a:lnSpc>
-              <a:spcBef>
-                <a:spcPts val="600"/>
-              </a:spcBef>
-              <a:spcAft>
-                <a:spcPts val="600"/>
-              </a:spcAft>
-              <a:buFont typeface="Wingdings" panose="05000000000000000000" pitchFamily="2" charset="2"/>
-              <a:buChar char="§"/>
-              <a:defRPr sz="3198" kern="1200">
-                <a:solidFill>
-                  <a:schemeClr val="tx1"/>
-                </a:solidFill>
-                <a:latin typeface="+mn-lt"/>
-                <a:ea typeface="+mn-ea"/>
-                <a:cs typeface="+mn-cs"/>
-              </a:defRPr>
-            </a:lvl2pPr>
-            <a:lvl3pPr marL="1523048" indent="-304610" algn="l" defTabSz="1218438" rtl="0" eaLnBrk="1" latinLnBrk="1" hangingPunct="1">
-              <a:lnSpc>
-                <a:spcPct val="105000"/>
-              </a:lnSpc>
-              <a:spcBef>
-                <a:spcPts val="600"/>
-              </a:spcBef>
-              <a:spcAft>
-                <a:spcPts val="600"/>
-              </a:spcAft>
-              <a:buFont typeface="Wingdings" panose="05000000000000000000" pitchFamily="2" charset="2"/>
-              <a:buChar char="§"/>
-              <a:defRPr sz="2998" kern="1200">
-                <a:solidFill>
-                  <a:schemeClr val="tx1"/>
-                </a:solidFill>
-                <a:latin typeface="+mn-lt"/>
-                <a:ea typeface="+mn-ea"/>
-                <a:cs typeface="+mn-cs"/>
-              </a:defRPr>
-            </a:lvl3pPr>
-            <a:lvl4pPr marL="2132267" indent="-304610" algn="l" defTabSz="1218438" rtl="0" eaLnBrk="1" latinLnBrk="1" hangingPunct="1">
-              <a:lnSpc>
-                <a:spcPct val="105000"/>
-              </a:lnSpc>
-              <a:spcBef>
-                <a:spcPts val="600"/>
-              </a:spcBef>
-              <a:spcAft>
-                <a:spcPts val="600"/>
-              </a:spcAft>
-              <a:buFont typeface="Wingdings" panose="05000000000000000000" pitchFamily="2" charset="2"/>
-              <a:buChar char="§"/>
-              <a:defRPr sz="2798" kern="1200">
-                <a:solidFill>
-                  <a:schemeClr val="tx1"/>
-                </a:solidFill>
-                <a:latin typeface="+mn-lt"/>
-                <a:ea typeface="+mn-ea"/>
-                <a:cs typeface="+mn-cs"/>
-              </a:defRPr>
-            </a:lvl4pPr>
-            <a:lvl5pPr marL="2741485" indent="-304610" algn="l" defTabSz="1218438" rtl="0" eaLnBrk="1" latinLnBrk="1" hangingPunct="1">
-              <a:lnSpc>
-                <a:spcPct val="105000"/>
-              </a:lnSpc>
-              <a:spcBef>
-                <a:spcPts val="600"/>
-              </a:spcBef>
-              <a:spcAft>
-                <a:spcPts val="600"/>
-              </a:spcAft>
-              <a:buFont typeface="Wingdings" panose="05000000000000000000" pitchFamily="2" charset="2"/>
-              <a:buChar char="§"/>
-              <a:defRPr sz="2598" kern="1200">
-                <a:solidFill>
-                  <a:schemeClr val="tx1"/>
-                </a:solidFill>
-                <a:latin typeface="+mn-lt"/>
-                <a:ea typeface="+mn-ea"/>
-                <a:cs typeface="+mn-cs"/>
-              </a:defRPr>
-            </a:lvl5pPr>
-            <a:lvl6pPr marL="3350704" indent="-304610" algn="l" defTabSz="1218438" rtl="0" eaLnBrk="1" latinLnBrk="1" hangingPunct="1">
-              <a:spcBef>
-                <a:spcPct val="20000"/>
-              </a:spcBef>
-              <a:buFont typeface="Arial" pitchFamily="34" charset="0"/>
-              <a:buChar char="•"/>
-              <a:defRPr sz="2665" kern="1200">
-                <a:solidFill>
-                  <a:schemeClr val="tx1"/>
-                </a:solidFill>
-                <a:latin typeface="+mn-lt"/>
-                <a:ea typeface="+mn-ea"/>
-                <a:cs typeface="+mn-cs"/>
-              </a:defRPr>
-            </a:lvl6pPr>
-            <a:lvl7pPr marL="3959924" indent="-304610" algn="l" defTabSz="1218438" rtl="0" eaLnBrk="1" latinLnBrk="1" hangingPunct="1">
-              <a:spcBef>
-                <a:spcPct val="20000"/>
-              </a:spcBef>
-              <a:buFont typeface="Arial" pitchFamily="34" charset="0"/>
-              <a:buChar char="•"/>
-              <a:defRPr sz="2665" kern="1200">
-                <a:solidFill>
-                  <a:schemeClr val="tx1"/>
-                </a:solidFill>
-                <a:latin typeface="+mn-lt"/>
-                <a:ea typeface="+mn-ea"/>
-                <a:cs typeface="+mn-cs"/>
-              </a:defRPr>
-            </a:lvl7pPr>
-            <a:lvl8pPr marL="4569143" indent="-304610" algn="l" defTabSz="1218438" rtl="0" eaLnBrk="1" latinLnBrk="1" hangingPunct="1">
-              <a:spcBef>
-                <a:spcPct val="20000"/>
-              </a:spcBef>
-              <a:buFont typeface="Arial" pitchFamily="34" charset="0"/>
-              <a:buChar char="•"/>
-              <a:defRPr sz="2665" kern="1200">
-                <a:solidFill>
-                  <a:schemeClr val="tx1"/>
-                </a:solidFill>
-                <a:latin typeface="+mn-lt"/>
-                <a:ea typeface="+mn-ea"/>
-                <a:cs typeface="+mn-cs"/>
-              </a:defRPr>
-            </a:lvl8pPr>
-            <a:lvl9pPr marL="5178362" indent="-304610" algn="l" defTabSz="1218438" rtl="0" eaLnBrk="1" latinLnBrk="1" hangingPunct="1">
-              <a:spcBef>
-                <a:spcPct val="20000"/>
-              </a:spcBef>
-              <a:buFont typeface="Arial" pitchFamily="34" charset="0"/>
-              <a:buChar char="•"/>
-              <a:defRPr sz="2665" kern="1200">
-                <a:solidFill>
-                  <a:schemeClr val="tx1"/>
-                </a:solidFill>
-                <a:latin typeface="+mn-lt"/>
-                <a:ea typeface="+mn-ea"/>
-                <a:cs typeface="+mn-cs"/>
-              </a:defRPr>
-            </a:lvl9pPr>
-          </a:lstStyle>
-          <a:p>
-            <a:r>
-              <a:rPr lang="en-US" sz="2600" dirty="0">
-                <a:solidFill>
-                  <a:schemeClr val="bg1"/>
-                </a:solidFill>
-              </a:rPr>
-              <a:t>StringBuilder</a:t>
-            </a:r>
-            <a:r>
-              <a:rPr lang="en-US" sz="2600" dirty="0">
-                <a:solidFill>
-                  <a:schemeClr val="tx1"/>
-                </a:solidFill>
-              </a:rPr>
-              <a:t> sb = </a:t>
-            </a:r>
-            <a:r>
-              <a:rPr lang="en-US" sz="2600" dirty="0">
-                <a:solidFill>
-                  <a:schemeClr val="bg1"/>
-                </a:solidFill>
-              </a:rPr>
-              <a:t>new StringBuilder()</a:t>
-            </a:r>
-            <a:r>
-              <a:rPr lang="en-US" sz="2600" dirty="0">
-                <a:solidFill>
-                  <a:schemeClr val="tx1"/>
-                </a:solidFill>
-              </a:rPr>
-              <a:t>;</a:t>
-            </a:r>
-          </a:p>
-          <a:p>
-            <a:r>
-              <a:rPr lang="en-US" sz="2600" dirty="0">
-                <a:solidFill>
-                  <a:schemeClr val="tx1"/>
-                </a:solidFill>
-              </a:rPr>
-              <a:t>sb.</a:t>
-            </a:r>
-            <a:r>
-              <a:rPr lang="en-US" sz="2600" dirty="0">
-                <a:solidFill>
-                  <a:schemeClr val="bg1"/>
-                </a:solidFill>
-              </a:rPr>
-              <a:t>Append</a:t>
-            </a:r>
-            <a:r>
-              <a:rPr lang="en-US" sz="2600" dirty="0">
-                <a:solidFill>
-                  <a:schemeClr val="tx1"/>
-                </a:solidFill>
-              </a:rPr>
-              <a:t>("Hello Peter, how are you?");</a:t>
-            </a:r>
-          </a:p>
-          <a:p>
-            <a:r>
-              <a:rPr lang="en-US" sz="2600" dirty="0">
-                <a:solidFill>
-                  <a:schemeClr val="tx1"/>
-                </a:solidFill>
-              </a:rPr>
-              <a:t>Console.WriteLine(sb</a:t>
-            </a:r>
-            <a:r>
-              <a:rPr lang="en-US" sz="2600" dirty="0">
-                <a:solidFill>
-                  <a:schemeClr val="bg1"/>
-                </a:solidFill>
-              </a:rPr>
-              <a:t>[</a:t>
-            </a:r>
-            <a:r>
-              <a:rPr lang="en-US" sz="2600" dirty="0">
-                <a:solidFill>
-                  <a:schemeClr val="tx1"/>
-                </a:solidFill>
-              </a:rPr>
-              <a:t>1</a:t>
-            </a:r>
-            <a:r>
-              <a:rPr lang="en-US" sz="2600" dirty="0">
-                <a:solidFill>
-                  <a:schemeClr val="bg1"/>
-                </a:solidFill>
-              </a:rPr>
-              <a:t>]</a:t>
-            </a:r>
-            <a:r>
-              <a:rPr lang="en-US" sz="2600" dirty="0">
-                <a:solidFill>
-                  <a:schemeClr val="tx1"/>
-                </a:solidFill>
-              </a:rPr>
-              <a:t>); </a:t>
-            </a:r>
-            <a:endParaRPr lang="en-US" sz="2600" i="1" dirty="0">
-              <a:solidFill>
-                <a:schemeClr val="accent2"/>
-              </a:solidFill>
-            </a:endParaRPr>
-          </a:p>
-        </p:txBody>
-      </p:sp>
-      <p:sp>
-        <p:nvSpPr>
-          <p:cNvPr id="14" name="Text Placeholder 6">
-            <a:extLst>
-              <a:ext uri="{FF2B5EF4-FFF2-40B4-BE49-F238E27FC236}">
-                <a16:creationId xmlns:a16="http://schemas.microsoft.com/office/drawing/2014/main" id="{2BE201CC-8FA3-4EED-A162-1B650213F518}"/>
-              </a:ext>
-            </a:extLst>
-          </p:cNvPr>
-          <p:cNvSpPr txBox="1">
-            <a:spLocks/>
-          </p:cNvSpPr>
-          <p:nvPr/>
-        </p:nvSpPr>
-        <p:spPr>
-          <a:xfrm>
-            <a:off x="695400" y="4891283"/>
-            <a:ext cx="10589042" cy="1726158"/>
-          </a:xfrm>
-          <a:prstGeom prst="rect">
-            <a:avLst/>
-          </a:prstGeom>
-          <a:solidFill>
-            <a:schemeClr val="accent6">
-              <a:lumMod val="75000"/>
-              <a:alpha val="15000"/>
-            </a:schemeClr>
-          </a:solidFill>
-          <a:ln w="12700">
-            <a:solidFill>
-              <a:schemeClr val="tx1">
-                <a:lumMod val="50000"/>
-              </a:schemeClr>
-            </a:solidFill>
-          </a:ln>
-        </p:spPr>
-        <p:txBody>
-          <a:bodyPr vert="horz" wrap="square" lIns="143963" tIns="107972" rIns="143963" bIns="107972" rtlCol="0">
-            <a:spAutoFit/>
-          </a:bodyPr>
-          <a:lstStyle>
-            <a:lvl1pPr marL="0" indent="0" algn="l" defTabSz="1218438" rtl="0" eaLnBrk="1" latinLnBrk="1" hangingPunct="1">
-              <a:lnSpc>
-                <a:spcPct val="100000"/>
-              </a:lnSpc>
-              <a:spcBef>
-                <a:spcPts val="600"/>
-              </a:spcBef>
-              <a:spcAft>
-                <a:spcPts val="600"/>
-              </a:spcAft>
-              <a:buFont typeface="Wingdings" panose="05000000000000000000" pitchFamily="2" charset="2"/>
-              <a:buNone/>
-              <a:defRPr lang="en-US" sz="2398" b="1" kern="1200" noProof="1" smtClean="0">
-                <a:solidFill>
-                  <a:schemeClr val="tx1">
-                    <a:lumMod val="75000"/>
-                  </a:schemeClr>
-                </a:solidFill>
-                <a:effectLst/>
-                <a:latin typeface="Consolas" pitchFamily="49" charset="0"/>
-                <a:ea typeface="+mn-ea"/>
-                <a:cs typeface="Consolas" pitchFamily="49" charset="0"/>
-              </a:defRPr>
-            </a:lvl1pPr>
-            <a:lvl2pPr marL="989981" indent="-380762" algn="l" defTabSz="1218438" rtl="0" eaLnBrk="1" latinLnBrk="1" hangingPunct="1">
-              <a:lnSpc>
-                <a:spcPct val="105000"/>
-              </a:lnSpc>
-              <a:spcBef>
-                <a:spcPts val="600"/>
-              </a:spcBef>
-              <a:spcAft>
-                <a:spcPts val="600"/>
-              </a:spcAft>
-              <a:buFont typeface="Wingdings" panose="05000000000000000000" pitchFamily="2" charset="2"/>
-              <a:buChar char="§"/>
-              <a:defRPr sz="3198" kern="1200">
-                <a:solidFill>
-                  <a:schemeClr val="tx1"/>
-                </a:solidFill>
-                <a:latin typeface="+mn-lt"/>
-                <a:ea typeface="+mn-ea"/>
-                <a:cs typeface="+mn-cs"/>
-              </a:defRPr>
-            </a:lvl2pPr>
-            <a:lvl3pPr marL="1523048" indent="-304610" algn="l" defTabSz="1218438" rtl="0" eaLnBrk="1" latinLnBrk="1" hangingPunct="1">
-              <a:lnSpc>
-                <a:spcPct val="105000"/>
-              </a:lnSpc>
-              <a:spcBef>
-                <a:spcPts val="600"/>
-              </a:spcBef>
-              <a:spcAft>
-                <a:spcPts val="600"/>
-              </a:spcAft>
-              <a:buFont typeface="Wingdings" panose="05000000000000000000" pitchFamily="2" charset="2"/>
-              <a:buChar char="§"/>
-              <a:defRPr sz="2998" kern="1200">
-                <a:solidFill>
-                  <a:schemeClr val="tx1"/>
-                </a:solidFill>
-                <a:latin typeface="+mn-lt"/>
-                <a:ea typeface="+mn-ea"/>
-                <a:cs typeface="+mn-cs"/>
-              </a:defRPr>
-            </a:lvl3pPr>
-            <a:lvl4pPr marL="2132267" indent="-304610" algn="l" defTabSz="1218438" rtl="0" eaLnBrk="1" latinLnBrk="1" hangingPunct="1">
-              <a:lnSpc>
-                <a:spcPct val="105000"/>
-              </a:lnSpc>
-              <a:spcBef>
-                <a:spcPts val="600"/>
-              </a:spcBef>
-              <a:spcAft>
-                <a:spcPts val="600"/>
-              </a:spcAft>
-              <a:buFont typeface="Wingdings" panose="05000000000000000000" pitchFamily="2" charset="2"/>
-              <a:buChar char="§"/>
-              <a:defRPr sz="2798" kern="1200">
-                <a:solidFill>
-                  <a:schemeClr val="tx1"/>
-                </a:solidFill>
-                <a:latin typeface="+mn-lt"/>
-                <a:ea typeface="+mn-ea"/>
-                <a:cs typeface="+mn-cs"/>
-              </a:defRPr>
-            </a:lvl4pPr>
-            <a:lvl5pPr marL="2741485" indent="-304610" algn="l" defTabSz="1218438" rtl="0" eaLnBrk="1" latinLnBrk="1" hangingPunct="1">
-              <a:lnSpc>
-                <a:spcPct val="105000"/>
-              </a:lnSpc>
-              <a:spcBef>
-                <a:spcPts val="600"/>
-              </a:spcBef>
-              <a:spcAft>
-                <a:spcPts val="600"/>
-              </a:spcAft>
-              <a:buFont typeface="Wingdings" panose="05000000000000000000" pitchFamily="2" charset="2"/>
-              <a:buChar char="§"/>
-              <a:defRPr sz="2598" kern="1200">
-                <a:solidFill>
-                  <a:schemeClr val="tx1"/>
-                </a:solidFill>
-                <a:latin typeface="+mn-lt"/>
-                <a:ea typeface="+mn-ea"/>
-                <a:cs typeface="+mn-cs"/>
-              </a:defRPr>
-            </a:lvl5pPr>
-            <a:lvl6pPr marL="3350704" indent="-304610" algn="l" defTabSz="1218438" rtl="0" eaLnBrk="1" latinLnBrk="1" hangingPunct="1">
-              <a:spcBef>
-                <a:spcPct val="20000"/>
-              </a:spcBef>
-              <a:buFont typeface="Arial" pitchFamily="34" charset="0"/>
-              <a:buChar char="•"/>
-              <a:defRPr sz="2665" kern="1200">
-                <a:solidFill>
-                  <a:schemeClr val="tx1"/>
-                </a:solidFill>
-                <a:latin typeface="+mn-lt"/>
-                <a:ea typeface="+mn-ea"/>
-                <a:cs typeface="+mn-cs"/>
-              </a:defRPr>
-            </a:lvl6pPr>
-            <a:lvl7pPr marL="3959924" indent="-304610" algn="l" defTabSz="1218438" rtl="0" eaLnBrk="1" latinLnBrk="1" hangingPunct="1">
-              <a:spcBef>
-                <a:spcPct val="20000"/>
-              </a:spcBef>
-              <a:buFont typeface="Arial" pitchFamily="34" charset="0"/>
-              <a:buChar char="•"/>
-              <a:defRPr sz="2665" kern="1200">
-                <a:solidFill>
-                  <a:schemeClr val="tx1"/>
-                </a:solidFill>
-                <a:latin typeface="+mn-lt"/>
-                <a:ea typeface="+mn-ea"/>
-                <a:cs typeface="+mn-cs"/>
-              </a:defRPr>
-            </a:lvl7pPr>
-            <a:lvl8pPr marL="4569143" indent="-304610" algn="l" defTabSz="1218438" rtl="0" eaLnBrk="1" latinLnBrk="1" hangingPunct="1">
-              <a:spcBef>
-                <a:spcPct val="20000"/>
-              </a:spcBef>
-              <a:buFont typeface="Arial" pitchFamily="34" charset="0"/>
-              <a:buChar char="•"/>
-              <a:defRPr sz="2665" kern="1200">
-                <a:solidFill>
-                  <a:schemeClr val="tx1"/>
-                </a:solidFill>
-                <a:latin typeface="+mn-lt"/>
-                <a:ea typeface="+mn-ea"/>
-                <a:cs typeface="+mn-cs"/>
-              </a:defRPr>
-            </a:lvl8pPr>
-            <a:lvl9pPr marL="5178362" indent="-304610" algn="l" defTabSz="1218438" rtl="0" eaLnBrk="1" latinLnBrk="1" hangingPunct="1">
-              <a:spcBef>
-                <a:spcPct val="20000"/>
-              </a:spcBef>
-              <a:buFont typeface="Arial" pitchFamily="34" charset="0"/>
-              <a:buChar char="•"/>
-              <a:defRPr sz="2665" kern="1200">
-                <a:solidFill>
-                  <a:schemeClr val="tx1"/>
-                </a:solidFill>
-                <a:latin typeface="+mn-lt"/>
-                <a:ea typeface="+mn-ea"/>
-                <a:cs typeface="+mn-cs"/>
-              </a:defRPr>
-            </a:lvl9pPr>
-          </a:lstStyle>
-          <a:p>
-            <a:r>
-              <a:rPr lang="en-GB" sz="2600" dirty="0">
-                <a:solidFill>
-                  <a:schemeClr val="tx1"/>
-                </a:solidFill>
-              </a:rPr>
-              <a:t>sb.</a:t>
-            </a:r>
-            <a:r>
-              <a:rPr lang="en-GB" sz="2600" dirty="0">
-                <a:solidFill>
-                  <a:schemeClr val="bg1"/>
-                </a:solidFill>
-              </a:rPr>
-              <a:t>Insert</a:t>
-            </a:r>
-            <a:r>
-              <a:rPr lang="en-GB" sz="2600" dirty="0">
-                <a:solidFill>
-                  <a:schemeClr val="tx1"/>
-                </a:solidFill>
-              </a:rPr>
-              <a:t>(11, " Ivanov");</a:t>
-            </a:r>
-          </a:p>
-          <a:p>
-            <a:r>
-              <a:rPr lang="en-GB" sz="2600" dirty="0">
-                <a:solidFill>
-                  <a:schemeClr val="tx1"/>
-                </a:solidFill>
-              </a:rPr>
-              <a:t>Console.WriteLine(sb); </a:t>
-            </a:r>
-          </a:p>
-          <a:p>
-            <a:r>
-              <a:rPr lang="en-GB" sz="2600" i="1" dirty="0">
-                <a:solidFill>
-                  <a:schemeClr val="accent2"/>
-                </a:solidFill>
-              </a:rPr>
-              <a:t>// Hello Peter Ivanov, how are you? </a:t>
-            </a:r>
-          </a:p>
-        </p:txBody>
-      </p:sp>
-      <p:sp>
-        <p:nvSpPr>
-          <p:cNvPr id="2" name="Slide Number">
-            <a:extLst>
-              <a:ext uri="{FF2B5EF4-FFF2-40B4-BE49-F238E27FC236}">
-                <a16:creationId xmlns:a16="http://schemas.microsoft.com/office/drawing/2014/main" id="{64A96EFE-7C7E-6BC3-7AE9-1717D6F0B30F}"/>
-              </a:ext>
-            </a:extLst>
-          </p:cNvPr>
-          <p:cNvSpPr>
-            <a:spLocks noGrp="1"/>
-          </p:cNvSpPr>
-          <p:nvPr>
-            <p:ph type="sldNum" sz="quarter" idx="5"/>
-          </p:nvPr>
-        </p:nvSpPr>
-        <p:spPr>
-          <a:xfrm>
-            <a:off x="11753030" y="6507000"/>
-            <a:ext cx="367414" cy="297000"/>
-          </a:xfrm>
-          <a:prstGeom prst="rect">
-            <a:avLst/>
-          </a:prstGeom>
-        </p:spPr>
-        <p:txBody>
-          <a:bodyPr vert="horz" lIns="91440" tIns="45720" rIns="91440" bIns="45720" rtlCol="0" anchor="b"/>
-          <a:lstStyle>
-            <a:lvl1pPr algn="r">
-              <a:defRPr sz="1000"/>
-            </a:lvl1pPr>
-          </a:lstStyle>
-          <a:p>
-            <a:fld id="{2BF067CD-8E6B-4360-9AA8-C5DF2A48A6D1}" type="slidenum">
-              <a:rPr lang="en-US" noProof="0" smtClean="0"/>
-              <a:pPr/>
-              <a:t>29</a:t>
-            </a:fld>
-            <a:endParaRPr lang="en-US" noProof="0" dirty="0"/>
-          </a:p>
-        </p:txBody>
-      </p:sp>
-      <p:sp>
-        <p:nvSpPr>
-          <p:cNvPr id="3" name="Текстово поле 2">
-            <a:extLst>
-              <a:ext uri="{FF2B5EF4-FFF2-40B4-BE49-F238E27FC236}">
-                <a16:creationId xmlns:a16="http://schemas.microsoft.com/office/drawing/2014/main" id="{860AB159-62EE-E008-4D92-F672BB899837}"/>
-              </a:ext>
-            </a:extLst>
-          </p:cNvPr>
-          <p:cNvSpPr txBox="1"/>
-          <p:nvPr/>
-        </p:nvSpPr>
-        <p:spPr>
-          <a:xfrm>
-            <a:off x="5325703" y="3033741"/>
-            <a:ext cx="2046000" cy="604049"/>
-          </a:xfrm>
-          <a:prstGeom prst="rect">
-            <a:avLst/>
-          </a:prstGeom>
-          <a:noFill/>
-          <a:ln w="12700">
-            <a:noFill/>
-          </a:ln>
-        </p:spPr>
-        <p:txBody>
-          <a:bodyPr vert="horz" wrap="square" lIns="144000" tIns="108000" rIns="144000" bIns="108000" rtlCol="0">
-            <a:spAutoFit/>
-          </a:bodyPr>
-          <a:lstStyle/>
-          <a:p>
-            <a:pPr algn="l" eaLnBrk="0" hangingPunct="0">
-              <a:lnSpc>
-                <a:spcPct val="110000"/>
-              </a:lnSpc>
-              <a:buClr>
-                <a:schemeClr val="accent5">
-                  <a:lumMod val="40000"/>
-                  <a:lumOff val="60000"/>
-                </a:schemeClr>
-              </a:buClr>
-              <a:buSzPct val="70000"/>
-            </a:pPr>
-            <a:r>
-              <a:rPr lang="en-US" sz="2400" b="1" i="1" dirty="0">
-                <a:solidFill>
-                  <a:schemeClr val="accent2"/>
-                </a:solidFill>
-                <a:latin typeface="Consolas (Основен текст)"/>
-              </a:rPr>
-              <a:t>// e</a:t>
-            </a:r>
-            <a:endParaRPr lang="bg-BG" sz="2400" b="1" dirty="0">
-              <a:latin typeface="Consolas (Основен текст)"/>
-            </a:endParaRPr>
-          </a:p>
-        </p:txBody>
-      </p:sp>
-    </p:spTree>
-    <p:extLst>
-      <p:ext uri="{BB962C8B-B14F-4D97-AF65-F5344CB8AC3E}">
-        <p14:creationId xmlns:p14="http://schemas.microsoft.com/office/powerpoint/2010/main" val="3521294016"/>
-      </p:ext>
-    </p:extLst>
-  </p:cSld>
-  <p:clrMapOvr>
-    <a:masterClrMapping/>
-  </p:clrMapOvr>
-  <mc:AlternateContent xmlns:mc="http://schemas.openxmlformats.org/markup-compatibility/2006" xmlns:p14="http://schemas.microsoft.com/office/powerpoint/2010/main">
-    <mc:Choice Requires="p14">
-      <p:transition spd="slow" p14:dur="2000" advClick="0" advTm="5000"/>
-    </mc:Choice>
-    <mc:Fallback xmlns="">
-      <p:transition spd="slow" advClick="0" advTm="5000"/>
-    </mc:Fallback>
-  </mc:AlternateContent>
-  <p:timing>
-    <p:tnLst>
-      <p:par>
-        <p:cTn id="1" dur="indefinite" restart="never" nodeType="tmRoot">
-          <p:childTnLst>
-            <p:seq concurrent="1" nextAc="seek">
-              <p:cTn id="2" dur="indefinite" nodeType="mainSeq">
-                <p:childTnLst>
-                  <p:par>
-                    <p:cTn id="3" fill="hold">
-                      <p:stCondLst>
-                        <p:cond delay="indefinite"/>
-                      </p:stCondLst>
-                      <p:childTnLst>
-                        <p:par>
-                          <p:cTn id="4" fill="hold">
-                            <p:stCondLst>
-                              <p:cond delay="0"/>
-                            </p:stCondLst>
-                            <p:childTnLst>
-                              <p:par>
-                                <p:cTn id="5" presetID="1" presetClass="entr" presetSubtype="0" fill="hold" grpId="0" nodeType="clickEffect">
-                                  <p:stCondLst>
-                                    <p:cond delay="0"/>
-                                  </p:stCondLst>
-                                  <p:childTnLst>
-                                    <p:set>
-                                      <p:cBhvr>
-                                        <p:cTn id="6" dur="1" fill="hold">
-                                          <p:stCondLst>
-                                            <p:cond delay="0"/>
-                                          </p:stCondLst>
-                                        </p:cTn>
-                                        <p:tgtEl>
-                                          <p:spTgt spid="13"/>
-                                        </p:tgtEl>
-                                        <p:attrNameLst>
-                                          <p:attrName>style.visibility</p:attrName>
-                                        </p:attrNameLst>
-                                      </p:cBhvr>
-                                      <p:to>
-                                        <p:strVal val="visible"/>
-                                      </p:to>
-                                    </p:set>
-                                  </p:childTnLst>
-                                </p:cTn>
-                              </p:par>
-                            </p:childTnLst>
-                          </p:cTn>
-                        </p:par>
-                      </p:childTnLst>
-                    </p:cTn>
-                  </p:par>
-                  <p:par>
-                    <p:cTn id="7" fill="hold">
-                      <p:stCondLst>
-                        <p:cond delay="indefinite"/>
-                      </p:stCondLst>
-                      <p:childTnLst>
-                        <p:par>
-                          <p:cTn id="8" fill="hold">
-                            <p:stCondLst>
-                              <p:cond delay="0"/>
-                            </p:stCondLst>
-                            <p:childTnLst>
-                              <p:par>
-                                <p:cTn id="9" presetID="1" presetClass="entr" presetSubtype="0" fill="hold" nodeType="clickEffect">
-                                  <p:stCondLst>
-                                    <p:cond delay="0"/>
-                                  </p:stCondLst>
-                                  <p:childTnLst>
-                                    <p:set>
-                                      <p:cBhvr>
-                                        <p:cTn id="10" dur="1" fill="hold">
-                                          <p:stCondLst>
-                                            <p:cond delay="0"/>
-                                          </p:stCondLst>
-                                        </p:cTn>
-                                        <p:tgtEl>
-                                          <p:spTgt spid="3">
-                                            <p:txEl>
-                                              <p:pRg st="0" end="0"/>
-                                            </p:txEl>
-                                          </p:spTgt>
-                                        </p:tgtEl>
-                                        <p:attrNameLst>
-                                          <p:attrName>style.visibility</p:attrName>
-                                        </p:attrNameLst>
-                                      </p:cBhvr>
-                                      <p:to>
-                                        <p:strVal val="visible"/>
-                                      </p:to>
-                                    </p:set>
-                                  </p:childTnLst>
-                                </p:cTn>
-                              </p:par>
-                            </p:childTnLst>
-                          </p:cTn>
-                        </p:par>
-                      </p:childTnLst>
-                    </p:cTn>
-                  </p:par>
-                  <p:par>
-                    <p:cTn id="11" fill="hold">
-                      <p:stCondLst>
-                        <p:cond delay="indefinite"/>
-                      </p:stCondLst>
-                      <p:childTnLst>
-                        <p:par>
-                          <p:cTn id="12" fill="hold">
-                            <p:stCondLst>
-                              <p:cond delay="0"/>
-                            </p:stCondLst>
-                            <p:childTnLst>
-                              <p:par>
-                                <p:cTn id="13" presetID="1" presetClass="entr" presetSubtype="0" fill="hold" nodeType="clickEffect">
-                                  <p:stCondLst>
-                                    <p:cond delay="0"/>
-                                  </p:stCondLst>
-                                  <p:childTnLst>
-                                    <p:set>
-                                      <p:cBhvr>
-                                        <p:cTn id="14" dur="1" fill="hold">
-                                          <p:stCondLst>
-                                            <p:cond delay="0"/>
-                                          </p:stCondLst>
-                                        </p:cTn>
-                                        <p:tgtEl>
-                                          <p:spTgt spid="7">
-                                            <p:txEl>
-                                              <p:pRg st="4" end="4"/>
-                                            </p:txEl>
-                                          </p:spTgt>
-                                        </p:tgtEl>
-                                        <p:attrNameLst>
-                                          <p:attrName>style.visibility</p:attrName>
-                                        </p:attrNameLst>
-                                      </p:cBhvr>
-                                      <p:to>
-                                        <p:strVal val="visible"/>
-                                      </p:to>
-                                    </p:set>
-                                  </p:childTnLst>
-                                </p:cTn>
-                              </p:par>
-                              <p:par>
-                                <p:cTn id="15" presetID="1" presetClass="entr" presetSubtype="0" fill="hold" nodeType="withEffect">
-                                  <p:stCondLst>
-                                    <p:cond delay="0"/>
-                                  </p:stCondLst>
-                                  <p:childTnLst>
-                                    <p:set>
-                                      <p:cBhvr>
-                                        <p:cTn id="16" dur="1" fill="hold">
-                                          <p:stCondLst>
-                                            <p:cond delay="0"/>
-                                          </p:stCondLst>
-                                        </p:cTn>
-                                        <p:tgtEl>
-                                          <p:spTgt spid="14">
-                                            <p:txEl>
-                                              <p:pRg st="0" end="0"/>
-                                            </p:txEl>
-                                          </p:spTgt>
-                                        </p:tgtEl>
-                                        <p:attrNameLst>
-                                          <p:attrName>style.visibility</p:attrName>
-                                        </p:attrNameLst>
-                                      </p:cBhvr>
-                                      <p:to>
-                                        <p:strVal val="visible"/>
-                                      </p:to>
-                                    </p:set>
-                                  </p:childTnLst>
-                                </p:cTn>
-                              </p:par>
-                              <p:par>
-                                <p:cTn id="17" presetID="1" presetClass="entr" presetSubtype="0" fill="hold" nodeType="withEffect">
-                                  <p:stCondLst>
-                                    <p:cond delay="0"/>
-                                  </p:stCondLst>
-                                  <p:childTnLst>
-                                    <p:set>
-                                      <p:cBhvr>
-                                        <p:cTn id="18" dur="1" fill="hold">
-                                          <p:stCondLst>
-                                            <p:cond delay="0"/>
-                                          </p:stCondLst>
-                                        </p:cTn>
-                                        <p:tgtEl>
-                                          <p:spTgt spid="14">
-                                            <p:txEl>
-                                              <p:pRg st="1" end="1"/>
-                                            </p:txEl>
-                                          </p:spTgt>
-                                        </p:tgtEl>
-                                        <p:attrNameLst>
-                                          <p:attrName>style.visibility</p:attrName>
-                                        </p:attrNameLst>
-                                      </p:cBhvr>
-                                      <p:to>
-                                        <p:strVal val="visible"/>
-                                      </p:to>
-                                    </p:set>
-                                  </p:childTnLst>
-                                </p:cTn>
-                              </p:par>
-                              <p:par>
-                                <p:cTn id="19" presetID="1" presetClass="entr" presetSubtype="0" fill="hold" grpId="0" nodeType="withEffect">
-                                  <p:stCondLst>
-                                    <p:cond delay="0"/>
-                                  </p:stCondLst>
-                                  <p:childTnLst>
-                                    <p:set>
-                                      <p:cBhvr>
-                                        <p:cTn id="20" dur="1" fill="hold">
-                                          <p:stCondLst>
-                                            <p:cond delay="0"/>
-                                          </p:stCondLst>
-                                        </p:cTn>
-                                        <p:tgtEl>
-                                          <p:spTgt spid="14"/>
-                                        </p:tgtEl>
-                                        <p:attrNameLst>
-                                          <p:attrName>style.visibility</p:attrName>
-                                        </p:attrNameLst>
-                                      </p:cBhvr>
-                                      <p:to>
-                                        <p:strVal val="visible"/>
-                                      </p:to>
-                                    </p:set>
-                                  </p:childTnLst>
-                                </p:cTn>
-                              </p:par>
-                            </p:childTnLst>
-                          </p:cTn>
-                        </p:par>
-                      </p:childTnLst>
-                    </p:cTn>
-                  </p:par>
-                  <p:par>
-                    <p:cTn id="21" fill="hold">
-                      <p:stCondLst>
-                        <p:cond delay="indefinite"/>
-                      </p:stCondLst>
-                      <p:childTnLst>
-                        <p:par>
-                          <p:cTn id="22" fill="hold">
-                            <p:stCondLst>
-                              <p:cond delay="0"/>
-                            </p:stCondLst>
-                            <p:childTnLst>
-                              <p:par>
-                                <p:cTn id="23" presetID="1" presetClass="entr" presetSubtype="0" fill="hold" nodeType="clickEffect">
-                                  <p:stCondLst>
-                                    <p:cond delay="0"/>
-                                  </p:stCondLst>
-                                  <p:childTnLst>
-                                    <p:set>
-                                      <p:cBhvr>
-                                        <p:cTn id="24" dur="1" fill="hold">
-                                          <p:stCondLst>
-                                            <p:cond delay="0"/>
-                                          </p:stCondLst>
-                                        </p:cTn>
-                                        <p:tgtEl>
-                                          <p:spTgt spid="14">
-                                            <p:txEl>
-                                              <p:pRg st="2" end="2"/>
-                                            </p:txEl>
-                                          </p:spTgt>
-                                        </p:tgtEl>
-                                        <p:attrNameLst>
-                                          <p:attrName>style.visibility</p:attrName>
-                                        </p:attrNameLst>
-                                      </p:cBhvr>
-                                      <p:to>
-                                        <p:strVal val="visible"/>
-                                      </p:to>
-                                    </p:set>
-                                  </p:childTnLst>
-                                </p:cTn>
-                              </p:par>
-                            </p:childTnLst>
-                          </p:cTn>
-                        </p:par>
-                      </p:childTnLst>
-                    </p:cTn>
-                  </p:par>
-                </p:childTnLst>
-              </p:cTn>
-              <p:prevCondLst>
-                <p:cond evt="onPrev" delay="0">
-                  <p:tgtEl>
-                    <p:sldTgt/>
-                  </p:tgtEl>
-                </p:cond>
-              </p:prevCondLst>
-              <p:nextCondLst>
-                <p:cond evt="onNext" delay="0">
-                  <p:tgtEl>
-                    <p:sldTgt/>
-                  </p:tgtEl>
-                </p:cond>
-              </p:nextCondLst>
-            </p:seq>
-          </p:childTnLst>
-        </p:cTn>
-      </p:par>
-    </p:tnLst>
-    <p:bldLst>
-      <p:bldP spid="13" grpId="0" animBg="1"/>
       <p:bldP spid="14" grpId="0" animBg="1"/>
     </p:bldLst>
   </p:timing>
@@ -31934,6 +31170,1272 @@
       </p:grpSpPr>
       <p:sp>
         <p:nvSpPr>
+          <p:cNvPr id="7" name="Text Placeholder 6"/>
+          <p:cNvSpPr>
+            <a:spLocks noGrp="1"/>
+          </p:cNvSpPr>
+          <p:nvPr>
+            <p:ph type="body" sz="quarter" idx="10"/>
+          </p:nvPr>
+        </p:nvSpPr>
+        <p:spPr/>
+        <p:txBody>
+          <a:bodyPr vert="horz" lIns="108000" tIns="36000" rIns="108000" bIns="36000" rtlCol="0" anchor="t">
+            <a:normAutofit/>
+          </a:bodyPr>
+          <a:lstStyle/>
+          <a:p>
+            <a:pPr marL="360045" indent="-360045">
+              <a:lnSpc>
+                <a:spcPct val="100000"/>
+              </a:lnSpc>
+              <a:buClr>
+                <a:schemeClr val="tx1"/>
+              </a:buClr>
+            </a:pPr>
+            <a:r>
+              <a:rPr lang="bg-BG" sz="3400" b="1" dirty="0">
+                <a:solidFill>
+                  <a:schemeClr val="bg1"/>
+                </a:solidFill>
+                <a:latin typeface="Consolas"/>
+              </a:rPr>
+              <a:t>[</a:t>
+            </a:r>
+            <a:r>
+              <a:rPr lang="en-GB" sz="3400" b="1" noProof="1">
+                <a:solidFill>
+                  <a:schemeClr val="bg1"/>
+                </a:solidFill>
+                <a:latin typeface="Consolas"/>
+              </a:rPr>
+              <a:t>int</a:t>
+            </a:r>
+            <a:r>
+              <a:rPr lang="en-GB" sz="3400" b="1" dirty="0">
+                <a:solidFill>
+                  <a:schemeClr val="bg1"/>
+                </a:solidFill>
+                <a:latin typeface="Consolas"/>
+              </a:rPr>
+              <a:t> индекс]</a:t>
+            </a:r>
+            <a:r>
+              <a:rPr lang="en-GB" sz="3400" dirty="0"/>
+              <a:t> – </a:t>
+            </a:r>
+            <a:r>
+              <a:rPr lang="en-US" sz="3400" dirty="0"/>
+              <a:t>връща символ на даден индекс</a:t>
+            </a:r>
+            <a:endParaRPr lang="en-GB" sz="3400" b="1" dirty="0">
+              <a:solidFill>
+                <a:schemeClr val="bg1"/>
+              </a:solidFill>
+              <a:cs typeface="Calibri"/>
+            </a:endParaRPr>
+          </a:p>
+          <a:p>
+            <a:pPr marL="360045" indent="-360045">
+              <a:lnSpc>
+                <a:spcPct val="100000"/>
+              </a:lnSpc>
+              <a:buClr>
+                <a:schemeClr val="tx1"/>
+              </a:buClr>
+            </a:pPr>
+            <a:endParaRPr lang="en-GB" b="1" dirty="0">
+              <a:solidFill>
+                <a:schemeClr val="bg1"/>
+              </a:solidFill>
+              <a:cs typeface="Calibri"/>
+            </a:endParaRPr>
+          </a:p>
+          <a:p>
+            <a:pPr marL="360045" indent="-360045">
+              <a:lnSpc>
+                <a:spcPct val="100000"/>
+              </a:lnSpc>
+              <a:buClr>
+                <a:schemeClr val="tx1"/>
+              </a:buClr>
+            </a:pPr>
+            <a:endParaRPr lang="en-GB" b="1" dirty="0">
+              <a:solidFill>
+                <a:schemeClr val="bg1"/>
+              </a:solidFill>
+              <a:cs typeface="Calibri"/>
+            </a:endParaRPr>
+          </a:p>
+          <a:p>
+            <a:pPr marL="360045" indent="-360045">
+              <a:lnSpc>
+                <a:spcPct val="100000"/>
+              </a:lnSpc>
+              <a:buClr>
+                <a:schemeClr val="tx1"/>
+              </a:buClr>
+            </a:pPr>
+            <a:endParaRPr lang="en-GB" sz="2400" b="1" dirty="0">
+              <a:solidFill>
+                <a:schemeClr val="bg1"/>
+              </a:solidFill>
+              <a:cs typeface="Calibri"/>
+            </a:endParaRPr>
+          </a:p>
+          <a:p>
+            <a:pPr marL="360045" indent="-360045">
+              <a:lnSpc>
+                <a:spcPct val="100000"/>
+              </a:lnSpc>
+              <a:buClr>
+                <a:schemeClr val="tx1"/>
+              </a:buClr>
+            </a:pPr>
+            <a:r>
+              <a:rPr lang="en-GB" sz="3400" b="1" noProof="1">
+                <a:solidFill>
+                  <a:schemeClr val="bg1"/>
+                </a:solidFill>
+                <a:latin typeface="Consolas"/>
+              </a:rPr>
+              <a:t>Insert</a:t>
+            </a:r>
+            <a:r>
+              <a:rPr lang="en-GB" sz="3400" noProof="1">
+                <a:latin typeface="Consolas"/>
+              </a:rPr>
+              <a:t>(</a:t>
+            </a:r>
+            <a:r>
+              <a:rPr lang="en-GB" sz="3400" b="1" noProof="1">
+                <a:solidFill>
+                  <a:schemeClr val="bg1"/>
+                </a:solidFill>
+                <a:latin typeface="Consolas"/>
+              </a:rPr>
+              <a:t>int</a:t>
+            </a:r>
+            <a:r>
+              <a:rPr lang="en-GB" sz="3400" b="1" dirty="0">
+                <a:solidFill>
+                  <a:schemeClr val="bg1"/>
+                </a:solidFill>
+                <a:latin typeface="Consolas"/>
+              </a:rPr>
+              <a:t> индекс, string низ</a:t>
+            </a:r>
+            <a:r>
+              <a:rPr lang="en-GB" sz="3400" dirty="0">
+                <a:latin typeface="Consolas"/>
+              </a:rPr>
+              <a:t>)</a:t>
+            </a:r>
+            <a:r>
+              <a:rPr lang="en-GB" sz="3400" b="1" dirty="0">
+                <a:solidFill>
+                  <a:schemeClr val="bg1"/>
+                </a:solidFill>
+              </a:rPr>
+              <a:t> </a:t>
+            </a:r>
+            <a:r>
+              <a:rPr lang="en-GB" sz="3400" dirty="0"/>
+              <a:t>–  вмъква низ на определен индекс</a:t>
+            </a:r>
+            <a:endParaRPr lang="en-US" sz="3400" dirty="0">
+              <a:cs typeface="Calibri"/>
+            </a:endParaRPr>
+          </a:p>
+          <a:p>
+            <a:pPr marL="360045" indent="-360045">
+              <a:buClr>
+                <a:schemeClr val="tx1"/>
+              </a:buClr>
+            </a:pPr>
+            <a:endParaRPr lang="en-GB" b="1" dirty="0">
+              <a:solidFill>
+                <a:schemeClr val="bg1"/>
+              </a:solidFill>
+              <a:cs typeface="Calibri"/>
+            </a:endParaRPr>
+          </a:p>
+        </p:txBody>
+      </p:sp>
+      <p:sp>
+        <p:nvSpPr>
+          <p:cNvPr id="6" name="Title 5"/>
+          <p:cNvSpPr>
+            <a:spLocks noGrp="1"/>
+          </p:cNvSpPr>
+          <p:nvPr>
+            <p:ph type="title"/>
+          </p:nvPr>
+        </p:nvSpPr>
+        <p:spPr/>
+        <p:txBody>
+          <a:bodyPr>
+            <a:normAutofit/>
+          </a:bodyPr>
+          <a:lstStyle/>
+          <a:p>
+            <a:r>
+              <a:rPr lang="en-GB" sz="4000" noProof="1"/>
+              <a:t>Методи за </a:t>
+            </a:r>
+            <a:r>
+              <a:rPr lang="en-GB" sz="4000" noProof="1">
+                <a:latin typeface="Consolas" panose="020B0609020204030204" pitchFamily="49" charset="0"/>
+                <a:cs typeface="Consolas" panose="020B0609020204030204" pitchFamily="49" charset="0"/>
+              </a:rPr>
+              <a:t>StringBuilder</a:t>
+            </a:r>
+            <a:r>
+              <a:rPr lang="en-GB" sz="4000" noProof="1"/>
+              <a:t> </a:t>
+            </a:r>
+            <a:r>
+              <a:rPr lang="en-GB" sz="4000" dirty="0"/>
+              <a:t>(2)</a:t>
+            </a:r>
+            <a:endParaRPr lang="bg-BG" sz="4000" dirty="0">
+              <a:cs typeface="Calibri"/>
+            </a:endParaRPr>
+          </a:p>
+        </p:txBody>
+      </p:sp>
+      <p:sp>
+        <p:nvSpPr>
+          <p:cNvPr id="13" name="Text Placeholder 6">
+            <a:extLst>
+              <a:ext uri="{FF2B5EF4-FFF2-40B4-BE49-F238E27FC236}">
+                <a16:creationId xmlns:a16="http://schemas.microsoft.com/office/drawing/2014/main" id="{0AE268E9-77BC-438F-965E-2EC5BCF1E50A}"/>
+              </a:ext>
+            </a:extLst>
+          </p:cNvPr>
+          <p:cNvSpPr txBox="1">
+            <a:spLocks/>
+          </p:cNvSpPr>
+          <p:nvPr/>
+        </p:nvSpPr>
+        <p:spPr>
+          <a:xfrm>
+            <a:off x="695400" y="1898541"/>
+            <a:ext cx="10589042" cy="1726158"/>
+          </a:xfrm>
+          <a:prstGeom prst="rect">
+            <a:avLst/>
+          </a:prstGeom>
+          <a:solidFill>
+            <a:schemeClr val="accent6">
+              <a:lumMod val="75000"/>
+              <a:alpha val="15000"/>
+            </a:schemeClr>
+          </a:solidFill>
+          <a:ln w="12700">
+            <a:solidFill>
+              <a:schemeClr val="tx1">
+                <a:lumMod val="50000"/>
+              </a:schemeClr>
+            </a:solidFill>
+          </a:ln>
+        </p:spPr>
+        <p:txBody>
+          <a:bodyPr vert="horz" wrap="square" lIns="143963" tIns="107972" rIns="143963" bIns="107972" rtlCol="0">
+            <a:spAutoFit/>
+          </a:bodyPr>
+          <a:lstStyle>
+            <a:lvl1pPr marL="0" indent="0" algn="l" defTabSz="1218438" rtl="0" eaLnBrk="1" latinLnBrk="1" hangingPunct="1">
+              <a:lnSpc>
+                <a:spcPct val="100000"/>
+              </a:lnSpc>
+              <a:spcBef>
+                <a:spcPts val="600"/>
+              </a:spcBef>
+              <a:spcAft>
+                <a:spcPts val="600"/>
+              </a:spcAft>
+              <a:buFont typeface="Wingdings" panose="05000000000000000000" pitchFamily="2" charset="2"/>
+              <a:buNone/>
+              <a:defRPr lang="en-US" sz="2398" b="1" kern="1200" noProof="1" smtClean="0">
+                <a:solidFill>
+                  <a:schemeClr val="tx1">
+                    <a:lumMod val="75000"/>
+                  </a:schemeClr>
+                </a:solidFill>
+                <a:effectLst/>
+                <a:latin typeface="Consolas" pitchFamily="49" charset="0"/>
+                <a:ea typeface="+mn-ea"/>
+                <a:cs typeface="Consolas" pitchFamily="49" charset="0"/>
+              </a:defRPr>
+            </a:lvl1pPr>
+            <a:lvl2pPr marL="989981" indent="-380762" algn="l" defTabSz="1218438" rtl="0" eaLnBrk="1" latinLnBrk="1" hangingPunct="1">
+              <a:lnSpc>
+                <a:spcPct val="105000"/>
+              </a:lnSpc>
+              <a:spcBef>
+                <a:spcPts val="600"/>
+              </a:spcBef>
+              <a:spcAft>
+                <a:spcPts val="600"/>
+              </a:spcAft>
+              <a:buFont typeface="Wingdings" panose="05000000000000000000" pitchFamily="2" charset="2"/>
+              <a:buChar char="§"/>
+              <a:defRPr sz="3198" kern="1200">
+                <a:solidFill>
+                  <a:schemeClr val="tx1"/>
+                </a:solidFill>
+                <a:latin typeface="+mn-lt"/>
+                <a:ea typeface="+mn-ea"/>
+                <a:cs typeface="+mn-cs"/>
+              </a:defRPr>
+            </a:lvl2pPr>
+            <a:lvl3pPr marL="1523048" indent="-304610" algn="l" defTabSz="1218438" rtl="0" eaLnBrk="1" latinLnBrk="1" hangingPunct="1">
+              <a:lnSpc>
+                <a:spcPct val="105000"/>
+              </a:lnSpc>
+              <a:spcBef>
+                <a:spcPts val="600"/>
+              </a:spcBef>
+              <a:spcAft>
+                <a:spcPts val="600"/>
+              </a:spcAft>
+              <a:buFont typeface="Wingdings" panose="05000000000000000000" pitchFamily="2" charset="2"/>
+              <a:buChar char="§"/>
+              <a:defRPr sz="2998" kern="1200">
+                <a:solidFill>
+                  <a:schemeClr val="tx1"/>
+                </a:solidFill>
+                <a:latin typeface="+mn-lt"/>
+                <a:ea typeface="+mn-ea"/>
+                <a:cs typeface="+mn-cs"/>
+              </a:defRPr>
+            </a:lvl3pPr>
+            <a:lvl4pPr marL="2132267" indent="-304610" algn="l" defTabSz="1218438" rtl="0" eaLnBrk="1" latinLnBrk="1" hangingPunct="1">
+              <a:lnSpc>
+                <a:spcPct val="105000"/>
+              </a:lnSpc>
+              <a:spcBef>
+                <a:spcPts val="600"/>
+              </a:spcBef>
+              <a:spcAft>
+                <a:spcPts val="600"/>
+              </a:spcAft>
+              <a:buFont typeface="Wingdings" panose="05000000000000000000" pitchFamily="2" charset="2"/>
+              <a:buChar char="§"/>
+              <a:defRPr sz="2798" kern="1200">
+                <a:solidFill>
+                  <a:schemeClr val="tx1"/>
+                </a:solidFill>
+                <a:latin typeface="+mn-lt"/>
+                <a:ea typeface="+mn-ea"/>
+                <a:cs typeface="+mn-cs"/>
+              </a:defRPr>
+            </a:lvl4pPr>
+            <a:lvl5pPr marL="2741485" indent="-304610" algn="l" defTabSz="1218438" rtl="0" eaLnBrk="1" latinLnBrk="1" hangingPunct="1">
+              <a:lnSpc>
+                <a:spcPct val="105000"/>
+              </a:lnSpc>
+              <a:spcBef>
+                <a:spcPts val="600"/>
+              </a:spcBef>
+              <a:spcAft>
+                <a:spcPts val="600"/>
+              </a:spcAft>
+              <a:buFont typeface="Wingdings" panose="05000000000000000000" pitchFamily="2" charset="2"/>
+              <a:buChar char="§"/>
+              <a:defRPr sz="2598" kern="1200">
+                <a:solidFill>
+                  <a:schemeClr val="tx1"/>
+                </a:solidFill>
+                <a:latin typeface="+mn-lt"/>
+                <a:ea typeface="+mn-ea"/>
+                <a:cs typeface="+mn-cs"/>
+              </a:defRPr>
+            </a:lvl5pPr>
+            <a:lvl6pPr marL="3350704" indent="-304610" algn="l" defTabSz="1218438" rtl="0" eaLnBrk="1" latinLnBrk="1" hangingPunct="1">
+              <a:spcBef>
+                <a:spcPct val="20000"/>
+              </a:spcBef>
+              <a:buFont typeface="Arial" pitchFamily="34" charset="0"/>
+              <a:buChar char="•"/>
+              <a:defRPr sz="2665" kern="1200">
+                <a:solidFill>
+                  <a:schemeClr val="tx1"/>
+                </a:solidFill>
+                <a:latin typeface="+mn-lt"/>
+                <a:ea typeface="+mn-ea"/>
+                <a:cs typeface="+mn-cs"/>
+              </a:defRPr>
+            </a:lvl6pPr>
+            <a:lvl7pPr marL="3959924" indent="-304610" algn="l" defTabSz="1218438" rtl="0" eaLnBrk="1" latinLnBrk="1" hangingPunct="1">
+              <a:spcBef>
+                <a:spcPct val="20000"/>
+              </a:spcBef>
+              <a:buFont typeface="Arial" pitchFamily="34" charset="0"/>
+              <a:buChar char="•"/>
+              <a:defRPr sz="2665" kern="1200">
+                <a:solidFill>
+                  <a:schemeClr val="tx1"/>
+                </a:solidFill>
+                <a:latin typeface="+mn-lt"/>
+                <a:ea typeface="+mn-ea"/>
+                <a:cs typeface="+mn-cs"/>
+              </a:defRPr>
+            </a:lvl7pPr>
+            <a:lvl8pPr marL="4569143" indent="-304610" algn="l" defTabSz="1218438" rtl="0" eaLnBrk="1" latinLnBrk="1" hangingPunct="1">
+              <a:spcBef>
+                <a:spcPct val="20000"/>
+              </a:spcBef>
+              <a:buFont typeface="Arial" pitchFamily="34" charset="0"/>
+              <a:buChar char="•"/>
+              <a:defRPr sz="2665" kern="1200">
+                <a:solidFill>
+                  <a:schemeClr val="tx1"/>
+                </a:solidFill>
+                <a:latin typeface="+mn-lt"/>
+                <a:ea typeface="+mn-ea"/>
+                <a:cs typeface="+mn-cs"/>
+              </a:defRPr>
+            </a:lvl8pPr>
+            <a:lvl9pPr marL="5178362" indent="-304610" algn="l" defTabSz="1218438" rtl="0" eaLnBrk="1" latinLnBrk="1" hangingPunct="1">
+              <a:spcBef>
+                <a:spcPct val="20000"/>
+              </a:spcBef>
+              <a:buFont typeface="Arial" pitchFamily="34" charset="0"/>
+              <a:buChar char="•"/>
+              <a:defRPr sz="2665" kern="1200">
+                <a:solidFill>
+                  <a:schemeClr val="tx1"/>
+                </a:solidFill>
+                <a:latin typeface="+mn-lt"/>
+                <a:ea typeface="+mn-ea"/>
+                <a:cs typeface="+mn-cs"/>
+              </a:defRPr>
+            </a:lvl9pPr>
+          </a:lstStyle>
+          <a:p>
+            <a:r>
+              <a:rPr lang="en-US" sz="2600" dirty="0">
+                <a:solidFill>
+                  <a:schemeClr val="bg1"/>
+                </a:solidFill>
+              </a:rPr>
+              <a:t>StringBuilder</a:t>
+            </a:r>
+            <a:r>
+              <a:rPr lang="en-US" sz="2600" dirty="0">
+                <a:solidFill>
+                  <a:schemeClr val="tx1"/>
+                </a:solidFill>
+              </a:rPr>
+              <a:t> sb = </a:t>
+            </a:r>
+            <a:r>
+              <a:rPr lang="en-US" sz="2600" dirty="0">
+                <a:solidFill>
+                  <a:schemeClr val="bg1"/>
+                </a:solidFill>
+              </a:rPr>
+              <a:t>new StringBuilder()</a:t>
+            </a:r>
+            <a:r>
+              <a:rPr lang="en-US" sz="2600" dirty="0">
+                <a:solidFill>
+                  <a:schemeClr val="tx1"/>
+                </a:solidFill>
+              </a:rPr>
+              <a:t>;</a:t>
+            </a:r>
+          </a:p>
+          <a:p>
+            <a:r>
+              <a:rPr lang="en-US" sz="2600" dirty="0">
+                <a:solidFill>
+                  <a:schemeClr val="tx1"/>
+                </a:solidFill>
+              </a:rPr>
+              <a:t>sb.</a:t>
+            </a:r>
+            <a:r>
+              <a:rPr lang="en-US" sz="2600" dirty="0">
+                <a:solidFill>
+                  <a:schemeClr val="bg1"/>
+                </a:solidFill>
+              </a:rPr>
+              <a:t>Append</a:t>
+            </a:r>
+            <a:r>
+              <a:rPr lang="en-US" sz="2600" dirty="0">
+                <a:solidFill>
+                  <a:schemeClr val="tx1"/>
+                </a:solidFill>
+              </a:rPr>
+              <a:t>("Hello Peter, how are you?");</a:t>
+            </a:r>
+          </a:p>
+          <a:p>
+            <a:r>
+              <a:rPr lang="en-US" sz="2600" dirty="0">
+                <a:solidFill>
+                  <a:schemeClr val="tx1"/>
+                </a:solidFill>
+              </a:rPr>
+              <a:t>Console.WriteLine(sb</a:t>
+            </a:r>
+            <a:r>
+              <a:rPr lang="en-US" sz="2600" dirty="0">
+                <a:solidFill>
+                  <a:schemeClr val="bg1"/>
+                </a:solidFill>
+              </a:rPr>
+              <a:t>[</a:t>
+            </a:r>
+            <a:r>
+              <a:rPr lang="en-US" sz="2600" dirty="0">
+                <a:solidFill>
+                  <a:schemeClr val="tx1"/>
+                </a:solidFill>
+              </a:rPr>
+              <a:t>1</a:t>
+            </a:r>
+            <a:r>
+              <a:rPr lang="en-US" sz="2600" dirty="0">
+                <a:solidFill>
+                  <a:schemeClr val="bg1"/>
+                </a:solidFill>
+              </a:rPr>
+              <a:t>]</a:t>
+            </a:r>
+            <a:r>
+              <a:rPr lang="en-US" sz="2600" dirty="0">
+                <a:solidFill>
+                  <a:schemeClr val="tx1"/>
+                </a:solidFill>
+              </a:rPr>
+              <a:t>); </a:t>
+            </a:r>
+            <a:endParaRPr lang="en-US" sz="2600" i="1" dirty="0">
+              <a:solidFill>
+                <a:schemeClr val="accent2"/>
+              </a:solidFill>
+            </a:endParaRPr>
+          </a:p>
+        </p:txBody>
+      </p:sp>
+      <p:sp>
+        <p:nvSpPr>
+          <p:cNvPr id="14" name="Text Placeholder 6">
+            <a:extLst>
+              <a:ext uri="{FF2B5EF4-FFF2-40B4-BE49-F238E27FC236}">
+                <a16:creationId xmlns:a16="http://schemas.microsoft.com/office/drawing/2014/main" id="{2BE201CC-8FA3-4EED-A162-1B650213F518}"/>
+              </a:ext>
+            </a:extLst>
+          </p:cNvPr>
+          <p:cNvSpPr txBox="1">
+            <a:spLocks/>
+          </p:cNvSpPr>
+          <p:nvPr/>
+        </p:nvSpPr>
+        <p:spPr>
+          <a:xfrm>
+            <a:off x="695400" y="4891283"/>
+            <a:ext cx="10589042" cy="1726158"/>
+          </a:xfrm>
+          <a:prstGeom prst="rect">
+            <a:avLst/>
+          </a:prstGeom>
+          <a:solidFill>
+            <a:schemeClr val="accent6">
+              <a:lumMod val="75000"/>
+              <a:alpha val="15000"/>
+            </a:schemeClr>
+          </a:solidFill>
+          <a:ln w="12700">
+            <a:solidFill>
+              <a:schemeClr val="tx1">
+                <a:lumMod val="50000"/>
+              </a:schemeClr>
+            </a:solidFill>
+          </a:ln>
+        </p:spPr>
+        <p:txBody>
+          <a:bodyPr vert="horz" wrap="square" lIns="143963" tIns="107972" rIns="143963" bIns="107972" rtlCol="0">
+            <a:spAutoFit/>
+          </a:bodyPr>
+          <a:lstStyle>
+            <a:lvl1pPr marL="0" indent="0" algn="l" defTabSz="1218438" rtl="0" eaLnBrk="1" latinLnBrk="1" hangingPunct="1">
+              <a:lnSpc>
+                <a:spcPct val="100000"/>
+              </a:lnSpc>
+              <a:spcBef>
+                <a:spcPts val="600"/>
+              </a:spcBef>
+              <a:spcAft>
+                <a:spcPts val="600"/>
+              </a:spcAft>
+              <a:buFont typeface="Wingdings" panose="05000000000000000000" pitchFamily="2" charset="2"/>
+              <a:buNone/>
+              <a:defRPr lang="en-US" sz="2398" b="1" kern="1200" noProof="1" smtClean="0">
+                <a:solidFill>
+                  <a:schemeClr val="tx1">
+                    <a:lumMod val="75000"/>
+                  </a:schemeClr>
+                </a:solidFill>
+                <a:effectLst/>
+                <a:latin typeface="Consolas" pitchFamily="49" charset="0"/>
+                <a:ea typeface="+mn-ea"/>
+                <a:cs typeface="Consolas" pitchFamily="49" charset="0"/>
+              </a:defRPr>
+            </a:lvl1pPr>
+            <a:lvl2pPr marL="989981" indent="-380762" algn="l" defTabSz="1218438" rtl="0" eaLnBrk="1" latinLnBrk="1" hangingPunct="1">
+              <a:lnSpc>
+                <a:spcPct val="105000"/>
+              </a:lnSpc>
+              <a:spcBef>
+                <a:spcPts val="600"/>
+              </a:spcBef>
+              <a:spcAft>
+                <a:spcPts val="600"/>
+              </a:spcAft>
+              <a:buFont typeface="Wingdings" panose="05000000000000000000" pitchFamily="2" charset="2"/>
+              <a:buChar char="§"/>
+              <a:defRPr sz="3198" kern="1200">
+                <a:solidFill>
+                  <a:schemeClr val="tx1"/>
+                </a:solidFill>
+                <a:latin typeface="+mn-lt"/>
+                <a:ea typeface="+mn-ea"/>
+                <a:cs typeface="+mn-cs"/>
+              </a:defRPr>
+            </a:lvl2pPr>
+            <a:lvl3pPr marL="1523048" indent="-304610" algn="l" defTabSz="1218438" rtl="0" eaLnBrk="1" latinLnBrk="1" hangingPunct="1">
+              <a:lnSpc>
+                <a:spcPct val="105000"/>
+              </a:lnSpc>
+              <a:spcBef>
+                <a:spcPts val="600"/>
+              </a:spcBef>
+              <a:spcAft>
+                <a:spcPts val="600"/>
+              </a:spcAft>
+              <a:buFont typeface="Wingdings" panose="05000000000000000000" pitchFamily="2" charset="2"/>
+              <a:buChar char="§"/>
+              <a:defRPr sz="2998" kern="1200">
+                <a:solidFill>
+                  <a:schemeClr val="tx1"/>
+                </a:solidFill>
+                <a:latin typeface="+mn-lt"/>
+                <a:ea typeface="+mn-ea"/>
+                <a:cs typeface="+mn-cs"/>
+              </a:defRPr>
+            </a:lvl3pPr>
+            <a:lvl4pPr marL="2132267" indent="-304610" algn="l" defTabSz="1218438" rtl="0" eaLnBrk="1" latinLnBrk="1" hangingPunct="1">
+              <a:lnSpc>
+                <a:spcPct val="105000"/>
+              </a:lnSpc>
+              <a:spcBef>
+                <a:spcPts val="600"/>
+              </a:spcBef>
+              <a:spcAft>
+                <a:spcPts val="600"/>
+              </a:spcAft>
+              <a:buFont typeface="Wingdings" panose="05000000000000000000" pitchFamily="2" charset="2"/>
+              <a:buChar char="§"/>
+              <a:defRPr sz="2798" kern="1200">
+                <a:solidFill>
+                  <a:schemeClr val="tx1"/>
+                </a:solidFill>
+                <a:latin typeface="+mn-lt"/>
+                <a:ea typeface="+mn-ea"/>
+                <a:cs typeface="+mn-cs"/>
+              </a:defRPr>
+            </a:lvl4pPr>
+            <a:lvl5pPr marL="2741485" indent="-304610" algn="l" defTabSz="1218438" rtl="0" eaLnBrk="1" latinLnBrk="1" hangingPunct="1">
+              <a:lnSpc>
+                <a:spcPct val="105000"/>
+              </a:lnSpc>
+              <a:spcBef>
+                <a:spcPts val="600"/>
+              </a:spcBef>
+              <a:spcAft>
+                <a:spcPts val="600"/>
+              </a:spcAft>
+              <a:buFont typeface="Wingdings" panose="05000000000000000000" pitchFamily="2" charset="2"/>
+              <a:buChar char="§"/>
+              <a:defRPr sz="2598" kern="1200">
+                <a:solidFill>
+                  <a:schemeClr val="tx1"/>
+                </a:solidFill>
+                <a:latin typeface="+mn-lt"/>
+                <a:ea typeface="+mn-ea"/>
+                <a:cs typeface="+mn-cs"/>
+              </a:defRPr>
+            </a:lvl5pPr>
+            <a:lvl6pPr marL="3350704" indent="-304610" algn="l" defTabSz="1218438" rtl="0" eaLnBrk="1" latinLnBrk="1" hangingPunct="1">
+              <a:spcBef>
+                <a:spcPct val="20000"/>
+              </a:spcBef>
+              <a:buFont typeface="Arial" pitchFamily="34" charset="0"/>
+              <a:buChar char="•"/>
+              <a:defRPr sz="2665" kern="1200">
+                <a:solidFill>
+                  <a:schemeClr val="tx1"/>
+                </a:solidFill>
+                <a:latin typeface="+mn-lt"/>
+                <a:ea typeface="+mn-ea"/>
+                <a:cs typeface="+mn-cs"/>
+              </a:defRPr>
+            </a:lvl6pPr>
+            <a:lvl7pPr marL="3959924" indent="-304610" algn="l" defTabSz="1218438" rtl="0" eaLnBrk="1" latinLnBrk="1" hangingPunct="1">
+              <a:spcBef>
+                <a:spcPct val="20000"/>
+              </a:spcBef>
+              <a:buFont typeface="Arial" pitchFamily="34" charset="0"/>
+              <a:buChar char="•"/>
+              <a:defRPr sz="2665" kern="1200">
+                <a:solidFill>
+                  <a:schemeClr val="tx1"/>
+                </a:solidFill>
+                <a:latin typeface="+mn-lt"/>
+                <a:ea typeface="+mn-ea"/>
+                <a:cs typeface="+mn-cs"/>
+              </a:defRPr>
+            </a:lvl7pPr>
+            <a:lvl8pPr marL="4569143" indent="-304610" algn="l" defTabSz="1218438" rtl="0" eaLnBrk="1" latinLnBrk="1" hangingPunct="1">
+              <a:spcBef>
+                <a:spcPct val="20000"/>
+              </a:spcBef>
+              <a:buFont typeface="Arial" pitchFamily="34" charset="0"/>
+              <a:buChar char="•"/>
+              <a:defRPr sz="2665" kern="1200">
+                <a:solidFill>
+                  <a:schemeClr val="tx1"/>
+                </a:solidFill>
+                <a:latin typeface="+mn-lt"/>
+                <a:ea typeface="+mn-ea"/>
+                <a:cs typeface="+mn-cs"/>
+              </a:defRPr>
+            </a:lvl8pPr>
+            <a:lvl9pPr marL="5178362" indent="-304610" algn="l" defTabSz="1218438" rtl="0" eaLnBrk="1" latinLnBrk="1" hangingPunct="1">
+              <a:spcBef>
+                <a:spcPct val="20000"/>
+              </a:spcBef>
+              <a:buFont typeface="Arial" pitchFamily="34" charset="0"/>
+              <a:buChar char="•"/>
+              <a:defRPr sz="2665" kern="1200">
+                <a:solidFill>
+                  <a:schemeClr val="tx1"/>
+                </a:solidFill>
+                <a:latin typeface="+mn-lt"/>
+                <a:ea typeface="+mn-ea"/>
+                <a:cs typeface="+mn-cs"/>
+              </a:defRPr>
+            </a:lvl9pPr>
+          </a:lstStyle>
+          <a:p>
+            <a:r>
+              <a:rPr lang="en-GB" sz="2600" dirty="0">
+                <a:solidFill>
+                  <a:schemeClr val="tx1"/>
+                </a:solidFill>
+              </a:rPr>
+              <a:t>sb.</a:t>
+            </a:r>
+            <a:r>
+              <a:rPr lang="en-GB" sz="2600" dirty="0">
+                <a:solidFill>
+                  <a:schemeClr val="bg1"/>
+                </a:solidFill>
+              </a:rPr>
+              <a:t>Insert</a:t>
+            </a:r>
+            <a:r>
+              <a:rPr lang="en-GB" sz="2600" dirty="0">
+                <a:solidFill>
+                  <a:schemeClr val="tx1"/>
+                </a:solidFill>
+              </a:rPr>
+              <a:t>(11, " Ivanov");</a:t>
+            </a:r>
+          </a:p>
+          <a:p>
+            <a:r>
+              <a:rPr lang="en-GB" sz="2600" dirty="0">
+                <a:solidFill>
+                  <a:schemeClr val="tx1"/>
+                </a:solidFill>
+              </a:rPr>
+              <a:t>Console.WriteLine(sb); </a:t>
+            </a:r>
+          </a:p>
+          <a:p>
+            <a:r>
+              <a:rPr lang="en-GB" sz="2600" i="1" dirty="0">
+                <a:solidFill>
+                  <a:schemeClr val="accent2"/>
+                </a:solidFill>
+              </a:rPr>
+              <a:t>// Hello Peter Ivanov, how are you? </a:t>
+            </a:r>
+          </a:p>
+        </p:txBody>
+      </p:sp>
+      <p:sp>
+        <p:nvSpPr>
+          <p:cNvPr id="2" name="Slide Number">
+            <a:extLst>
+              <a:ext uri="{FF2B5EF4-FFF2-40B4-BE49-F238E27FC236}">
+                <a16:creationId xmlns:a16="http://schemas.microsoft.com/office/drawing/2014/main" id="{64A96EFE-7C7E-6BC3-7AE9-1717D6F0B30F}"/>
+              </a:ext>
+            </a:extLst>
+          </p:cNvPr>
+          <p:cNvSpPr>
+            <a:spLocks noGrp="1"/>
+          </p:cNvSpPr>
+          <p:nvPr>
+            <p:ph type="sldNum" sz="quarter" idx="5"/>
+          </p:nvPr>
+        </p:nvSpPr>
+        <p:spPr>
+          <a:xfrm>
+            <a:off x="11753030" y="6507000"/>
+            <a:ext cx="367414" cy="297000"/>
+          </a:xfrm>
+          <a:prstGeom prst="rect">
+            <a:avLst/>
+          </a:prstGeom>
+        </p:spPr>
+        <p:txBody>
+          <a:bodyPr vert="horz" lIns="91440" tIns="45720" rIns="91440" bIns="45720" rtlCol="0" anchor="b"/>
+          <a:lstStyle>
+            <a:lvl1pPr algn="r">
+              <a:defRPr sz="1000"/>
+            </a:lvl1pPr>
+          </a:lstStyle>
+          <a:p>
+            <a:fld id="{2BF067CD-8E6B-4360-9AA8-C5DF2A48A6D1}" type="slidenum">
+              <a:rPr lang="en-US" noProof="0" smtClean="0"/>
+              <a:pPr/>
+              <a:t>30</a:t>
+            </a:fld>
+            <a:endParaRPr lang="en-US" noProof="0" dirty="0"/>
+          </a:p>
+        </p:txBody>
+      </p:sp>
+      <p:sp>
+        <p:nvSpPr>
+          <p:cNvPr id="3" name="Текстово поле 2">
+            <a:extLst>
+              <a:ext uri="{FF2B5EF4-FFF2-40B4-BE49-F238E27FC236}">
+                <a16:creationId xmlns:a16="http://schemas.microsoft.com/office/drawing/2014/main" id="{860AB159-62EE-E008-4D92-F672BB899837}"/>
+              </a:ext>
+            </a:extLst>
+          </p:cNvPr>
+          <p:cNvSpPr txBox="1"/>
+          <p:nvPr/>
+        </p:nvSpPr>
+        <p:spPr>
+          <a:xfrm>
+            <a:off x="5325703" y="3033741"/>
+            <a:ext cx="2046000" cy="604049"/>
+          </a:xfrm>
+          <a:prstGeom prst="rect">
+            <a:avLst/>
+          </a:prstGeom>
+          <a:noFill/>
+          <a:ln w="12700">
+            <a:noFill/>
+          </a:ln>
+        </p:spPr>
+        <p:txBody>
+          <a:bodyPr vert="horz" wrap="square" lIns="144000" tIns="108000" rIns="144000" bIns="108000" rtlCol="0">
+            <a:spAutoFit/>
+          </a:bodyPr>
+          <a:lstStyle/>
+          <a:p>
+            <a:pPr algn="l" eaLnBrk="0" hangingPunct="0">
+              <a:lnSpc>
+                <a:spcPct val="110000"/>
+              </a:lnSpc>
+              <a:buClr>
+                <a:schemeClr val="accent5">
+                  <a:lumMod val="40000"/>
+                  <a:lumOff val="60000"/>
+                </a:schemeClr>
+              </a:buClr>
+              <a:buSzPct val="70000"/>
+            </a:pPr>
+            <a:r>
+              <a:rPr lang="en-US" sz="2400" b="1" i="1" dirty="0">
+                <a:solidFill>
+                  <a:schemeClr val="accent2"/>
+                </a:solidFill>
+                <a:latin typeface="Consolas (Основен текст)"/>
+              </a:rPr>
+              <a:t>// e</a:t>
+            </a:r>
+            <a:endParaRPr lang="bg-BG" sz="2400" b="1" dirty="0">
+              <a:latin typeface="Consolas (Основен текст)"/>
+            </a:endParaRPr>
+          </a:p>
+        </p:txBody>
+      </p:sp>
+    </p:spTree>
+    <p:extLst>
+      <p:ext uri="{BB962C8B-B14F-4D97-AF65-F5344CB8AC3E}">
+        <p14:creationId xmlns:p14="http://schemas.microsoft.com/office/powerpoint/2010/main" val="3521294016"/>
+      </p:ext>
+    </p:extLst>
+  </p:cSld>
+  <p:clrMapOvr>
+    <a:masterClrMapping/>
+  </p:clrMapOvr>
+  <mc:AlternateContent xmlns:mc="http://schemas.openxmlformats.org/markup-compatibility/2006" xmlns:p14="http://schemas.microsoft.com/office/powerpoint/2010/main">
+    <mc:Choice Requires="p14">
+      <p:transition spd="slow" p14:dur="2000" advClick="0" advTm="5000"/>
+    </mc:Choice>
+    <mc:Fallback xmlns="">
+      <p:transition spd="slow" advClick="0" advTm="5000"/>
+    </mc:Fallback>
+  </mc:AlternateContent>
+  <p:timing>
+    <p:tnLst>
+      <p:par>
+        <p:cTn id="1" dur="indefinite" restart="never" nodeType="tmRoot">
+          <p:childTnLst>
+            <p:seq concurrent="1" nextAc="seek">
+              <p:cTn id="2" dur="indefinite" nodeType="mainSeq">
+                <p:childTnLst>
+                  <p:par>
+                    <p:cTn id="3" fill="hold">
+                      <p:stCondLst>
+                        <p:cond delay="indefinite"/>
+                      </p:stCondLst>
+                      <p:childTnLst>
+                        <p:par>
+                          <p:cTn id="4" fill="hold">
+                            <p:stCondLst>
+                              <p:cond delay="0"/>
+                            </p:stCondLst>
+                            <p:childTnLst>
+                              <p:par>
+                                <p:cTn id="5" presetID="1" presetClass="entr" presetSubtype="0" fill="hold" grpId="0" nodeType="clickEffect">
+                                  <p:stCondLst>
+                                    <p:cond delay="0"/>
+                                  </p:stCondLst>
+                                  <p:childTnLst>
+                                    <p:set>
+                                      <p:cBhvr>
+                                        <p:cTn id="6" dur="1" fill="hold">
+                                          <p:stCondLst>
+                                            <p:cond delay="0"/>
+                                          </p:stCondLst>
+                                        </p:cTn>
+                                        <p:tgtEl>
+                                          <p:spTgt spid="13"/>
+                                        </p:tgtEl>
+                                        <p:attrNameLst>
+                                          <p:attrName>style.visibility</p:attrName>
+                                        </p:attrNameLst>
+                                      </p:cBhvr>
+                                      <p:to>
+                                        <p:strVal val="visible"/>
+                                      </p:to>
+                                    </p:set>
+                                  </p:childTnLst>
+                                </p:cTn>
+                              </p:par>
+                            </p:childTnLst>
+                          </p:cTn>
+                        </p:par>
+                      </p:childTnLst>
+                    </p:cTn>
+                  </p:par>
+                  <p:par>
+                    <p:cTn id="7" fill="hold">
+                      <p:stCondLst>
+                        <p:cond delay="indefinite"/>
+                      </p:stCondLst>
+                      <p:childTnLst>
+                        <p:par>
+                          <p:cTn id="8" fill="hold">
+                            <p:stCondLst>
+                              <p:cond delay="0"/>
+                            </p:stCondLst>
+                            <p:childTnLst>
+                              <p:par>
+                                <p:cTn id="9" presetID="1" presetClass="entr" presetSubtype="0" fill="hold" nodeType="clickEffect">
+                                  <p:stCondLst>
+                                    <p:cond delay="0"/>
+                                  </p:stCondLst>
+                                  <p:childTnLst>
+                                    <p:set>
+                                      <p:cBhvr>
+                                        <p:cTn id="10" dur="1" fill="hold">
+                                          <p:stCondLst>
+                                            <p:cond delay="0"/>
+                                          </p:stCondLst>
+                                        </p:cTn>
+                                        <p:tgtEl>
+                                          <p:spTgt spid="3">
+                                            <p:txEl>
+                                              <p:pRg st="0" end="0"/>
+                                            </p:txEl>
+                                          </p:spTgt>
+                                        </p:tgtEl>
+                                        <p:attrNameLst>
+                                          <p:attrName>style.visibility</p:attrName>
+                                        </p:attrNameLst>
+                                      </p:cBhvr>
+                                      <p:to>
+                                        <p:strVal val="visible"/>
+                                      </p:to>
+                                    </p:set>
+                                  </p:childTnLst>
+                                </p:cTn>
+                              </p:par>
+                            </p:childTnLst>
+                          </p:cTn>
+                        </p:par>
+                      </p:childTnLst>
+                    </p:cTn>
+                  </p:par>
+                  <p:par>
+                    <p:cTn id="11" fill="hold">
+                      <p:stCondLst>
+                        <p:cond delay="indefinite"/>
+                      </p:stCondLst>
+                      <p:childTnLst>
+                        <p:par>
+                          <p:cTn id="12" fill="hold">
+                            <p:stCondLst>
+                              <p:cond delay="0"/>
+                            </p:stCondLst>
+                            <p:childTnLst>
+                              <p:par>
+                                <p:cTn id="13" presetID="1" presetClass="entr" presetSubtype="0" fill="hold" nodeType="clickEffect">
+                                  <p:stCondLst>
+                                    <p:cond delay="0"/>
+                                  </p:stCondLst>
+                                  <p:childTnLst>
+                                    <p:set>
+                                      <p:cBhvr>
+                                        <p:cTn id="14" dur="1" fill="hold">
+                                          <p:stCondLst>
+                                            <p:cond delay="0"/>
+                                          </p:stCondLst>
+                                        </p:cTn>
+                                        <p:tgtEl>
+                                          <p:spTgt spid="7">
+                                            <p:txEl>
+                                              <p:pRg st="4" end="4"/>
+                                            </p:txEl>
+                                          </p:spTgt>
+                                        </p:tgtEl>
+                                        <p:attrNameLst>
+                                          <p:attrName>style.visibility</p:attrName>
+                                        </p:attrNameLst>
+                                      </p:cBhvr>
+                                      <p:to>
+                                        <p:strVal val="visible"/>
+                                      </p:to>
+                                    </p:set>
+                                  </p:childTnLst>
+                                </p:cTn>
+                              </p:par>
+                              <p:par>
+                                <p:cTn id="15" presetID="1" presetClass="entr" presetSubtype="0" fill="hold" nodeType="withEffect">
+                                  <p:stCondLst>
+                                    <p:cond delay="0"/>
+                                  </p:stCondLst>
+                                  <p:childTnLst>
+                                    <p:set>
+                                      <p:cBhvr>
+                                        <p:cTn id="16" dur="1" fill="hold">
+                                          <p:stCondLst>
+                                            <p:cond delay="0"/>
+                                          </p:stCondLst>
+                                        </p:cTn>
+                                        <p:tgtEl>
+                                          <p:spTgt spid="14">
+                                            <p:txEl>
+                                              <p:pRg st="0" end="0"/>
+                                            </p:txEl>
+                                          </p:spTgt>
+                                        </p:tgtEl>
+                                        <p:attrNameLst>
+                                          <p:attrName>style.visibility</p:attrName>
+                                        </p:attrNameLst>
+                                      </p:cBhvr>
+                                      <p:to>
+                                        <p:strVal val="visible"/>
+                                      </p:to>
+                                    </p:set>
+                                  </p:childTnLst>
+                                </p:cTn>
+                              </p:par>
+                              <p:par>
+                                <p:cTn id="17" presetID="1" presetClass="entr" presetSubtype="0" fill="hold" nodeType="withEffect">
+                                  <p:stCondLst>
+                                    <p:cond delay="0"/>
+                                  </p:stCondLst>
+                                  <p:childTnLst>
+                                    <p:set>
+                                      <p:cBhvr>
+                                        <p:cTn id="18" dur="1" fill="hold">
+                                          <p:stCondLst>
+                                            <p:cond delay="0"/>
+                                          </p:stCondLst>
+                                        </p:cTn>
+                                        <p:tgtEl>
+                                          <p:spTgt spid="14">
+                                            <p:txEl>
+                                              <p:pRg st="1" end="1"/>
+                                            </p:txEl>
+                                          </p:spTgt>
+                                        </p:tgtEl>
+                                        <p:attrNameLst>
+                                          <p:attrName>style.visibility</p:attrName>
+                                        </p:attrNameLst>
+                                      </p:cBhvr>
+                                      <p:to>
+                                        <p:strVal val="visible"/>
+                                      </p:to>
+                                    </p:set>
+                                  </p:childTnLst>
+                                </p:cTn>
+                              </p:par>
+                              <p:par>
+                                <p:cTn id="19" presetID="1" presetClass="entr" presetSubtype="0" fill="hold" grpId="0" nodeType="withEffect">
+                                  <p:stCondLst>
+                                    <p:cond delay="0"/>
+                                  </p:stCondLst>
+                                  <p:childTnLst>
+                                    <p:set>
+                                      <p:cBhvr>
+                                        <p:cTn id="20" dur="1" fill="hold">
+                                          <p:stCondLst>
+                                            <p:cond delay="0"/>
+                                          </p:stCondLst>
+                                        </p:cTn>
+                                        <p:tgtEl>
+                                          <p:spTgt spid="14"/>
+                                        </p:tgtEl>
+                                        <p:attrNameLst>
+                                          <p:attrName>style.visibility</p:attrName>
+                                        </p:attrNameLst>
+                                      </p:cBhvr>
+                                      <p:to>
+                                        <p:strVal val="visible"/>
+                                      </p:to>
+                                    </p:set>
+                                  </p:childTnLst>
+                                </p:cTn>
+                              </p:par>
+                            </p:childTnLst>
+                          </p:cTn>
+                        </p:par>
+                      </p:childTnLst>
+                    </p:cTn>
+                  </p:par>
+                  <p:par>
+                    <p:cTn id="21" fill="hold">
+                      <p:stCondLst>
+                        <p:cond delay="indefinite"/>
+                      </p:stCondLst>
+                      <p:childTnLst>
+                        <p:par>
+                          <p:cTn id="22" fill="hold">
+                            <p:stCondLst>
+                              <p:cond delay="0"/>
+                            </p:stCondLst>
+                            <p:childTnLst>
+                              <p:par>
+                                <p:cTn id="23" presetID="1" presetClass="entr" presetSubtype="0" fill="hold" nodeType="clickEffect">
+                                  <p:stCondLst>
+                                    <p:cond delay="0"/>
+                                  </p:stCondLst>
+                                  <p:childTnLst>
+                                    <p:set>
+                                      <p:cBhvr>
+                                        <p:cTn id="24" dur="1" fill="hold">
+                                          <p:stCondLst>
+                                            <p:cond delay="0"/>
+                                          </p:stCondLst>
+                                        </p:cTn>
+                                        <p:tgtEl>
+                                          <p:spTgt spid="14">
+                                            <p:txEl>
+                                              <p:pRg st="2" end="2"/>
+                                            </p:txEl>
+                                          </p:spTgt>
+                                        </p:tgtEl>
+                                        <p:attrNameLst>
+                                          <p:attrName>style.visibility</p:attrName>
+                                        </p:attrNameLst>
+                                      </p:cBhvr>
+                                      <p:to>
+                                        <p:strVal val="visible"/>
+                                      </p:to>
+                                    </p:set>
+                                  </p:childTnLst>
+                                </p:cTn>
+                              </p:par>
+                            </p:childTnLst>
+                          </p:cTn>
+                        </p:par>
+                      </p:childTnLst>
+                    </p:cTn>
+                  </p:par>
+                </p:childTnLst>
+              </p:cTn>
+              <p:prevCondLst>
+                <p:cond evt="onPrev" delay="0">
+                  <p:tgtEl>
+                    <p:sldTgt/>
+                  </p:tgtEl>
+                </p:cond>
+              </p:prevCondLst>
+              <p:nextCondLst>
+                <p:cond evt="onNext" delay="0">
+                  <p:tgtEl>
+                    <p:sldTgt/>
+                  </p:tgtEl>
+                </p:cond>
+              </p:nextCondLst>
+            </p:seq>
+          </p:childTnLst>
+        </p:cTn>
+      </p:par>
+    </p:tnLst>
+    <p:bldLst>
+      <p:bldP spid="13" grpId="0" animBg="1"/>
+      <p:bldP spid="14" grpId="0" animBg="1"/>
+    </p:bldLst>
+  </p:timing>
+</p:sld>
+</file>
+
+<file path=ppt/slides/slide31.xml><?xml version="1.0" encoding="utf-8"?>
+<p:sld xmlns:a="http://schemas.openxmlformats.org/drawingml/2006/main" xmlns:r="http://schemas.openxmlformats.org/officeDocument/2006/relationships" xmlns:p="http://schemas.openxmlformats.org/presentationml/2006/main">
+  <p:cSld>
+    <p:spTree>
+      <p:nvGrpSpPr>
+        <p:cNvPr id="1" name=""/>
+        <p:cNvGrpSpPr/>
+        <p:nvPr/>
+      </p:nvGrpSpPr>
+      <p:grpSpPr>
+        <a:xfrm>
+          <a:off x="0" y="0"/>
+          <a:ext cx="0" cy="0"/>
+          <a:chOff x="0" y="0"/>
+          <a:chExt cx="0" cy="0"/>
+        </a:xfrm>
+      </p:grpSpPr>
+      <p:sp>
+        <p:nvSpPr>
           <p:cNvPr id="5" name="Текстов контейнер 4">
             <a:extLst>
               <a:ext uri="{FF2B5EF4-FFF2-40B4-BE49-F238E27FC236}">
@@ -32726,7 +33228,7 @@
             <a:fld id="{2BF067CD-8E6B-4360-9AA8-C5DF2A48A6D1}" type="slidenum">
               <a:rPr lang="en-US" noProof="0" smtClean="0"/>
               <a:pPr/>
-              <a:t>30</a:t>
+              <a:t>31</a:t>
             </a:fld>
             <a:endParaRPr lang="en-US" noProof="0" dirty="0"/>
           </a:p>
@@ -32973,7 +33475,7 @@
 </p:sld>
 </file>
 
-<file path=ppt/slides/slide31.xml><?xml version="1.0" encoding="utf-8"?>
+<file path=ppt/slides/slide32.xml><?xml version="1.0" encoding="utf-8"?>
 <p:sld xmlns:a="http://schemas.openxmlformats.org/drawingml/2006/main" xmlns:r="http://schemas.openxmlformats.org/officeDocument/2006/relationships" xmlns:p="http://schemas.openxmlformats.org/presentationml/2006/main">
   <p:cSld>
     <p:spTree>
@@ -33901,7 +34403,7 @@
             <a:fld id="{2BF067CD-8E6B-4360-9AA8-C5DF2A48A6D1}" type="slidenum">
               <a:rPr lang="en-US" noProof="0" smtClean="0"/>
               <a:pPr/>
-              <a:t>31</a:t>
+              <a:t>32</a:t>
             </a:fld>
             <a:endParaRPr lang="en-US" noProof="0" dirty="0"/>
           </a:p>
@@ -34087,7 +34589,7 @@
 </p:sld>
 </file>
 
-<file path=ppt/slides/slide32.xml><?xml version="1.0" encoding="utf-8"?>
+<file path=ppt/slides/slide33.xml><?xml version="1.0" encoding="utf-8"?>
 <p:sld xmlns:a="http://schemas.openxmlformats.org/drawingml/2006/main" xmlns:r="http://schemas.openxmlformats.org/officeDocument/2006/relationships" xmlns:p="http://schemas.openxmlformats.org/presentationml/2006/main">
   <p:cSld>
     <p:spTree>
@@ -34277,7 +34779,7 @@
 </p:sld>
 </file>
 
-<file path=ppt/slides/slide33.xml><?xml version="1.0" encoding="utf-8"?>
+<file path=ppt/slides/slide34.xml><?xml version="1.0" encoding="utf-8"?>
 <p:sld xmlns:a="http://schemas.openxmlformats.org/drawingml/2006/main" xmlns:r="http://schemas.openxmlformats.org/officeDocument/2006/relationships" xmlns:p="http://schemas.openxmlformats.org/presentationml/2006/main" show="0">
   <p:cSld>
     <p:spTree>
@@ -34633,7 +35135,7 @@
             <a:fld id="{2BF067CD-8E6B-4360-9AA8-C5DF2A48A6D1}" type="slidenum">
               <a:rPr lang="en-US" noProof="0" smtClean="0"/>
               <a:pPr/>
-              <a:t>33</a:t>
+              <a:t>34</a:t>
             </a:fld>
             <a:endParaRPr lang="en-US" noProof="0" dirty="0"/>
           </a:p>
@@ -34649,11 +35151,11 @@
   <p:clrMapOvr>
     <a:masterClrMapping/>
   </p:clrMapOvr>
-  <mc:AlternateContent xmlns:mc="http://schemas.openxmlformats.org/markup-compatibility/2006">
-    <mc:Choice xmlns:p14="http://schemas.microsoft.com/office/powerpoint/2010/main" Requires="p14">
+  <mc:AlternateContent xmlns:mc="http://schemas.openxmlformats.org/markup-compatibility/2006" xmlns:p14="http://schemas.microsoft.com/office/powerpoint/2010/main">
+    <mc:Choice Requires="p14">
       <p:transition spd="slow" p14:dur="2000" advClick="0" advTm="5000"/>
     </mc:Choice>
-    <mc:Fallback>
+    <mc:Fallback xmlns="">
       <p:transition spd="slow" advClick="0" advTm="5000"/>
     </mc:Fallback>
   </mc:AlternateContent>

--- a/Courses/Software-Sciences/Module-2-DS-and-Algo/06.1-String-Processing-Basics/06.1-String-Processing-Basics.pptx
+++ b/Courses/Software-Sciences/Module-2-DS-and-Algo/06.1-String-Processing-Basics/06.1-String-Processing-Basics.pptx
@@ -317,7 +317,7 @@
           <a:p>
             <a:fld id="{4E087215-0C8F-4762-A664-737A353EC9A4}" type="datetimeFigureOut">
               <a:rPr lang="bg-BG" smtClean="0"/>
-              <a:t>3.07.24 г.</a:t>
+              <a:t>4.07.24 г.</a:t>
             </a:fld>
             <a:endParaRPr lang="bg-BG"/>
           </a:p>
@@ -513,7 +513,7 @@
           <a:p>
             <a:fld id="{72D84649-876A-46C9-8472-14CB09C070D8}" type="datetimeFigureOut">
               <a:rPr lang="en-US" smtClean="0"/>
-              <a:t>7/3/24</a:t>
+              <a:t>7/4/24</a:t>
             </a:fld>
             <a:endParaRPr lang="en-US"/>
           </a:p>
@@ -15895,11 +15895,11 @@
   <p:clrMapOvr>
     <a:masterClrMapping/>
   </p:clrMapOvr>
-  <mc:AlternateContent xmlns:mc="http://schemas.openxmlformats.org/markup-compatibility/2006">
-    <mc:Choice xmlns:p14="http://schemas.microsoft.com/office/powerpoint/2010/main" Requires="p14">
+  <mc:AlternateContent xmlns:mc="http://schemas.openxmlformats.org/markup-compatibility/2006" xmlns:p14="http://schemas.microsoft.com/office/powerpoint/2010/main">
+    <mc:Choice Requires="p14">
       <p:transition spd="slow" p14:dur="2000" advClick="0" advTm="5000"/>
     </mc:Choice>
-    <mc:Fallback>
+    <mc:Fallback xmlns="">
       <p:transition spd="slow" advClick="0" advTm="5000"/>
     </mc:Fallback>
   </mc:AlternateContent>
